--- a/apesentacaoNestJS.pptx
+++ b/apesentacaoNestJS.pptx
@@ -1,26 +1,127 @@
 
 <file path=ppt/presentation.xml><?xml version="1.0" encoding="utf-8"?>
-<p:presentation xmlns:a="http://schemas.openxmlformats.org/drawingml/2006/main" xmlns:p="http://schemas.openxmlformats.org/presentationml/2006/main" xmlns:r="http://schemas.openxmlformats.org/officeDocument/2006/relationships" xmlns:p14="http://schemas.microsoft.com/office/powerpoint/2010/main" xmlns:p15="http://schemas.microsoft.com/office/powerpoint/2012/main" xmlns:mc="http://schemas.openxmlformats.org/markup-compatibility/2006">
+<p:presentation xmlns:a="http://schemas.openxmlformats.org/drawingml/2006/main" xmlns:r="http://schemas.openxmlformats.org/officeDocument/2006/relationships" xmlns:p="http://schemas.openxmlformats.org/presentationml/2006/main">
   <p:sldMasterIdLst>
-    <p:sldMasterId id="2147483648" r:id="rId2"/>
+    <p:sldMasterId id="2147483648" r:id="rId1"/>
   </p:sldMasterIdLst>
   <p:sldIdLst>
-    <p:sldId id="256" r:id="rId3"/>
-    <p:sldId id="257" r:id="rId4"/>
-    <p:sldId id="258" r:id="rId5"/>
-    <p:sldId id="259" r:id="rId6"/>
-    <p:sldId id="260" r:id="rId7"/>
-    <p:sldId id="261" r:id="rId8"/>
+    <p:sldId id="256" r:id="rId2"/>
+    <p:sldId id="257" r:id="rId3"/>
+    <p:sldId id="258" r:id="rId4"/>
+    <p:sldId id="259" r:id="rId5"/>
+    <p:sldId id="260" r:id="rId6"/>
+    <p:sldId id="261" r:id="rId7"/>
+    <p:sldId id="264" r:id="rId8"/>
     <p:sldId id="262" r:id="rId9"/>
     <p:sldId id="263" r:id="rId10"/>
   </p:sldIdLst>
   <p:sldSz cx="10080625" cy="5670550"/>
-  <p:notesSz cx="7559675" cy="10691812"/>
+  <p:notesSz cx="7559675" cy="10691813"/>
+  <p:defaultTextStyle>
+    <a:defPPr>
+      <a:defRPr lang="pt-BR"/>
+    </a:defPPr>
+    <a:lvl1pPr marL="0" algn="l" defTabSz="914400" rtl="0" eaLnBrk="1" latinLnBrk="0" hangingPunct="1">
+      <a:defRPr sz="1800" kern="1200">
+        <a:solidFill>
+          <a:schemeClr val="tx1"/>
+        </a:solidFill>
+        <a:latin typeface="+mn-lt"/>
+        <a:ea typeface="+mn-ea"/>
+        <a:cs typeface="+mn-cs"/>
+      </a:defRPr>
+    </a:lvl1pPr>
+    <a:lvl2pPr marL="457200" algn="l" defTabSz="914400" rtl="0" eaLnBrk="1" latinLnBrk="0" hangingPunct="1">
+      <a:defRPr sz="1800" kern="1200">
+        <a:solidFill>
+          <a:schemeClr val="tx1"/>
+        </a:solidFill>
+        <a:latin typeface="+mn-lt"/>
+        <a:ea typeface="+mn-ea"/>
+        <a:cs typeface="+mn-cs"/>
+      </a:defRPr>
+    </a:lvl2pPr>
+    <a:lvl3pPr marL="914400" algn="l" defTabSz="914400" rtl="0" eaLnBrk="1" latinLnBrk="0" hangingPunct="1">
+      <a:defRPr sz="1800" kern="1200">
+        <a:solidFill>
+          <a:schemeClr val="tx1"/>
+        </a:solidFill>
+        <a:latin typeface="+mn-lt"/>
+        <a:ea typeface="+mn-ea"/>
+        <a:cs typeface="+mn-cs"/>
+      </a:defRPr>
+    </a:lvl3pPr>
+    <a:lvl4pPr marL="1371600" algn="l" defTabSz="914400" rtl="0" eaLnBrk="1" latinLnBrk="0" hangingPunct="1">
+      <a:defRPr sz="1800" kern="1200">
+        <a:solidFill>
+          <a:schemeClr val="tx1"/>
+        </a:solidFill>
+        <a:latin typeface="+mn-lt"/>
+        <a:ea typeface="+mn-ea"/>
+        <a:cs typeface="+mn-cs"/>
+      </a:defRPr>
+    </a:lvl4pPr>
+    <a:lvl5pPr marL="1828800" algn="l" defTabSz="914400" rtl="0" eaLnBrk="1" latinLnBrk="0" hangingPunct="1">
+      <a:defRPr sz="1800" kern="1200">
+        <a:solidFill>
+          <a:schemeClr val="tx1"/>
+        </a:solidFill>
+        <a:latin typeface="+mn-lt"/>
+        <a:ea typeface="+mn-ea"/>
+        <a:cs typeface="+mn-cs"/>
+      </a:defRPr>
+    </a:lvl5pPr>
+    <a:lvl6pPr marL="2286000" algn="l" defTabSz="914400" rtl="0" eaLnBrk="1" latinLnBrk="0" hangingPunct="1">
+      <a:defRPr sz="1800" kern="1200">
+        <a:solidFill>
+          <a:schemeClr val="tx1"/>
+        </a:solidFill>
+        <a:latin typeface="+mn-lt"/>
+        <a:ea typeface="+mn-ea"/>
+        <a:cs typeface="+mn-cs"/>
+      </a:defRPr>
+    </a:lvl6pPr>
+    <a:lvl7pPr marL="2743200" algn="l" defTabSz="914400" rtl="0" eaLnBrk="1" latinLnBrk="0" hangingPunct="1">
+      <a:defRPr sz="1800" kern="1200">
+        <a:solidFill>
+          <a:schemeClr val="tx1"/>
+        </a:solidFill>
+        <a:latin typeface="+mn-lt"/>
+        <a:ea typeface="+mn-ea"/>
+        <a:cs typeface="+mn-cs"/>
+      </a:defRPr>
+    </a:lvl7pPr>
+    <a:lvl8pPr marL="3200400" algn="l" defTabSz="914400" rtl="0" eaLnBrk="1" latinLnBrk="0" hangingPunct="1">
+      <a:defRPr sz="1800" kern="1200">
+        <a:solidFill>
+          <a:schemeClr val="tx1"/>
+        </a:solidFill>
+        <a:latin typeface="+mn-lt"/>
+        <a:ea typeface="+mn-ea"/>
+        <a:cs typeface="+mn-cs"/>
+      </a:defRPr>
+    </a:lvl8pPr>
+    <a:lvl9pPr marL="3657600" algn="l" defTabSz="914400" rtl="0" eaLnBrk="1" latinLnBrk="0" hangingPunct="1">
+      <a:defRPr sz="1800" kern="1200">
+        <a:solidFill>
+          <a:schemeClr val="tx1"/>
+        </a:solidFill>
+        <a:latin typeface="+mn-lt"/>
+        <a:ea typeface="+mn-ea"/>
+        <a:cs typeface="+mn-cs"/>
+      </a:defRPr>
+    </a:lvl9pPr>
+  </p:defaultTextStyle>
+  <p:extLst>
+    <p:ext uri="{EFAFB233-063F-42B5-8137-9DF3F51BA10A}">
+      <p15:sldGuideLst xmlns:p15="http://schemas.microsoft.com/office/powerpoint/2012/main"/>
+    </p:ext>
+  </p:extLst>
 </p:presentation>
 </file>
 
 <file path=ppt/slideLayouts/slideLayout1.xml><?xml version="1.0" encoding="utf-8"?>
-<p:sldLayout xmlns:a="http://schemas.openxmlformats.org/drawingml/2006/main" xmlns:p="http://schemas.openxmlformats.org/presentationml/2006/main" xmlns:r="http://schemas.openxmlformats.org/officeDocument/2006/relationships" xmlns:p14="http://schemas.microsoft.com/office/powerpoint/2010/main" xmlns:p15="http://schemas.microsoft.com/office/powerpoint/2012/main" xmlns:mc="http://schemas.openxmlformats.org/markup-compatibility/2006" type="blank" preserve="1">
+<p:sldLayout xmlns:a="http://schemas.openxmlformats.org/drawingml/2006/main" xmlns:r="http://schemas.openxmlformats.org/officeDocument/2006/relationships" xmlns:p="http://schemas.openxmlformats.org/presentationml/2006/main" type="blank" preserve="1">
   <p:cSld name="Blank Slide">
     <p:spTree>
       <p:nvGrpSpPr>
@@ -38,11 +139,14 @@
       </p:grpSpPr>
     </p:spTree>
   </p:cSld>
+  <p:clrMapOvr>
+    <a:masterClrMapping/>
+  </p:clrMapOvr>
 </p:sldLayout>
 </file>
 
 <file path=ppt/slideLayouts/slideLayout10.xml><?xml version="1.0" encoding="utf-8"?>
-<p:sldLayout xmlns:a="http://schemas.openxmlformats.org/drawingml/2006/main" xmlns:p="http://schemas.openxmlformats.org/presentationml/2006/main" xmlns:r="http://schemas.openxmlformats.org/officeDocument/2006/relationships" xmlns:p14="http://schemas.microsoft.com/office/powerpoint/2010/main" xmlns:p15="http://schemas.microsoft.com/office/powerpoint/2012/main" xmlns:mc="http://schemas.openxmlformats.org/markup-compatibility/2006" type="objOverTx" preserve="1">
+<p:sldLayout xmlns:a="http://schemas.openxmlformats.org/drawingml/2006/main" xmlns:r="http://schemas.openxmlformats.org/officeDocument/2006/relationships" xmlns:p="http://schemas.openxmlformats.org/presentationml/2006/main" type="objOverTx" preserve="1">
   <p:cSld name="Title, Content over Content">
     <p:spTree>
       <p:nvGrpSpPr>
@@ -78,12 +182,13 @@
           </a:prstGeom>
         </p:spPr>
         <p:txBody>
-          <a:bodyPr lIns="0" rIns="0" tIns="0" bIns="0" anchor="ctr">
+          <a:bodyPr lIns="0" tIns="0" rIns="0" bIns="0" anchor="ctr">
             <a:spAutoFit/>
           </a:bodyPr>
+          <a:lstStyle/>
           <a:p>
             <a:pPr algn="ctr"/>
-            <a:endParaRPr b="0" lang="en-US" sz="4400" spc="-1" strike="noStrike">
+            <a:endParaRPr lang="en-US" sz="4400" b="0" strike="noStrike" spc="-1">
               <a:latin typeface="Arial"/>
             </a:endParaRPr>
           </a:p>
@@ -109,11 +214,12 @@
           </a:prstGeom>
         </p:spPr>
         <p:txBody>
-          <a:bodyPr lIns="0" rIns="0" tIns="0" bIns="0">
+          <a:bodyPr lIns="0" tIns="0" rIns="0" bIns="0">
             <a:normAutofit/>
           </a:bodyPr>
-          <a:p>
-            <a:endParaRPr b="0" lang="en-US" sz="3200" spc="-1" strike="noStrike">
+          <a:lstStyle/>
+          <a:p>
+            <a:endParaRPr lang="en-US" sz="3200" b="0" strike="noStrike" spc="-1">
               <a:latin typeface="Arial"/>
             </a:endParaRPr>
           </a:p>
@@ -139,11 +245,12 @@
           </a:prstGeom>
         </p:spPr>
         <p:txBody>
-          <a:bodyPr lIns="0" rIns="0" tIns="0" bIns="0">
+          <a:bodyPr lIns="0" tIns="0" rIns="0" bIns="0">
             <a:normAutofit/>
           </a:bodyPr>
-          <a:p>
-            <a:endParaRPr b="0" lang="en-US" sz="3200" spc="-1" strike="noStrike">
+          <a:lstStyle/>
+          <a:p>
+            <a:endParaRPr lang="en-US" sz="3200" b="0" strike="noStrike" spc="-1">
               <a:latin typeface="Arial"/>
             </a:endParaRPr>
           </a:p>
@@ -151,11 +258,14 @@
       </p:sp>
     </p:spTree>
   </p:cSld>
+  <p:clrMapOvr>
+    <a:masterClrMapping/>
+  </p:clrMapOvr>
 </p:sldLayout>
 </file>
 
 <file path=ppt/slideLayouts/slideLayout11.xml><?xml version="1.0" encoding="utf-8"?>
-<p:sldLayout xmlns:a="http://schemas.openxmlformats.org/drawingml/2006/main" xmlns:p="http://schemas.openxmlformats.org/presentationml/2006/main" xmlns:r="http://schemas.openxmlformats.org/officeDocument/2006/relationships" xmlns:p14="http://schemas.microsoft.com/office/powerpoint/2010/main" xmlns:p15="http://schemas.microsoft.com/office/powerpoint/2012/main" xmlns:mc="http://schemas.openxmlformats.org/markup-compatibility/2006" type="fourObj" preserve="1">
+<p:sldLayout xmlns:a="http://schemas.openxmlformats.org/drawingml/2006/main" xmlns:r="http://schemas.openxmlformats.org/officeDocument/2006/relationships" xmlns:p="http://schemas.openxmlformats.org/presentationml/2006/main" type="fourObj" preserve="1">
   <p:cSld name="Title, 4 Content">
     <p:spTree>
       <p:nvGrpSpPr>
@@ -191,12 +301,13 @@
           </a:prstGeom>
         </p:spPr>
         <p:txBody>
-          <a:bodyPr lIns="0" rIns="0" tIns="0" bIns="0" anchor="ctr">
+          <a:bodyPr lIns="0" tIns="0" rIns="0" bIns="0" anchor="ctr">
             <a:spAutoFit/>
           </a:bodyPr>
+          <a:lstStyle/>
           <a:p>
             <a:pPr algn="ctr"/>
-            <a:endParaRPr b="0" lang="en-US" sz="4400" spc="-1" strike="noStrike">
+            <a:endParaRPr lang="en-US" sz="4400" b="0" strike="noStrike" spc="-1">
               <a:latin typeface="Arial"/>
             </a:endParaRPr>
           </a:p>
@@ -222,11 +333,12 @@
           </a:prstGeom>
         </p:spPr>
         <p:txBody>
-          <a:bodyPr lIns="0" rIns="0" tIns="0" bIns="0">
+          <a:bodyPr lIns="0" tIns="0" rIns="0" bIns="0">
             <a:normAutofit/>
           </a:bodyPr>
-          <a:p>
-            <a:endParaRPr b="0" lang="en-US" sz="3200" spc="-1" strike="noStrike">
+          <a:lstStyle/>
+          <a:p>
+            <a:endParaRPr lang="en-US" sz="3200" b="0" strike="noStrike" spc="-1">
               <a:latin typeface="Arial"/>
             </a:endParaRPr>
           </a:p>
@@ -252,11 +364,12 @@
           </a:prstGeom>
         </p:spPr>
         <p:txBody>
-          <a:bodyPr lIns="0" rIns="0" tIns="0" bIns="0">
+          <a:bodyPr lIns="0" tIns="0" rIns="0" bIns="0">
             <a:normAutofit/>
           </a:bodyPr>
-          <a:p>
-            <a:endParaRPr b="0" lang="en-US" sz="3200" spc="-1" strike="noStrike">
+          <a:lstStyle/>
+          <a:p>
+            <a:endParaRPr lang="en-US" sz="3200" b="0" strike="noStrike" spc="-1">
               <a:latin typeface="Arial"/>
             </a:endParaRPr>
           </a:p>
@@ -282,11 +395,12 @@
           </a:prstGeom>
         </p:spPr>
         <p:txBody>
-          <a:bodyPr lIns="0" rIns="0" tIns="0" bIns="0">
+          <a:bodyPr lIns="0" tIns="0" rIns="0" bIns="0">
             <a:normAutofit/>
           </a:bodyPr>
-          <a:p>
-            <a:endParaRPr b="0" lang="en-US" sz="3200" spc="-1" strike="noStrike">
+          <a:lstStyle/>
+          <a:p>
+            <a:endParaRPr lang="en-US" sz="3200" b="0" strike="noStrike" spc="-1">
               <a:latin typeface="Arial"/>
             </a:endParaRPr>
           </a:p>
@@ -312,11 +426,12 @@
           </a:prstGeom>
         </p:spPr>
         <p:txBody>
-          <a:bodyPr lIns="0" rIns="0" tIns="0" bIns="0">
+          <a:bodyPr lIns="0" tIns="0" rIns="0" bIns="0">
             <a:normAutofit/>
           </a:bodyPr>
-          <a:p>
-            <a:endParaRPr b="0" lang="en-US" sz="3200" spc="-1" strike="noStrike">
+          <a:lstStyle/>
+          <a:p>
+            <a:endParaRPr lang="en-US" sz="3200" b="0" strike="noStrike" spc="-1">
               <a:latin typeface="Arial"/>
             </a:endParaRPr>
           </a:p>
@@ -324,11 +439,14 @@
       </p:sp>
     </p:spTree>
   </p:cSld>
+  <p:clrMapOvr>
+    <a:masterClrMapping/>
+  </p:clrMapOvr>
 </p:sldLayout>
 </file>
 
 <file path=ppt/slideLayouts/slideLayout12.xml><?xml version="1.0" encoding="utf-8"?>
-<p:sldLayout xmlns:a="http://schemas.openxmlformats.org/drawingml/2006/main" xmlns:p="http://schemas.openxmlformats.org/presentationml/2006/main" xmlns:r="http://schemas.openxmlformats.org/officeDocument/2006/relationships" xmlns:p14="http://schemas.microsoft.com/office/powerpoint/2010/main" xmlns:p15="http://schemas.microsoft.com/office/powerpoint/2012/main" xmlns:mc="http://schemas.openxmlformats.org/markup-compatibility/2006" type="blank" preserve="1">
+<p:sldLayout xmlns:a="http://schemas.openxmlformats.org/drawingml/2006/main" xmlns:r="http://schemas.openxmlformats.org/officeDocument/2006/relationships" xmlns:p="http://schemas.openxmlformats.org/presentationml/2006/main" type="blank" preserve="1">
   <p:cSld name="Title, 6 Content">
     <p:spTree>
       <p:nvGrpSpPr>
@@ -364,12 +482,13 @@
           </a:prstGeom>
         </p:spPr>
         <p:txBody>
-          <a:bodyPr lIns="0" rIns="0" tIns="0" bIns="0" anchor="ctr">
+          <a:bodyPr lIns="0" tIns="0" rIns="0" bIns="0" anchor="ctr">
             <a:spAutoFit/>
           </a:bodyPr>
+          <a:lstStyle/>
           <a:p>
             <a:pPr algn="ctr"/>
-            <a:endParaRPr b="0" lang="en-US" sz="4400" spc="-1" strike="noStrike">
+            <a:endParaRPr lang="en-US" sz="4400" b="0" strike="noStrike" spc="-1">
               <a:latin typeface="Arial"/>
             </a:endParaRPr>
           </a:p>
@@ -395,11 +514,12 @@
           </a:prstGeom>
         </p:spPr>
         <p:txBody>
-          <a:bodyPr lIns="0" rIns="0" tIns="0" bIns="0">
+          <a:bodyPr lIns="0" tIns="0" rIns="0" bIns="0">
             <a:normAutofit/>
           </a:bodyPr>
-          <a:p>
-            <a:endParaRPr b="0" lang="en-US" sz="3200" spc="-1" strike="noStrike">
+          <a:lstStyle/>
+          <a:p>
+            <a:endParaRPr lang="en-US" sz="3200" b="0" strike="noStrike" spc="-1">
               <a:latin typeface="Arial"/>
             </a:endParaRPr>
           </a:p>
@@ -425,11 +545,12 @@
           </a:prstGeom>
         </p:spPr>
         <p:txBody>
-          <a:bodyPr lIns="0" rIns="0" tIns="0" bIns="0">
+          <a:bodyPr lIns="0" tIns="0" rIns="0" bIns="0">
             <a:normAutofit/>
           </a:bodyPr>
-          <a:p>
-            <a:endParaRPr b="0" lang="en-US" sz="3200" spc="-1" strike="noStrike">
+          <a:lstStyle/>
+          <a:p>
+            <a:endParaRPr lang="en-US" sz="3200" b="0" strike="noStrike" spc="-1">
               <a:latin typeface="Arial"/>
             </a:endParaRPr>
           </a:p>
@@ -455,11 +576,12 @@
           </a:prstGeom>
         </p:spPr>
         <p:txBody>
-          <a:bodyPr lIns="0" rIns="0" tIns="0" bIns="0">
+          <a:bodyPr lIns="0" tIns="0" rIns="0" bIns="0">
             <a:normAutofit/>
           </a:bodyPr>
-          <a:p>
-            <a:endParaRPr b="0" lang="en-US" sz="3200" spc="-1" strike="noStrike">
+          <a:lstStyle/>
+          <a:p>
+            <a:endParaRPr lang="en-US" sz="3200" b="0" strike="noStrike" spc="-1">
               <a:latin typeface="Arial"/>
             </a:endParaRPr>
           </a:p>
@@ -485,11 +607,12 @@
           </a:prstGeom>
         </p:spPr>
         <p:txBody>
-          <a:bodyPr lIns="0" rIns="0" tIns="0" bIns="0">
+          <a:bodyPr lIns="0" tIns="0" rIns="0" bIns="0">
             <a:normAutofit/>
           </a:bodyPr>
-          <a:p>
-            <a:endParaRPr b="0" lang="en-US" sz="3200" spc="-1" strike="noStrike">
+          <a:lstStyle/>
+          <a:p>
+            <a:endParaRPr lang="en-US" sz="3200" b="0" strike="noStrike" spc="-1">
               <a:latin typeface="Arial"/>
             </a:endParaRPr>
           </a:p>
@@ -515,11 +638,12 @@
           </a:prstGeom>
         </p:spPr>
         <p:txBody>
-          <a:bodyPr lIns="0" rIns="0" tIns="0" bIns="0">
+          <a:bodyPr lIns="0" tIns="0" rIns="0" bIns="0">
             <a:normAutofit/>
           </a:bodyPr>
-          <a:p>
-            <a:endParaRPr b="0" lang="en-US" sz="3200" spc="-1" strike="noStrike">
+          <a:lstStyle/>
+          <a:p>
+            <a:endParaRPr lang="en-US" sz="3200" b="0" strike="noStrike" spc="-1">
               <a:latin typeface="Arial"/>
             </a:endParaRPr>
           </a:p>
@@ -545,11 +669,12 @@
           </a:prstGeom>
         </p:spPr>
         <p:txBody>
-          <a:bodyPr lIns="0" rIns="0" tIns="0" bIns="0">
+          <a:bodyPr lIns="0" tIns="0" rIns="0" bIns="0">
             <a:normAutofit/>
           </a:bodyPr>
-          <a:p>
-            <a:endParaRPr b="0" lang="en-US" sz="3200" spc="-1" strike="noStrike">
+          <a:lstStyle/>
+          <a:p>
+            <a:endParaRPr lang="en-US" sz="3200" b="0" strike="noStrike" spc="-1">
               <a:latin typeface="Arial"/>
             </a:endParaRPr>
           </a:p>
@@ -557,11 +682,14 @@
       </p:sp>
     </p:spTree>
   </p:cSld>
+  <p:clrMapOvr>
+    <a:masterClrMapping/>
+  </p:clrMapOvr>
 </p:sldLayout>
 </file>
 
 <file path=ppt/slideLayouts/slideLayout2.xml><?xml version="1.0" encoding="utf-8"?>
-<p:sldLayout xmlns:a="http://schemas.openxmlformats.org/drawingml/2006/main" xmlns:p="http://schemas.openxmlformats.org/presentationml/2006/main" xmlns:r="http://schemas.openxmlformats.org/officeDocument/2006/relationships" xmlns:p14="http://schemas.microsoft.com/office/powerpoint/2010/main" xmlns:p15="http://schemas.microsoft.com/office/powerpoint/2012/main" xmlns:mc="http://schemas.openxmlformats.org/markup-compatibility/2006" type="tx" preserve="1">
+<p:sldLayout xmlns:a="http://schemas.openxmlformats.org/drawingml/2006/main" xmlns:r="http://schemas.openxmlformats.org/officeDocument/2006/relationships" xmlns:p="http://schemas.openxmlformats.org/presentationml/2006/main" type="tx" preserve="1">
   <p:cSld name="Title Slide">
     <p:spTree>
       <p:nvGrpSpPr>
@@ -597,12 +725,13 @@
           </a:prstGeom>
         </p:spPr>
         <p:txBody>
-          <a:bodyPr lIns="0" rIns="0" tIns="0" bIns="0" anchor="ctr">
+          <a:bodyPr lIns="0" tIns="0" rIns="0" bIns="0" anchor="ctr">
             <a:spAutoFit/>
           </a:bodyPr>
+          <a:lstStyle/>
           <a:p>
             <a:pPr algn="ctr"/>
-            <a:endParaRPr b="0" lang="en-US" sz="4400" spc="-1" strike="noStrike">
+            <a:endParaRPr lang="en-US" sz="4400" b="0" strike="noStrike" spc="-1">
               <a:latin typeface="Arial"/>
             </a:endParaRPr>
           </a:p>
@@ -628,12 +757,13 @@
           </a:prstGeom>
         </p:spPr>
         <p:txBody>
-          <a:bodyPr lIns="0" rIns="0" tIns="0" bIns="0" anchor="ctr">
+          <a:bodyPr lIns="0" tIns="0" rIns="0" bIns="0" anchor="ctr">
             <a:spAutoFit/>
           </a:bodyPr>
+          <a:lstStyle/>
           <a:p>
             <a:pPr algn="ctr"/>
-            <a:endParaRPr b="0" lang="en-US" sz="3200" spc="-1" strike="noStrike">
+            <a:endParaRPr lang="en-US" sz="3200" b="0" strike="noStrike" spc="-1">
               <a:latin typeface="Arial"/>
             </a:endParaRPr>
           </a:p>
@@ -641,11 +771,14 @@
       </p:sp>
     </p:spTree>
   </p:cSld>
+  <p:clrMapOvr>
+    <a:masterClrMapping/>
+  </p:clrMapOvr>
 </p:sldLayout>
 </file>
 
 <file path=ppt/slideLayouts/slideLayout3.xml><?xml version="1.0" encoding="utf-8"?>
-<p:sldLayout xmlns:a="http://schemas.openxmlformats.org/drawingml/2006/main" xmlns:p="http://schemas.openxmlformats.org/presentationml/2006/main" xmlns:r="http://schemas.openxmlformats.org/officeDocument/2006/relationships" xmlns:p14="http://schemas.microsoft.com/office/powerpoint/2010/main" xmlns:p15="http://schemas.microsoft.com/office/powerpoint/2012/main" xmlns:mc="http://schemas.openxmlformats.org/markup-compatibility/2006" type="obj" preserve="1">
+<p:sldLayout xmlns:a="http://schemas.openxmlformats.org/drawingml/2006/main" xmlns:r="http://schemas.openxmlformats.org/officeDocument/2006/relationships" xmlns:p="http://schemas.openxmlformats.org/presentationml/2006/main" type="obj" preserve="1">
   <p:cSld name="Title, Content">
     <p:spTree>
       <p:nvGrpSpPr>
@@ -681,12 +814,13 @@
           </a:prstGeom>
         </p:spPr>
         <p:txBody>
-          <a:bodyPr lIns="0" rIns="0" tIns="0" bIns="0" anchor="ctr">
+          <a:bodyPr lIns="0" tIns="0" rIns="0" bIns="0" anchor="ctr">
             <a:spAutoFit/>
           </a:bodyPr>
+          <a:lstStyle/>
           <a:p>
             <a:pPr algn="ctr"/>
-            <a:endParaRPr b="0" lang="en-US" sz="4400" spc="-1" strike="noStrike">
+            <a:endParaRPr lang="en-US" sz="4400" b="0" strike="noStrike" spc="-1">
               <a:latin typeface="Arial"/>
             </a:endParaRPr>
           </a:p>
@@ -712,11 +846,12 @@
           </a:prstGeom>
         </p:spPr>
         <p:txBody>
-          <a:bodyPr lIns="0" rIns="0" tIns="0" bIns="0">
+          <a:bodyPr lIns="0" tIns="0" rIns="0" bIns="0">
             <a:normAutofit/>
           </a:bodyPr>
-          <a:p>
-            <a:endParaRPr b="0" lang="en-US" sz="3200" spc="-1" strike="noStrike">
+          <a:lstStyle/>
+          <a:p>
+            <a:endParaRPr lang="en-US" sz="3200" b="0" strike="noStrike" spc="-1">
               <a:latin typeface="Arial"/>
             </a:endParaRPr>
           </a:p>
@@ -724,11 +859,14 @@
       </p:sp>
     </p:spTree>
   </p:cSld>
+  <p:clrMapOvr>
+    <a:masterClrMapping/>
+  </p:clrMapOvr>
 </p:sldLayout>
 </file>
 
 <file path=ppt/slideLayouts/slideLayout4.xml><?xml version="1.0" encoding="utf-8"?>
-<p:sldLayout xmlns:a="http://schemas.openxmlformats.org/drawingml/2006/main" xmlns:p="http://schemas.openxmlformats.org/presentationml/2006/main" xmlns:r="http://schemas.openxmlformats.org/officeDocument/2006/relationships" xmlns:p14="http://schemas.microsoft.com/office/powerpoint/2010/main" xmlns:p15="http://schemas.microsoft.com/office/powerpoint/2012/main" xmlns:mc="http://schemas.openxmlformats.org/markup-compatibility/2006" type="twoObj" preserve="1">
+<p:sldLayout xmlns:a="http://schemas.openxmlformats.org/drawingml/2006/main" xmlns:r="http://schemas.openxmlformats.org/officeDocument/2006/relationships" xmlns:p="http://schemas.openxmlformats.org/presentationml/2006/main" type="twoObj" preserve="1">
   <p:cSld name="Title, 2 Content">
     <p:spTree>
       <p:nvGrpSpPr>
@@ -764,12 +902,13 @@
           </a:prstGeom>
         </p:spPr>
         <p:txBody>
-          <a:bodyPr lIns="0" rIns="0" tIns="0" bIns="0" anchor="ctr">
+          <a:bodyPr lIns="0" tIns="0" rIns="0" bIns="0" anchor="ctr">
             <a:spAutoFit/>
           </a:bodyPr>
+          <a:lstStyle/>
           <a:p>
             <a:pPr algn="ctr"/>
-            <a:endParaRPr b="0" lang="en-US" sz="4400" spc="-1" strike="noStrike">
+            <a:endParaRPr lang="en-US" sz="4400" b="0" strike="noStrike" spc="-1">
               <a:latin typeface="Arial"/>
             </a:endParaRPr>
           </a:p>
@@ -795,11 +934,12 @@
           </a:prstGeom>
         </p:spPr>
         <p:txBody>
-          <a:bodyPr lIns="0" rIns="0" tIns="0" bIns="0">
+          <a:bodyPr lIns="0" tIns="0" rIns="0" bIns="0">
             <a:normAutofit/>
           </a:bodyPr>
-          <a:p>
-            <a:endParaRPr b="0" lang="en-US" sz="3200" spc="-1" strike="noStrike">
+          <a:lstStyle/>
+          <a:p>
+            <a:endParaRPr lang="en-US" sz="3200" b="0" strike="noStrike" spc="-1">
               <a:latin typeface="Arial"/>
             </a:endParaRPr>
           </a:p>
@@ -825,11 +965,12 @@
           </a:prstGeom>
         </p:spPr>
         <p:txBody>
-          <a:bodyPr lIns="0" rIns="0" tIns="0" bIns="0">
+          <a:bodyPr lIns="0" tIns="0" rIns="0" bIns="0">
             <a:normAutofit/>
           </a:bodyPr>
-          <a:p>
-            <a:endParaRPr b="0" lang="en-US" sz="3200" spc="-1" strike="noStrike">
+          <a:lstStyle/>
+          <a:p>
+            <a:endParaRPr lang="en-US" sz="3200" b="0" strike="noStrike" spc="-1">
               <a:latin typeface="Arial"/>
             </a:endParaRPr>
           </a:p>
@@ -837,11 +978,14 @@
       </p:sp>
     </p:spTree>
   </p:cSld>
+  <p:clrMapOvr>
+    <a:masterClrMapping/>
+  </p:clrMapOvr>
 </p:sldLayout>
 </file>
 
 <file path=ppt/slideLayouts/slideLayout5.xml><?xml version="1.0" encoding="utf-8"?>
-<p:sldLayout xmlns:a="http://schemas.openxmlformats.org/drawingml/2006/main" xmlns:p="http://schemas.openxmlformats.org/presentationml/2006/main" xmlns:r="http://schemas.openxmlformats.org/officeDocument/2006/relationships" xmlns:p14="http://schemas.microsoft.com/office/powerpoint/2010/main" xmlns:p15="http://schemas.microsoft.com/office/powerpoint/2012/main" xmlns:mc="http://schemas.openxmlformats.org/markup-compatibility/2006" type="titleOnly" preserve="1">
+<p:sldLayout xmlns:a="http://schemas.openxmlformats.org/drawingml/2006/main" xmlns:r="http://schemas.openxmlformats.org/officeDocument/2006/relationships" xmlns:p="http://schemas.openxmlformats.org/presentationml/2006/main" type="titleOnly" preserve="1">
   <p:cSld name="Title Only">
     <p:spTree>
       <p:nvGrpSpPr>
@@ -877,12 +1021,13 @@
           </a:prstGeom>
         </p:spPr>
         <p:txBody>
-          <a:bodyPr lIns="0" rIns="0" tIns="0" bIns="0" anchor="ctr">
+          <a:bodyPr lIns="0" tIns="0" rIns="0" bIns="0" anchor="ctr">
             <a:spAutoFit/>
           </a:bodyPr>
+          <a:lstStyle/>
           <a:p>
             <a:pPr algn="ctr"/>
-            <a:endParaRPr b="0" lang="en-US" sz="4400" spc="-1" strike="noStrike">
+            <a:endParaRPr lang="en-US" sz="4400" b="0" strike="noStrike" spc="-1">
               <a:latin typeface="Arial"/>
             </a:endParaRPr>
           </a:p>
@@ -890,11 +1035,14 @@
       </p:sp>
     </p:spTree>
   </p:cSld>
+  <p:clrMapOvr>
+    <a:masterClrMapping/>
+  </p:clrMapOvr>
 </p:sldLayout>
 </file>
 
 <file path=ppt/slideLayouts/slideLayout6.xml><?xml version="1.0" encoding="utf-8"?>
-<p:sldLayout xmlns:a="http://schemas.openxmlformats.org/drawingml/2006/main" xmlns:p="http://schemas.openxmlformats.org/presentationml/2006/main" xmlns:r="http://schemas.openxmlformats.org/officeDocument/2006/relationships" xmlns:p14="http://schemas.microsoft.com/office/powerpoint/2010/main" xmlns:p15="http://schemas.microsoft.com/office/powerpoint/2012/main" xmlns:mc="http://schemas.openxmlformats.org/markup-compatibility/2006" type="objOnly" preserve="1">
+<p:sldLayout xmlns:a="http://schemas.openxmlformats.org/drawingml/2006/main" xmlns:r="http://schemas.openxmlformats.org/officeDocument/2006/relationships" xmlns:p="http://schemas.openxmlformats.org/presentationml/2006/main" type="objOnly" preserve="1">
   <p:cSld name="Centered Text">
     <p:spTree>
       <p:nvGrpSpPr>
@@ -930,12 +1078,13 @@
           </a:prstGeom>
         </p:spPr>
         <p:txBody>
-          <a:bodyPr lIns="0" rIns="0" tIns="0" bIns="0" anchor="ctr">
+          <a:bodyPr lIns="0" tIns="0" rIns="0" bIns="0" anchor="ctr">
             <a:spAutoFit/>
           </a:bodyPr>
+          <a:lstStyle/>
           <a:p>
             <a:pPr algn="ctr"/>
-            <a:endParaRPr b="0" lang="en-US" sz="3200" spc="-1" strike="noStrike">
+            <a:endParaRPr lang="en-US" sz="3200" b="0" strike="noStrike" spc="-1">
               <a:latin typeface="Arial"/>
             </a:endParaRPr>
           </a:p>
@@ -943,11 +1092,14 @@
       </p:sp>
     </p:spTree>
   </p:cSld>
+  <p:clrMapOvr>
+    <a:masterClrMapping/>
+  </p:clrMapOvr>
 </p:sldLayout>
 </file>
 
 <file path=ppt/slideLayouts/slideLayout7.xml><?xml version="1.0" encoding="utf-8"?>
-<p:sldLayout xmlns:a="http://schemas.openxmlformats.org/drawingml/2006/main" xmlns:p="http://schemas.openxmlformats.org/presentationml/2006/main" xmlns:r="http://schemas.openxmlformats.org/officeDocument/2006/relationships" xmlns:p14="http://schemas.microsoft.com/office/powerpoint/2010/main" xmlns:p15="http://schemas.microsoft.com/office/powerpoint/2012/main" xmlns:mc="http://schemas.openxmlformats.org/markup-compatibility/2006" type="twoObjAndObj" preserve="1">
+<p:sldLayout xmlns:a="http://schemas.openxmlformats.org/drawingml/2006/main" xmlns:r="http://schemas.openxmlformats.org/officeDocument/2006/relationships" xmlns:p="http://schemas.openxmlformats.org/presentationml/2006/main" type="twoObjAndObj" preserve="1">
   <p:cSld name="Title, 2 Content and Content">
     <p:spTree>
       <p:nvGrpSpPr>
@@ -983,12 +1135,13 @@
           </a:prstGeom>
         </p:spPr>
         <p:txBody>
-          <a:bodyPr lIns="0" rIns="0" tIns="0" bIns="0" anchor="ctr">
+          <a:bodyPr lIns="0" tIns="0" rIns="0" bIns="0" anchor="ctr">
             <a:spAutoFit/>
           </a:bodyPr>
+          <a:lstStyle/>
           <a:p>
             <a:pPr algn="ctr"/>
-            <a:endParaRPr b="0" lang="en-US" sz="4400" spc="-1" strike="noStrike">
+            <a:endParaRPr lang="en-US" sz="4400" b="0" strike="noStrike" spc="-1">
               <a:latin typeface="Arial"/>
             </a:endParaRPr>
           </a:p>
@@ -1014,11 +1167,12 @@
           </a:prstGeom>
         </p:spPr>
         <p:txBody>
-          <a:bodyPr lIns="0" rIns="0" tIns="0" bIns="0">
+          <a:bodyPr lIns="0" tIns="0" rIns="0" bIns="0">
             <a:normAutofit/>
           </a:bodyPr>
-          <a:p>
-            <a:endParaRPr b="0" lang="en-US" sz="3200" spc="-1" strike="noStrike">
+          <a:lstStyle/>
+          <a:p>
+            <a:endParaRPr lang="en-US" sz="3200" b="0" strike="noStrike" spc="-1">
               <a:latin typeface="Arial"/>
             </a:endParaRPr>
           </a:p>
@@ -1044,11 +1198,12 @@
           </a:prstGeom>
         </p:spPr>
         <p:txBody>
-          <a:bodyPr lIns="0" rIns="0" tIns="0" bIns="0">
+          <a:bodyPr lIns="0" tIns="0" rIns="0" bIns="0">
             <a:normAutofit/>
           </a:bodyPr>
-          <a:p>
-            <a:endParaRPr b="0" lang="en-US" sz="3200" spc="-1" strike="noStrike">
+          <a:lstStyle/>
+          <a:p>
+            <a:endParaRPr lang="en-US" sz="3200" b="0" strike="noStrike" spc="-1">
               <a:latin typeface="Arial"/>
             </a:endParaRPr>
           </a:p>
@@ -1074,11 +1229,12 @@
           </a:prstGeom>
         </p:spPr>
         <p:txBody>
-          <a:bodyPr lIns="0" rIns="0" tIns="0" bIns="0">
+          <a:bodyPr lIns="0" tIns="0" rIns="0" bIns="0">
             <a:normAutofit/>
           </a:bodyPr>
-          <a:p>
-            <a:endParaRPr b="0" lang="en-US" sz="3200" spc="-1" strike="noStrike">
+          <a:lstStyle/>
+          <a:p>
+            <a:endParaRPr lang="en-US" sz="3200" b="0" strike="noStrike" spc="-1">
               <a:latin typeface="Arial"/>
             </a:endParaRPr>
           </a:p>
@@ -1086,11 +1242,14 @@
       </p:sp>
     </p:spTree>
   </p:cSld>
+  <p:clrMapOvr>
+    <a:masterClrMapping/>
+  </p:clrMapOvr>
 </p:sldLayout>
 </file>
 
 <file path=ppt/slideLayouts/slideLayout8.xml><?xml version="1.0" encoding="utf-8"?>
-<p:sldLayout xmlns:a="http://schemas.openxmlformats.org/drawingml/2006/main" xmlns:p="http://schemas.openxmlformats.org/presentationml/2006/main" xmlns:r="http://schemas.openxmlformats.org/officeDocument/2006/relationships" xmlns:p14="http://schemas.microsoft.com/office/powerpoint/2010/main" xmlns:p15="http://schemas.microsoft.com/office/powerpoint/2012/main" xmlns:mc="http://schemas.openxmlformats.org/markup-compatibility/2006" type="objAndTwoObj" preserve="1">
+<p:sldLayout xmlns:a="http://schemas.openxmlformats.org/drawingml/2006/main" xmlns:r="http://schemas.openxmlformats.org/officeDocument/2006/relationships" xmlns:p="http://schemas.openxmlformats.org/presentationml/2006/main" type="objAndTwoObj" preserve="1">
   <p:cSld name="Title Content and 2 Content">
     <p:spTree>
       <p:nvGrpSpPr>
@@ -1126,12 +1285,13 @@
           </a:prstGeom>
         </p:spPr>
         <p:txBody>
-          <a:bodyPr lIns="0" rIns="0" tIns="0" bIns="0" anchor="ctr">
+          <a:bodyPr lIns="0" tIns="0" rIns="0" bIns="0" anchor="ctr">
             <a:spAutoFit/>
           </a:bodyPr>
+          <a:lstStyle/>
           <a:p>
             <a:pPr algn="ctr"/>
-            <a:endParaRPr b="0" lang="en-US" sz="4400" spc="-1" strike="noStrike">
+            <a:endParaRPr lang="en-US" sz="4400" b="0" strike="noStrike" spc="-1">
               <a:latin typeface="Arial"/>
             </a:endParaRPr>
           </a:p>
@@ -1157,11 +1317,12 @@
           </a:prstGeom>
         </p:spPr>
         <p:txBody>
-          <a:bodyPr lIns="0" rIns="0" tIns="0" bIns="0">
+          <a:bodyPr lIns="0" tIns="0" rIns="0" bIns="0">
             <a:normAutofit/>
           </a:bodyPr>
-          <a:p>
-            <a:endParaRPr b="0" lang="en-US" sz="3200" spc="-1" strike="noStrike">
+          <a:lstStyle/>
+          <a:p>
+            <a:endParaRPr lang="en-US" sz="3200" b="0" strike="noStrike" spc="-1">
               <a:latin typeface="Arial"/>
             </a:endParaRPr>
           </a:p>
@@ -1187,11 +1348,12 @@
           </a:prstGeom>
         </p:spPr>
         <p:txBody>
-          <a:bodyPr lIns="0" rIns="0" tIns="0" bIns="0">
+          <a:bodyPr lIns="0" tIns="0" rIns="0" bIns="0">
             <a:normAutofit/>
           </a:bodyPr>
-          <a:p>
-            <a:endParaRPr b="0" lang="en-US" sz="3200" spc="-1" strike="noStrike">
+          <a:lstStyle/>
+          <a:p>
+            <a:endParaRPr lang="en-US" sz="3200" b="0" strike="noStrike" spc="-1">
               <a:latin typeface="Arial"/>
             </a:endParaRPr>
           </a:p>
@@ -1217,11 +1379,12 @@
           </a:prstGeom>
         </p:spPr>
         <p:txBody>
-          <a:bodyPr lIns="0" rIns="0" tIns="0" bIns="0">
+          <a:bodyPr lIns="0" tIns="0" rIns="0" bIns="0">
             <a:normAutofit/>
           </a:bodyPr>
-          <a:p>
-            <a:endParaRPr b="0" lang="en-US" sz="3200" spc="-1" strike="noStrike">
+          <a:lstStyle/>
+          <a:p>
+            <a:endParaRPr lang="en-US" sz="3200" b="0" strike="noStrike" spc="-1">
               <a:latin typeface="Arial"/>
             </a:endParaRPr>
           </a:p>
@@ -1229,11 +1392,14 @@
       </p:sp>
     </p:spTree>
   </p:cSld>
+  <p:clrMapOvr>
+    <a:masterClrMapping/>
+  </p:clrMapOvr>
 </p:sldLayout>
 </file>
 
 <file path=ppt/slideLayouts/slideLayout9.xml><?xml version="1.0" encoding="utf-8"?>
-<p:sldLayout xmlns:a="http://schemas.openxmlformats.org/drawingml/2006/main" xmlns:p="http://schemas.openxmlformats.org/presentationml/2006/main" xmlns:r="http://schemas.openxmlformats.org/officeDocument/2006/relationships" xmlns:p14="http://schemas.microsoft.com/office/powerpoint/2010/main" xmlns:p15="http://schemas.microsoft.com/office/powerpoint/2012/main" xmlns:mc="http://schemas.openxmlformats.org/markup-compatibility/2006" type="twoObjOverTx" preserve="1">
+<p:sldLayout xmlns:a="http://schemas.openxmlformats.org/drawingml/2006/main" xmlns:r="http://schemas.openxmlformats.org/officeDocument/2006/relationships" xmlns:p="http://schemas.openxmlformats.org/presentationml/2006/main" type="twoObjOverTx" preserve="1">
   <p:cSld name="Title, 2 Content over Content">
     <p:spTree>
       <p:nvGrpSpPr>
@@ -1269,12 +1435,13 @@
           </a:prstGeom>
         </p:spPr>
         <p:txBody>
-          <a:bodyPr lIns="0" rIns="0" tIns="0" bIns="0" anchor="ctr">
+          <a:bodyPr lIns="0" tIns="0" rIns="0" bIns="0" anchor="ctr">
             <a:spAutoFit/>
           </a:bodyPr>
+          <a:lstStyle/>
           <a:p>
             <a:pPr algn="ctr"/>
-            <a:endParaRPr b="0" lang="en-US" sz="4400" spc="-1" strike="noStrike">
+            <a:endParaRPr lang="en-US" sz="4400" b="0" strike="noStrike" spc="-1">
               <a:latin typeface="Arial"/>
             </a:endParaRPr>
           </a:p>
@@ -1300,11 +1467,12 @@
           </a:prstGeom>
         </p:spPr>
         <p:txBody>
-          <a:bodyPr lIns="0" rIns="0" tIns="0" bIns="0">
+          <a:bodyPr lIns="0" tIns="0" rIns="0" bIns="0">
             <a:normAutofit/>
           </a:bodyPr>
-          <a:p>
-            <a:endParaRPr b="0" lang="en-US" sz="3200" spc="-1" strike="noStrike">
+          <a:lstStyle/>
+          <a:p>
+            <a:endParaRPr lang="en-US" sz="3200" b="0" strike="noStrike" spc="-1">
               <a:latin typeface="Arial"/>
             </a:endParaRPr>
           </a:p>
@@ -1330,11 +1498,12 @@
           </a:prstGeom>
         </p:spPr>
         <p:txBody>
-          <a:bodyPr lIns="0" rIns="0" tIns="0" bIns="0">
+          <a:bodyPr lIns="0" tIns="0" rIns="0" bIns="0">
             <a:normAutofit/>
           </a:bodyPr>
-          <a:p>
-            <a:endParaRPr b="0" lang="en-US" sz="3200" spc="-1" strike="noStrike">
+          <a:lstStyle/>
+          <a:p>
+            <a:endParaRPr lang="en-US" sz="3200" b="0" strike="noStrike" spc="-1">
               <a:latin typeface="Arial"/>
             </a:endParaRPr>
           </a:p>
@@ -1360,11 +1529,12 @@
           </a:prstGeom>
         </p:spPr>
         <p:txBody>
-          <a:bodyPr lIns="0" rIns="0" tIns="0" bIns="0">
+          <a:bodyPr lIns="0" tIns="0" rIns="0" bIns="0">
             <a:normAutofit/>
           </a:bodyPr>
-          <a:p>
-            <a:endParaRPr b="0" lang="en-US" sz="3200" spc="-1" strike="noStrike">
+          <a:lstStyle/>
+          <a:p>
+            <a:endParaRPr lang="en-US" sz="3200" b="0" strike="noStrike" spc="-1">
               <a:latin typeface="Arial"/>
             </a:endParaRPr>
           </a:p>
@@ -1372,12 +1542,20 @@
       </p:sp>
     </p:spTree>
   </p:cSld>
+  <p:clrMapOvr>
+    <a:masterClrMapping/>
+  </p:clrMapOvr>
 </p:sldLayout>
 </file>
 
 <file path=ppt/slideMasters/slideMaster1.xml><?xml version="1.0" encoding="utf-8"?>
-<p:sldMaster xmlns:a="http://schemas.openxmlformats.org/drawingml/2006/main" xmlns:p="http://schemas.openxmlformats.org/presentationml/2006/main" xmlns:r="http://schemas.openxmlformats.org/officeDocument/2006/relationships" xmlns:p14="http://schemas.microsoft.com/office/powerpoint/2010/main" xmlns:p15="http://schemas.microsoft.com/office/powerpoint/2012/main" xmlns:mc="http://schemas.openxmlformats.org/markup-compatibility/2006">
+<p:sldMaster xmlns:a="http://schemas.openxmlformats.org/drawingml/2006/main" xmlns:r="http://schemas.openxmlformats.org/officeDocument/2006/relationships" xmlns:p="http://schemas.openxmlformats.org/presentationml/2006/main">
   <p:cSld>
+    <p:bg>
+      <p:bgRef idx="1001">
+        <a:schemeClr val="bg1"/>
+      </p:bgRef>
+    </p:bg>
     <p:spTree>
       <p:nvGrpSpPr>
         <p:cNvPr id="1" name=""/>
@@ -1394,7 +1572,7 @@
       </p:grpSpPr>
       <p:sp>
         <p:nvSpPr>
-          <p:cNvPr id="0" name="PlaceHolder 1"/>
+          <p:cNvPr id="5" name="PlaceHolder 1"/>
           <p:cNvSpPr>
             <a:spLocks noGrp="1"/>
           </p:cNvSpPr>
@@ -1412,26 +1590,24 @@
           </a:prstGeom>
         </p:spPr>
         <p:txBody>
-          <a:bodyPr lIns="0" rIns="0" tIns="0" bIns="0" anchor="ctr">
+          <a:bodyPr lIns="0" tIns="0" rIns="0" bIns="0" anchor="ctr">
             <a:noAutofit/>
           </a:bodyPr>
+          <a:lstStyle/>
           <a:p>
             <a:pPr algn="ctr"/>
             <a:r>
-              <a:rPr b="0" lang="en-US" sz="4400" spc="-1" strike="noStrike">
+              <a:rPr lang="en-US" sz="4400" b="0" strike="noStrike" spc="-1">
                 <a:latin typeface="Arial"/>
               </a:rPr>
               <a:t>Click to edit the title text format</a:t>
             </a:r>
-            <a:endParaRPr b="0" lang="en-US" sz="4400" spc="-1" strike="noStrike">
-              <a:latin typeface="Arial"/>
-            </a:endParaRPr>
           </a:p>
         </p:txBody>
       </p:sp>
       <p:sp>
         <p:nvSpPr>
-          <p:cNvPr id="1" name="PlaceHolder 2"/>
+          <p:cNvPr id="6" name="PlaceHolder 2"/>
           <p:cNvSpPr>
             <a:spLocks noGrp="1"/>
           </p:cNvSpPr>
@@ -1449,9 +1625,10 @@
           </a:prstGeom>
         </p:spPr>
         <p:txBody>
-          <a:bodyPr lIns="0" rIns="0" tIns="0" bIns="0">
+          <a:bodyPr lIns="0" tIns="0" rIns="0" bIns="0">
             <a:normAutofit/>
           </a:bodyPr>
+          <a:lstStyle/>
           <a:p>
             <a:pPr marL="432000" indent="-324000">
               <a:spcBef>
@@ -1465,17 +1642,14 @@
               <a:buChar char=""/>
             </a:pPr>
             <a:r>
-              <a:rPr b="0" lang="en-US" sz="3200" spc="-1" strike="noStrike">
+              <a:rPr lang="en-US" sz="3200" b="0" strike="noStrike" spc="-1">
                 <a:latin typeface="Arial"/>
               </a:rPr>
               <a:t>Click to edit the outline text format</a:t>
             </a:r>
-            <a:endParaRPr b="0" lang="en-US" sz="3200" spc="-1" strike="noStrike">
-              <a:latin typeface="Arial"/>
-            </a:endParaRPr>
-          </a:p>
-          <a:p>
-            <a:pPr lvl="1" marL="864000" indent="-324000">
+          </a:p>
+          <a:p>
+            <a:pPr marL="864000" lvl="1" indent="-324000">
               <a:spcBef>
                 <a:spcPts val="1134"/>
               </a:spcBef>
@@ -1487,17 +1661,14 @@
               <a:buChar char=""/>
             </a:pPr>
             <a:r>
-              <a:rPr b="0" lang="en-US" sz="2800" spc="-1" strike="noStrike">
+              <a:rPr lang="en-US" sz="2800" b="0" strike="noStrike" spc="-1">
                 <a:latin typeface="Arial"/>
               </a:rPr>
               <a:t>Second Outline Level</a:t>
             </a:r>
-            <a:endParaRPr b="0" lang="en-US" sz="2800" spc="-1" strike="noStrike">
-              <a:latin typeface="Arial"/>
-            </a:endParaRPr>
-          </a:p>
-          <a:p>
-            <a:pPr lvl="2" marL="1296000" indent="-288000">
+          </a:p>
+          <a:p>
+            <a:pPr marL="1296000" lvl="2" indent="-288000">
               <a:spcBef>
                 <a:spcPts val="850"/>
               </a:spcBef>
@@ -1509,17 +1680,14 @@
               <a:buChar char=""/>
             </a:pPr>
             <a:r>
-              <a:rPr b="0" lang="en-US" sz="2400" spc="-1" strike="noStrike">
+              <a:rPr lang="en-US" sz="2400" b="0" strike="noStrike" spc="-1">
                 <a:latin typeface="Arial"/>
               </a:rPr>
               <a:t>Third Outline Level</a:t>
             </a:r>
-            <a:endParaRPr b="0" lang="en-US" sz="2400" spc="-1" strike="noStrike">
-              <a:latin typeface="Arial"/>
-            </a:endParaRPr>
-          </a:p>
-          <a:p>
-            <a:pPr lvl="3" marL="1728000" indent="-216000">
+          </a:p>
+          <a:p>
+            <a:pPr marL="1728000" lvl="3" indent="-216000">
               <a:spcBef>
                 <a:spcPts val="567"/>
               </a:spcBef>
@@ -1531,17 +1699,14 @@
               <a:buChar char=""/>
             </a:pPr>
             <a:r>
-              <a:rPr b="0" lang="en-US" sz="2000" spc="-1" strike="noStrike">
+              <a:rPr lang="en-US" sz="2000" b="0" strike="noStrike" spc="-1">
                 <a:latin typeface="Arial"/>
               </a:rPr>
               <a:t>Fourth Outline Level</a:t>
             </a:r>
-            <a:endParaRPr b="0" lang="en-US" sz="2000" spc="-1" strike="noStrike">
-              <a:latin typeface="Arial"/>
-            </a:endParaRPr>
-          </a:p>
-          <a:p>
-            <a:pPr lvl="4" marL="2160000" indent="-216000">
+          </a:p>
+          <a:p>
+            <a:pPr marL="2160000" lvl="4" indent="-216000">
               <a:spcBef>
                 <a:spcPts val="283"/>
               </a:spcBef>
@@ -1553,17 +1718,14 @@
               <a:buChar char=""/>
             </a:pPr>
             <a:r>
-              <a:rPr b="0" lang="en-US" sz="2000" spc="-1" strike="noStrike">
+              <a:rPr lang="en-US" sz="2000" b="0" strike="noStrike" spc="-1">
                 <a:latin typeface="Arial"/>
               </a:rPr>
               <a:t>Fifth Outline Level</a:t>
             </a:r>
-            <a:endParaRPr b="0" lang="en-US" sz="2000" spc="-1" strike="noStrike">
-              <a:latin typeface="Arial"/>
-            </a:endParaRPr>
-          </a:p>
-          <a:p>
-            <a:pPr lvl="5" marL="2592000" indent="-216000">
+          </a:p>
+          <a:p>
+            <a:pPr marL="2592000" lvl="5" indent="-216000">
               <a:spcBef>
                 <a:spcPts val="283"/>
               </a:spcBef>
@@ -1575,17 +1737,14 @@
               <a:buChar char=""/>
             </a:pPr>
             <a:r>
-              <a:rPr b="0" lang="en-US" sz="2000" spc="-1" strike="noStrike">
+              <a:rPr lang="en-US" sz="2000" b="0" strike="noStrike" spc="-1">
                 <a:latin typeface="Arial"/>
               </a:rPr>
               <a:t>Sixth Outline Level</a:t>
             </a:r>
-            <a:endParaRPr b="0" lang="en-US" sz="2000" spc="-1" strike="noStrike">
-              <a:latin typeface="Arial"/>
-            </a:endParaRPr>
-          </a:p>
-          <a:p>
-            <a:pPr lvl="6" marL="3024000" indent="-216000">
+          </a:p>
+          <a:p>
+            <a:pPr marL="3024000" lvl="6" indent="-216000">
               <a:spcBef>
                 <a:spcPts val="283"/>
               </a:spcBef>
@@ -1597,14 +1756,11 @@
               <a:buChar char=""/>
             </a:pPr>
             <a:r>
-              <a:rPr b="0" lang="en-US" sz="2000" spc="-1" strike="noStrike">
+              <a:rPr lang="en-US" sz="2000" b="0" strike="noStrike" spc="-1">
                 <a:latin typeface="Arial"/>
               </a:rPr>
               <a:t>Seventh Outline Level</a:t>
             </a:r>
-            <a:endParaRPr b="0" lang="en-US" sz="2000" spc="-1" strike="noStrike">
-              <a:latin typeface="Arial"/>
-            </a:endParaRPr>
           </a:p>
         </p:txBody>
       </p:sp>
@@ -1628,19 +1784,17 @@
           </a:prstGeom>
         </p:spPr>
         <p:txBody>
-          <a:bodyPr lIns="0" rIns="0" tIns="0" bIns="0">
+          <a:bodyPr lIns="0" tIns="0" rIns="0" bIns="0">
             <a:noAutofit/>
           </a:bodyPr>
-          <a:p>
-            <a:r>
-              <a:rPr b="0" lang="en-US" sz="1400" spc="-1" strike="noStrike">
+          <a:lstStyle/>
+          <a:p>
+            <a:r>
+              <a:rPr lang="en-US" sz="1400" b="0" strike="noStrike" spc="-1">
                 <a:latin typeface="Times New Roman"/>
               </a:rPr>
               <a:t>&lt;date/time&gt;</a:t>
             </a:r>
-            <a:endParaRPr b="0" lang="en-US" sz="1400" spc="-1" strike="noStrike">
-              <a:latin typeface="Times New Roman"/>
-            </a:endParaRPr>
           </a:p>
         </p:txBody>
       </p:sp>
@@ -1664,20 +1818,18 @@
           </a:prstGeom>
         </p:spPr>
         <p:txBody>
-          <a:bodyPr lIns="0" rIns="0" tIns="0" bIns="0">
+          <a:bodyPr lIns="0" tIns="0" rIns="0" bIns="0">
             <a:noAutofit/>
           </a:bodyPr>
+          <a:lstStyle/>
           <a:p>
             <a:pPr algn="ctr"/>
             <a:r>
-              <a:rPr b="0" lang="en-US" sz="1400" spc="-1" strike="noStrike">
+              <a:rPr lang="en-US" sz="1400" b="0" strike="noStrike" spc="-1">
                 <a:latin typeface="Times New Roman"/>
               </a:rPr>
               <a:t>&lt;footer&gt;</a:t>
             </a:r>
-            <a:endParaRPr b="0" lang="en-US" sz="1400" spc="-1" strike="noStrike">
-              <a:latin typeface="Times New Roman"/>
-            </a:endParaRPr>
           </a:p>
         </p:txBody>
       </p:sp>
@@ -1701,18 +1853,19 @@
           </a:prstGeom>
         </p:spPr>
         <p:txBody>
-          <a:bodyPr lIns="0" rIns="0" tIns="0" bIns="0">
+          <a:bodyPr lIns="0" tIns="0" rIns="0" bIns="0">
             <a:noAutofit/>
           </a:bodyPr>
+          <a:lstStyle/>
           <a:p>
             <a:pPr algn="r"/>
             <a:fld id="{04E452D4-52D7-4854-BAAC-A8D3FBAC893C}" type="slidenum">
-              <a:rPr b="0" lang="en-US" sz="1400" spc="-1" strike="noStrike">
+              <a:rPr lang="en-US" sz="1400" b="0" strike="noStrike" spc="-1">
                 <a:latin typeface="Times New Roman"/>
               </a:rPr>
-              <a:t>&lt;number&gt;</a:t>
+              <a:t>‹nº›</a:t>
             </a:fld>
-            <a:endParaRPr b="0" lang="en-US" sz="1400" spc="-1" strike="noStrike">
+            <a:endParaRPr lang="en-US" sz="1400" b="0" strike="noStrike" spc="-1">
               <a:latin typeface="Times New Roman"/>
             </a:endParaRPr>
           </a:p>
@@ -1720,26 +1873,306 @@
       </p:sp>
     </p:spTree>
   </p:cSld>
-  <p:clrMap bg1="lt1" bg2="lt2" tx1="dk1" tx2="dk2" accent1="accent1" accent2="accent2" accent3="accent3" accent4="accent4" accent5="accent5" accent6="accent6" hlink="hlink" folHlink="folHlink"/>
+  <p:clrMap bg1="lt1" tx1="dk1" bg2="lt2" tx2="dk2" accent1="accent1" accent2="accent2" accent3="accent3" accent4="accent4" accent5="accent5" accent6="accent6" hlink="hlink" folHlink="folHlink"/>
   <p:sldLayoutIdLst>
-    <p:sldLayoutId id="2147483649" r:id="rId2"/>
-    <p:sldLayoutId id="2147483650" r:id="rId3"/>
-    <p:sldLayoutId id="2147483651" r:id="rId4"/>
-    <p:sldLayoutId id="2147483652" r:id="rId5"/>
-    <p:sldLayoutId id="2147483653" r:id="rId6"/>
-    <p:sldLayoutId id="2147483654" r:id="rId7"/>
-    <p:sldLayoutId id="2147483655" r:id="rId8"/>
-    <p:sldLayoutId id="2147483656" r:id="rId9"/>
-    <p:sldLayoutId id="2147483657" r:id="rId10"/>
-    <p:sldLayoutId id="2147483658" r:id="rId11"/>
-    <p:sldLayoutId id="2147483659" r:id="rId12"/>
-    <p:sldLayoutId id="2147483660" r:id="rId13"/>
+    <p:sldLayoutId id="2147483649" r:id="rId1"/>
+    <p:sldLayoutId id="2147483650" r:id="rId2"/>
+    <p:sldLayoutId id="2147483651" r:id="rId3"/>
+    <p:sldLayoutId id="2147483652" r:id="rId4"/>
+    <p:sldLayoutId id="2147483653" r:id="rId5"/>
+    <p:sldLayoutId id="2147483654" r:id="rId6"/>
+    <p:sldLayoutId id="2147483655" r:id="rId7"/>
+    <p:sldLayoutId id="2147483656" r:id="rId8"/>
+    <p:sldLayoutId id="2147483657" r:id="rId9"/>
+    <p:sldLayoutId id="2147483658" r:id="rId10"/>
+    <p:sldLayoutId id="2147483659" r:id="rId11"/>
+    <p:sldLayoutId id="2147483660" r:id="rId12"/>
   </p:sldLayoutIdLst>
+  <p:txStyles>
+    <p:titleStyle>
+      <a:lvl1pPr algn="l" defTabSz="914400" rtl="0" eaLnBrk="1" latinLnBrk="0" hangingPunct="1">
+        <a:lnSpc>
+          <a:spcPct val="90000"/>
+        </a:lnSpc>
+        <a:spcBef>
+          <a:spcPct val="0"/>
+        </a:spcBef>
+        <a:buNone/>
+        <a:defRPr sz="4400" kern="1200">
+          <a:solidFill>
+            <a:schemeClr val="tx1"/>
+          </a:solidFill>
+          <a:latin typeface="+mj-lt"/>
+          <a:ea typeface="+mj-ea"/>
+          <a:cs typeface="+mj-cs"/>
+        </a:defRPr>
+      </a:lvl1pPr>
+    </p:titleStyle>
+    <p:bodyStyle>
+      <a:lvl1pPr marL="228600" indent="-228600" algn="l" defTabSz="914400" rtl="0" eaLnBrk="1" latinLnBrk="0" hangingPunct="1">
+        <a:lnSpc>
+          <a:spcPct val="90000"/>
+        </a:lnSpc>
+        <a:spcBef>
+          <a:spcPts val="1000"/>
+        </a:spcBef>
+        <a:buFont typeface="Arial" panose="020B0604020202020204" pitchFamily="34" charset="0"/>
+        <a:buChar char="•"/>
+        <a:defRPr sz="2800" kern="1200">
+          <a:solidFill>
+            <a:schemeClr val="tx1"/>
+          </a:solidFill>
+          <a:latin typeface="+mn-lt"/>
+          <a:ea typeface="+mn-ea"/>
+          <a:cs typeface="+mn-cs"/>
+        </a:defRPr>
+      </a:lvl1pPr>
+      <a:lvl2pPr marL="685800" indent="-228600" algn="l" defTabSz="914400" rtl="0" eaLnBrk="1" latinLnBrk="0" hangingPunct="1">
+        <a:lnSpc>
+          <a:spcPct val="90000"/>
+        </a:lnSpc>
+        <a:spcBef>
+          <a:spcPts val="500"/>
+        </a:spcBef>
+        <a:buFont typeface="Arial" panose="020B0604020202020204" pitchFamily="34" charset="0"/>
+        <a:buChar char="•"/>
+        <a:defRPr sz="2400" kern="1200">
+          <a:solidFill>
+            <a:schemeClr val="tx1"/>
+          </a:solidFill>
+          <a:latin typeface="+mn-lt"/>
+          <a:ea typeface="+mn-ea"/>
+          <a:cs typeface="+mn-cs"/>
+        </a:defRPr>
+      </a:lvl2pPr>
+      <a:lvl3pPr marL="1143000" indent="-228600" algn="l" defTabSz="914400" rtl="0" eaLnBrk="1" latinLnBrk="0" hangingPunct="1">
+        <a:lnSpc>
+          <a:spcPct val="90000"/>
+        </a:lnSpc>
+        <a:spcBef>
+          <a:spcPts val="500"/>
+        </a:spcBef>
+        <a:buFont typeface="Arial" panose="020B0604020202020204" pitchFamily="34" charset="0"/>
+        <a:buChar char="•"/>
+        <a:defRPr sz="2000" kern="1200">
+          <a:solidFill>
+            <a:schemeClr val="tx1"/>
+          </a:solidFill>
+          <a:latin typeface="+mn-lt"/>
+          <a:ea typeface="+mn-ea"/>
+          <a:cs typeface="+mn-cs"/>
+        </a:defRPr>
+      </a:lvl3pPr>
+      <a:lvl4pPr marL="1600200" indent="-228600" algn="l" defTabSz="914400" rtl="0" eaLnBrk="1" latinLnBrk="0" hangingPunct="1">
+        <a:lnSpc>
+          <a:spcPct val="90000"/>
+        </a:lnSpc>
+        <a:spcBef>
+          <a:spcPts val="500"/>
+        </a:spcBef>
+        <a:buFont typeface="Arial" panose="020B0604020202020204" pitchFamily="34" charset="0"/>
+        <a:buChar char="•"/>
+        <a:defRPr sz="1800" kern="1200">
+          <a:solidFill>
+            <a:schemeClr val="tx1"/>
+          </a:solidFill>
+          <a:latin typeface="+mn-lt"/>
+          <a:ea typeface="+mn-ea"/>
+          <a:cs typeface="+mn-cs"/>
+        </a:defRPr>
+      </a:lvl4pPr>
+      <a:lvl5pPr marL="2057400" indent="-228600" algn="l" defTabSz="914400" rtl="0" eaLnBrk="1" latinLnBrk="0" hangingPunct="1">
+        <a:lnSpc>
+          <a:spcPct val="90000"/>
+        </a:lnSpc>
+        <a:spcBef>
+          <a:spcPts val="500"/>
+        </a:spcBef>
+        <a:buFont typeface="Arial" panose="020B0604020202020204" pitchFamily="34" charset="0"/>
+        <a:buChar char="•"/>
+        <a:defRPr sz="1800" kern="1200">
+          <a:solidFill>
+            <a:schemeClr val="tx1"/>
+          </a:solidFill>
+          <a:latin typeface="+mn-lt"/>
+          <a:ea typeface="+mn-ea"/>
+          <a:cs typeface="+mn-cs"/>
+        </a:defRPr>
+      </a:lvl5pPr>
+      <a:lvl6pPr marL="2514600" indent="-228600" algn="l" defTabSz="914400" rtl="0" eaLnBrk="1" latinLnBrk="0" hangingPunct="1">
+        <a:lnSpc>
+          <a:spcPct val="90000"/>
+        </a:lnSpc>
+        <a:spcBef>
+          <a:spcPts val="500"/>
+        </a:spcBef>
+        <a:buFont typeface="Arial" panose="020B0604020202020204" pitchFamily="34" charset="0"/>
+        <a:buChar char="•"/>
+        <a:defRPr sz="1800" kern="1200">
+          <a:solidFill>
+            <a:schemeClr val="tx1"/>
+          </a:solidFill>
+          <a:latin typeface="+mn-lt"/>
+          <a:ea typeface="+mn-ea"/>
+          <a:cs typeface="+mn-cs"/>
+        </a:defRPr>
+      </a:lvl6pPr>
+      <a:lvl7pPr marL="2971800" indent="-228600" algn="l" defTabSz="914400" rtl="0" eaLnBrk="1" latinLnBrk="0" hangingPunct="1">
+        <a:lnSpc>
+          <a:spcPct val="90000"/>
+        </a:lnSpc>
+        <a:spcBef>
+          <a:spcPts val="500"/>
+        </a:spcBef>
+        <a:buFont typeface="Arial" panose="020B0604020202020204" pitchFamily="34" charset="0"/>
+        <a:buChar char="•"/>
+        <a:defRPr sz="1800" kern="1200">
+          <a:solidFill>
+            <a:schemeClr val="tx1"/>
+          </a:solidFill>
+          <a:latin typeface="+mn-lt"/>
+          <a:ea typeface="+mn-ea"/>
+          <a:cs typeface="+mn-cs"/>
+        </a:defRPr>
+      </a:lvl7pPr>
+      <a:lvl8pPr marL="3429000" indent="-228600" algn="l" defTabSz="914400" rtl="0" eaLnBrk="1" latinLnBrk="0" hangingPunct="1">
+        <a:lnSpc>
+          <a:spcPct val="90000"/>
+        </a:lnSpc>
+        <a:spcBef>
+          <a:spcPts val="500"/>
+        </a:spcBef>
+        <a:buFont typeface="Arial" panose="020B0604020202020204" pitchFamily="34" charset="0"/>
+        <a:buChar char="•"/>
+        <a:defRPr sz="1800" kern="1200">
+          <a:solidFill>
+            <a:schemeClr val="tx1"/>
+          </a:solidFill>
+          <a:latin typeface="+mn-lt"/>
+          <a:ea typeface="+mn-ea"/>
+          <a:cs typeface="+mn-cs"/>
+        </a:defRPr>
+      </a:lvl8pPr>
+      <a:lvl9pPr marL="3886200" indent="-228600" algn="l" defTabSz="914400" rtl="0" eaLnBrk="1" latinLnBrk="0" hangingPunct="1">
+        <a:lnSpc>
+          <a:spcPct val="90000"/>
+        </a:lnSpc>
+        <a:spcBef>
+          <a:spcPts val="500"/>
+        </a:spcBef>
+        <a:buFont typeface="Arial" panose="020B0604020202020204" pitchFamily="34" charset="0"/>
+        <a:buChar char="•"/>
+        <a:defRPr sz="1800" kern="1200">
+          <a:solidFill>
+            <a:schemeClr val="tx1"/>
+          </a:solidFill>
+          <a:latin typeface="+mn-lt"/>
+          <a:ea typeface="+mn-ea"/>
+          <a:cs typeface="+mn-cs"/>
+        </a:defRPr>
+      </a:lvl9pPr>
+    </p:bodyStyle>
+    <p:otherStyle>
+      <a:defPPr>
+        <a:defRPr lang="pt-BR"/>
+      </a:defPPr>
+      <a:lvl1pPr marL="0" algn="l" defTabSz="914400" rtl="0" eaLnBrk="1" latinLnBrk="0" hangingPunct="1">
+        <a:defRPr sz="1800" kern="1200">
+          <a:solidFill>
+            <a:schemeClr val="tx1"/>
+          </a:solidFill>
+          <a:latin typeface="+mn-lt"/>
+          <a:ea typeface="+mn-ea"/>
+          <a:cs typeface="+mn-cs"/>
+        </a:defRPr>
+      </a:lvl1pPr>
+      <a:lvl2pPr marL="457200" algn="l" defTabSz="914400" rtl="0" eaLnBrk="1" latinLnBrk="0" hangingPunct="1">
+        <a:defRPr sz="1800" kern="1200">
+          <a:solidFill>
+            <a:schemeClr val="tx1"/>
+          </a:solidFill>
+          <a:latin typeface="+mn-lt"/>
+          <a:ea typeface="+mn-ea"/>
+          <a:cs typeface="+mn-cs"/>
+        </a:defRPr>
+      </a:lvl2pPr>
+      <a:lvl3pPr marL="914400" algn="l" defTabSz="914400" rtl="0" eaLnBrk="1" latinLnBrk="0" hangingPunct="1">
+        <a:defRPr sz="1800" kern="1200">
+          <a:solidFill>
+            <a:schemeClr val="tx1"/>
+          </a:solidFill>
+          <a:latin typeface="+mn-lt"/>
+          <a:ea typeface="+mn-ea"/>
+          <a:cs typeface="+mn-cs"/>
+        </a:defRPr>
+      </a:lvl3pPr>
+      <a:lvl4pPr marL="1371600" algn="l" defTabSz="914400" rtl="0" eaLnBrk="1" latinLnBrk="0" hangingPunct="1">
+        <a:defRPr sz="1800" kern="1200">
+          <a:solidFill>
+            <a:schemeClr val="tx1"/>
+          </a:solidFill>
+          <a:latin typeface="+mn-lt"/>
+          <a:ea typeface="+mn-ea"/>
+          <a:cs typeface="+mn-cs"/>
+        </a:defRPr>
+      </a:lvl4pPr>
+      <a:lvl5pPr marL="1828800" algn="l" defTabSz="914400" rtl="0" eaLnBrk="1" latinLnBrk="0" hangingPunct="1">
+        <a:defRPr sz="1800" kern="1200">
+          <a:solidFill>
+            <a:schemeClr val="tx1"/>
+          </a:solidFill>
+          <a:latin typeface="+mn-lt"/>
+          <a:ea typeface="+mn-ea"/>
+          <a:cs typeface="+mn-cs"/>
+        </a:defRPr>
+      </a:lvl5pPr>
+      <a:lvl6pPr marL="2286000" algn="l" defTabSz="914400" rtl="0" eaLnBrk="1" latinLnBrk="0" hangingPunct="1">
+        <a:defRPr sz="1800" kern="1200">
+          <a:solidFill>
+            <a:schemeClr val="tx1"/>
+          </a:solidFill>
+          <a:latin typeface="+mn-lt"/>
+          <a:ea typeface="+mn-ea"/>
+          <a:cs typeface="+mn-cs"/>
+        </a:defRPr>
+      </a:lvl6pPr>
+      <a:lvl7pPr marL="2743200" algn="l" defTabSz="914400" rtl="0" eaLnBrk="1" latinLnBrk="0" hangingPunct="1">
+        <a:defRPr sz="1800" kern="1200">
+          <a:solidFill>
+            <a:schemeClr val="tx1"/>
+          </a:solidFill>
+          <a:latin typeface="+mn-lt"/>
+          <a:ea typeface="+mn-ea"/>
+          <a:cs typeface="+mn-cs"/>
+        </a:defRPr>
+      </a:lvl7pPr>
+      <a:lvl8pPr marL="3200400" algn="l" defTabSz="914400" rtl="0" eaLnBrk="1" latinLnBrk="0" hangingPunct="1">
+        <a:defRPr sz="1800" kern="1200">
+          <a:solidFill>
+            <a:schemeClr val="tx1"/>
+          </a:solidFill>
+          <a:latin typeface="+mn-lt"/>
+          <a:ea typeface="+mn-ea"/>
+          <a:cs typeface="+mn-cs"/>
+        </a:defRPr>
+      </a:lvl8pPr>
+      <a:lvl9pPr marL="3657600" algn="l" defTabSz="914400" rtl="0" eaLnBrk="1" latinLnBrk="0" hangingPunct="1">
+        <a:defRPr sz="1800" kern="1200">
+          <a:solidFill>
+            <a:schemeClr val="tx1"/>
+          </a:solidFill>
+          <a:latin typeface="+mn-lt"/>
+          <a:ea typeface="+mn-ea"/>
+          <a:cs typeface="+mn-cs"/>
+        </a:defRPr>
+      </a:lvl9pPr>
+    </p:otherStyle>
+  </p:txStyles>
 </p:sldMaster>
 </file>
 
 <file path=ppt/slides/slide1.xml><?xml version="1.0" encoding="utf-8"?>
-<p:sld xmlns:a="http://schemas.openxmlformats.org/drawingml/2006/main" xmlns:p="http://schemas.openxmlformats.org/presentationml/2006/main" xmlns:r="http://schemas.openxmlformats.org/officeDocument/2006/relationships" xmlns:p14="http://schemas.microsoft.com/office/powerpoint/2010/main" xmlns:p15="http://schemas.microsoft.com/office/powerpoint/2012/main" xmlns:mc="http://schemas.openxmlformats.org/markup-compatibility/2006">
+<p:sld xmlns:a="http://schemas.openxmlformats.org/drawingml/2006/main" xmlns:r="http://schemas.openxmlformats.org/officeDocument/2006/relationships" xmlns:p="http://schemas.openxmlformats.org/presentationml/2006/main">
   <p:cSld>
     <p:spTree>
       <p:nvGrpSpPr>
@@ -1775,29 +2208,30 @@
           </a:ln>
         </p:spPr>
         <p:txBody>
-          <a:bodyPr lIns="90000" rIns="90000" tIns="45000" bIns="45000">
+          <a:bodyPr lIns="90000" tIns="45000" rIns="90000" bIns="45000">
             <a:spAutoFit/>
           </a:bodyPr>
-          <a:p>
-            <a:r>
-              <a:rPr b="0" i="1" lang="en-US" sz="3600" spc="-1" strike="noStrike">
+          <a:lstStyle/>
+          <a:p>
+            <a:r>
+              <a:rPr lang="en-US" sz="3600" b="0" i="1" strike="noStrike" spc="-1">
                 <a:solidFill>
-                  <a:srgbClr val="e5073e"/>
+                  <a:srgbClr val="E5073E"/>
                 </a:solidFill>
                 <a:latin typeface="Cantarell Extra Bold"/>
               </a:rPr>
               <a:t>NestJS</a:t>
             </a:r>
             <a:r>
-              <a:rPr b="0" lang="en-US" sz="2600" spc="-1" strike="noStrike">
+              <a:rPr lang="en-US" sz="2600" b="0" strike="noStrike" spc="-1">
                 <a:solidFill>
-                  <a:srgbClr val="e5073e"/>
+                  <a:srgbClr val="E5073E"/>
                 </a:solidFill>
                 <a:latin typeface="Arial"/>
               </a:rPr>
               <a:t> </a:t>
             </a:r>
-            <a:endParaRPr b="0" lang="en-US" sz="2600" spc="-1" strike="noStrike">
+            <a:endParaRPr lang="en-US" sz="2600" b="0" strike="noStrike" spc="-1">
               <a:latin typeface="Arial"/>
             </a:endParaRPr>
           </a:p>
@@ -1805,12 +2239,12 @@
       </p:sp>
       <p:pic>
         <p:nvPicPr>
-          <p:cNvPr id="42" name="" descr=""/>
+          <p:cNvPr id="42" name="Imagem 41"/>
           <p:cNvPicPr/>
           <p:nvPr/>
         </p:nvPicPr>
         <p:blipFill>
-          <a:blip r:embed="rId1"/>
+          <a:blip r:embed="rId2"/>
           <a:stretch/>
         </p:blipFill>
         <p:spPr>
@@ -1842,7 +2276,7 @@
           </a:prstGeom>
           <a:ln w="6480">
             <a:solidFill>
-              <a:srgbClr val="a7074b">
+              <a:srgbClr val="A7074B">
                 <a:alpha val="80000"/>
               </a:srgbClr>
             </a:solidFill>
@@ -1850,9 +2284,15 @@
           </a:ln>
         </p:spPr>
         <p:style>
-          <a:lnRef idx="0"/>
-          <a:fillRef idx="0"/>
-          <a:effectRef idx="0"/>
+          <a:lnRef idx="0">
+            <a:scrgbClr r="0" g="0" b="0"/>
+          </a:lnRef>
+          <a:fillRef idx="0">
+            <a:scrgbClr r="0" g="0" b="0"/>
+          </a:fillRef>
+          <a:effectRef idx="0">
+            <a:scrgbClr r="0" g="0" b="0"/>
+          </a:effectRef>
           <a:fontRef idx="minor"/>
         </p:style>
       </p:sp>
@@ -1865,7 +2305,7 @@
         <p:spPr>
           <a:xfrm>
             <a:off x="19440" y="2175120"/>
-            <a:ext cx="10060560" cy="639000"/>
+            <a:ext cx="10060560" cy="706432"/>
           </a:xfrm>
           <a:prstGeom prst="rect">
             <a:avLst/>
@@ -1876,19 +2316,195 @@
           </a:ln>
         </p:spPr>
         <p:txBody>
-          <a:bodyPr lIns="90000" rIns="90000" tIns="45000" bIns="45000">
+          <a:bodyPr lIns="90000" tIns="45000" rIns="90000" bIns="45000">
             <a:spAutoFit/>
           </a:bodyPr>
-          <a:p>
-            <a:r>
-              <a:rPr b="0" lang="en-US" sz="1800" spc="-1" strike="noStrike">
-                <a:latin typeface="Cantarell Extra Bold"/>
-              </a:rPr>
-              <a:t>É um framework que otimiza a manutenção de aplicações em NodeJS fornecendo uma estrutura escalonável para o projeto. </a:t>
-            </a:r>
-            <a:endParaRPr b="0" lang="en-US" sz="1800" spc="-1" strike="noStrike">
-              <a:latin typeface="Arial"/>
-            </a:endParaRPr>
+          <a:lstStyle/>
+          <a:p>
+            <a:r>
+              <a:rPr lang="en-US" sz="2000" b="1" strike="noStrike" spc="-1" dirty="0">
+                <a:latin typeface="Arial Narrow" panose="020B0606020202030204" pitchFamily="34" charset="0"/>
+                <a:ea typeface="Batang" panose="02030600000101010101" pitchFamily="18" charset="-127"/>
+                <a:cs typeface="Aharoni" panose="02010803020104030203" pitchFamily="2" charset="-79"/>
+              </a:rPr>
+              <a:t>É um framework </a:t>
+            </a:r>
+            <a:r>
+              <a:rPr lang="en-US" sz="2000" b="1" strike="noStrike" spc="-1" dirty="0" err="1">
+                <a:latin typeface="Arial Narrow" panose="020B0606020202030204" pitchFamily="34" charset="0"/>
+                <a:ea typeface="Batang" panose="02030600000101010101" pitchFamily="18" charset="-127"/>
+                <a:cs typeface="Aharoni" panose="02010803020104030203" pitchFamily="2" charset="-79"/>
+              </a:rPr>
+              <a:t>que</a:t>
+            </a:r>
+            <a:r>
+              <a:rPr lang="en-US" sz="2000" b="1" strike="noStrike" spc="-1" dirty="0">
+                <a:latin typeface="Arial Narrow" panose="020B0606020202030204" pitchFamily="34" charset="0"/>
+                <a:ea typeface="Batang" panose="02030600000101010101" pitchFamily="18" charset="-127"/>
+                <a:cs typeface="Aharoni" panose="02010803020104030203" pitchFamily="2" charset="-79"/>
+              </a:rPr>
+              <a:t> </a:t>
+            </a:r>
+            <a:r>
+              <a:rPr lang="en-US" sz="2000" b="1" strike="noStrike" spc="-1" dirty="0" err="1">
+                <a:latin typeface="Arial Narrow" panose="020B0606020202030204" pitchFamily="34" charset="0"/>
+                <a:ea typeface="Batang" panose="02030600000101010101" pitchFamily="18" charset="-127"/>
+                <a:cs typeface="Aharoni" panose="02010803020104030203" pitchFamily="2" charset="-79"/>
+              </a:rPr>
+              <a:t>otimiza</a:t>
+            </a:r>
+            <a:r>
+              <a:rPr lang="en-US" sz="2000" b="1" strike="noStrike" spc="-1" dirty="0">
+                <a:latin typeface="Arial Narrow" panose="020B0606020202030204" pitchFamily="34" charset="0"/>
+                <a:ea typeface="Batang" panose="02030600000101010101" pitchFamily="18" charset="-127"/>
+                <a:cs typeface="Aharoni" panose="02010803020104030203" pitchFamily="2" charset="-79"/>
+              </a:rPr>
+              <a:t> a </a:t>
+            </a:r>
+            <a:r>
+              <a:rPr lang="en-US" sz="2000" b="1" strike="noStrike" spc="-1" dirty="0" err="1">
+                <a:latin typeface="Arial Narrow" panose="020B0606020202030204" pitchFamily="34" charset="0"/>
+                <a:ea typeface="Batang" panose="02030600000101010101" pitchFamily="18" charset="-127"/>
+                <a:cs typeface="Aharoni" panose="02010803020104030203" pitchFamily="2" charset="-79"/>
+              </a:rPr>
+              <a:t>manutenção</a:t>
+            </a:r>
+            <a:r>
+              <a:rPr lang="en-US" sz="2000" b="1" strike="noStrike" spc="-1" dirty="0">
+                <a:latin typeface="Arial Narrow" panose="020B0606020202030204" pitchFamily="34" charset="0"/>
+                <a:ea typeface="Batang" panose="02030600000101010101" pitchFamily="18" charset="-127"/>
+                <a:cs typeface="Aharoni" panose="02010803020104030203" pitchFamily="2" charset="-79"/>
+              </a:rPr>
+              <a:t> de </a:t>
+            </a:r>
+            <a:r>
+              <a:rPr lang="en-US" sz="2000" b="1" strike="noStrike" spc="-1" dirty="0" err="1">
+                <a:latin typeface="Arial Narrow" panose="020B0606020202030204" pitchFamily="34" charset="0"/>
+                <a:ea typeface="Batang" panose="02030600000101010101" pitchFamily="18" charset="-127"/>
+                <a:cs typeface="Aharoni" panose="02010803020104030203" pitchFamily="2" charset="-79"/>
+              </a:rPr>
+              <a:t>aplicações</a:t>
+            </a:r>
+            <a:r>
+              <a:rPr lang="en-US" sz="2000" b="1" strike="noStrike" spc="-1" dirty="0">
+                <a:latin typeface="Arial Narrow" panose="020B0606020202030204" pitchFamily="34" charset="0"/>
+                <a:ea typeface="Batang" panose="02030600000101010101" pitchFamily="18" charset="-127"/>
+                <a:cs typeface="Aharoni" panose="02010803020104030203" pitchFamily="2" charset="-79"/>
+              </a:rPr>
+              <a:t> </a:t>
+            </a:r>
+            <a:r>
+              <a:rPr lang="en-US" sz="2000" b="1" strike="noStrike" spc="-1" dirty="0" err="1">
+                <a:latin typeface="Arial Narrow" panose="020B0606020202030204" pitchFamily="34" charset="0"/>
+                <a:ea typeface="Batang" panose="02030600000101010101" pitchFamily="18" charset="-127"/>
+                <a:cs typeface="Aharoni" panose="02010803020104030203" pitchFamily="2" charset="-79"/>
+              </a:rPr>
+              <a:t>em</a:t>
+            </a:r>
+            <a:r>
+              <a:rPr lang="en-US" sz="2000" b="1" strike="noStrike" spc="-1" dirty="0">
+                <a:latin typeface="Arial Narrow" panose="020B0606020202030204" pitchFamily="34" charset="0"/>
+                <a:ea typeface="Batang" panose="02030600000101010101" pitchFamily="18" charset="-127"/>
+                <a:cs typeface="Aharoni" panose="02010803020104030203" pitchFamily="2" charset="-79"/>
+              </a:rPr>
+              <a:t> </a:t>
+            </a:r>
+            <a:r>
+              <a:rPr lang="en-US" sz="2000" b="1" strike="noStrike" spc="-1" dirty="0" err="1">
+                <a:latin typeface="Arial Narrow" panose="020B0606020202030204" pitchFamily="34" charset="0"/>
+                <a:ea typeface="Batang" panose="02030600000101010101" pitchFamily="18" charset="-127"/>
+                <a:cs typeface="Aharoni" panose="02010803020104030203" pitchFamily="2" charset="-79"/>
+              </a:rPr>
+              <a:t>NodeJS</a:t>
+            </a:r>
+            <a:r>
+              <a:rPr lang="en-US" sz="2000" b="1" strike="noStrike" spc="-1" dirty="0">
+                <a:latin typeface="Arial Narrow" panose="020B0606020202030204" pitchFamily="34" charset="0"/>
+                <a:ea typeface="Batang" panose="02030600000101010101" pitchFamily="18" charset="-127"/>
+                <a:cs typeface="Aharoni" panose="02010803020104030203" pitchFamily="2" charset="-79"/>
+              </a:rPr>
+              <a:t> </a:t>
+            </a:r>
+            <a:r>
+              <a:rPr lang="en-US" sz="2000" b="1" strike="noStrike" spc="-1" dirty="0" err="1">
+                <a:latin typeface="Arial Narrow" panose="020B0606020202030204" pitchFamily="34" charset="0"/>
+                <a:ea typeface="Batang" panose="02030600000101010101" pitchFamily="18" charset="-127"/>
+                <a:cs typeface="Aharoni" panose="02010803020104030203" pitchFamily="2" charset="-79"/>
+              </a:rPr>
+              <a:t>fornecendo</a:t>
+            </a:r>
+            <a:r>
+              <a:rPr lang="en-US" sz="2000" b="1" strike="noStrike" spc="-1" dirty="0">
+                <a:latin typeface="Arial Narrow" panose="020B0606020202030204" pitchFamily="34" charset="0"/>
+                <a:ea typeface="Batang" panose="02030600000101010101" pitchFamily="18" charset="-127"/>
+                <a:cs typeface="Aharoni" panose="02010803020104030203" pitchFamily="2" charset="-79"/>
+              </a:rPr>
+              <a:t> </a:t>
+            </a:r>
+            <a:r>
+              <a:rPr lang="en-US" sz="2000" b="1" strike="noStrike" spc="-1" dirty="0" err="1">
+                <a:latin typeface="Arial Narrow" panose="020B0606020202030204" pitchFamily="34" charset="0"/>
+                <a:ea typeface="Batang" panose="02030600000101010101" pitchFamily="18" charset="-127"/>
+                <a:cs typeface="Aharoni" panose="02010803020104030203" pitchFamily="2" charset="-79"/>
+              </a:rPr>
+              <a:t>uma</a:t>
+            </a:r>
+            <a:r>
+              <a:rPr lang="en-US" sz="2000" b="1" strike="noStrike" spc="-1" dirty="0">
+                <a:latin typeface="Arial Narrow" panose="020B0606020202030204" pitchFamily="34" charset="0"/>
+                <a:ea typeface="Batang" panose="02030600000101010101" pitchFamily="18" charset="-127"/>
+                <a:cs typeface="Aharoni" panose="02010803020104030203" pitchFamily="2" charset="-79"/>
+              </a:rPr>
+              <a:t> </a:t>
+            </a:r>
+            <a:r>
+              <a:rPr lang="en-US" sz="2000" b="1" strike="noStrike" spc="-1" dirty="0" err="1">
+                <a:latin typeface="Arial Narrow" panose="020B0606020202030204" pitchFamily="34" charset="0"/>
+                <a:ea typeface="Batang" panose="02030600000101010101" pitchFamily="18" charset="-127"/>
+                <a:cs typeface="Aharoni" panose="02010803020104030203" pitchFamily="2" charset="-79"/>
+              </a:rPr>
+              <a:t>estrutura</a:t>
+            </a:r>
+            <a:r>
+              <a:rPr lang="en-US" sz="2000" b="1" strike="noStrike" spc="-1" dirty="0">
+                <a:latin typeface="Arial Narrow" panose="020B0606020202030204" pitchFamily="34" charset="0"/>
+                <a:ea typeface="Batang" panose="02030600000101010101" pitchFamily="18" charset="-127"/>
+                <a:cs typeface="Aharoni" panose="02010803020104030203" pitchFamily="2" charset="-79"/>
+              </a:rPr>
+              <a:t> </a:t>
+            </a:r>
+            <a:r>
+              <a:rPr lang="en-US" sz="2000" b="1" strike="noStrike" spc="-1" dirty="0" err="1">
+                <a:latin typeface="Arial Narrow" panose="020B0606020202030204" pitchFamily="34" charset="0"/>
+                <a:ea typeface="Batang" panose="02030600000101010101" pitchFamily="18" charset="-127"/>
+                <a:cs typeface="Aharoni" panose="02010803020104030203" pitchFamily="2" charset="-79"/>
+              </a:rPr>
+              <a:t>escalonável</a:t>
+            </a:r>
+            <a:r>
+              <a:rPr lang="en-US" sz="2000" b="1" strike="noStrike" spc="-1" dirty="0">
+                <a:latin typeface="Arial Narrow" panose="020B0606020202030204" pitchFamily="34" charset="0"/>
+                <a:ea typeface="Batang" panose="02030600000101010101" pitchFamily="18" charset="-127"/>
+                <a:cs typeface="Aharoni" panose="02010803020104030203" pitchFamily="2" charset="-79"/>
+              </a:rPr>
+              <a:t> para o </a:t>
+            </a:r>
+            <a:r>
+              <a:rPr lang="en-US" sz="2000" b="1" strike="noStrike" spc="-1" dirty="0" err="1">
+                <a:latin typeface="Arial Narrow" panose="020B0606020202030204" pitchFamily="34" charset="0"/>
+                <a:ea typeface="Batang" panose="02030600000101010101" pitchFamily="18" charset="-127"/>
+                <a:cs typeface="Aharoni" panose="02010803020104030203" pitchFamily="2" charset="-79"/>
+              </a:rPr>
+              <a:t>projeto</a:t>
+            </a:r>
+            <a:r>
+              <a:rPr lang="en-US" sz="2000" b="1" strike="noStrike" spc="-1" dirty="0">
+                <a:latin typeface="Arial Narrow" panose="020B0606020202030204" pitchFamily="34" charset="0"/>
+                <a:ea typeface="Batang" panose="02030600000101010101" pitchFamily="18" charset="-127"/>
+                <a:cs typeface="Aharoni" panose="02010803020104030203" pitchFamily="2" charset="-79"/>
+              </a:rPr>
+              <a:t>. </a:t>
+            </a:r>
           </a:p>
         </p:txBody>
       </p:sp>
@@ -1900,7 +2516,7 @@
         </p:nvSpPr>
         <p:spPr>
           <a:xfrm>
-            <a:off x="254880" y="3785040"/>
+            <a:off x="254880" y="3853280"/>
             <a:ext cx="3818160" cy="338760"/>
           </a:xfrm>
           <a:prstGeom prst="rect">
@@ -1912,9 +2528,10 @@
           </a:ln>
         </p:spPr>
         <p:txBody>
-          <a:bodyPr lIns="90000" rIns="90000" tIns="45000" bIns="45000">
+          <a:bodyPr lIns="90000" tIns="45000" rIns="90000" bIns="45000">
             <a:spAutoFit/>
           </a:bodyPr>
+          <a:lstStyle/>
           <a:p>
             <a:pPr algn="just">
               <a:spcAft>
@@ -1922,18 +2539,54 @@
               </a:spcAft>
             </a:pPr>
             <a:r>
-              <a:rPr b="1" lang="en-US" sz="1500" spc="-1" strike="noStrike">
+              <a:rPr lang="en-US" sz="1500" b="1" strike="noStrike" spc="-1" dirty="0">
                 <a:latin typeface="Droid Sans Fallback"/>
               </a:rPr>
               <a:t>o</a:t>
             </a:r>
             <a:r>
-              <a:rPr b="0" lang="en-US" sz="1500" spc="-1" strike="noStrike">
+              <a:rPr lang="en-US" sz="1500" b="0" strike="noStrike" spc="-1" dirty="0">
                 <a:latin typeface="Droid Sans Fallback"/>
               </a:rPr>
-              <a:t> Agiliza o processo de programação  </a:t>
-            </a:r>
-            <a:endParaRPr b="0" lang="en-US" sz="1500" spc="-1" strike="noStrike">
+              <a:t> </a:t>
+            </a:r>
+            <a:r>
+              <a:rPr lang="en-US" sz="1500" b="0" strike="noStrike" spc="-1" dirty="0" err="1">
+                <a:latin typeface="Droid Sans Fallback"/>
+              </a:rPr>
+              <a:t>Agiliza</a:t>
+            </a:r>
+            <a:r>
+              <a:rPr lang="en-US" sz="1500" b="0" strike="noStrike" spc="-1" dirty="0">
+                <a:latin typeface="Droid Sans Fallback"/>
+              </a:rPr>
+              <a:t> o </a:t>
+            </a:r>
+            <a:r>
+              <a:rPr lang="en-US" sz="1500" b="0" strike="noStrike" spc="-1" dirty="0" err="1">
+                <a:latin typeface="Droid Sans Fallback"/>
+              </a:rPr>
+              <a:t>processo</a:t>
+            </a:r>
+            <a:r>
+              <a:rPr lang="en-US" sz="1500" b="0" strike="noStrike" spc="-1" dirty="0">
+                <a:latin typeface="Droid Sans Fallback"/>
+              </a:rPr>
+              <a:t> de </a:t>
+            </a:r>
+            <a:r>
+              <a:rPr lang="en-US" sz="1500" b="0" strike="noStrike" spc="-1" dirty="0" err="1">
+                <a:latin typeface="Droid Sans Fallback"/>
+              </a:rPr>
+              <a:t>programação</a:t>
+            </a:r>
+            <a:r>
+              <a:rPr lang="en-US" sz="1500" b="0" strike="noStrike" spc="-1" dirty="0">
+                <a:latin typeface="Droid Sans Fallback"/>
+              </a:rPr>
+              <a:t>  </a:t>
+            </a:r>
+            <a:endParaRPr lang="en-US" sz="1500" b="0" strike="noStrike" spc="-1" dirty="0">
               <a:latin typeface="Arial"/>
             </a:endParaRPr>
           </a:p>
@@ -1947,7 +2600,7 @@
         </p:nvSpPr>
         <p:spPr>
           <a:xfrm>
-            <a:off x="4663440" y="2668680"/>
+            <a:off x="4663440" y="2777864"/>
             <a:ext cx="5029200" cy="2750040"/>
           </a:xfrm>
           <a:prstGeom prst="rect">
@@ -1959,70 +2612,767 @@
           </a:ln>
         </p:spPr>
         <p:txBody>
-          <a:bodyPr lIns="90000" rIns="90000" tIns="45000" bIns="45000">
+          <a:bodyPr lIns="90000" tIns="45000" rIns="90000" bIns="45000">
             <a:spAutoFit/>
           </a:bodyPr>
+          <a:lstStyle/>
           <a:p>
             <a:pPr algn="just"/>
             <a:r>
-              <a:rPr b="1" lang="en-US" sz="1300" spc="-1" strike="noStrike">
+              <a:rPr lang="en-US" sz="1300" b="1" strike="noStrike" spc="-1" dirty="0" err="1">
                 <a:latin typeface="Noto Mono"/>
               </a:rPr>
               <a:t>Módulos</a:t>
             </a:r>
             <a:r>
-              <a:rPr b="0" lang="en-US" sz="1300" spc="-1" strike="noStrike">
-                <a:latin typeface="Noto Mono"/>
-              </a:rPr>
-              <a:t> → são usado para agrupar funcionalidades com características semelhantes. Cada app precisa ter pelo menos um módulo raiz. Caso haja mais módulos no projeto eles devem ser agrupados neste módulo raiz.</a:t>
-            </a:r>
-            <a:endParaRPr b="0" lang="en-US" sz="1300" spc="-1" strike="noStrike">
+              <a:rPr lang="en-US" sz="1300" b="0" strike="noStrike" spc="-1" dirty="0">
+                <a:latin typeface="Noto Mono"/>
+              </a:rPr>
+              <a:t> → </a:t>
+            </a:r>
+            <a:r>
+              <a:rPr lang="en-US" sz="1300" b="0" strike="noStrike" spc="-1" dirty="0" err="1">
+                <a:latin typeface="Noto Mono"/>
+              </a:rPr>
+              <a:t>são</a:t>
+            </a:r>
+            <a:r>
+              <a:rPr lang="en-US" sz="1300" b="0" strike="noStrike" spc="-1" dirty="0">
+                <a:latin typeface="Noto Mono"/>
+              </a:rPr>
+              <a:t> </a:t>
+            </a:r>
+            <a:r>
+              <a:rPr lang="en-US" sz="1300" b="0" strike="noStrike" spc="-1" dirty="0" err="1">
+                <a:latin typeface="Noto Mono"/>
+              </a:rPr>
+              <a:t>usado</a:t>
+            </a:r>
+            <a:r>
+              <a:rPr lang="en-US" sz="1300" b="0" strike="noStrike" spc="-1" dirty="0">
+                <a:latin typeface="Noto Mono"/>
+              </a:rPr>
+              <a:t> para </a:t>
+            </a:r>
+            <a:r>
+              <a:rPr lang="en-US" sz="1300" b="0" strike="noStrike" spc="-1" dirty="0" err="1">
+                <a:latin typeface="Noto Mono"/>
+              </a:rPr>
+              <a:t>agrupar</a:t>
+            </a:r>
+            <a:r>
+              <a:rPr lang="en-US" sz="1300" b="0" strike="noStrike" spc="-1" dirty="0">
+                <a:latin typeface="Noto Mono"/>
+              </a:rPr>
+              <a:t> </a:t>
+            </a:r>
+            <a:r>
+              <a:rPr lang="en-US" sz="1300" b="0" strike="noStrike" spc="-1" dirty="0" err="1">
+                <a:latin typeface="Noto Mono"/>
+              </a:rPr>
+              <a:t>funcionalidades</a:t>
+            </a:r>
+            <a:r>
+              <a:rPr lang="en-US" sz="1300" b="0" strike="noStrike" spc="-1" dirty="0">
+                <a:latin typeface="Noto Mono"/>
+              </a:rPr>
+              <a:t> com </a:t>
+            </a:r>
+            <a:r>
+              <a:rPr lang="en-US" sz="1300" b="0" strike="noStrike" spc="-1" dirty="0" err="1">
+                <a:latin typeface="Noto Mono"/>
+              </a:rPr>
+              <a:t>características</a:t>
+            </a:r>
+            <a:r>
+              <a:rPr lang="en-US" sz="1300" b="0" strike="noStrike" spc="-1" dirty="0">
+                <a:latin typeface="Noto Mono"/>
+              </a:rPr>
+              <a:t> </a:t>
+            </a:r>
+            <a:r>
+              <a:rPr lang="en-US" sz="1300" b="0" strike="noStrike" spc="-1" dirty="0" err="1">
+                <a:latin typeface="Noto Mono"/>
+              </a:rPr>
+              <a:t>semelhantes</a:t>
+            </a:r>
+            <a:r>
+              <a:rPr lang="en-US" sz="1300" b="0" strike="noStrike" spc="-1" dirty="0">
+                <a:latin typeface="Noto Mono"/>
+              </a:rPr>
+              <a:t>. </a:t>
+            </a:r>
+            <a:r>
+              <a:rPr lang="en-US" sz="1300" b="0" strike="noStrike" spc="-1" dirty="0" err="1">
+                <a:latin typeface="Noto Mono"/>
+              </a:rPr>
+              <a:t>Cada</a:t>
+            </a:r>
+            <a:r>
+              <a:rPr lang="en-US" sz="1300" b="0" strike="noStrike" spc="-1" dirty="0">
+                <a:latin typeface="Noto Mono"/>
+              </a:rPr>
+              <a:t> app </a:t>
+            </a:r>
+            <a:r>
+              <a:rPr lang="en-US" sz="1300" b="0" strike="noStrike" spc="-1" dirty="0" err="1">
+                <a:latin typeface="Noto Mono"/>
+              </a:rPr>
+              <a:t>precisa</a:t>
+            </a:r>
+            <a:r>
+              <a:rPr lang="en-US" sz="1300" b="0" strike="noStrike" spc="-1" dirty="0">
+                <a:latin typeface="Noto Mono"/>
+              </a:rPr>
+              <a:t> </a:t>
+            </a:r>
+            <a:r>
+              <a:rPr lang="en-US" sz="1300" b="0" strike="noStrike" spc="-1" dirty="0" err="1">
+                <a:latin typeface="Noto Mono"/>
+              </a:rPr>
+              <a:t>ter</a:t>
+            </a:r>
+            <a:r>
+              <a:rPr lang="en-US" sz="1300" b="0" strike="noStrike" spc="-1" dirty="0">
+                <a:latin typeface="Noto Mono"/>
+              </a:rPr>
+              <a:t> </a:t>
+            </a:r>
+            <a:r>
+              <a:rPr lang="en-US" sz="1300" b="0" strike="noStrike" spc="-1" dirty="0" err="1">
+                <a:latin typeface="Noto Mono"/>
+              </a:rPr>
+              <a:t>pelo</a:t>
+            </a:r>
+            <a:r>
+              <a:rPr lang="en-US" sz="1300" b="0" strike="noStrike" spc="-1" dirty="0">
+                <a:latin typeface="Noto Mono"/>
+              </a:rPr>
+              <a:t> </a:t>
+            </a:r>
+            <a:r>
+              <a:rPr lang="en-US" sz="1300" b="0" strike="noStrike" spc="-1" dirty="0" err="1">
+                <a:latin typeface="Noto Mono"/>
+              </a:rPr>
+              <a:t>menos</a:t>
+            </a:r>
+            <a:r>
+              <a:rPr lang="en-US" sz="1300" b="0" strike="noStrike" spc="-1" dirty="0">
+                <a:latin typeface="Noto Mono"/>
+              </a:rPr>
+              <a:t> um </a:t>
+            </a:r>
+            <a:r>
+              <a:rPr lang="en-US" sz="1300" b="0" strike="noStrike" spc="-1" dirty="0" err="1">
+                <a:latin typeface="Noto Mono"/>
+              </a:rPr>
+              <a:t>módulo</a:t>
+            </a:r>
+            <a:r>
+              <a:rPr lang="en-US" sz="1300" b="0" strike="noStrike" spc="-1" dirty="0">
+                <a:latin typeface="Noto Mono"/>
+              </a:rPr>
+              <a:t> </a:t>
+            </a:r>
+            <a:r>
+              <a:rPr lang="en-US" sz="1300" b="0" strike="noStrike" spc="-1" dirty="0" err="1">
+                <a:latin typeface="Noto Mono"/>
+              </a:rPr>
+              <a:t>raiz</a:t>
+            </a:r>
+            <a:r>
+              <a:rPr lang="en-US" sz="1300" b="0" strike="noStrike" spc="-1" dirty="0">
+                <a:latin typeface="Noto Mono"/>
+              </a:rPr>
+              <a:t>. </a:t>
+            </a:r>
+            <a:r>
+              <a:rPr lang="en-US" sz="1300" b="0" strike="noStrike" spc="-1" dirty="0" err="1">
+                <a:latin typeface="Noto Mono"/>
+              </a:rPr>
+              <a:t>Caso</a:t>
+            </a:r>
+            <a:r>
+              <a:rPr lang="en-US" sz="1300" b="0" strike="noStrike" spc="-1" dirty="0">
+                <a:latin typeface="Noto Mono"/>
+              </a:rPr>
+              <a:t> </a:t>
+            </a:r>
+            <a:r>
+              <a:rPr lang="en-US" sz="1300" b="0" strike="noStrike" spc="-1" dirty="0" err="1">
+                <a:latin typeface="Noto Mono"/>
+              </a:rPr>
+              <a:t>haja</a:t>
+            </a:r>
+            <a:r>
+              <a:rPr lang="en-US" sz="1300" b="0" strike="noStrike" spc="-1" dirty="0">
+                <a:latin typeface="Noto Mono"/>
+              </a:rPr>
+              <a:t> </a:t>
+            </a:r>
+            <a:r>
+              <a:rPr lang="en-US" sz="1300" b="0" strike="noStrike" spc="-1" dirty="0" err="1">
+                <a:latin typeface="Noto Mono"/>
+              </a:rPr>
+              <a:t>mais</a:t>
+            </a:r>
+            <a:r>
+              <a:rPr lang="en-US" sz="1300" b="0" strike="noStrike" spc="-1" dirty="0">
+                <a:latin typeface="Noto Mono"/>
+              </a:rPr>
+              <a:t> </a:t>
+            </a:r>
+            <a:r>
+              <a:rPr lang="en-US" sz="1300" b="0" strike="noStrike" spc="-1" dirty="0" err="1">
+                <a:latin typeface="Noto Mono"/>
+              </a:rPr>
+              <a:t>módulos</a:t>
+            </a:r>
+            <a:r>
+              <a:rPr lang="en-US" sz="1300" b="0" strike="noStrike" spc="-1" dirty="0">
+                <a:latin typeface="Noto Mono"/>
+              </a:rPr>
+              <a:t> no </a:t>
+            </a:r>
+            <a:r>
+              <a:rPr lang="en-US" sz="1300" b="0" strike="noStrike" spc="-1" dirty="0" err="1">
+                <a:latin typeface="Noto Mono"/>
+              </a:rPr>
+              <a:t>projeto</a:t>
+            </a:r>
+            <a:r>
+              <a:rPr lang="en-US" sz="1300" b="0" strike="noStrike" spc="-1" dirty="0">
+                <a:latin typeface="Noto Mono"/>
+              </a:rPr>
+              <a:t> </a:t>
+            </a:r>
+            <a:r>
+              <a:rPr lang="en-US" sz="1300" b="0" strike="noStrike" spc="-1" dirty="0" err="1">
+                <a:latin typeface="Noto Mono"/>
+              </a:rPr>
+              <a:t>eles</a:t>
+            </a:r>
+            <a:r>
+              <a:rPr lang="en-US" sz="1300" b="0" strike="noStrike" spc="-1" dirty="0">
+                <a:latin typeface="Noto Mono"/>
+              </a:rPr>
+              <a:t> </a:t>
+            </a:r>
+            <a:r>
+              <a:rPr lang="en-US" sz="1300" b="0" strike="noStrike" spc="-1" dirty="0" err="1">
+                <a:latin typeface="Noto Mono"/>
+              </a:rPr>
+              <a:t>devem</a:t>
+            </a:r>
+            <a:r>
+              <a:rPr lang="en-US" sz="1300" b="0" strike="noStrike" spc="-1" dirty="0">
+                <a:latin typeface="Noto Mono"/>
+              </a:rPr>
+              <a:t> </a:t>
+            </a:r>
+            <a:r>
+              <a:rPr lang="en-US" sz="1300" b="0" strike="noStrike" spc="-1" dirty="0" err="1">
+                <a:latin typeface="Noto Mono"/>
+              </a:rPr>
+              <a:t>ser</a:t>
+            </a:r>
+            <a:r>
+              <a:rPr lang="en-US" sz="1300" b="0" strike="noStrike" spc="-1" dirty="0">
+                <a:latin typeface="Noto Mono"/>
+              </a:rPr>
+              <a:t> </a:t>
+            </a:r>
+            <a:r>
+              <a:rPr lang="en-US" sz="1300" b="0" strike="noStrike" spc="-1" dirty="0" err="1">
+                <a:latin typeface="Noto Mono"/>
+              </a:rPr>
+              <a:t>agrupados</a:t>
+            </a:r>
+            <a:r>
+              <a:rPr lang="en-US" sz="1300" b="0" strike="noStrike" spc="-1" dirty="0">
+                <a:latin typeface="Noto Mono"/>
+              </a:rPr>
+              <a:t> </a:t>
+            </a:r>
+            <a:r>
+              <a:rPr lang="en-US" sz="1300" b="0" strike="noStrike" spc="-1" dirty="0" err="1">
+                <a:latin typeface="Noto Mono"/>
+              </a:rPr>
+              <a:t>neste</a:t>
+            </a:r>
+            <a:r>
+              <a:rPr lang="en-US" sz="1300" b="0" strike="noStrike" spc="-1" dirty="0">
+                <a:latin typeface="Noto Mono"/>
+              </a:rPr>
+              <a:t> </a:t>
+            </a:r>
+            <a:r>
+              <a:rPr lang="en-US" sz="1300" b="0" strike="noStrike" spc="-1" dirty="0" err="1">
+                <a:latin typeface="Noto Mono"/>
+              </a:rPr>
+              <a:t>módulo</a:t>
+            </a:r>
+            <a:r>
+              <a:rPr lang="en-US" sz="1300" b="0" strike="noStrike" spc="-1" dirty="0">
+                <a:latin typeface="Noto Mono"/>
+              </a:rPr>
+              <a:t> </a:t>
+            </a:r>
+            <a:r>
+              <a:rPr lang="en-US" sz="1300" b="0" strike="noStrike" spc="-1" dirty="0" err="1">
+                <a:latin typeface="Noto Mono"/>
+              </a:rPr>
+              <a:t>raiz</a:t>
+            </a:r>
+            <a:r>
+              <a:rPr lang="en-US" sz="1300" b="0" strike="noStrike" spc="-1" dirty="0">
+                <a:latin typeface="Noto Mono"/>
+              </a:rPr>
+              <a:t>.</a:t>
+            </a:r>
+            <a:endParaRPr lang="en-US" sz="1300" b="0" strike="noStrike" spc="-1" dirty="0">
               <a:latin typeface="Arial"/>
             </a:endParaRPr>
           </a:p>
           <a:p>
-            <a:endParaRPr b="0" lang="en-US" sz="1300" spc="-1" strike="noStrike">
+            <a:endParaRPr lang="en-US" sz="1300" b="0" strike="noStrike" spc="-1" dirty="0">
               <a:latin typeface="Arial"/>
             </a:endParaRPr>
           </a:p>
           <a:p>
             <a:pPr algn="just"/>
             <a:r>
-              <a:rPr b="1" lang="en-US" sz="1300" spc="-1" strike="noStrike">
+              <a:rPr lang="en-US" sz="1300" b="1" strike="noStrike" spc="-1" dirty="0">
                 <a:latin typeface="Noto Mono"/>
               </a:rPr>
               <a:t>Controllers</a:t>
             </a:r>
             <a:r>
-              <a:rPr b="0" lang="en-US" sz="1300" spc="-1" strike="noStrike">
-                <a:latin typeface="Noto Mono"/>
-              </a:rPr>
-              <a:t> → São responsáveis por lidar com os endpoints. Eles são responsáveis por lidar com requests e resposta de retorno do cliente.</a:t>
-            </a:r>
-            <a:endParaRPr b="0" lang="en-US" sz="1300" spc="-1" strike="noStrike">
+              <a:rPr lang="en-US" sz="1300" b="0" strike="noStrike" spc="-1" dirty="0">
+                <a:latin typeface="Noto Mono"/>
+              </a:rPr>
+              <a:t> → São </a:t>
+            </a:r>
+            <a:r>
+              <a:rPr lang="en-US" sz="1300" b="0" strike="noStrike" spc="-1" dirty="0" err="1">
+                <a:latin typeface="Noto Mono"/>
+              </a:rPr>
+              <a:t>responsáveis</a:t>
+            </a:r>
+            <a:r>
+              <a:rPr lang="en-US" sz="1300" b="0" strike="noStrike" spc="-1" dirty="0">
+                <a:latin typeface="Noto Mono"/>
+              </a:rPr>
+              <a:t> </a:t>
+            </a:r>
+            <a:r>
+              <a:rPr lang="en-US" sz="1300" b="0" strike="noStrike" spc="-1" dirty="0" err="1">
+                <a:latin typeface="Noto Mono"/>
+              </a:rPr>
+              <a:t>por</a:t>
+            </a:r>
+            <a:r>
+              <a:rPr lang="en-US" sz="1300" b="0" strike="noStrike" spc="-1" dirty="0">
+                <a:latin typeface="Noto Mono"/>
+              </a:rPr>
+              <a:t> </a:t>
+            </a:r>
+            <a:r>
+              <a:rPr lang="en-US" sz="1300" b="0" strike="noStrike" spc="-1" dirty="0" err="1">
+                <a:latin typeface="Noto Mono"/>
+              </a:rPr>
+              <a:t>lidar</a:t>
+            </a:r>
+            <a:r>
+              <a:rPr lang="en-US" sz="1300" b="0" strike="noStrike" spc="-1" dirty="0">
+                <a:latin typeface="Noto Mono"/>
+              </a:rPr>
+              <a:t> com </a:t>
+            </a:r>
+            <a:r>
+              <a:rPr lang="en-US" sz="1300" b="0" strike="noStrike" spc="-1" dirty="0" err="1">
+                <a:latin typeface="Noto Mono"/>
+              </a:rPr>
+              <a:t>os</a:t>
+            </a:r>
+            <a:r>
+              <a:rPr lang="en-US" sz="1300" b="0" strike="noStrike" spc="-1" dirty="0">
+                <a:latin typeface="Noto Mono"/>
+              </a:rPr>
+              <a:t> endpoints. </a:t>
+            </a:r>
+            <a:r>
+              <a:rPr lang="en-US" sz="1300" b="0" strike="noStrike" spc="-1" dirty="0" err="1">
+                <a:latin typeface="Noto Mono"/>
+              </a:rPr>
+              <a:t>Eles</a:t>
+            </a:r>
+            <a:r>
+              <a:rPr lang="en-US" sz="1300" b="0" strike="noStrike" spc="-1" dirty="0">
+                <a:latin typeface="Noto Mono"/>
+              </a:rPr>
+              <a:t> </a:t>
+            </a:r>
+            <a:r>
+              <a:rPr lang="en-US" sz="1300" b="0" strike="noStrike" spc="-1" dirty="0" err="1">
+                <a:latin typeface="Noto Mono"/>
+              </a:rPr>
+              <a:t>são</a:t>
+            </a:r>
+            <a:r>
+              <a:rPr lang="en-US" sz="1300" b="0" strike="noStrike" spc="-1" dirty="0">
+                <a:latin typeface="Noto Mono"/>
+              </a:rPr>
+              <a:t> </a:t>
+            </a:r>
+            <a:r>
+              <a:rPr lang="en-US" sz="1300" b="0" strike="noStrike" spc="-1" dirty="0" err="1">
+                <a:latin typeface="Noto Mono"/>
+              </a:rPr>
+              <a:t>responsáveis</a:t>
+            </a:r>
+            <a:r>
+              <a:rPr lang="en-US" sz="1300" b="0" strike="noStrike" spc="-1" dirty="0">
+                <a:latin typeface="Noto Mono"/>
+              </a:rPr>
+              <a:t> </a:t>
+            </a:r>
+            <a:r>
+              <a:rPr lang="en-US" sz="1300" b="0" strike="noStrike" spc="-1" dirty="0" err="1">
+                <a:latin typeface="Noto Mono"/>
+              </a:rPr>
+              <a:t>por</a:t>
+            </a:r>
+            <a:r>
+              <a:rPr lang="en-US" sz="1300" b="0" strike="noStrike" spc="-1" dirty="0">
+                <a:latin typeface="Noto Mono"/>
+              </a:rPr>
+              <a:t> </a:t>
+            </a:r>
+            <a:r>
+              <a:rPr lang="en-US" sz="1300" b="0" strike="noStrike" spc="-1" dirty="0" err="1">
+                <a:latin typeface="Noto Mono"/>
+              </a:rPr>
+              <a:t>lidar</a:t>
+            </a:r>
+            <a:r>
+              <a:rPr lang="en-US" sz="1300" b="0" strike="noStrike" spc="-1" dirty="0">
+                <a:latin typeface="Noto Mono"/>
+              </a:rPr>
+              <a:t> com requests e </a:t>
+            </a:r>
+            <a:r>
+              <a:rPr lang="en-US" sz="1300" b="0" strike="noStrike" spc="-1" dirty="0" err="1">
+                <a:latin typeface="Noto Mono"/>
+              </a:rPr>
+              <a:t>resposta</a:t>
+            </a:r>
+            <a:r>
+              <a:rPr lang="en-US" sz="1300" b="0" strike="noStrike" spc="-1" dirty="0">
+                <a:latin typeface="Noto Mono"/>
+              </a:rPr>
+              <a:t> de </a:t>
+            </a:r>
+            <a:r>
+              <a:rPr lang="en-US" sz="1300" b="0" strike="noStrike" spc="-1" dirty="0" err="1">
+                <a:latin typeface="Noto Mono"/>
+              </a:rPr>
+              <a:t>retorno</a:t>
+            </a:r>
+            <a:r>
+              <a:rPr lang="en-US" sz="1300" b="0" strike="noStrike" spc="-1" dirty="0">
+                <a:latin typeface="Noto Mono"/>
+              </a:rPr>
+              <a:t> do </a:t>
+            </a:r>
+            <a:r>
+              <a:rPr lang="en-US" sz="1300" b="0" strike="noStrike" spc="-1" dirty="0" err="1">
+                <a:latin typeface="Noto Mono"/>
+              </a:rPr>
+              <a:t>cliente</a:t>
+            </a:r>
+            <a:r>
+              <a:rPr lang="en-US" sz="1300" b="0" strike="noStrike" spc="-1" dirty="0">
+                <a:latin typeface="Noto Mono"/>
+              </a:rPr>
+              <a:t>.</a:t>
+            </a:r>
+            <a:endParaRPr lang="en-US" sz="1300" b="0" strike="noStrike" spc="-1" dirty="0">
               <a:latin typeface="Arial"/>
             </a:endParaRPr>
           </a:p>
           <a:p>
-            <a:endParaRPr b="0" lang="en-US" sz="1300" spc="-1" strike="noStrike">
+            <a:endParaRPr lang="en-US" sz="1300" b="0" strike="noStrike" spc="-1" dirty="0">
               <a:latin typeface="Arial"/>
             </a:endParaRPr>
           </a:p>
           <a:p>
             <a:pPr algn="just"/>
             <a:r>
-              <a:rPr b="1" lang="en-US" sz="1300" spc="-1" strike="noStrike">
+              <a:rPr lang="en-US" sz="1300" b="1" strike="noStrike" spc="-1" dirty="0">
                 <a:latin typeface="Noto Mono"/>
               </a:rPr>
               <a:t>Services</a:t>
             </a:r>
             <a:r>
-              <a:rPr b="0" lang="en-US" sz="1300" spc="-1" strike="noStrike">
-                <a:latin typeface="Noto Mono"/>
-              </a:rPr>
-              <a:t> → Permite que a lógica de uma classe seja usado em outra. Isso que possibilita os métodos de uma classe possa ser usado de forma mais abstrata.</a:t>
-            </a:r>
-            <a:endParaRPr b="0" lang="en-US" sz="1300" spc="-1" strike="noStrike">
+              <a:rPr lang="en-US" sz="1300" b="0" strike="noStrike" spc="-1" dirty="0">
+                <a:latin typeface="Noto Mono"/>
+              </a:rPr>
+              <a:t> → </a:t>
+            </a:r>
+            <a:r>
+              <a:rPr lang="en-US" sz="1300" b="0" strike="noStrike" spc="-1" dirty="0" err="1">
+                <a:latin typeface="Noto Mono"/>
+              </a:rPr>
+              <a:t>Permite</a:t>
+            </a:r>
+            <a:r>
+              <a:rPr lang="en-US" sz="1300" b="0" strike="noStrike" spc="-1" dirty="0">
+                <a:latin typeface="Noto Mono"/>
+              </a:rPr>
+              <a:t> </a:t>
+            </a:r>
+            <a:r>
+              <a:rPr lang="en-US" sz="1300" b="0" strike="noStrike" spc="-1" dirty="0" err="1">
+                <a:latin typeface="Noto Mono"/>
+              </a:rPr>
+              <a:t>que</a:t>
+            </a:r>
+            <a:r>
+              <a:rPr lang="en-US" sz="1300" b="0" strike="noStrike" spc="-1" dirty="0">
+                <a:latin typeface="Noto Mono"/>
+              </a:rPr>
+              <a:t> a </a:t>
+            </a:r>
+            <a:r>
+              <a:rPr lang="en-US" sz="1300" b="0" strike="noStrike" spc="-1" dirty="0" err="1">
+                <a:latin typeface="Noto Mono"/>
+              </a:rPr>
+              <a:t>lógica</a:t>
+            </a:r>
+            <a:r>
+              <a:rPr lang="en-US" sz="1300" b="0" strike="noStrike" spc="-1" dirty="0">
+                <a:latin typeface="Noto Mono"/>
+              </a:rPr>
+              <a:t> de </a:t>
+            </a:r>
+            <a:r>
+              <a:rPr lang="en-US" sz="1300" b="0" strike="noStrike" spc="-1" dirty="0" err="1">
+                <a:latin typeface="Noto Mono"/>
+              </a:rPr>
+              <a:t>uma</a:t>
+            </a:r>
+            <a:r>
+              <a:rPr lang="en-US" sz="1300" b="0" strike="noStrike" spc="-1" dirty="0">
+                <a:latin typeface="Noto Mono"/>
+              </a:rPr>
+              <a:t> </a:t>
+            </a:r>
+            <a:r>
+              <a:rPr lang="en-US" sz="1300" b="0" strike="noStrike" spc="-1" dirty="0" err="1">
+                <a:latin typeface="Noto Mono"/>
+              </a:rPr>
+              <a:t>classe</a:t>
+            </a:r>
+            <a:r>
+              <a:rPr lang="en-US" sz="1300" b="0" strike="noStrike" spc="-1" dirty="0">
+                <a:latin typeface="Noto Mono"/>
+              </a:rPr>
+              <a:t> </a:t>
+            </a:r>
+            <a:r>
+              <a:rPr lang="en-US" sz="1300" b="0" strike="noStrike" spc="-1" dirty="0" err="1">
+                <a:latin typeface="Noto Mono"/>
+              </a:rPr>
+              <a:t>seja</a:t>
+            </a:r>
+            <a:r>
+              <a:rPr lang="en-US" sz="1300" b="0" strike="noStrike" spc="-1" dirty="0">
+                <a:latin typeface="Noto Mono"/>
+              </a:rPr>
+              <a:t> </a:t>
+            </a:r>
+            <a:r>
+              <a:rPr lang="en-US" sz="1300" b="0" strike="noStrike" spc="-1" dirty="0" err="1">
+                <a:latin typeface="Noto Mono"/>
+              </a:rPr>
+              <a:t>usado</a:t>
+            </a:r>
+            <a:r>
+              <a:rPr lang="en-US" sz="1300" b="0" strike="noStrike" spc="-1" dirty="0">
+                <a:latin typeface="Noto Mono"/>
+              </a:rPr>
+              <a:t> </a:t>
+            </a:r>
+            <a:r>
+              <a:rPr lang="en-US" sz="1300" b="0" strike="noStrike" spc="-1" dirty="0" err="1">
+                <a:latin typeface="Noto Mono"/>
+              </a:rPr>
+              <a:t>em</a:t>
+            </a:r>
+            <a:r>
+              <a:rPr lang="en-US" sz="1300" b="0" strike="noStrike" spc="-1" dirty="0">
+                <a:latin typeface="Noto Mono"/>
+              </a:rPr>
+              <a:t> </a:t>
+            </a:r>
+            <a:r>
+              <a:rPr lang="en-US" sz="1300" b="0" strike="noStrike" spc="-1" dirty="0" err="1">
+                <a:latin typeface="Noto Mono"/>
+              </a:rPr>
+              <a:t>outra</a:t>
+            </a:r>
+            <a:r>
+              <a:rPr lang="en-US" sz="1300" b="0" strike="noStrike" spc="-1" dirty="0">
+                <a:latin typeface="Noto Mono"/>
+              </a:rPr>
+              <a:t>. </a:t>
+            </a:r>
+            <a:r>
+              <a:rPr lang="en-US" sz="1300" b="0" strike="noStrike" spc="-1" dirty="0" err="1">
+                <a:latin typeface="Noto Mono"/>
+              </a:rPr>
+              <a:t>Isso</a:t>
+            </a:r>
+            <a:r>
+              <a:rPr lang="en-US" sz="1300" b="0" strike="noStrike" spc="-1" dirty="0">
+                <a:latin typeface="Noto Mono"/>
+              </a:rPr>
+              <a:t> </a:t>
+            </a:r>
+            <a:r>
+              <a:rPr lang="en-US" sz="1300" b="0" strike="noStrike" spc="-1" dirty="0" err="1">
+                <a:latin typeface="Noto Mono"/>
+              </a:rPr>
+              <a:t>que</a:t>
+            </a:r>
+            <a:r>
+              <a:rPr lang="en-US" sz="1300" b="0" strike="noStrike" spc="-1" dirty="0">
+                <a:latin typeface="Noto Mono"/>
+              </a:rPr>
+              <a:t> </a:t>
+            </a:r>
+            <a:r>
+              <a:rPr lang="en-US" sz="1300" b="0" strike="noStrike" spc="-1" dirty="0" err="1">
+                <a:latin typeface="Noto Mono"/>
+              </a:rPr>
+              <a:t>possibilita</a:t>
+            </a:r>
+            <a:r>
+              <a:rPr lang="en-US" sz="1300" b="0" strike="noStrike" spc="-1" dirty="0">
+                <a:latin typeface="Noto Mono"/>
+              </a:rPr>
+              <a:t> </a:t>
+            </a:r>
+            <a:r>
+              <a:rPr lang="en-US" sz="1300" b="0" strike="noStrike" spc="-1" dirty="0" err="1">
+                <a:latin typeface="Noto Mono"/>
+              </a:rPr>
+              <a:t>os</a:t>
+            </a:r>
+            <a:r>
+              <a:rPr lang="en-US" sz="1300" b="0" strike="noStrike" spc="-1" dirty="0">
+                <a:latin typeface="Noto Mono"/>
+              </a:rPr>
+              <a:t> </a:t>
+            </a:r>
+            <a:r>
+              <a:rPr lang="en-US" sz="1300" b="0" strike="noStrike" spc="-1" dirty="0" err="1">
+                <a:latin typeface="Noto Mono"/>
+              </a:rPr>
+              <a:t>métodos</a:t>
+            </a:r>
+            <a:r>
+              <a:rPr lang="en-US" sz="1300" b="0" strike="noStrike" spc="-1" dirty="0">
+                <a:latin typeface="Noto Mono"/>
+              </a:rPr>
+              <a:t> de </a:t>
+            </a:r>
+            <a:r>
+              <a:rPr lang="en-US" sz="1300" b="0" strike="noStrike" spc="-1" dirty="0" err="1">
+                <a:latin typeface="Noto Mono"/>
+              </a:rPr>
+              <a:t>uma</a:t>
+            </a:r>
+            <a:r>
+              <a:rPr lang="en-US" sz="1300" b="0" strike="noStrike" spc="-1" dirty="0">
+                <a:latin typeface="Noto Mono"/>
+              </a:rPr>
+              <a:t> </a:t>
+            </a:r>
+            <a:r>
+              <a:rPr lang="en-US" sz="1300" b="0" strike="noStrike" spc="-1" dirty="0" err="1">
+                <a:latin typeface="Noto Mono"/>
+              </a:rPr>
+              <a:t>classe</a:t>
+            </a:r>
+            <a:r>
+              <a:rPr lang="en-US" sz="1300" b="0" strike="noStrike" spc="-1" dirty="0">
+                <a:latin typeface="Noto Mono"/>
+              </a:rPr>
+              <a:t> </a:t>
+            </a:r>
+            <a:r>
+              <a:rPr lang="en-US" sz="1300" b="0" strike="noStrike" spc="-1" dirty="0" err="1">
+                <a:latin typeface="Noto Mono"/>
+              </a:rPr>
+              <a:t>possa</a:t>
+            </a:r>
+            <a:r>
+              <a:rPr lang="en-US" sz="1300" b="0" strike="noStrike" spc="-1" dirty="0">
+                <a:latin typeface="Noto Mono"/>
+              </a:rPr>
+              <a:t> </a:t>
+            </a:r>
+            <a:r>
+              <a:rPr lang="en-US" sz="1300" b="0" strike="noStrike" spc="-1" dirty="0" err="1">
+                <a:latin typeface="Noto Mono"/>
+              </a:rPr>
+              <a:t>ser</a:t>
+            </a:r>
+            <a:r>
+              <a:rPr lang="en-US" sz="1300" b="0" strike="noStrike" spc="-1" dirty="0">
+                <a:latin typeface="Noto Mono"/>
+              </a:rPr>
+              <a:t> </a:t>
+            </a:r>
+            <a:r>
+              <a:rPr lang="en-US" sz="1300" b="0" strike="noStrike" spc="-1" dirty="0" err="1">
+                <a:latin typeface="Noto Mono"/>
+              </a:rPr>
+              <a:t>usado</a:t>
+            </a:r>
+            <a:r>
+              <a:rPr lang="en-US" sz="1300" b="0" strike="noStrike" spc="-1" dirty="0">
+                <a:latin typeface="Noto Mono"/>
+              </a:rPr>
+              <a:t> de forma </a:t>
+            </a:r>
+            <a:r>
+              <a:rPr lang="en-US" sz="1300" b="0" strike="noStrike" spc="-1" dirty="0" err="1">
+                <a:latin typeface="Noto Mono"/>
+              </a:rPr>
+              <a:t>mais</a:t>
+            </a:r>
+            <a:r>
+              <a:rPr lang="en-US" sz="1300" b="0" strike="noStrike" spc="-1" dirty="0">
+                <a:latin typeface="Noto Mono"/>
+              </a:rPr>
+              <a:t> </a:t>
+            </a:r>
+            <a:r>
+              <a:rPr lang="en-US" sz="1300" b="0" strike="noStrike" spc="-1" dirty="0" err="1">
+                <a:latin typeface="Noto Mono"/>
+              </a:rPr>
+              <a:t>abstrata</a:t>
+            </a:r>
+            <a:r>
+              <a:rPr lang="en-US" sz="1300" b="0" strike="noStrike" spc="-1" dirty="0">
+                <a:latin typeface="Noto Mono"/>
+              </a:rPr>
+              <a:t>.</a:t>
+            </a:r>
+            <a:endParaRPr lang="en-US" sz="1300" b="0" strike="noStrike" spc="-1" dirty="0">
               <a:latin typeface="Arial"/>
             </a:endParaRPr>
           </a:p>
@@ -2044,7 +3394,7 @@
           </a:prstGeom>
           <a:ln w="6480">
             <a:solidFill>
-              <a:srgbClr val="a7074b">
+              <a:srgbClr val="A7074B">
                 <a:alpha val="80000"/>
               </a:srgbClr>
             </a:solidFill>
@@ -2052,19 +3402,28 @@
           </a:ln>
         </p:spPr>
         <p:style>
-          <a:lnRef idx="0"/>
-          <a:fillRef idx="0"/>
-          <a:effectRef idx="0"/>
+          <a:lnRef idx="0">
+            <a:scrgbClr r="0" g="0" b="0"/>
+          </a:lnRef>
+          <a:fillRef idx="0">
+            <a:scrgbClr r="0" g="0" b="0"/>
+          </a:fillRef>
+          <a:effectRef idx="0">
+            <a:scrgbClr r="0" g="0" b="0"/>
+          </a:effectRef>
           <a:fontRef idx="minor"/>
         </p:style>
       </p:sp>
     </p:spTree>
   </p:cSld>
-  <mc:AlternateContent>
+  <p:clrMapOvr>
+    <a:masterClrMapping/>
+  </p:clrMapOvr>
+  <mc:AlternateContent xmlns:mc="http://schemas.openxmlformats.org/markup-compatibility/2006" xmlns:p14="http://schemas.microsoft.com/office/powerpoint/2010/main">
     <mc:Choice Requires="p14">
       <p:transition spd="slow" p14:dur="2000"/>
     </mc:Choice>
-    <mc:Fallback>
+    <mc:Fallback xmlns:p15="http://schemas.microsoft.com/office/powerpoint/2012/main" xmlns="">
       <p:transition spd="slow"/>
     </mc:Fallback>
   </mc:AlternateContent>
@@ -2076,14 +3435,14 @@
             <p:seq>
               <p:cTn id="2" dur="indefinite" nodeType="mainSeq"/>
               <p:prevCondLst>
-                <p:cond delay="0" evt="onPrev">
+                <p:cond evt="onPrev" delay="0">
                   <p:tgtEl>
                     <p:sldTgt/>
                   </p:tgtEl>
                 </p:cond>
               </p:prevCondLst>
               <p:nextCondLst>
-                <p:cond delay="0" evt="onNext">
+                <p:cond evt="onNext" delay="0">
                   <p:tgtEl>
                     <p:sldTgt/>
                   </p:tgtEl>
@@ -2099,7 +3458,7 @@
 </file>
 
 <file path=ppt/slides/slide2.xml><?xml version="1.0" encoding="utf-8"?>
-<p:sld xmlns:a="http://schemas.openxmlformats.org/drawingml/2006/main" xmlns:p="http://schemas.openxmlformats.org/presentationml/2006/main" xmlns:r="http://schemas.openxmlformats.org/officeDocument/2006/relationships" xmlns:p14="http://schemas.microsoft.com/office/powerpoint/2010/main" xmlns:p15="http://schemas.microsoft.com/office/powerpoint/2012/main" xmlns:mc="http://schemas.openxmlformats.org/markup-compatibility/2006">
+<p:sld xmlns:a="http://schemas.openxmlformats.org/drawingml/2006/main" xmlns:r="http://schemas.openxmlformats.org/officeDocument/2006/relationships" xmlns:p="http://schemas.openxmlformats.org/presentationml/2006/main">
   <p:cSld>
     <p:spTree>
       <p:nvGrpSpPr>
@@ -2117,41 +3476,14 @@
       </p:grpSpPr>
       <p:sp>
         <p:nvSpPr>
-          <p:cNvPr id="48" name="Line 1"/>
-          <p:cNvSpPr/>
-          <p:nvPr/>
-        </p:nvSpPr>
-        <p:spPr>
-          <a:xfrm>
-            <a:off x="130320" y="274320"/>
-            <a:ext cx="0" cy="2011680"/>
-          </a:xfrm>
-          <a:prstGeom prst="line">
-            <a:avLst/>
-          </a:prstGeom>
-          <a:ln>
-            <a:solidFill>
-              <a:srgbClr val="000000"/>
-            </a:solidFill>
-          </a:ln>
-        </p:spPr>
-        <p:style>
-          <a:lnRef idx="0"/>
-          <a:fillRef idx="0"/>
-          <a:effectRef idx="0"/>
-          <a:fontRef idx="minor"/>
-        </p:style>
-      </p:sp>
-      <p:sp>
-        <p:nvSpPr>
           <p:cNvPr id="49" name="TextShape 2"/>
           <p:cNvSpPr txBox="1"/>
           <p:nvPr/>
         </p:nvSpPr>
         <p:spPr>
           <a:xfrm>
-            <a:off x="0" y="3528360"/>
-            <a:ext cx="9966960" cy="1454040"/>
+            <a:off x="885447" y="2348630"/>
+            <a:ext cx="6105784" cy="1014209"/>
           </a:xfrm>
           <a:prstGeom prst="rect">
             <a:avLst/>
@@ -2162,81 +3494,46 @@
           </a:ln>
         </p:spPr>
         <p:txBody>
-          <a:bodyPr lIns="90000" rIns="90000" tIns="45000" bIns="45000">
+          <a:bodyPr wrap="square" lIns="90000" tIns="45000" rIns="90000" bIns="45000">
             <a:spAutoFit/>
           </a:bodyPr>
+          <a:lstStyle/>
           <a:p>
             <a:pPr algn="ctr"/>
             <a:r>
-              <a:rPr b="1" lang="en-US" sz="2400" spc="-1" strike="noStrike">
-                <a:latin typeface="Arial"/>
-              </a:rPr>
-              <a:t>NestJS VS(?) Express</a:t>
-            </a:r>
-            <a:endParaRPr b="0" lang="en-US" sz="2400" spc="-1" strike="noStrike">
-              <a:latin typeface="Arial"/>
+              <a:rPr lang="en-US" sz="3600" b="1" strike="noStrike" spc="-1" dirty="0" err="1">
+                <a:latin typeface="Batang" panose="02030600000101010101" pitchFamily="18" charset="-127"/>
+                <a:ea typeface="Batang" panose="02030600000101010101" pitchFamily="18" charset="-127"/>
+              </a:rPr>
+              <a:t>NestJS</a:t>
+            </a:r>
+            <a:r>
+              <a:rPr lang="en-US" sz="2400" b="1" strike="noStrike" spc="-1">
+                <a:latin typeface="Batang" panose="02030600000101010101" pitchFamily="18" charset="-127"/>
+                <a:ea typeface="Batang" panose="02030600000101010101" pitchFamily="18" charset="-127"/>
+              </a:rPr>
+              <a:t> </a:t>
+            </a:r>
+            <a:r>
+              <a:rPr lang="en-US" sz="2400" b="1" strike="noStrike" spc="-1" smtClean="0">
+                <a:latin typeface="Batang" panose="02030600000101010101" pitchFamily="18" charset="-127"/>
+                <a:ea typeface="Batang" panose="02030600000101010101" pitchFamily="18" charset="-127"/>
+              </a:rPr>
+              <a:t>VS    ess</a:t>
+            </a:r>
+            <a:endParaRPr lang="en-US" sz="2400" b="0" strike="noStrike" spc="-1" dirty="0">
+              <a:latin typeface="Batang" panose="02030600000101010101" pitchFamily="18" charset="-127"/>
+              <a:ea typeface="Batang" panose="02030600000101010101" pitchFamily="18" charset="-127"/>
             </a:endParaRPr>
           </a:p>
           <a:p>
             <a:pPr algn="ctr"/>
-            <a:endParaRPr b="0" lang="en-US" sz="2400" spc="-1" strike="noStrike">
-              <a:latin typeface="Arial"/>
-            </a:endParaRPr>
-          </a:p>
-          <a:p>
-            <a:r>
-              <a:rPr b="0" lang="en-US" sz="1800" spc="-1" strike="noStrike">
-                <a:latin typeface="Arial"/>
-              </a:rPr>
-              <a:t>Express é um framework de HTTP </a:t>
-            </a:r>
-            <a:endParaRPr b="0" lang="en-US" sz="1800" spc="-1" strike="noStrike">
-              <a:latin typeface="Arial"/>
-            </a:endParaRPr>
-          </a:p>
-          <a:p>
-            <a:pPr algn="ctr"/>
-            <a:endParaRPr b="0" lang="en-US" sz="1800" spc="-1" strike="noStrike">
-              <a:latin typeface="Arial"/>
-            </a:endParaRPr>
-          </a:p>
-          <a:p>
-            <a:r>
-              <a:rPr b="0" lang="en-US" sz="1800" spc="-1" strike="noStrike">
-                <a:latin typeface="Arial"/>
-              </a:rPr>
-              <a:t>NestJs faz uso do Express em sua lógica (ele é passado ao app como parâmetro default)</a:t>
-            </a:r>
-            <a:endParaRPr b="0" lang="en-US" sz="1800" spc="-1" strike="noStrike">
+            <a:endParaRPr lang="en-US" sz="2400" b="0" strike="noStrike" spc="-1" dirty="0">
               <a:latin typeface="Arial"/>
             </a:endParaRPr>
           </a:p>
         </p:txBody>
       </p:sp>
-      <p:pic>
-        <p:nvPicPr>
-          <p:cNvPr id="50" name="" descr=""/>
-          <p:cNvPicPr/>
-          <p:nvPr/>
-        </p:nvPicPr>
-        <p:blipFill>
-          <a:blip r:embed="rId1"/>
-          <a:srcRect l="5373" t="0" r="0" b="0"/>
-          <a:stretch/>
-        </p:blipFill>
-        <p:spPr>
-          <a:xfrm>
-            <a:off x="3089520" y="1615680"/>
-            <a:ext cx="3291840" cy="1956960"/>
-          </a:xfrm>
-          <a:prstGeom prst="rect">
-            <a:avLst/>
-          </a:prstGeom>
-          <a:ln>
-            <a:noFill/>
-          </a:ln>
-        </p:spPr>
-      </p:pic>
       <p:sp>
         <p:nvSpPr>
           <p:cNvPr id="51" name="TextShape 3"/>
@@ -2245,8 +3542,8 @@
         </p:nvSpPr>
         <p:spPr>
           <a:xfrm>
-            <a:off x="127440" y="108360"/>
-            <a:ext cx="8193600" cy="1507320"/>
+            <a:off x="79451" y="370434"/>
+            <a:ext cx="3395734" cy="1321985"/>
           </a:xfrm>
           <a:prstGeom prst="rect">
             <a:avLst/>
@@ -2257,41 +3554,267 @@
           </a:ln>
         </p:spPr>
         <p:txBody>
-          <a:bodyPr lIns="90000" rIns="90000" tIns="45000" bIns="45000">
+          <a:bodyPr wrap="square" lIns="90000" tIns="45000" rIns="90000" bIns="45000">
             <a:spAutoFit/>
           </a:bodyPr>
+          <a:lstStyle/>
           <a:p>
             <a:pPr algn="just"/>
             <a:r>
-              <a:rPr b="1" lang="en-US" sz="1500" spc="-1" strike="noStrike">
-                <a:latin typeface="Noto Mono"/>
+              <a:rPr lang="en-US" sz="1600" b="1" strike="noStrike" spc="-1" dirty="0">
+                <a:latin typeface="Noto Mono"/>
+                <a:ea typeface="Batang" panose="02030600000101010101" pitchFamily="18" charset="-127"/>
               </a:rPr>
               <a:t>o</a:t>
             </a:r>
             <a:r>
-              <a:rPr b="0" lang="en-US" sz="1500" spc="-1" strike="noStrike">
-                <a:latin typeface="Noto Mono"/>
+              <a:rPr lang="en-US" sz="1600" b="0" strike="noStrike" spc="-1" dirty="0">
+                <a:latin typeface="Noto Mono"/>
+                <a:ea typeface="Batang" panose="02030600000101010101" pitchFamily="18" charset="-127"/>
               </a:rPr>
               <a:t> Com </a:t>
             </a:r>
             <a:r>
-              <a:rPr b="0" lang="en-US" sz="1500" spc="-1" strike="noStrike">
+              <a:rPr lang="en-US" sz="1600" b="0" strike="noStrike" spc="-1" dirty="0" err="1">
                 <a:solidFill>
-                  <a:srgbClr val="e70761"/>
+                  <a:srgbClr val="E70761"/>
                 </a:solidFill>
                 <a:latin typeface="Noto Mono"/>
+                <a:ea typeface="Batang" panose="02030600000101010101" pitchFamily="18" charset="-127"/>
               </a:rPr>
               <a:t>GraphQL</a:t>
             </a:r>
             <a:r>
-              <a:rPr b="0" lang="en-US" sz="1500" spc="-1" strike="noStrike">
-                <a:latin typeface="Noto Mono"/>
-              </a:rPr>
-              <a:t> otimiza consultas ao permitir que o cliente carregue apenas os dados que queira buscar - agiliza o processo quando comparado com REST APIs</a:t>
-            </a:r>
-            <a:endParaRPr b="0" lang="en-US" sz="1500" spc="-1" strike="noStrike">
-              <a:latin typeface="Arial"/>
-            </a:endParaRPr>
+              <a:rPr lang="en-US" sz="1600" b="0" strike="noStrike" spc="-1" dirty="0">
+                <a:latin typeface="Noto Mono"/>
+                <a:ea typeface="Batang" panose="02030600000101010101" pitchFamily="18" charset="-127"/>
+              </a:rPr>
+              <a:t> </a:t>
+            </a:r>
+            <a:r>
+              <a:rPr lang="en-US" sz="1600" b="0" strike="noStrike" spc="-1" dirty="0" err="1">
+                <a:latin typeface="Noto Mono"/>
+                <a:ea typeface="Batang" panose="02030600000101010101" pitchFamily="18" charset="-127"/>
+              </a:rPr>
+              <a:t>otimiza</a:t>
+            </a:r>
+            <a:r>
+              <a:rPr lang="en-US" sz="1600" b="0" strike="noStrike" spc="-1" dirty="0">
+                <a:latin typeface="Noto Mono"/>
+                <a:ea typeface="Batang" panose="02030600000101010101" pitchFamily="18" charset="-127"/>
+              </a:rPr>
+              <a:t> </a:t>
+            </a:r>
+            <a:r>
+              <a:rPr lang="en-US" sz="1600" b="0" strike="noStrike" spc="-1" dirty="0" err="1">
+                <a:latin typeface="Noto Mono"/>
+                <a:ea typeface="Batang" panose="02030600000101010101" pitchFamily="18" charset="-127"/>
+              </a:rPr>
+              <a:t>consultas</a:t>
+            </a:r>
+            <a:r>
+              <a:rPr lang="en-US" sz="1600" b="0" strike="noStrike" spc="-1" dirty="0">
+                <a:latin typeface="Noto Mono"/>
+                <a:ea typeface="Batang" panose="02030600000101010101" pitchFamily="18" charset="-127"/>
+              </a:rPr>
+              <a:t> </a:t>
+            </a:r>
+            <a:r>
+              <a:rPr lang="en-US" sz="1600" b="0" strike="noStrike" spc="-1" dirty="0" err="1">
+                <a:latin typeface="Noto Mono"/>
+                <a:ea typeface="Batang" panose="02030600000101010101" pitchFamily="18" charset="-127"/>
+              </a:rPr>
+              <a:t>ao</a:t>
+            </a:r>
+            <a:r>
+              <a:rPr lang="en-US" sz="1600" b="0" strike="noStrike" spc="-1" dirty="0">
+                <a:latin typeface="Noto Mono"/>
+                <a:ea typeface="Batang" panose="02030600000101010101" pitchFamily="18" charset="-127"/>
+              </a:rPr>
+              <a:t> </a:t>
+            </a:r>
+            <a:r>
+              <a:rPr lang="en-US" sz="1600" b="0" strike="noStrike" spc="-1" dirty="0" err="1">
+                <a:latin typeface="Noto Mono"/>
+                <a:ea typeface="Batang" panose="02030600000101010101" pitchFamily="18" charset="-127"/>
+              </a:rPr>
+              <a:t>permitir</a:t>
+            </a:r>
+            <a:r>
+              <a:rPr lang="en-US" sz="1600" b="0" strike="noStrike" spc="-1" dirty="0">
+                <a:latin typeface="Noto Mono"/>
+                <a:ea typeface="Batang" panose="02030600000101010101" pitchFamily="18" charset="-127"/>
+              </a:rPr>
+              <a:t> </a:t>
+            </a:r>
+            <a:r>
+              <a:rPr lang="en-US" sz="1600" b="0" strike="noStrike" spc="-1" dirty="0" err="1">
+                <a:latin typeface="Noto Mono"/>
+                <a:ea typeface="Batang" panose="02030600000101010101" pitchFamily="18" charset="-127"/>
+              </a:rPr>
+              <a:t>que</a:t>
+            </a:r>
+            <a:r>
+              <a:rPr lang="en-US" sz="1600" b="0" strike="noStrike" spc="-1" dirty="0">
+                <a:latin typeface="Noto Mono"/>
+                <a:ea typeface="Batang" panose="02030600000101010101" pitchFamily="18" charset="-127"/>
+              </a:rPr>
+              <a:t> o </a:t>
+            </a:r>
+            <a:r>
+              <a:rPr lang="en-US" sz="1600" b="0" strike="noStrike" spc="-1" dirty="0" err="1">
+                <a:latin typeface="Noto Mono"/>
+                <a:ea typeface="Batang" panose="02030600000101010101" pitchFamily="18" charset="-127"/>
+              </a:rPr>
+              <a:t>cliente</a:t>
+            </a:r>
+            <a:r>
+              <a:rPr lang="en-US" sz="1600" b="0" strike="noStrike" spc="-1" dirty="0">
+                <a:latin typeface="Noto Mono"/>
+                <a:ea typeface="Batang" panose="02030600000101010101" pitchFamily="18" charset="-127"/>
+              </a:rPr>
+              <a:t> </a:t>
+            </a:r>
+            <a:r>
+              <a:rPr lang="en-US" sz="1600" b="0" strike="noStrike" spc="-1" dirty="0" err="1">
+                <a:latin typeface="Noto Mono"/>
+                <a:ea typeface="Batang" panose="02030600000101010101" pitchFamily="18" charset="-127"/>
+              </a:rPr>
+              <a:t>carregue</a:t>
+            </a:r>
+            <a:r>
+              <a:rPr lang="en-US" sz="1600" b="0" strike="noStrike" spc="-1" dirty="0">
+                <a:latin typeface="Noto Mono"/>
+                <a:ea typeface="Batang" panose="02030600000101010101" pitchFamily="18" charset="-127"/>
+              </a:rPr>
+              <a:t> </a:t>
+            </a:r>
+            <a:r>
+              <a:rPr lang="en-US" sz="1600" b="0" strike="noStrike" spc="-1" dirty="0" err="1">
+                <a:latin typeface="Noto Mono"/>
+                <a:ea typeface="Batang" panose="02030600000101010101" pitchFamily="18" charset="-127"/>
+              </a:rPr>
+              <a:t>apenas</a:t>
+            </a:r>
+            <a:r>
+              <a:rPr lang="en-US" sz="1600" b="0" strike="noStrike" spc="-1" dirty="0">
+                <a:latin typeface="Noto Mono"/>
+                <a:ea typeface="Batang" panose="02030600000101010101" pitchFamily="18" charset="-127"/>
+              </a:rPr>
+              <a:t> </a:t>
+            </a:r>
+            <a:r>
+              <a:rPr lang="en-US" sz="1600" b="0" strike="noStrike" spc="-1" dirty="0" err="1">
+                <a:latin typeface="Noto Mono"/>
+                <a:ea typeface="Batang" panose="02030600000101010101" pitchFamily="18" charset="-127"/>
+              </a:rPr>
+              <a:t>os</a:t>
+            </a:r>
+            <a:r>
+              <a:rPr lang="en-US" sz="1600" b="0" strike="noStrike" spc="-1" dirty="0">
+                <a:latin typeface="Noto Mono"/>
+                <a:ea typeface="Batang" panose="02030600000101010101" pitchFamily="18" charset="-127"/>
+              </a:rPr>
+              <a:t> dados </a:t>
+            </a:r>
+            <a:r>
+              <a:rPr lang="en-US" sz="1600" b="0" strike="noStrike" spc="-1" dirty="0" err="1">
+                <a:latin typeface="Noto Mono"/>
+                <a:ea typeface="Batang" panose="02030600000101010101" pitchFamily="18" charset="-127"/>
+              </a:rPr>
+              <a:t>que</a:t>
+            </a:r>
+            <a:r>
+              <a:rPr lang="en-US" sz="1600" b="0" strike="noStrike" spc="-1" dirty="0">
+                <a:latin typeface="Noto Mono"/>
+                <a:ea typeface="Batang" panose="02030600000101010101" pitchFamily="18" charset="-127"/>
+              </a:rPr>
+              <a:t> </a:t>
+            </a:r>
+            <a:r>
+              <a:rPr lang="en-US" sz="1600" b="0" strike="noStrike" spc="-1" dirty="0" err="1">
+                <a:latin typeface="Noto Mono"/>
+                <a:ea typeface="Batang" panose="02030600000101010101" pitchFamily="18" charset="-127"/>
+              </a:rPr>
+              <a:t>queira</a:t>
+            </a:r>
+            <a:r>
+              <a:rPr lang="en-US" sz="1600" b="0" strike="noStrike" spc="-1" dirty="0">
+                <a:latin typeface="Noto Mono"/>
+                <a:ea typeface="Batang" panose="02030600000101010101" pitchFamily="18" charset="-127"/>
+              </a:rPr>
+              <a:t> </a:t>
+            </a:r>
+            <a:r>
+              <a:rPr lang="en-US" sz="1600" b="0" strike="noStrike" spc="-1" dirty="0" err="1">
+                <a:latin typeface="Noto Mono"/>
+                <a:ea typeface="Batang" panose="02030600000101010101" pitchFamily="18" charset="-127"/>
+              </a:rPr>
+              <a:t>buscar</a:t>
+            </a:r>
+            <a:r>
+              <a:rPr lang="en-US" sz="1600" b="0" strike="noStrike" spc="-1" dirty="0">
+                <a:latin typeface="Noto Mono"/>
+                <a:ea typeface="Batang" panose="02030600000101010101" pitchFamily="18" charset="-127"/>
+              </a:rPr>
+              <a:t> - </a:t>
+            </a:r>
+            <a:r>
+              <a:rPr lang="en-US" sz="1600" b="0" strike="noStrike" spc="-1" dirty="0" err="1">
+                <a:latin typeface="Noto Mono"/>
+                <a:ea typeface="Batang" panose="02030600000101010101" pitchFamily="18" charset="-127"/>
+              </a:rPr>
+              <a:t>agiliza</a:t>
+            </a:r>
+            <a:r>
+              <a:rPr lang="en-US" sz="1600" b="0" strike="noStrike" spc="-1" dirty="0">
+                <a:latin typeface="Noto Mono"/>
+                <a:ea typeface="Batang" panose="02030600000101010101" pitchFamily="18" charset="-127"/>
+              </a:rPr>
+              <a:t> o </a:t>
+            </a:r>
+            <a:r>
+              <a:rPr lang="en-US" sz="1600" b="0" strike="noStrike" spc="-1" dirty="0" err="1">
+                <a:latin typeface="Noto Mono"/>
+                <a:ea typeface="Batang" panose="02030600000101010101" pitchFamily="18" charset="-127"/>
+              </a:rPr>
+              <a:t>processo</a:t>
+            </a:r>
+            <a:r>
+              <a:rPr lang="en-US" sz="1600" b="0" strike="noStrike" spc="-1" dirty="0">
+                <a:latin typeface="Noto Mono"/>
+                <a:ea typeface="Batang" panose="02030600000101010101" pitchFamily="18" charset="-127"/>
+              </a:rPr>
+              <a:t> </a:t>
+            </a:r>
+            <a:r>
+              <a:rPr lang="en-US" sz="1600" b="0" strike="noStrike" spc="-1" dirty="0" err="1">
+                <a:latin typeface="Noto Mono"/>
+                <a:ea typeface="Batang" panose="02030600000101010101" pitchFamily="18" charset="-127"/>
+              </a:rPr>
+              <a:t>quando</a:t>
+            </a:r>
+            <a:r>
+              <a:rPr lang="en-US" sz="1600" b="0" strike="noStrike" spc="-1" dirty="0">
+                <a:latin typeface="Noto Mono"/>
+                <a:ea typeface="Batang" panose="02030600000101010101" pitchFamily="18" charset="-127"/>
+              </a:rPr>
+              <a:t> </a:t>
+            </a:r>
+            <a:r>
+              <a:rPr lang="en-US" sz="1600" b="0" strike="noStrike" spc="-1" dirty="0" err="1">
+                <a:latin typeface="Noto Mono"/>
+                <a:ea typeface="Batang" panose="02030600000101010101" pitchFamily="18" charset="-127"/>
+              </a:rPr>
+              <a:t>comparado</a:t>
+            </a:r>
+            <a:r>
+              <a:rPr lang="en-US" sz="1600" b="0" strike="noStrike" spc="-1" dirty="0">
+                <a:latin typeface="Noto Mono"/>
+                <a:ea typeface="Batang" panose="02030600000101010101" pitchFamily="18" charset="-127"/>
+              </a:rPr>
+              <a:t> com REST APIs</a:t>
+            </a:r>
           </a:p>
         </p:txBody>
       </p:sp>
@@ -2303,8 +3826,8 @@
         </p:nvSpPr>
         <p:spPr>
           <a:xfrm>
-            <a:off x="5059440" y="845280"/>
-            <a:ext cx="3876480" cy="986040"/>
+            <a:off x="6141494" y="449015"/>
+            <a:ext cx="3642002" cy="1075764"/>
           </a:xfrm>
           <a:prstGeom prst="rect">
             <a:avLst/>
@@ -2315,41 +3838,750 @@
           </a:ln>
         </p:spPr>
         <p:txBody>
-          <a:bodyPr lIns="90000" rIns="90000" tIns="45000" bIns="45000">
+          <a:bodyPr wrap="square" lIns="90000" tIns="45000" rIns="90000" bIns="45000">
             <a:spAutoFit/>
           </a:bodyPr>
+          <a:lstStyle/>
           <a:p>
             <a:pPr algn="just"/>
             <a:r>
-              <a:rPr b="1" lang="en-US" sz="1500" spc="-1" strike="noStrike">
-                <a:latin typeface="Noto Mono"/>
+              <a:rPr lang="en-US" sz="1600" b="1" strike="noStrike" spc="-1" dirty="0">
+                <a:latin typeface="Droid Sans Fallback"/>
+                <a:ea typeface="Batang" panose="02030600000101010101" pitchFamily="18" charset="-127"/>
               </a:rPr>
               <a:t>o</a:t>
             </a:r>
             <a:r>
-              <a:rPr b="0" lang="en-US" sz="1500" spc="-1" strike="noStrike">
-                <a:latin typeface="Noto Mono"/>
-              </a:rPr>
-              <a:t> Com </a:t>
-            </a:r>
-            <a:r>
-              <a:rPr b="0" lang="en-US" sz="1500" spc="-1" strike="noStrike">
+              <a:rPr lang="en-US" sz="1600" b="0" strike="noStrike" spc="-1" dirty="0">
+                <a:latin typeface="Droid Sans Fallback"/>
+                <a:ea typeface="Batang" panose="02030600000101010101" pitchFamily="18" charset="-127"/>
+              </a:rPr>
+              <a:t> </a:t>
+            </a:r>
+            <a:r>
+              <a:rPr lang="en-US" sz="1600" spc="-1" dirty="0">
+                <a:latin typeface="Noto Mono"/>
+              </a:rPr>
+              <a:t>Com </a:t>
+            </a:r>
+            <a:r>
+              <a:rPr lang="en-US" sz="1600" spc="-1" dirty="0" err="1">
                 <a:solidFill>
-                  <a:srgbClr val="3465a4"/>
+                  <a:srgbClr val="3465A4"/>
                 </a:solidFill>
                 <a:latin typeface="Noto Mono"/>
               </a:rPr>
               <a:t>TypeScript</a:t>
             </a:r>
             <a:r>
-              <a:rPr b="0" lang="en-US" sz="1500" spc="-1" strike="noStrike">
-                <a:latin typeface="Noto Mono"/>
-              </a:rPr>
-              <a:t> adiciona funcionalidades às classes e métodos</a:t>
-            </a:r>
-            <a:endParaRPr b="0" lang="en-US" sz="1500" spc="-1" strike="noStrike">
-              <a:latin typeface="Arial"/>
-            </a:endParaRPr>
+              <a:rPr lang="en-US" sz="1600" spc="-1" dirty="0">
+                <a:latin typeface="Noto Mono"/>
+              </a:rPr>
+              <a:t> </a:t>
+            </a:r>
+            <a:r>
+              <a:rPr lang="en-US" sz="1600" spc="-1" dirty="0" err="1">
+                <a:latin typeface="Noto Mono"/>
+              </a:rPr>
+              <a:t>adiciona</a:t>
+            </a:r>
+            <a:r>
+              <a:rPr lang="en-US" sz="1600" spc="-1" dirty="0">
+                <a:latin typeface="Noto Mono"/>
+              </a:rPr>
+              <a:t> </a:t>
+            </a:r>
+            <a:r>
+              <a:rPr lang="en-US" sz="1600" spc="-1" dirty="0" err="1">
+                <a:latin typeface="Noto Mono"/>
+              </a:rPr>
+              <a:t>tipagem</a:t>
+            </a:r>
+            <a:r>
+              <a:rPr lang="en-US" sz="1600" spc="-1" dirty="0">
+                <a:latin typeface="Noto Mono"/>
+              </a:rPr>
+              <a:t> </a:t>
+            </a:r>
+            <a:r>
+              <a:rPr lang="en-US" sz="1600" spc="-1" dirty="0" err="1">
+                <a:latin typeface="Noto Mono"/>
+              </a:rPr>
+              <a:t>estática</a:t>
+            </a:r>
+            <a:r>
+              <a:rPr lang="en-US" sz="1600" spc="-1" dirty="0">
+                <a:latin typeface="Noto Mono"/>
+              </a:rPr>
+              <a:t> </a:t>
+            </a:r>
+            <a:r>
+              <a:rPr lang="en-US" sz="1600" spc="-1" dirty="0" err="1">
+                <a:latin typeface="Noto Mono"/>
+              </a:rPr>
+              <a:t>ao</a:t>
+            </a:r>
+            <a:r>
+              <a:rPr lang="en-US" sz="1600" spc="-1" dirty="0">
+                <a:latin typeface="Noto Mono"/>
+              </a:rPr>
+              <a:t> JavaScript, </a:t>
+            </a:r>
+            <a:r>
+              <a:rPr lang="en-US" sz="1600" spc="-1" dirty="0" err="1">
+                <a:latin typeface="Noto Mono"/>
+              </a:rPr>
+              <a:t>possibilitando</a:t>
+            </a:r>
+            <a:r>
+              <a:rPr lang="en-US" sz="1600" spc="-1" dirty="0">
+                <a:latin typeface="Noto Mono"/>
+              </a:rPr>
+              <a:t> </a:t>
+            </a:r>
+            <a:r>
+              <a:rPr lang="en-US" sz="1600" spc="-1" dirty="0" err="1">
+                <a:latin typeface="Noto Mono"/>
+              </a:rPr>
+              <a:t>atribuir</a:t>
+            </a:r>
+            <a:r>
+              <a:rPr lang="en-US" sz="1600" spc="-1" dirty="0">
+                <a:latin typeface="Noto Mono"/>
+              </a:rPr>
+              <a:t> </a:t>
+            </a:r>
+            <a:r>
+              <a:rPr lang="en-US" sz="1600" spc="-1" dirty="0" err="1">
+                <a:latin typeface="Noto Mono"/>
+              </a:rPr>
+              <a:t>diferentes</a:t>
+            </a:r>
+            <a:r>
+              <a:rPr lang="en-US" sz="1600" spc="-1" dirty="0">
+                <a:latin typeface="Noto Mono"/>
+              </a:rPr>
+              <a:t> </a:t>
+            </a:r>
+            <a:r>
+              <a:rPr lang="en-US" sz="1600" spc="-1" dirty="0" err="1">
+                <a:latin typeface="Noto Mono"/>
+              </a:rPr>
+              <a:t>funcionalidades</a:t>
+            </a:r>
+            <a:r>
+              <a:rPr lang="en-US" sz="1600" spc="-1" dirty="0">
+                <a:latin typeface="Noto Mono"/>
+              </a:rPr>
+              <a:t> </a:t>
+            </a:r>
+            <a:r>
+              <a:rPr lang="en-US" sz="1600" spc="-1" dirty="0" err="1">
+                <a:latin typeface="Noto Mono"/>
+              </a:rPr>
+              <a:t>às</a:t>
+            </a:r>
+            <a:r>
+              <a:rPr lang="en-US" sz="1600" spc="-1" dirty="0">
+                <a:latin typeface="Noto Mono"/>
+              </a:rPr>
+              <a:t> classes e </a:t>
+            </a:r>
+            <a:r>
+              <a:rPr lang="en-US" sz="1600" spc="-1" dirty="0" err="1">
+                <a:latin typeface="Noto Mono"/>
+              </a:rPr>
+              <a:t>métodos</a:t>
+            </a:r>
+            <a:endParaRPr lang="en-US" sz="1600" spc="-1" dirty="0"/>
+          </a:p>
+        </p:txBody>
+      </p:sp>
+      <p:pic>
+        <p:nvPicPr>
+          <p:cNvPr id="2" name="Imagem 1"/>
+          <p:cNvPicPr>
+            <a:picLocks noChangeAspect="1"/>
+          </p:cNvPicPr>
+          <p:nvPr/>
+        </p:nvPicPr>
+        <p:blipFill rotWithShape="1">
+          <a:blip r:embed="rId2"/>
+          <a:srcRect l="17557" t="28427" r="15361" b="36409"/>
+          <a:stretch/>
+        </p:blipFill>
+        <p:spPr>
+          <a:xfrm>
+            <a:off x="4602068" y="2096592"/>
+            <a:ext cx="3023119" cy="914400"/>
+          </a:xfrm>
+          <a:prstGeom prst="rect">
+            <a:avLst/>
+          </a:prstGeom>
+        </p:spPr>
+      </p:pic>
+      <p:sp>
+        <p:nvSpPr>
+          <p:cNvPr id="3" name="CaixaDeTexto 2"/>
+          <p:cNvSpPr txBox="1"/>
+          <p:nvPr/>
+        </p:nvSpPr>
+        <p:spPr>
+          <a:xfrm>
+            <a:off x="128756" y="3282264"/>
+            <a:ext cx="9668387" cy="2308324"/>
+          </a:xfrm>
+          <a:prstGeom prst="rect">
+            <a:avLst/>
+          </a:prstGeom>
+          <a:noFill/>
+        </p:spPr>
+        <p:txBody>
+          <a:bodyPr wrap="square" rtlCol="0">
+            <a:spAutoFit/>
+          </a:bodyPr>
+          <a:lstStyle/>
+          <a:p>
+            <a:pPr algn="just"/>
+            <a:r>
+              <a:rPr lang="en-US" b="1" spc="-1" dirty="0" smtClean="0">
+                <a:latin typeface="Batang" panose="02030600000101010101" pitchFamily="18" charset="-127"/>
+                <a:ea typeface="Batang" panose="02030600000101010101" pitchFamily="18" charset="-127"/>
+              </a:rPr>
+              <a:t>1</a:t>
+            </a:r>
+            <a:r>
+              <a:rPr lang="en-US" spc="-1" dirty="0" smtClean="0">
+                <a:latin typeface="Batang" panose="02030600000101010101" pitchFamily="18" charset="-127"/>
+                <a:ea typeface="Batang" panose="02030600000101010101" pitchFamily="18" charset="-127"/>
+              </a:rPr>
+              <a:t>. Ambos </a:t>
+            </a:r>
+            <a:r>
+              <a:rPr lang="en-US" spc="-1" dirty="0" err="1" smtClean="0">
+                <a:latin typeface="Batang" panose="02030600000101010101" pitchFamily="18" charset="-127"/>
+                <a:ea typeface="Batang" panose="02030600000101010101" pitchFamily="18" charset="-127"/>
+              </a:rPr>
+              <a:t>são</a:t>
+            </a:r>
+            <a:r>
+              <a:rPr lang="en-US" spc="-1" dirty="0" smtClean="0">
+                <a:latin typeface="Batang" panose="02030600000101010101" pitchFamily="18" charset="-127"/>
+                <a:ea typeface="Batang" panose="02030600000101010101" pitchFamily="18" charset="-127"/>
+              </a:rPr>
+              <a:t> </a:t>
+            </a:r>
+            <a:r>
+              <a:rPr lang="en-US" spc="-1" dirty="0" err="1" smtClean="0">
+                <a:latin typeface="Batang" panose="02030600000101010101" pitchFamily="18" charset="-127"/>
+                <a:ea typeface="Batang" panose="02030600000101010101" pitchFamily="18" charset="-127"/>
+              </a:rPr>
+              <a:t>framworks</a:t>
+            </a:r>
+            <a:r>
+              <a:rPr lang="en-US" spc="-1" dirty="0" smtClean="0">
+                <a:latin typeface="Batang" panose="02030600000101010101" pitchFamily="18" charset="-127"/>
+                <a:ea typeface="Batang" panose="02030600000101010101" pitchFamily="18" charset="-127"/>
+              </a:rPr>
+              <a:t> para </a:t>
+            </a:r>
+            <a:r>
+              <a:rPr lang="en-US" spc="-1" dirty="0" err="1" smtClean="0">
+                <a:latin typeface="Batang" panose="02030600000101010101" pitchFamily="18" charset="-127"/>
+                <a:ea typeface="Batang" panose="02030600000101010101" pitchFamily="18" charset="-127"/>
+              </a:rPr>
+              <a:t>criação</a:t>
+            </a:r>
+            <a:r>
+              <a:rPr lang="en-US" spc="-1" dirty="0" smtClean="0">
+                <a:latin typeface="Batang" panose="02030600000101010101" pitchFamily="18" charset="-127"/>
+                <a:ea typeface="Batang" panose="02030600000101010101" pitchFamily="18" charset="-127"/>
+              </a:rPr>
+              <a:t> de </a:t>
+            </a:r>
+            <a:r>
+              <a:rPr lang="en-US" spc="-1" dirty="0" err="1" smtClean="0">
+                <a:latin typeface="Batang" panose="02030600000101010101" pitchFamily="18" charset="-127"/>
+                <a:ea typeface="Batang" panose="02030600000101010101" pitchFamily="18" charset="-127"/>
+              </a:rPr>
+              <a:t>aplicações</a:t>
+            </a:r>
+            <a:r>
+              <a:rPr lang="en-US" spc="-1" dirty="0" smtClean="0">
+                <a:latin typeface="Batang" panose="02030600000101010101" pitchFamily="18" charset="-127"/>
+                <a:ea typeface="Batang" panose="02030600000101010101" pitchFamily="18" charset="-127"/>
+              </a:rPr>
+              <a:t> web para </a:t>
+            </a:r>
+            <a:r>
+              <a:rPr lang="en-US" spc="-1" dirty="0" err="1" smtClean="0">
+                <a:latin typeface="Batang" panose="02030600000101010101" pitchFamily="18" charset="-127"/>
+                <a:ea typeface="Batang" panose="02030600000101010101" pitchFamily="18" charset="-127"/>
+              </a:rPr>
+              <a:t>NodeJS</a:t>
+            </a:r>
+            <a:r>
+              <a:rPr lang="en-US" spc="-1" dirty="0">
+                <a:latin typeface="Batang" panose="02030600000101010101" pitchFamily="18" charset="-127"/>
+                <a:ea typeface="Batang" panose="02030600000101010101" pitchFamily="18" charset="-127"/>
+              </a:rPr>
+              <a:t>.</a:t>
+            </a:r>
+            <a:endParaRPr lang="en-US" spc="-1" dirty="0" smtClean="0">
+              <a:latin typeface="Batang" panose="02030600000101010101" pitchFamily="18" charset="-127"/>
+              <a:ea typeface="Batang" panose="02030600000101010101" pitchFamily="18" charset="-127"/>
+            </a:endParaRPr>
+          </a:p>
+          <a:p>
+            <a:pPr algn="just"/>
+            <a:endParaRPr lang="en-US" spc="-1" dirty="0">
+              <a:latin typeface="Batang" panose="02030600000101010101" pitchFamily="18" charset="-127"/>
+              <a:ea typeface="Batang" panose="02030600000101010101" pitchFamily="18" charset="-127"/>
+            </a:endParaRPr>
+          </a:p>
+          <a:p>
+            <a:pPr algn="just"/>
+            <a:r>
+              <a:rPr lang="en-US" b="1" spc="-1" dirty="0" smtClean="0">
+                <a:latin typeface="Batang" panose="02030600000101010101" pitchFamily="18" charset="-127"/>
+                <a:ea typeface="Batang" panose="02030600000101010101" pitchFamily="18" charset="-127"/>
+              </a:rPr>
+              <a:t>2</a:t>
+            </a:r>
+            <a:r>
+              <a:rPr lang="en-US" spc="-1" dirty="0" smtClean="0">
+                <a:latin typeface="Batang" panose="02030600000101010101" pitchFamily="18" charset="-127"/>
+                <a:ea typeface="Batang" panose="02030600000101010101" pitchFamily="18" charset="-127"/>
+              </a:rPr>
+              <a:t>. </a:t>
+            </a:r>
+            <a:r>
+              <a:rPr lang="en-US" spc="-1" dirty="0" err="1" smtClean="0">
+                <a:latin typeface="Batang" panose="02030600000101010101" pitchFamily="18" charset="-127"/>
+                <a:ea typeface="Batang" panose="02030600000101010101" pitchFamily="18" charset="-127"/>
+              </a:rPr>
+              <a:t>ExpressJS</a:t>
+            </a:r>
+            <a:r>
+              <a:rPr lang="en-US" spc="-1" dirty="0" smtClean="0">
+                <a:latin typeface="Batang" panose="02030600000101010101" pitchFamily="18" charset="-127"/>
+                <a:ea typeface="Batang" panose="02030600000101010101" pitchFamily="18" charset="-127"/>
+              </a:rPr>
+              <a:t> </a:t>
+            </a:r>
+            <a:r>
+              <a:rPr lang="en-US" spc="-1" dirty="0">
+                <a:latin typeface="Batang" panose="02030600000101010101" pitchFamily="18" charset="-127"/>
+                <a:ea typeface="Batang" panose="02030600000101010101" pitchFamily="18" charset="-127"/>
+              </a:rPr>
+              <a:t>é um framework </a:t>
+            </a:r>
+            <a:r>
+              <a:rPr lang="en-US" spc="-1" dirty="0" smtClean="0">
+                <a:latin typeface="Batang" panose="02030600000101010101" pitchFamily="18" charset="-127"/>
+                <a:ea typeface="Batang" panose="02030600000101010101" pitchFamily="18" charset="-127"/>
+              </a:rPr>
+              <a:t>de </a:t>
+            </a:r>
+            <a:r>
+              <a:rPr lang="en-US" spc="-1" dirty="0" err="1" smtClean="0">
+                <a:latin typeface="Batang" panose="02030600000101010101" pitchFamily="18" charset="-127"/>
+                <a:ea typeface="Batang" panose="02030600000101010101" pitchFamily="18" charset="-127"/>
+              </a:rPr>
+              <a:t>NodeJS</a:t>
+            </a:r>
+            <a:r>
+              <a:rPr lang="en-US" spc="-1" dirty="0" smtClean="0">
+                <a:latin typeface="Batang" panose="02030600000101010101" pitchFamily="18" charset="-127"/>
+                <a:ea typeface="Batang" panose="02030600000101010101" pitchFamily="18" charset="-127"/>
+              </a:rPr>
+              <a:t> para HTTP </a:t>
+            </a:r>
+            <a:r>
+              <a:rPr lang="en-US" spc="-1" dirty="0" err="1" smtClean="0">
+                <a:latin typeface="Batang" panose="02030600000101010101" pitchFamily="18" charset="-127"/>
+                <a:ea typeface="Batang" panose="02030600000101010101" pitchFamily="18" charset="-127"/>
+              </a:rPr>
+              <a:t>que</a:t>
+            </a:r>
+            <a:r>
+              <a:rPr lang="en-US" spc="-1" dirty="0" smtClean="0">
+                <a:latin typeface="Batang" panose="02030600000101010101" pitchFamily="18" charset="-127"/>
+                <a:ea typeface="Batang" panose="02030600000101010101" pitchFamily="18" charset="-127"/>
+              </a:rPr>
+              <a:t> </a:t>
+            </a:r>
+            <a:r>
+              <a:rPr lang="en-US" spc="-1" dirty="0" err="1" smtClean="0">
+                <a:latin typeface="Batang" panose="02030600000101010101" pitchFamily="18" charset="-127"/>
+                <a:ea typeface="Batang" panose="02030600000101010101" pitchFamily="18" charset="-127"/>
+              </a:rPr>
+              <a:t>fornece</a:t>
+            </a:r>
+            <a:r>
+              <a:rPr lang="en-US" spc="-1" dirty="0" smtClean="0">
+                <a:latin typeface="Batang" panose="02030600000101010101" pitchFamily="18" charset="-127"/>
+                <a:ea typeface="Batang" panose="02030600000101010101" pitchFamily="18" charset="-127"/>
+              </a:rPr>
+              <a:t> </a:t>
+            </a:r>
+            <a:r>
+              <a:rPr lang="en-US" spc="-1" dirty="0" err="1" smtClean="0">
+                <a:latin typeface="Batang" panose="02030600000101010101" pitchFamily="18" charset="-127"/>
+                <a:ea typeface="Batang" panose="02030600000101010101" pitchFamily="18" charset="-127"/>
+              </a:rPr>
+              <a:t>abstração</a:t>
+            </a:r>
+            <a:r>
+              <a:rPr lang="en-US" spc="-1" dirty="0" smtClean="0">
+                <a:latin typeface="Batang" panose="02030600000101010101" pitchFamily="18" charset="-127"/>
+                <a:ea typeface="Batang" panose="02030600000101010101" pitchFamily="18" charset="-127"/>
+              </a:rPr>
+              <a:t> de </a:t>
+            </a:r>
+            <a:r>
+              <a:rPr lang="en-US" spc="-1" dirty="0" err="1" smtClean="0">
+                <a:latin typeface="Batang" panose="02030600000101010101" pitchFamily="18" charset="-127"/>
+                <a:ea typeface="Batang" panose="02030600000101010101" pitchFamily="18" charset="-127"/>
+              </a:rPr>
+              <a:t>rotas</a:t>
+            </a:r>
+            <a:r>
+              <a:rPr lang="en-US" spc="-1" dirty="0" smtClean="0">
+                <a:latin typeface="Batang" panose="02030600000101010101" pitchFamily="18" charset="-127"/>
+                <a:ea typeface="Batang" panose="02030600000101010101" pitchFamily="18" charset="-127"/>
+              </a:rPr>
+              <a:t> e </a:t>
+            </a:r>
+            <a:r>
+              <a:rPr lang="en-US" spc="-1" dirty="0" err="1" smtClean="0">
+                <a:latin typeface="Batang" panose="02030600000101010101" pitchFamily="18" charset="-127"/>
+                <a:ea typeface="Batang" panose="02030600000101010101" pitchFamily="18" charset="-127"/>
+              </a:rPr>
+              <a:t>outras</a:t>
+            </a:r>
+            <a:r>
+              <a:rPr lang="en-US" spc="-1" dirty="0" smtClean="0">
+                <a:latin typeface="Batang" panose="02030600000101010101" pitchFamily="18" charset="-127"/>
+                <a:ea typeface="Batang" panose="02030600000101010101" pitchFamily="18" charset="-127"/>
+              </a:rPr>
+              <a:t> </a:t>
+            </a:r>
+            <a:r>
+              <a:rPr lang="en-US" spc="-1" dirty="0" err="1" smtClean="0">
+                <a:latin typeface="Batang" panose="02030600000101010101" pitchFamily="18" charset="-127"/>
+                <a:ea typeface="Batang" panose="02030600000101010101" pitchFamily="18" charset="-127"/>
+              </a:rPr>
+              <a:t>funções</a:t>
+            </a:r>
+            <a:r>
+              <a:rPr lang="en-US" spc="-1" dirty="0" smtClean="0">
+                <a:latin typeface="Batang" panose="02030600000101010101" pitchFamily="18" charset="-127"/>
+                <a:ea typeface="Batang" panose="02030600000101010101" pitchFamily="18" charset="-127"/>
+              </a:rPr>
+              <a:t> </a:t>
+            </a:r>
+            <a:r>
+              <a:rPr lang="en-US" spc="-1" dirty="0" err="1" smtClean="0">
+                <a:latin typeface="Batang" panose="02030600000101010101" pitchFamily="18" charset="-127"/>
+                <a:ea typeface="Batang" panose="02030600000101010101" pitchFamily="18" charset="-127"/>
+              </a:rPr>
+              <a:t>que</a:t>
+            </a:r>
+            <a:r>
+              <a:rPr lang="en-US" spc="-1" dirty="0" smtClean="0">
+                <a:latin typeface="Batang" panose="02030600000101010101" pitchFamily="18" charset="-127"/>
+                <a:ea typeface="Batang" panose="02030600000101010101" pitchFamily="18" charset="-127"/>
+              </a:rPr>
+              <a:t> </a:t>
+            </a:r>
+            <a:r>
+              <a:rPr lang="en-US" spc="-1" dirty="0" err="1" smtClean="0">
+                <a:latin typeface="Batang" panose="02030600000101010101" pitchFamily="18" charset="-127"/>
+                <a:ea typeface="Batang" panose="02030600000101010101" pitchFamily="18" charset="-127"/>
+              </a:rPr>
+              <a:t>facilitam</a:t>
+            </a:r>
+            <a:r>
+              <a:rPr lang="en-US" spc="-1" dirty="0" smtClean="0">
+                <a:latin typeface="Batang" panose="02030600000101010101" pitchFamily="18" charset="-127"/>
+                <a:ea typeface="Batang" panose="02030600000101010101" pitchFamily="18" charset="-127"/>
+              </a:rPr>
+              <a:t> a </a:t>
+            </a:r>
+            <a:r>
+              <a:rPr lang="en-US" spc="-1" dirty="0" err="1" smtClean="0">
+                <a:latin typeface="Batang" panose="02030600000101010101" pitchFamily="18" charset="-127"/>
+                <a:ea typeface="Batang" panose="02030600000101010101" pitchFamily="18" charset="-127"/>
+              </a:rPr>
+              <a:t>criação</a:t>
+            </a:r>
+            <a:r>
+              <a:rPr lang="en-US" spc="-1" dirty="0" smtClean="0">
+                <a:latin typeface="Batang" panose="02030600000101010101" pitchFamily="18" charset="-127"/>
+                <a:ea typeface="Batang" panose="02030600000101010101" pitchFamily="18" charset="-127"/>
+              </a:rPr>
+              <a:t> de API’s. </a:t>
+            </a:r>
+            <a:endParaRPr lang="en-US" spc="-1" dirty="0">
+              <a:latin typeface="Batang" panose="02030600000101010101" pitchFamily="18" charset="-127"/>
+              <a:ea typeface="Batang" panose="02030600000101010101" pitchFamily="18" charset="-127"/>
+            </a:endParaRPr>
+          </a:p>
+          <a:p>
+            <a:pPr algn="just"/>
+            <a:endParaRPr lang="en-US" spc="-1" dirty="0">
+              <a:latin typeface="Batang" panose="02030600000101010101" pitchFamily="18" charset="-127"/>
+              <a:ea typeface="Batang" panose="02030600000101010101" pitchFamily="18" charset="-127"/>
+            </a:endParaRPr>
+          </a:p>
+          <a:p>
+            <a:pPr algn="just"/>
+            <a:r>
+              <a:rPr lang="en-US" b="1" spc="-1" dirty="0" smtClean="0">
+                <a:latin typeface="Batang" panose="02030600000101010101" pitchFamily="18" charset="-127"/>
+                <a:ea typeface="Batang" panose="02030600000101010101" pitchFamily="18" charset="-127"/>
+              </a:rPr>
+              <a:t>3</a:t>
+            </a:r>
+            <a:r>
+              <a:rPr lang="en-US" spc="-1" dirty="0" smtClean="0">
+                <a:latin typeface="Batang" panose="02030600000101010101" pitchFamily="18" charset="-127"/>
+                <a:ea typeface="Batang" panose="02030600000101010101" pitchFamily="18" charset="-127"/>
+              </a:rPr>
+              <a:t>. </a:t>
+            </a:r>
+            <a:r>
+              <a:rPr lang="en-US" spc="-1" dirty="0" err="1" smtClean="0">
+                <a:latin typeface="Batang" panose="02030600000101010101" pitchFamily="18" charset="-127"/>
+                <a:ea typeface="Batang" panose="02030600000101010101" pitchFamily="18" charset="-127"/>
+              </a:rPr>
+              <a:t>NestJs</a:t>
+            </a:r>
+            <a:r>
+              <a:rPr lang="en-US" spc="-1" dirty="0" smtClean="0">
+                <a:latin typeface="Batang" panose="02030600000101010101" pitchFamily="18" charset="-127"/>
+                <a:ea typeface="Batang" panose="02030600000101010101" pitchFamily="18" charset="-127"/>
+              </a:rPr>
+              <a:t> </a:t>
+            </a:r>
+            <a:r>
+              <a:rPr lang="en-US" spc="-1" dirty="0" err="1" smtClean="0">
+                <a:latin typeface="Batang" panose="02030600000101010101" pitchFamily="18" charset="-127"/>
+                <a:ea typeface="Batang" panose="02030600000101010101" pitchFamily="18" charset="-127"/>
+              </a:rPr>
+              <a:t>utiliza</a:t>
+            </a:r>
+            <a:r>
+              <a:rPr lang="en-US" spc="-1" dirty="0" smtClean="0">
+                <a:latin typeface="Batang" panose="02030600000101010101" pitchFamily="18" charset="-127"/>
+                <a:ea typeface="Batang" panose="02030600000101010101" pitchFamily="18" charset="-127"/>
+              </a:rPr>
+              <a:t> o </a:t>
+            </a:r>
+            <a:r>
+              <a:rPr lang="en-US" spc="-1" dirty="0" err="1" smtClean="0">
+                <a:latin typeface="Batang" panose="02030600000101010101" pitchFamily="18" charset="-127"/>
+                <a:ea typeface="Batang" panose="02030600000101010101" pitchFamily="18" charset="-127"/>
+              </a:rPr>
+              <a:t>ExpressJS</a:t>
+            </a:r>
+            <a:r>
+              <a:rPr lang="en-US" spc="-1" dirty="0" smtClean="0">
+                <a:latin typeface="Batang" panose="02030600000101010101" pitchFamily="18" charset="-127"/>
+                <a:ea typeface="Batang" panose="02030600000101010101" pitchFamily="18" charset="-127"/>
+              </a:rPr>
+              <a:t> </a:t>
+            </a:r>
+            <a:r>
+              <a:rPr lang="en-US" spc="-1" dirty="0" err="1">
+                <a:latin typeface="Batang" panose="02030600000101010101" pitchFamily="18" charset="-127"/>
+                <a:ea typeface="Batang" panose="02030600000101010101" pitchFamily="18" charset="-127"/>
+              </a:rPr>
+              <a:t>em</a:t>
+            </a:r>
+            <a:r>
+              <a:rPr lang="en-US" spc="-1" dirty="0">
+                <a:latin typeface="Batang" panose="02030600000101010101" pitchFamily="18" charset="-127"/>
+                <a:ea typeface="Batang" panose="02030600000101010101" pitchFamily="18" charset="-127"/>
+              </a:rPr>
+              <a:t> </a:t>
+            </a:r>
+            <a:r>
+              <a:rPr lang="en-US" spc="-1" dirty="0" err="1">
+                <a:latin typeface="Batang" panose="02030600000101010101" pitchFamily="18" charset="-127"/>
+                <a:ea typeface="Batang" panose="02030600000101010101" pitchFamily="18" charset="-127"/>
+              </a:rPr>
+              <a:t>sua</a:t>
+            </a:r>
+            <a:r>
+              <a:rPr lang="en-US" spc="-1" dirty="0">
+                <a:latin typeface="Batang" panose="02030600000101010101" pitchFamily="18" charset="-127"/>
+                <a:ea typeface="Batang" panose="02030600000101010101" pitchFamily="18" charset="-127"/>
+              </a:rPr>
+              <a:t> </a:t>
+            </a:r>
+            <a:r>
+              <a:rPr lang="en-US" spc="-1" dirty="0" err="1" smtClean="0">
+                <a:latin typeface="Batang" panose="02030600000101010101" pitchFamily="18" charset="-127"/>
+                <a:ea typeface="Batang" panose="02030600000101010101" pitchFamily="18" charset="-127"/>
+              </a:rPr>
+              <a:t>estrutura</a:t>
+            </a:r>
+            <a:r>
+              <a:rPr lang="en-US" spc="-1" dirty="0" smtClean="0">
+                <a:latin typeface="Batang" panose="02030600000101010101" pitchFamily="18" charset="-127"/>
+                <a:ea typeface="Batang" panose="02030600000101010101" pitchFamily="18" charset="-127"/>
+              </a:rPr>
+              <a:t> </a:t>
+            </a:r>
+            <a:r>
+              <a:rPr lang="en-US" spc="-1" dirty="0" err="1" smtClean="0">
+                <a:latin typeface="Batang" panose="02030600000101010101" pitchFamily="18" charset="-127"/>
+                <a:ea typeface="Batang" panose="02030600000101010101" pitchFamily="18" charset="-127"/>
+              </a:rPr>
+              <a:t>como</a:t>
+            </a:r>
+            <a:r>
+              <a:rPr lang="en-US" spc="-1" dirty="0" smtClean="0">
+                <a:latin typeface="Batang" panose="02030600000101010101" pitchFamily="18" charset="-127"/>
+                <a:ea typeface="Batang" panose="02030600000101010101" pitchFamily="18" charset="-127"/>
+              </a:rPr>
+              <a:t> </a:t>
+            </a:r>
+            <a:r>
+              <a:rPr lang="en-US" spc="-1" dirty="0" err="1" smtClean="0">
+                <a:latin typeface="Batang" panose="02030600000101010101" pitchFamily="18" charset="-127"/>
+                <a:ea typeface="Batang" panose="02030600000101010101" pitchFamily="18" charset="-127"/>
+              </a:rPr>
+              <a:t>parâmetro</a:t>
+            </a:r>
+            <a:r>
+              <a:rPr lang="en-US" spc="-1" dirty="0" smtClean="0">
+                <a:latin typeface="Batang" panose="02030600000101010101" pitchFamily="18" charset="-127"/>
+                <a:ea typeface="Batang" panose="02030600000101010101" pitchFamily="18" charset="-127"/>
+              </a:rPr>
+              <a:t> default. O </a:t>
+            </a:r>
+            <a:r>
+              <a:rPr lang="en-US" spc="-1" dirty="0" err="1" smtClean="0">
+                <a:latin typeface="Batang" panose="02030600000101010101" pitchFamily="18" charset="-127"/>
+                <a:ea typeface="Batang" panose="02030600000101010101" pitchFamily="18" charset="-127"/>
+              </a:rPr>
+              <a:t>ExpressJS</a:t>
+            </a:r>
+            <a:r>
+              <a:rPr lang="en-US" spc="-1" dirty="0" smtClean="0">
+                <a:latin typeface="Batang" panose="02030600000101010101" pitchFamily="18" charset="-127"/>
+                <a:ea typeface="Batang" panose="02030600000101010101" pitchFamily="18" charset="-127"/>
+              </a:rPr>
+              <a:t> é </a:t>
+            </a:r>
+            <a:r>
+              <a:rPr lang="en-US" spc="-1" dirty="0" err="1" smtClean="0">
+                <a:latin typeface="Batang" panose="02030600000101010101" pitchFamily="18" charset="-127"/>
+                <a:ea typeface="Batang" panose="02030600000101010101" pitchFamily="18" charset="-127"/>
+              </a:rPr>
+              <a:t>passado</a:t>
+            </a:r>
+            <a:r>
+              <a:rPr lang="en-US" spc="-1" dirty="0" smtClean="0">
+                <a:latin typeface="Batang" panose="02030600000101010101" pitchFamily="18" charset="-127"/>
+                <a:ea typeface="Batang" panose="02030600000101010101" pitchFamily="18" charset="-127"/>
+              </a:rPr>
+              <a:t> </a:t>
+            </a:r>
+            <a:r>
+              <a:rPr lang="en-US" spc="-1" dirty="0" err="1" smtClean="0">
+                <a:latin typeface="Batang" panose="02030600000101010101" pitchFamily="18" charset="-127"/>
+                <a:ea typeface="Batang" panose="02030600000101010101" pitchFamily="18" charset="-127"/>
+              </a:rPr>
+              <a:t>como</a:t>
+            </a:r>
+            <a:r>
+              <a:rPr lang="en-US" spc="-1" dirty="0" smtClean="0">
+                <a:latin typeface="Batang" panose="02030600000101010101" pitchFamily="18" charset="-127"/>
+                <a:ea typeface="Batang" panose="02030600000101010101" pitchFamily="18" charset="-127"/>
+              </a:rPr>
+              <a:t> </a:t>
+            </a:r>
+            <a:r>
+              <a:rPr lang="en-US" spc="-1" dirty="0" err="1" smtClean="0">
+                <a:latin typeface="Batang" panose="02030600000101010101" pitchFamily="18" charset="-127"/>
+                <a:ea typeface="Batang" panose="02030600000101010101" pitchFamily="18" charset="-127"/>
+              </a:rPr>
+              <a:t>parâmetro</a:t>
+            </a:r>
+            <a:r>
+              <a:rPr lang="en-US" spc="-1" dirty="0" smtClean="0">
+                <a:latin typeface="Batang" panose="02030600000101010101" pitchFamily="18" charset="-127"/>
+                <a:ea typeface="Batang" panose="02030600000101010101" pitchFamily="18" charset="-127"/>
+              </a:rPr>
+              <a:t> à </a:t>
+            </a:r>
+            <a:r>
+              <a:rPr lang="en-US" spc="-1" dirty="0" err="1" smtClean="0">
+                <a:latin typeface="Batang" panose="02030600000101010101" pitchFamily="18" charset="-127"/>
+                <a:ea typeface="Batang" panose="02030600000101010101" pitchFamily="18" charset="-127"/>
+              </a:rPr>
+              <a:t>variável</a:t>
+            </a:r>
+            <a:r>
+              <a:rPr lang="en-US" spc="-1" dirty="0" smtClean="0">
+                <a:latin typeface="Batang" panose="02030600000101010101" pitchFamily="18" charset="-127"/>
+                <a:ea typeface="Batang" panose="02030600000101010101" pitchFamily="18" charset="-127"/>
+              </a:rPr>
+              <a:t> app </a:t>
+            </a:r>
+            <a:r>
+              <a:rPr lang="en-US" spc="-1" dirty="0" err="1" smtClean="0">
+                <a:latin typeface="Batang" panose="02030600000101010101" pitchFamily="18" charset="-127"/>
+                <a:ea typeface="Batang" panose="02030600000101010101" pitchFamily="18" charset="-127"/>
+              </a:rPr>
+              <a:t>na</a:t>
+            </a:r>
+            <a:r>
+              <a:rPr lang="en-US" spc="-1" dirty="0" smtClean="0">
+                <a:latin typeface="Batang" panose="02030600000101010101" pitchFamily="18" charset="-127"/>
+                <a:ea typeface="Batang" panose="02030600000101010101" pitchFamily="18" charset="-127"/>
+              </a:rPr>
+              <a:t> </a:t>
+            </a:r>
+            <a:r>
+              <a:rPr lang="en-US" spc="-1" dirty="0" err="1" smtClean="0">
+                <a:latin typeface="Batang" panose="02030600000101010101" pitchFamily="18" charset="-127"/>
+                <a:ea typeface="Batang" panose="02030600000101010101" pitchFamily="18" charset="-127"/>
+              </a:rPr>
+              <a:t>função</a:t>
+            </a:r>
+            <a:r>
+              <a:rPr lang="en-US" spc="-1" dirty="0" smtClean="0">
+                <a:latin typeface="Batang" panose="02030600000101010101" pitchFamily="18" charset="-127"/>
+                <a:ea typeface="Batang" panose="02030600000101010101" pitchFamily="18" charset="-127"/>
+              </a:rPr>
+              <a:t> main do </a:t>
+            </a:r>
+            <a:r>
+              <a:rPr lang="en-US" spc="-1" dirty="0" err="1" smtClean="0">
+                <a:latin typeface="Batang" panose="02030600000101010101" pitchFamily="18" charset="-127"/>
+                <a:ea typeface="Batang" panose="02030600000101010101" pitchFamily="18" charset="-127"/>
+              </a:rPr>
+              <a:t>programa</a:t>
+            </a:r>
+            <a:r>
+              <a:rPr lang="en-US" spc="-1" dirty="0" smtClean="0">
+                <a:latin typeface="Batang" panose="02030600000101010101" pitchFamily="18" charset="-127"/>
+                <a:ea typeface="Batang" panose="02030600000101010101" pitchFamily="18" charset="-127"/>
+              </a:rPr>
+              <a:t>.</a:t>
+            </a:r>
+            <a:endParaRPr lang="en-US" spc="-1" dirty="0">
+              <a:latin typeface="Batang" panose="02030600000101010101" pitchFamily="18" charset="-127"/>
+              <a:ea typeface="Batang" panose="02030600000101010101" pitchFamily="18" charset="-127"/>
+            </a:endParaRPr>
+          </a:p>
+          <a:p>
+            <a:endParaRPr lang="pt-BR" dirty="0"/>
           </a:p>
         </p:txBody>
       </p:sp>
@@ -2361,51 +4593,83 @@
         </p:nvSpPr>
         <p:spPr>
           <a:xfrm>
-            <a:off x="130320" y="2286000"/>
-            <a:ext cx="2959200" cy="0"/>
+            <a:off x="53537" y="2025548"/>
+            <a:ext cx="9874234" cy="0"/>
           </a:xfrm>
           <a:prstGeom prst="line">
             <a:avLst/>
           </a:prstGeom>
-          <a:ln>
+          <a:ln w="28575">
             <a:solidFill>
               <a:srgbClr val="000000"/>
             </a:solidFill>
           </a:ln>
         </p:spPr>
         <p:style>
-          <a:lnRef idx="0"/>
-          <a:fillRef idx="0"/>
-          <a:effectRef idx="0"/>
+          <a:lnRef idx="0">
+            <a:scrgbClr r="0" g="0" b="0"/>
+          </a:lnRef>
+          <a:fillRef idx="0">
+            <a:scrgbClr r="0" g="0" b="0"/>
+          </a:fillRef>
+          <a:effectRef idx="0">
+            <a:scrgbClr r="0" g="0" b="0"/>
+          </a:effectRef>
           <a:fontRef idx="minor"/>
         </p:style>
       </p:sp>
+      <p:pic>
+        <p:nvPicPr>
+          <p:cNvPr id="13" name="Imagem 12"/>
+          <p:cNvPicPr/>
+          <p:nvPr/>
+        </p:nvPicPr>
+        <p:blipFill>
+          <a:blip r:embed="rId3"/>
+          <a:stretch/>
+        </p:blipFill>
+        <p:spPr>
+          <a:xfrm>
+            <a:off x="3475185" y="303317"/>
+            <a:ext cx="2531160" cy="1423800"/>
+          </a:xfrm>
+          <a:prstGeom prst="rect">
+            <a:avLst/>
+          </a:prstGeom>
+          <a:ln>
+            <a:noFill/>
+          </a:ln>
+        </p:spPr>
+      </p:pic>
     </p:spTree>
   </p:cSld>
-  <mc:AlternateContent>
+  <p:clrMapOvr>
+    <a:masterClrMapping/>
+  </p:clrMapOvr>
+  <mc:AlternateContent xmlns:mc="http://schemas.openxmlformats.org/markup-compatibility/2006" xmlns:p14="http://schemas.microsoft.com/office/powerpoint/2010/main">
     <mc:Choice Requires="p14">
       <p:transition spd="slow" p14:dur="2000"/>
     </mc:Choice>
-    <mc:Fallback>
+    <mc:Fallback xmlns:p15="http://schemas.microsoft.com/office/powerpoint/2012/main" xmlns="">
       <p:transition spd="slow"/>
     </mc:Fallback>
   </mc:AlternateContent>
   <p:timing>
     <p:tnLst>
       <p:par>
-        <p:cTn id="3" dur="indefinite" restart="never" nodeType="tmRoot">
+        <p:cTn id="1" dur="indefinite" restart="never" nodeType="tmRoot">
           <p:childTnLst>
             <p:seq>
-              <p:cTn id="4" dur="indefinite" nodeType="mainSeq"/>
+              <p:cTn id="2" dur="indefinite" nodeType="mainSeq"/>
               <p:prevCondLst>
-                <p:cond delay="0" evt="onPrev">
+                <p:cond evt="onPrev" delay="0">
                   <p:tgtEl>
                     <p:sldTgt/>
                   </p:tgtEl>
                 </p:cond>
               </p:prevCondLst>
               <p:nextCondLst>
-                <p:cond delay="0" evt="onNext">
+                <p:cond evt="onNext" delay="0">
                   <p:tgtEl>
                     <p:sldTgt/>
                   </p:tgtEl>
@@ -2421,7 +4685,7 @@
 </file>
 
 <file path=ppt/slides/slide3.xml><?xml version="1.0" encoding="utf-8"?>
-<p:sld xmlns:a="http://schemas.openxmlformats.org/drawingml/2006/main" xmlns:p="http://schemas.openxmlformats.org/presentationml/2006/main" xmlns:r="http://schemas.openxmlformats.org/officeDocument/2006/relationships" xmlns:p14="http://schemas.microsoft.com/office/powerpoint/2010/main" xmlns:p15="http://schemas.microsoft.com/office/powerpoint/2012/main" xmlns:mc="http://schemas.openxmlformats.org/markup-compatibility/2006">
+<p:sld xmlns:a="http://schemas.openxmlformats.org/drawingml/2006/main" xmlns:r="http://schemas.openxmlformats.org/officeDocument/2006/relationships" xmlns:p="http://schemas.openxmlformats.org/presentationml/2006/main">
   <p:cSld>
     <p:spTree>
       <p:nvGrpSpPr>
@@ -2457,37 +4721,35 @@
           </a:ln>
         </p:spPr>
         <p:txBody>
-          <a:bodyPr lIns="0" rIns="0" tIns="0" bIns="0" anchor="ctr">
+          <a:bodyPr lIns="0" tIns="0" rIns="0" bIns="0" anchor="ctr">
             <a:spAutoFit/>
           </a:bodyPr>
+          <a:lstStyle/>
           <a:p>
             <a:pPr algn="ctr"/>
             <a:r>
-              <a:rPr b="0" lang="en-US" sz="3200" spc="-1" strike="noStrike">
+              <a:rPr lang="en-US" sz="3200" b="0" strike="noStrike" spc="-1">
                 <a:latin typeface="Cantarell Extra Bold"/>
               </a:rPr>
               <a:t>Apresentação da aplicação</a:t>
             </a:r>
-            <a:endParaRPr b="0" lang="en-US" sz="3200" spc="-1" strike="noStrike">
-              <a:latin typeface="Cantarell Extra Bold"/>
-            </a:endParaRPr>
           </a:p>
         </p:txBody>
       </p:sp>
       <p:pic>
         <p:nvPicPr>
-          <p:cNvPr id="55" name="" descr=""/>
+          <p:cNvPr id="55" name="Imagem 54"/>
           <p:cNvPicPr/>
           <p:nvPr/>
         </p:nvPicPr>
         <p:blipFill>
-          <a:blip r:embed="rId1"/>
+          <a:blip r:embed="rId2"/>
           <a:srcRect l="69151" t="15342" r="6661" b="56280"/>
           <a:stretch/>
         </p:blipFill>
         <p:spPr>
           <a:xfrm>
-            <a:off x="130680" y="2091600"/>
+            <a:off x="130680" y="2200782"/>
             <a:ext cx="6309000" cy="2377080"/>
           </a:xfrm>
           <a:prstGeom prst="rect">
@@ -2506,8 +4768,8 @@
         </p:nvSpPr>
         <p:spPr>
           <a:xfrm>
-            <a:off x="6543000" y="1986120"/>
-            <a:ext cx="3429000" cy="3217320"/>
+            <a:off x="6543000" y="2095302"/>
+            <a:ext cx="3429000" cy="2091427"/>
           </a:xfrm>
           <a:prstGeom prst="rect">
             <a:avLst/>
@@ -2518,56 +4780,182 @@
           </a:ln>
         </p:spPr>
         <p:txBody>
-          <a:bodyPr lIns="90000" rIns="90000" tIns="45000" bIns="45000">
+          <a:bodyPr lIns="90000" tIns="45000" rIns="90000" bIns="45000">
             <a:spAutoFit/>
           </a:bodyPr>
-          <a:p>
-            <a:endParaRPr b="0" lang="en-US" sz="1800" spc="-1" strike="noStrike">
-              <a:latin typeface="Arial"/>
-            </a:endParaRPr>
-          </a:p>
-          <a:p>
-            <a:r>
-              <a:rPr b="0" lang="en-US" sz="1600" spc="-1" strike="noStrike">
-                <a:latin typeface="Droid Sans Fallback"/>
-              </a:rPr>
-              <a:t>- importação do NestFactory do core do nestjs</a:t>
-            </a:r>
-            <a:endParaRPr b="0" lang="en-US" sz="1600" spc="-1" strike="noStrike">
-              <a:latin typeface="Arial"/>
-            </a:endParaRPr>
-          </a:p>
-          <a:p>
-            <a:endParaRPr b="0" lang="en-US" sz="1600" spc="-1" strike="noStrike">
-              <a:latin typeface="Arial"/>
-            </a:endParaRPr>
-          </a:p>
-          <a:p>
-            <a:r>
-              <a:rPr b="0" lang="en-US" sz="1600" spc="-1" strike="noStrike">
-                <a:latin typeface="Droid Sans Fallback"/>
-              </a:rPr>
-              <a:t>- importa do módulo root do app</a:t>
-            </a:r>
-            <a:endParaRPr b="0" lang="en-US" sz="1600" spc="-1" strike="noStrike">
-              <a:latin typeface="Arial"/>
-            </a:endParaRPr>
-          </a:p>
-          <a:p>
-            <a:endParaRPr b="0" lang="en-US" sz="1600" spc="-1" strike="noStrike">
-              <a:latin typeface="Arial"/>
-            </a:endParaRPr>
-          </a:p>
-          <a:p>
-            <a:r>
-              <a:rPr b="0" lang="en-US" sz="1600" spc="-1" strike="noStrike">
-                <a:latin typeface="Droid Sans Fallback"/>
-              </a:rPr>
-              <a:t>- loop do servidor rodando na porta 3000</a:t>
-            </a:r>
-            <a:endParaRPr b="0" lang="en-US" sz="1600" spc="-1" strike="noStrike">
-              <a:latin typeface="Arial"/>
-            </a:endParaRPr>
+          <a:lstStyle/>
+          <a:p>
+            <a:endParaRPr lang="en-US" sz="1800" i="1" strike="noStrike" spc="-1" dirty="0">
+              <a:latin typeface="Batang" panose="02030600000101010101" pitchFamily="18" charset="-127"/>
+              <a:ea typeface="Batang" panose="02030600000101010101" pitchFamily="18" charset="-127"/>
+            </a:endParaRPr>
+          </a:p>
+          <a:p>
+            <a:pPr algn="just"/>
+            <a:r>
+              <a:rPr lang="en-US" sz="1600" i="1" strike="noStrike" spc="-1" dirty="0">
+                <a:latin typeface="Batang" panose="02030600000101010101" pitchFamily="18" charset="-127"/>
+                <a:ea typeface="Batang" panose="02030600000101010101" pitchFamily="18" charset="-127"/>
+              </a:rPr>
+              <a:t>- </a:t>
+            </a:r>
+            <a:r>
+              <a:rPr lang="en-US" sz="1600" i="1" strike="noStrike" spc="-1" dirty="0" err="1">
+                <a:latin typeface="Batang" panose="02030600000101010101" pitchFamily="18" charset="-127"/>
+                <a:ea typeface="Batang" panose="02030600000101010101" pitchFamily="18" charset="-127"/>
+              </a:rPr>
+              <a:t>importação</a:t>
+            </a:r>
+            <a:r>
+              <a:rPr lang="en-US" sz="1600" i="1" strike="noStrike" spc="-1" dirty="0">
+                <a:latin typeface="Batang" panose="02030600000101010101" pitchFamily="18" charset="-127"/>
+                <a:ea typeface="Batang" panose="02030600000101010101" pitchFamily="18" charset="-127"/>
+              </a:rPr>
+              <a:t> do </a:t>
+            </a:r>
+            <a:r>
+              <a:rPr lang="en-US" sz="1600" i="1" strike="noStrike" spc="-1" dirty="0" err="1">
+                <a:latin typeface="Batang" panose="02030600000101010101" pitchFamily="18" charset="-127"/>
+                <a:ea typeface="Batang" panose="02030600000101010101" pitchFamily="18" charset="-127"/>
+              </a:rPr>
+              <a:t>NestFactory</a:t>
+            </a:r>
+            <a:r>
+              <a:rPr lang="en-US" sz="1600" i="1" strike="noStrike" spc="-1" dirty="0">
+                <a:latin typeface="Batang" panose="02030600000101010101" pitchFamily="18" charset="-127"/>
+                <a:ea typeface="Batang" panose="02030600000101010101" pitchFamily="18" charset="-127"/>
+              </a:rPr>
+              <a:t> do core do </a:t>
+            </a:r>
+            <a:r>
+              <a:rPr lang="en-US" sz="1600" i="1" strike="noStrike" spc="-1" dirty="0" err="1">
+                <a:latin typeface="Batang" panose="02030600000101010101" pitchFamily="18" charset="-127"/>
+                <a:ea typeface="Batang" panose="02030600000101010101" pitchFamily="18" charset="-127"/>
+              </a:rPr>
+              <a:t>nestjs</a:t>
+            </a:r>
+            <a:endParaRPr lang="en-US" sz="1600" i="1" strike="noStrike" spc="-1" dirty="0">
+              <a:latin typeface="Batang" panose="02030600000101010101" pitchFamily="18" charset="-127"/>
+              <a:ea typeface="Batang" panose="02030600000101010101" pitchFamily="18" charset="-127"/>
+            </a:endParaRPr>
+          </a:p>
+          <a:p>
+            <a:pPr algn="just"/>
+            <a:endParaRPr lang="en-US" sz="1600" i="1" strike="noStrike" spc="-1" dirty="0">
+              <a:latin typeface="Batang" panose="02030600000101010101" pitchFamily="18" charset="-127"/>
+              <a:ea typeface="Batang" panose="02030600000101010101" pitchFamily="18" charset="-127"/>
+            </a:endParaRPr>
+          </a:p>
+          <a:p>
+            <a:pPr algn="just"/>
+            <a:r>
+              <a:rPr lang="en-US" sz="1600" i="1" strike="noStrike" spc="-1" dirty="0">
+                <a:latin typeface="Batang" panose="02030600000101010101" pitchFamily="18" charset="-127"/>
+                <a:ea typeface="Batang" panose="02030600000101010101" pitchFamily="18" charset="-127"/>
+              </a:rPr>
+              <a:t>- </a:t>
+            </a:r>
+            <a:r>
+              <a:rPr lang="en-US" sz="1600" i="1" strike="noStrike" spc="-1" dirty="0" err="1">
+                <a:latin typeface="Batang" panose="02030600000101010101" pitchFamily="18" charset="-127"/>
+                <a:ea typeface="Batang" panose="02030600000101010101" pitchFamily="18" charset="-127"/>
+              </a:rPr>
+              <a:t>importa</a:t>
+            </a:r>
+            <a:r>
+              <a:rPr lang="en-US" sz="1600" i="1" strike="noStrike" spc="-1" dirty="0">
+                <a:latin typeface="Batang" panose="02030600000101010101" pitchFamily="18" charset="-127"/>
+                <a:ea typeface="Batang" panose="02030600000101010101" pitchFamily="18" charset="-127"/>
+              </a:rPr>
+              <a:t> do </a:t>
+            </a:r>
+            <a:r>
+              <a:rPr lang="en-US" sz="1600" i="1" strike="noStrike" spc="-1" dirty="0" err="1">
+                <a:latin typeface="Batang" panose="02030600000101010101" pitchFamily="18" charset="-127"/>
+                <a:ea typeface="Batang" panose="02030600000101010101" pitchFamily="18" charset="-127"/>
+              </a:rPr>
+              <a:t>módulo</a:t>
+            </a:r>
+            <a:r>
+              <a:rPr lang="en-US" sz="1600" i="1" strike="noStrike" spc="-1" dirty="0">
+                <a:latin typeface="Batang" panose="02030600000101010101" pitchFamily="18" charset="-127"/>
+                <a:ea typeface="Batang" panose="02030600000101010101" pitchFamily="18" charset="-127"/>
+              </a:rPr>
+              <a:t> root do app</a:t>
+            </a:r>
+          </a:p>
+          <a:p>
+            <a:pPr algn="just"/>
+            <a:endParaRPr lang="en-US" sz="1600" i="1" strike="noStrike" spc="-1" dirty="0">
+              <a:latin typeface="Batang" panose="02030600000101010101" pitchFamily="18" charset="-127"/>
+              <a:ea typeface="Batang" panose="02030600000101010101" pitchFamily="18" charset="-127"/>
+            </a:endParaRPr>
+          </a:p>
+          <a:p>
+            <a:pPr algn="just"/>
+            <a:r>
+              <a:rPr lang="en-US" sz="1600" i="1" strike="noStrike" spc="-1" dirty="0">
+                <a:latin typeface="Batang" panose="02030600000101010101" pitchFamily="18" charset="-127"/>
+                <a:ea typeface="Batang" panose="02030600000101010101" pitchFamily="18" charset="-127"/>
+              </a:rPr>
+              <a:t>- loop do </a:t>
+            </a:r>
+            <a:r>
+              <a:rPr lang="en-US" sz="1600" i="1" strike="noStrike" spc="-1" dirty="0" err="1">
+                <a:latin typeface="Batang" panose="02030600000101010101" pitchFamily="18" charset="-127"/>
+                <a:ea typeface="Batang" panose="02030600000101010101" pitchFamily="18" charset="-127"/>
+              </a:rPr>
+              <a:t>servidor</a:t>
+            </a:r>
+            <a:r>
+              <a:rPr lang="en-US" sz="1600" i="1" strike="noStrike" spc="-1" dirty="0">
+                <a:latin typeface="Batang" panose="02030600000101010101" pitchFamily="18" charset="-127"/>
+                <a:ea typeface="Batang" panose="02030600000101010101" pitchFamily="18" charset="-127"/>
+              </a:rPr>
+              <a:t> </a:t>
+            </a:r>
+            <a:r>
+              <a:rPr lang="en-US" sz="1600" i="1" strike="noStrike" spc="-1" dirty="0" err="1">
+                <a:latin typeface="Batang" panose="02030600000101010101" pitchFamily="18" charset="-127"/>
+                <a:ea typeface="Batang" panose="02030600000101010101" pitchFamily="18" charset="-127"/>
+              </a:rPr>
+              <a:t>rodando</a:t>
+            </a:r>
+            <a:r>
+              <a:rPr lang="en-US" sz="1600" i="1" strike="noStrike" spc="-1" dirty="0">
+                <a:latin typeface="Batang" panose="02030600000101010101" pitchFamily="18" charset="-127"/>
+                <a:ea typeface="Batang" panose="02030600000101010101" pitchFamily="18" charset="-127"/>
+              </a:rPr>
+              <a:t> </a:t>
+            </a:r>
+            <a:r>
+              <a:rPr lang="en-US" sz="1600" i="1" strike="noStrike" spc="-1" dirty="0" err="1">
+                <a:latin typeface="Batang" panose="02030600000101010101" pitchFamily="18" charset="-127"/>
+                <a:ea typeface="Batang" panose="02030600000101010101" pitchFamily="18" charset="-127"/>
+              </a:rPr>
+              <a:t>na</a:t>
+            </a:r>
+            <a:r>
+              <a:rPr lang="en-US" sz="1600" i="1" strike="noStrike" spc="-1" dirty="0">
+                <a:latin typeface="Batang" panose="02030600000101010101" pitchFamily="18" charset="-127"/>
+                <a:ea typeface="Batang" panose="02030600000101010101" pitchFamily="18" charset="-127"/>
+              </a:rPr>
+              <a:t> </a:t>
+            </a:r>
+            <a:r>
+              <a:rPr lang="en-US" sz="1600" i="1" strike="noStrike" spc="-1" dirty="0" err="1">
+                <a:latin typeface="Batang" panose="02030600000101010101" pitchFamily="18" charset="-127"/>
+                <a:ea typeface="Batang" panose="02030600000101010101" pitchFamily="18" charset="-127"/>
+              </a:rPr>
+              <a:t>porta</a:t>
+            </a:r>
+            <a:r>
+              <a:rPr lang="en-US" sz="1600" i="1" strike="noStrike" spc="-1" dirty="0">
+                <a:latin typeface="Batang" panose="02030600000101010101" pitchFamily="18" charset="-127"/>
+                <a:ea typeface="Batang" panose="02030600000101010101" pitchFamily="18" charset="-127"/>
+              </a:rPr>
+              <a:t> 3000</a:t>
+            </a:r>
           </a:p>
         </p:txBody>
       </p:sp>
@@ -2579,7 +4967,7 @@
         </p:nvSpPr>
         <p:spPr>
           <a:xfrm>
-            <a:off x="3657600" y="1440720"/>
+            <a:off x="3657600" y="1468015"/>
             <a:ext cx="2743200" cy="358560"/>
           </a:xfrm>
           <a:prstGeom prst="rect">
@@ -2591,17 +4979,24 @@
           </a:ln>
         </p:spPr>
         <p:txBody>
-          <a:bodyPr lIns="90000" rIns="90000" tIns="45000" bIns="45000">
+          <a:bodyPr lIns="90000" tIns="45000" rIns="90000" bIns="45000">
             <a:spAutoFit/>
           </a:bodyPr>
-          <a:p>
-            <a:r>
-              <a:rPr b="1" lang="en-US" sz="1800" spc="-1" strike="noStrike">
-                <a:latin typeface="Noto Mono"/>
-              </a:rPr>
-              <a:t>Método main do app</a:t>
-            </a:r>
-            <a:endParaRPr b="0" lang="en-US" sz="1800" spc="-1" strike="noStrike">
+          <a:lstStyle/>
+          <a:p>
+            <a:r>
+              <a:rPr lang="en-US" sz="1800" b="1" strike="noStrike" spc="-1" dirty="0" err="1">
+                <a:latin typeface="Noto Mono"/>
+              </a:rPr>
+              <a:t>Método</a:t>
+            </a:r>
+            <a:r>
+              <a:rPr lang="en-US" sz="1800" b="1" strike="noStrike" spc="-1" dirty="0">
+                <a:latin typeface="Noto Mono"/>
+              </a:rPr>
+              <a:t> main do app</a:t>
+            </a:r>
+            <a:endParaRPr lang="en-US" sz="1800" b="0" strike="noStrike" spc="-1" dirty="0">
               <a:latin typeface="Arial"/>
             </a:endParaRPr>
           </a:p>
@@ -2609,30 +5004,33 @@
       </p:sp>
     </p:spTree>
   </p:cSld>
-  <mc:AlternateContent>
+  <p:clrMapOvr>
+    <a:masterClrMapping/>
+  </p:clrMapOvr>
+  <mc:AlternateContent xmlns:mc="http://schemas.openxmlformats.org/markup-compatibility/2006" xmlns:p14="http://schemas.microsoft.com/office/powerpoint/2010/main">
     <mc:Choice Requires="p14">
       <p:transition spd="slow" p14:dur="2000"/>
     </mc:Choice>
-    <mc:Fallback>
+    <mc:Fallback xmlns:p15="http://schemas.microsoft.com/office/powerpoint/2012/main" xmlns="">
       <p:transition spd="slow"/>
     </mc:Fallback>
   </mc:AlternateContent>
   <p:timing>
     <p:tnLst>
       <p:par>
-        <p:cTn id="5" dur="indefinite" restart="never" nodeType="tmRoot">
+        <p:cTn id="1" dur="indefinite" restart="never" nodeType="tmRoot">
           <p:childTnLst>
             <p:seq>
-              <p:cTn id="6" dur="indefinite" nodeType="mainSeq"/>
+              <p:cTn id="2" dur="indefinite" nodeType="mainSeq"/>
               <p:prevCondLst>
-                <p:cond delay="0" evt="onPrev">
+                <p:cond evt="onPrev" delay="0">
                   <p:tgtEl>
                     <p:sldTgt/>
                   </p:tgtEl>
                 </p:cond>
               </p:prevCondLst>
               <p:nextCondLst>
-                <p:cond delay="0" evt="onNext">
+                <p:cond evt="onNext" delay="0">
                   <p:tgtEl>
                     <p:sldTgt/>
                   </p:tgtEl>
@@ -2648,7 +5046,7 @@
 </file>
 
 <file path=ppt/slides/slide4.xml><?xml version="1.0" encoding="utf-8"?>
-<p:sld xmlns:a="http://schemas.openxmlformats.org/drawingml/2006/main" xmlns:p="http://schemas.openxmlformats.org/presentationml/2006/main" xmlns:r="http://schemas.openxmlformats.org/officeDocument/2006/relationships" xmlns:p14="http://schemas.microsoft.com/office/powerpoint/2010/main" xmlns:p15="http://schemas.microsoft.com/office/powerpoint/2012/main" xmlns:mc="http://schemas.openxmlformats.org/markup-compatibility/2006">
+<p:sld xmlns:a="http://schemas.openxmlformats.org/drawingml/2006/main" xmlns:r="http://schemas.openxmlformats.org/officeDocument/2006/relationships" xmlns:p="http://schemas.openxmlformats.org/presentationml/2006/main">
   <p:cSld>
     <p:spTree>
       <p:nvGrpSpPr>
@@ -2672,8 +5070,8 @@
         </p:nvSpPr>
         <p:spPr>
           <a:xfrm>
-            <a:off x="5303520" y="690120"/>
-            <a:ext cx="4668840" cy="2478240"/>
+            <a:off x="5248012" y="1058611"/>
+            <a:ext cx="4668840" cy="2306870"/>
           </a:xfrm>
           <a:prstGeom prst="rect">
             <a:avLst/>
@@ -2684,54 +5082,276 @@
           </a:ln>
         </p:spPr>
         <p:txBody>
-          <a:bodyPr lIns="90000" rIns="90000" tIns="45000" bIns="45000">
+          <a:bodyPr lIns="90000" tIns="45000" rIns="90000" bIns="45000">
             <a:spAutoFit/>
           </a:bodyPr>
-          <a:p>
-            <a:r>
-              <a:rPr b="0" lang="en-US" sz="1600" spc="-1" strike="noStrike">
+          <a:lstStyle/>
+          <a:p>
+            <a:pPr algn="just"/>
+            <a:r>
+              <a:rPr lang="en-US" sz="1600" b="0" i="1" strike="noStrike" spc="-1" dirty="0">
                 <a:latin typeface="Droid Sans Fallback"/>
               </a:rPr>
-              <a:t>- importação dos módulos que serão usados na aplicação e do ORM</a:t>
-            </a:r>
-            <a:endParaRPr b="0" lang="en-US" sz="1600" spc="-1" strike="noStrike">
-              <a:latin typeface="Arial"/>
-            </a:endParaRPr>
-          </a:p>
-          <a:p>
-            <a:endParaRPr b="0" lang="en-US" sz="1600" spc="-1" strike="noStrike">
-              <a:latin typeface="Arial"/>
-            </a:endParaRPr>
-          </a:p>
-          <a:p>
-            <a:r>
-              <a:rPr b="0" lang="en-US" sz="1600" spc="-1" strike="noStrike">
+              <a:t>- </a:t>
+            </a:r>
+            <a:r>
+              <a:rPr lang="en-US" sz="1600" b="0" i="1" strike="noStrike" spc="-1" dirty="0" err="1">
                 <a:latin typeface="Droid Sans Fallback"/>
               </a:rPr>
-              <a:t>- Injeta no app.module as configurações do banco de dados e os módulos importados</a:t>
-            </a:r>
-            <a:endParaRPr b="0" lang="en-US" sz="1600" spc="-1" strike="noStrike">
-              <a:latin typeface="Arial"/>
-            </a:endParaRPr>
-          </a:p>
-          <a:p>
-            <a:endParaRPr b="0" lang="en-US" sz="1600" spc="-1" strike="noStrike">
-              <a:latin typeface="Arial"/>
-            </a:endParaRPr>
-          </a:p>
-          <a:p>
-            <a:r>
-              <a:rPr b="0" lang="en-US" sz="1600" spc="-1" strike="noStrike">
+              <a:t>importação</a:t>
+            </a:r>
+            <a:r>
+              <a:rPr lang="en-US" sz="1600" b="0" i="1" strike="noStrike" spc="-1" dirty="0">
                 <a:latin typeface="Droid Sans Fallback"/>
               </a:rPr>
-              <a:t>- exporta o módulo root com a conexão ativa com o banco de dados</a:t>
-            </a:r>
-            <a:endParaRPr b="0" lang="en-US" sz="1600" spc="-1" strike="noStrike">
-              <a:latin typeface="Arial"/>
-            </a:endParaRPr>
-          </a:p>
-          <a:p>
-            <a:endParaRPr b="0" lang="en-US" sz="1600" spc="-1" strike="noStrike">
+              <a:t> dos </a:t>
+            </a:r>
+            <a:r>
+              <a:rPr lang="en-US" sz="1600" b="0" i="1" strike="noStrike" spc="-1" dirty="0" err="1">
+                <a:latin typeface="Droid Sans Fallback"/>
+              </a:rPr>
+              <a:t>módulos</a:t>
+            </a:r>
+            <a:r>
+              <a:rPr lang="en-US" sz="1600" b="0" i="1" strike="noStrike" spc="-1" dirty="0">
+                <a:latin typeface="Droid Sans Fallback"/>
+              </a:rPr>
+              <a:t> </a:t>
+            </a:r>
+            <a:r>
+              <a:rPr lang="en-US" sz="1600" b="0" i="1" strike="noStrike" spc="-1" dirty="0" err="1">
+                <a:latin typeface="Droid Sans Fallback"/>
+              </a:rPr>
+              <a:t>que</a:t>
+            </a:r>
+            <a:r>
+              <a:rPr lang="en-US" sz="1600" b="0" i="1" strike="noStrike" spc="-1" dirty="0">
+                <a:latin typeface="Droid Sans Fallback"/>
+              </a:rPr>
+              <a:t> </a:t>
+            </a:r>
+            <a:r>
+              <a:rPr lang="en-US" sz="1600" b="0" i="1" strike="noStrike" spc="-1" dirty="0" err="1">
+                <a:latin typeface="Droid Sans Fallback"/>
+              </a:rPr>
+              <a:t>serão</a:t>
+            </a:r>
+            <a:r>
+              <a:rPr lang="en-US" sz="1600" b="0" i="1" strike="noStrike" spc="-1" dirty="0">
+                <a:latin typeface="Droid Sans Fallback"/>
+              </a:rPr>
+              <a:t> </a:t>
+            </a:r>
+            <a:r>
+              <a:rPr lang="en-US" sz="1600" b="0" i="1" strike="noStrike" spc="-1" dirty="0" err="1">
+                <a:latin typeface="Droid Sans Fallback"/>
+              </a:rPr>
+              <a:t>usados</a:t>
+            </a:r>
+            <a:r>
+              <a:rPr lang="en-US" sz="1600" b="0" i="1" strike="noStrike" spc="-1" dirty="0">
+                <a:latin typeface="Droid Sans Fallback"/>
+              </a:rPr>
+              <a:t> </a:t>
+            </a:r>
+            <a:r>
+              <a:rPr lang="en-US" sz="1600" b="0" i="1" strike="noStrike" spc="-1" dirty="0" err="1">
+                <a:latin typeface="Droid Sans Fallback"/>
+              </a:rPr>
+              <a:t>na</a:t>
+            </a:r>
+            <a:r>
+              <a:rPr lang="en-US" sz="1600" b="0" i="1" strike="noStrike" spc="-1" dirty="0">
+                <a:latin typeface="Droid Sans Fallback"/>
+              </a:rPr>
+              <a:t> </a:t>
+            </a:r>
+            <a:r>
+              <a:rPr lang="en-US" sz="1600" b="0" i="1" strike="noStrike" spc="-1" dirty="0" err="1">
+                <a:latin typeface="Droid Sans Fallback"/>
+              </a:rPr>
+              <a:t>aplicação</a:t>
+            </a:r>
+            <a:r>
+              <a:rPr lang="en-US" sz="1600" b="0" i="1" strike="noStrike" spc="-1" dirty="0">
+                <a:latin typeface="Droid Sans Fallback"/>
+              </a:rPr>
+              <a:t> e do ORM</a:t>
+            </a:r>
+          </a:p>
+          <a:p>
+            <a:pPr algn="just"/>
+            <a:endParaRPr lang="en-US" sz="1600" b="0" i="1" strike="noStrike" spc="-1" dirty="0">
+              <a:latin typeface="Droid Sans Fallback"/>
+            </a:endParaRPr>
+          </a:p>
+          <a:p>
+            <a:pPr algn="just"/>
+            <a:r>
+              <a:rPr lang="en-US" sz="1600" b="0" i="1" strike="noStrike" spc="-1" dirty="0">
+                <a:latin typeface="Droid Sans Fallback"/>
+              </a:rPr>
+              <a:t>- </a:t>
+            </a:r>
+            <a:r>
+              <a:rPr lang="en-US" sz="1600" b="0" i="1" strike="noStrike" spc="-1" dirty="0" err="1">
+                <a:latin typeface="Droid Sans Fallback"/>
+              </a:rPr>
+              <a:t>Injeta</a:t>
+            </a:r>
+            <a:r>
+              <a:rPr lang="en-US" sz="1600" b="0" i="1" strike="noStrike" spc="-1" dirty="0">
+                <a:latin typeface="Droid Sans Fallback"/>
+              </a:rPr>
+              <a:t> no </a:t>
+            </a:r>
+            <a:r>
+              <a:rPr lang="en-US" sz="1600" b="0" i="1" strike="noStrike" spc="-1" dirty="0" err="1">
+                <a:latin typeface="Droid Sans Fallback"/>
+              </a:rPr>
+              <a:t>app.module</a:t>
+            </a:r>
+            <a:r>
+              <a:rPr lang="en-US" sz="1600" b="0" i="1" strike="noStrike" spc="-1" dirty="0">
+                <a:latin typeface="Droid Sans Fallback"/>
+              </a:rPr>
+              <a:t> as </a:t>
+            </a:r>
+            <a:r>
+              <a:rPr lang="en-US" sz="1600" b="0" i="1" strike="noStrike" spc="-1" dirty="0" err="1">
+                <a:latin typeface="Droid Sans Fallback"/>
+              </a:rPr>
+              <a:t>configurações</a:t>
+            </a:r>
+            <a:r>
+              <a:rPr lang="en-US" sz="1600" b="0" i="1" strike="noStrike" spc="-1" dirty="0">
+                <a:latin typeface="Droid Sans Fallback"/>
+              </a:rPr>
+              <a:t> do </a:t>
+            </a:r>
+            <a:r>
+              <a:rPr lang="en-US" sz="1600" b="0" i="1" strike="noStrike" spc="-1" dirty="0" err="1">
+                <a:latin typeface="Droid Sans Fallback"/>
+              </a:rPr>
+              <a:t>banco</a:t>
+            </a:r>
+            <a:r>
+              <a:rPr lang="en-US" sz="1600" b="0" i="1" strike="noStrike" spc="-1" dirty="0">
+                <a:latin typeface="Droid Sans Fallback"/>
+              </a:rPr>
+              <a:t> de dados e </a:t>
+            </a:r>
+            <a:r>
+              <a:rPr lang="en-US" sz="1600" b="0" i="1" strike="noStrike" spc="-1" dirty="0" err="1">
+                <a:latin typeface="Droid Sans Fallback"/>
+              </a:rPr>
+              <a:t>os</a:t>
+            </a:r>
+            <a:r>
+              <a:rPr lang="en-US" sz="1600" b="0" i="1" strike="noStrike" spc="-1" dirty="0">
+                <a:latin typeface="Droid Sans Fallback"/>
+              </a:rPr>
+              <a:t> </a:t>
+            </a:r>
+            <a:r>
+              <a:rPr lang="en-US" sz="1600" b="0" i="1" strike="noStrike" spc="-1" dirty="0" err="1">
+                <a:latin typeface="Droid Sans Fallback"/>
+              </a:rPr>
+              <a:t>módulos</a:t>
+            </a:r>
+            <a:r>
+              <a:rPr lang="en-US" sz="1600" b="0" i="1" strike="noStrike" spc="-1" dirty="0">
+                <a:latin typeface="Droid Sans Fallback"/>
+              </a:rPr>
+              <a:t> </a:t>
+            </a:r>
+            <a:r>
+              <a:rPr lang="en-US" sz="1600" b="0" i="1" strike="noStrike" spc="-1" dirty="0" err="1">
+                <a:latin typeface="Droid Sans Fallback"/>
+              </a:rPr>
+              <a:t>importados</a:t>
+            </a:r>
+            <a:endParaRPr lang="en-US" sz="1600" b="0" i="1" strike="noStrike" spc="-1" dirty="0">
+              <a:latin typeface="Droid Sans Fallback"/>
+            </a:endParaRPr>
+          </a:p>
+          <a:p>
+            <a:pPr algn="just"/>
+            <a:endParaRPr lang="en-US" sz="1600" b="0" i="1" strike="noStrike" spc="-1" dirty="0">
+              <a:latin typeface="Droid Sans Fallback"/>
+            </a:endParaRPr>
+          </a:p>
+          <a:p>
+            <a:pPr algn="just"/>
+            <a:r>
+              <a:rPr lang="en-US" sz="1600" b="0" i="1" strike="noStrike" spc="-1" dirty="0">
+                <a:latin typeface="Droid Sans Fallback"/>
+              </a:rPr>
+              <a:t>- </a:t>
+            </a:r>
+            <a:r>
+              <a:rPr lang="en-US" sz="1600" b="0" i="1" strike="noStrike" spc="-1" dirty="0" err="1">
+                <a:latin typeface="Droid Sans Fallback"/>
+              </a:rPr>
+              <a:t>exporta</a:t>
+            </a:r>
+            <a:r>
+              <a:rPr lang="en-US" sz="1600" b="0" i="1" strike="noStrike" spc="-1" dirty="0">
+                <a:latin typeface="Droid Sans Fallback"/>
+              </a:rPr>
+              <a:t> o </a:t>
+            </a:r>
+            <a:r>
+              <a:rPr lang="en-US" sz="1600" b="0" i="1" strike="noStrike" spc="-1" dirty="0" err="1">
+                <a:latin typeface="Droid Sans Fallback"/>
+              </a:rPr>
+              <a:t>módulo</a:t>
+            </a:r>
+            <a:r>
+              <a:rPr lang="en-US" sz="1600" b="0" i="1" strike="noStrike" spc="-1" dirty="0">
+                <a:latin typeface="Droid Sans Fallback"/>
+              </a:rPr>
+              <a:t> root com a </a:t>
+            </a:r>
+            <a:r>
+              <a:rPr lang="en-US" sz="1600" b="0" i="1" strike="noStrike" spc="-1" dirty="0" err="1">
+                <a:latin typeface="Droid Sans Fallback"/>
+              </a:rPr>
+              <a:t>conexão</a:t>
+            </a:r>
+            <a:r>
+              <a:rPr lang="en-US" sz="1600" b="0" i="1" strike="noStrike" spc="-1" dirty="0">
+                <a:latin typeface="Droid Sans Fallback"/>
+              </a:rPr>
+              <a:t> </a:t>
+            </a:r>
+            <a:r>
+              <a:rPr lang="en-US" sz="1600" b="0" i="1" strike="noStrike" spc="-1" dirty="0" err="1">
+                <a:latin typeface="Droid Sans Fallback"/>
+              </a:rPr>
+              <a:t>ativa</a:t>
+            </a:r>
+            <a:r>
+              <a:rPr lang="en-US" sz="1600" b="0" i="1" strike="noStrike" spc="-1" dirty="0">
+                <a:latin typeface="Droid Sans Fallback"/>
+              </a:rPr>
+              <a:t> com o </a:t>
+            </a:r>
+            <a:r>
+              <a:rPr lang="en-US" sz="1600" b="0" i="1" strike="noStrike" spc="-1" dirty="0" err="1">
+                <a:latin typeface="Droid Sans Fallback"/>
+              </a:rPr>
+              <a:t>banco</a:t>
+            </a:r>
+            <a:r>
+              <a:rPr lang="en-US" sz="1600" b="0" i="1" strike="noStrike" spc="-1" dirty="0">
+                <a:latin typeface="Droid Sans Fallback"/>
+              </a:rPr>
+              <a:t> de dados</a:t>
+            </a:r>
+          </a:p>
+          <a:p>
+            <a:endParaRPr lang="en-US" sz="1600" b="0" strike="noStrike" spc="-1" dirty="0">
               <a:latin typeface="Arial"/>
             </a:endParaRPr>
           </a:p>
@@ -2757,17 +5377,18 @@
           </a:ln>
         </p:spPr>
         <p:txBody>
-          <a:bodyPr lIns="90000" rIns="90000" tIns="45000" bIns="45000">
+          <a:bodyPr lIns="90000" tIns="45000" rIns="90000" bIns="45000">
             <a:spAutoFit/>
           </a:bodyPr>
-          <a:p>
-            <a:r>
-              <a:rPr b="1" lang="en-US" sz="1800" spc="-1" strike="noStrike">
+          <a:lstStyle/>
+          <a:p>
+            <a:r>
+              <a:rPr lang="en-US" sz="1800" b="1" strike="noStrike" spc="-1">
                 <a:latin typeface="Noto Mono"/>
               </a:rPr>
               <a:t>/app.module - Módulo Root</a:t>
             </a:r>
-            <a:endParaRPr b="0" lang="en-US" sz="1800" spc="-1" strike="noStrike">
+            <a:endParaRPr lang="en-US" sz="1800" b="0" strike="noStrike" spc="-1">
               <a:latin typeface="Arial"/>
             </a:endParaRPr>
           </a:p>
@@ -2775,12 +5396,12 @@
       </p:sp>
       <p:pic>
         <p:nvPicPr>
-          <p:cNvPr id="60" name="" descr=""/>
+          <p:cNvPr id="60" name="Imagem 59"/>
           <p:cNvPicPr/>
           <p:nvPr/>
         </p:nvPicPr>
         <p:blipFill>
-          <a:blip r:embed="rId1"/>
+          <a:blip r:embed="rId2"/>
           <a:srcRect l="69554" t="12613" r="6857" b="19623"/>
           <a:stretch/>
         </p:blipFill>
@@ -2799,30 +5420,33 @@
       </p:pic>
     </p:spTree>
   </p:cSld>
-  <mc:AlternateContent>
+  <p:clrMapOvr>
+    <a:masterClrMapping/>
+  </p:clrMapOvr>
+  <mc:AlternateContent xmlns:mc="http://schemas.openxmlformats.org/markup-compatibility/2006" xmlns:p14="http://schemas.microsoft.com/office/powerpoint/2010/main">
     <mc:Choice Requires="p14">
       <p:transition spd="slow" p14:dur="2000"/>
     </mc:Choice>
-    <mc:Fallback>
+    <mc:Fallback xmlns:p15="http://schemas.microsoft.com/office/powerpoint/2012/main" xmlns="">
       <p:transition spd="slow"/>
     </mc:Fallback>
   </mc:AlternateContent>
   <p:timing>
     <p:tnLst>
       <p:par>
-        <p:cTn id="7" dur="indefinite" restart="never" nodeType="tmRoot">
+        <p:cTn id="1" dur="indefinite" restart="never" nodeType="tmRoot">
           <p:childTnLst>
             <p:seq>
-              <p:cTn id="8" dur="indefinite" nodeType="mainSeq"/>
+              <p:cTn id="2" dur="indefinite" nodeType="mainSeq"/>
               <p:prevCondLst>
-                <p:cond delay="0" evt="onPrev">
+                <p:cond evt="onPrev" delay="0">
                   <p:tgtEl>
                     <p:sldTgt/>
                   </p:tgtEl>
                 </p:cond>
               </p:prevCondLst>
               <p:nextCondLst>
-                <p:cond delay="0" evt="onNext">
+                <p:cond evt="onNext" delay="0">
                   <p:tgtEl>
                     <p:sldTgt/>
                   </p:tgtEl>
@@ -2838,7 +5462,7 @@
 </file>
 
 <file path=ppt/slides/slide5.xml><?xml version="1.0" encoding="utf-8"?>
-<p:sld xmlns:a="http://schemas.openxmlformats.org/drawingml/2006/main" xmlns:p="http://schemas.openxmlformats.org/presentationml/2006/main" xmlns:r="http://schemas.openxmlformats.org/officeDocument/2006/relationships" xmlns:p14="http://schemas.microsoft.com/office/powerpoint/2010/main" xmlns:p15="http://schemas.microsoft.com/office/powerpoint/2012/main" xmlns:mc="http://schemas.openxmlformats.org/markup-compatibility/2006">
+<p:sld xmlns:a="http://schemas.openxmlformats.org/drawingml/2006/main" xmlns:r="http://schemas.openxmlformats.org/officeDocument/2006/relationships" xmlns:p="http://schemas.openxmlformats.org/presentationml/2006/main">
   <p:cSld>
     <p:spTree>
       <p:nvGrpSpPr>
@@ -2856,12 +5480,12 @@
       </p:grpSpPr>
       <p:pic>
         <p:nvPicPr>
-          <p:cNvPr id="61" name="" descr=""/>
+          <p:cNvPr id="61" name="Imagem 60"/>
           <p:cNvPicPr/>
           <p:nvPr/>
         </p:nvPicPr>
         <p:blipFill>
-          <a:blip r:embed="rId1"/>
+          <a:blip r:embed="rId2"/>
           <a:srcRect l="69846" t="12467" r="4749" b="50822"/>
           <a:stretch/>
         </p:blipFill>
@@ -2898,18 +5522,19 @@
           </a:ln>
         </p:spPr>
         <p:txBody>
-          <a:bodyPr lIns="90000" rIns="90000" tIns="45000" bIns="45000">
+          <a:bodyPr lIns="90000" tIns="45000" rIns="90000" bIns="45000">
             <a:spAutoFit/>
           </a:bodyPr>
+          <a:lstStyle/>
           <a:p>
             <a:pPr algn="ctr"/>
             <a:r>
-              <a:rPr b="1" lang="en-US" sz="1800" spc="-1" strike="noStrike">
+              <a:rPr lang="en-US" sz="1800" b="1" strike="noStrike" spc="-1">
                 <a:latin typeface="Noto Mono"/>
               </a:rPr>
               <a:t>/cep.entity</a:t>
             </a:r>
-            <a:endParaRPr b="0" lang="en-US" sz="1800" spc="-1" strike="noStrike">
+            <a:endParaRPr lang="en-US" sz="1800" b="0" strike="noStrike" spc="-1">
               <a:latin typeface="Arial"/>
             </a:endParaRPr>
           </a:p>
@@ -2935,18 +5560,19 @@
           </a:ln>
         </p:spPr>
         <p:txBody>
-          <a:bodyPr lIns="90000" rIns="90000" tIns="45000" bIns="45000">
+          <a:bodyPr lIns="90000" tIns="45000" rIns="90000" bIns="45000">
             <a:spAutoFit/>
           </a:bodyPr>
+          <a:lstStyle/>
           <a:p>
             <a:pPr algn="ctr"/>
             <a:r>
-              <a:rPr b="1" lang="en-US" sz="1800" spc="-1" strike="noStrike">
+              <a:rPr lang="en-US" sz="1800" b="1" strike="noStrike" spc="-1">
                 <a:latin typeface="Noto Mono"/>
               </a:rPr>
               <a:t>/cep.module </a:t>
             </a:r>
-            <a:endParaRPr b="0" lang="en-US" sz="1800" spc="-1" strike="noStrike">
+            <a:endParaRPr lang="en-US" sz="1800" b="0" strike="noStrike" spc="-1">
               <a:latin typeface="Arial"/>
             </a:endParaRPr>
           </a:p>
@@ -2954,12 +5580,12 @@
       </p:sp>
       <p:pic>
         <p:nvPicPr>
-          <p:cNvPr id="64" name="" descr=""/>
+          <p:cNvPr id="64" name="Imagem 63"/>
           <p:cNvPicPr/>
           <p:nvPr/>
         </p:nvPicPr>
         <p:blipFill>
-          <a:blip r:embed="rId2"/>
+          <a:blip r:embed="rId3"/>
           <a:srcRect l="69846" t="11286" r="10193" b="46356"/>
           <a:stretch/>
         </p:blipFill>
@@ -2985,7 +5611,7 @@
         <p:spPr>
           <a:xfrm>
             <a:off x="4754880" y="822960"/>
-            <a:ext cx="4725720" cy="858240"/>
+            <a:ext cx="4725720" cy="921876"/>
           </a:xfrm>
           <a:prstGeom prst="rect">
             <a:avLst/>
@@ -2996,19 +5622,141 @@
           </a:ln>
         </p:spPr>
         <p:txBody>
-          <a:bodyPr lIns="90000" rIns="90000" tIns="45000" bIns="45000">
+          <a:bodyPr lIns="90000" tIns="45000" rIns="90000" bIns="45000">
             <a:spAutoFit/>
           </a:bodyPr>
+          <a:lstStyle/>
           <a:p>
             <a:pPr algn="just"/>
             <a:r>
-              <a:rPr b="0" lang="en-US" sz="1800" spc="-1" strike="noStrike">
-                <a:latin typeface="Arial"/>
-              </a:rPr>
-              <a:t>- Importa o ORM para consulta com o modelo da entidade Cep criada e importada do arquivo cep.entity</a:t>
-            </a:r>
-            <a:endParaRPr b="0" lang="en-US" sz="1800" spc="-1" strike="noStrike">
-              <a:latin typeface="Arial"/>
+              <a:rPr lang="en-US" sz="1800" b="0" i="1" strike="noStrike" spc="-1" dirty="0">
+                <a:latin typeface="Batang" panose="02030600000101010101" pitchFamily="18" charset="-127"/>
+                <a:ea typeface="Batang" panose="02030600000101010101" pitchFamily="18" charset="-127"/>
+              </a:rPr>
+              <a:t>- </a:t>
+            </a:r>
+            <a:r>
+              <a:rPr lang="en-US" sz="1800" b="0" i="1" strike="noStrike" spc="-1" dirty="0" err="1">
+                <a:latin typeface="Batang" panose="02030600000101010101" pitchFamily="18" charset="-127"/>
+                <a:ea typeface="Batang" panose="02030600000101010101" pitchFamily="18" charset="-127"/>
+              </a:rPr>
+              <a:t>Importa</a:t>
+            </a:r>
+            <a:r>
+              <a:rPr lang="en-US" sz="1800" b="0" i="1" strike="noStrike" spc="-1" dirty="0">
+                <a:latin typeface="Batang" panose="02030600000101010101" pitchFamily="18" charset="-127"/>
+                <a:ea typeface="Batang" panose="02030600000101010101" pitchFamily="18" charset="-127"/>
+              </a:rPr>
+              <a:t> o ORM para </a:t>
+            </a:r>
+            <a:r>
+              <a:rPr lang="en-US" sz="1800" b="0" i="1" strike="noStrike" spc="-1" dirty="0" err="1">
+                <a:latin typeface="Batang" panose="02030600000101010101" pitchFamily="18" charset="-127"/>
+                <a:ea typeface="Batang" panose="02030600000101010101" pitchFamily="18" charset="-127"/>
+              </a:rPr>
+              <a:t>consulta</a:t>
+            </a:r>
+            <a:r>
+              <a:rPr lang="en-US" sz="1800" b="0" i="1" strike="noStrike" spc="-1" dirty="0">
+                <a:latin typeface="Batang" panose="02030600000101010101" pitchFamily="18" charset="-127"/>
+                <a:ea typeface="Batang" panose="02030600000101010101" pitchFamily="18" charset="-127"/>
+              </a:rPr>
+              <a:t> com o </a:t>
+            </a:r>
+            <a:r>
+              <a:rPr lang="en-US" sz="1800" b="0" i="1" strike="noStrike" spc="-1" dirty="0" err="1">
+                <a:latin typeface="Batang" panose="02030600000101010101" pitchFamily="18" charset="-127"/>
+                <a:ea typeface="Batang" panose="02030600000101010101" pitchFamily="18" charset="-127"/>
+              </a:rPr>
+              <a:t>modelo</a:t>
+            </a:r>
+            <a:r>
+              <a:rPr lang="en-US" sz="1800" b="0" i="1" strike="noStrike" spc="-1" dirty="0">
+                <a:latin typeface="Batang" panose="02030600000101010101" pitchFamily="18" charset="-127"/>
+                <a:ea typeface="Batang" panose="02030600000101010101" pitchFamily="18" charset="-127"/>
+              </a:rPr>
+              <a:t> da </a:t>
+            </a:r>
+            <a:r>
+              <a:rPr lang="en-US" sz="1800" b="0" i="1" strike="noStrike" spc="-1" dirty="0" err="1">
+                <a:latin typeface="Batang" panose="02030600000101010101" pitchFamily="18" charset="-127"/>
+                <a:ea typeface="Batang" panose="02030600000101010101" pitchFamily="18" charset="-127"/>
+              </a:rPr>
+              <a:t>entidade</a:t>
+            </a:r>
+            <a:r>
+              <a:rPr lang="en-US" sz="1800" b="0" i="1" strike="noStrike" spc="-1" dirty="0">
+                <a:latin typeface="Batang" panose="02030600000101010101" pitchFamily="18" charset="-127"/>
+                <a:ea typeface="Batang" panose="02030600000101010101" pitchFamily="18" charset="-127"/>
+              </a:rPr>
+              <a:t> </a:t>
+            </a:r>
+            <a:r>
+              <a:rPr lang="en-US" sz="1800" b="0" i="1" strike="noStrike" spc="-1" dirty="0" err="1">
+                <a:latin typeface="Batang" panose="02030600000101010101" pitchFamily="18" charset="-127"/>
+                <a:ea typeface="Batang" panose="02030600000101010101" pitchFamily="18" charset="-127"/>
+              </a:rPr>
+              <a:t>Cep</a:t>
+            </a:r>
+            <a:r>
+              <a:rPr lang="en-US" sz="1800" b="0" i="1" strike="noStrike" spc="-1" dirty="0">
+                <a:latin typeface="Batang" panose="02030600000101010101" pitchFamily="18" charset="-127"/>
+                <a:ea typeface="Batang" panose="02030600000101010101" pitchFamily="18" charset="-127"/>
+              </a:rPr>
+              <a:t> </a:t>
+            </a:r>
+            <a:r>
+              <a:rPr lang="en-US" sz="1800" b="0" i="1" strike="noStrike" spc="-1" dirty="0" err="1">
+                <a:latin typeface="Batang" panose="02030600000101010101" pitchFamily="18" charset="-127"/>
+                <a:ea typeface="Batang" panose="02030600000101010101" pitchFamily="18" charset="-127"/>
+              </a:rPr>
+              <a:t>criada</a:t>
+            </a:r>
+            <a:r>
+              <a:rPr lang="en-US" sz="1800" b="0" i="1" strike="noStrike" spc="-1" dirty="0">
+                <a:latin typeface="Batang" panose="02030600000101010101" pitchFamily="18" charset="-127"/>
+                <a:ea typeface="Batang" panose="02030600000101010101" pitchFamily="18" charset="-127"/>
+              </a:rPr>
+              <a:t> e </a:t>
+            </a:r>
+            <a:r>
+              <a:rPr lang="en-US" sz="1800" b="0" i="1" strike="noStrike" spc="-1" dirty="0" err="1">
+                <a:latin typeface="Batang" panose="02030600000101010101" pitchFamily="18" charset="-127"/>
+                <a:ea typeface="Batang" panose="02030600000101010101" pitchFamily="18" charset="-127"/>
+              </a:rPr>
+              <a:t>importada</a:t>
+            </a:r>
+            <a:r>
+              <a:rPr lang="en-US" sz="1800" b="0" i="1" strike="noStrike" spc="-1" dirty="0">
+                <a:latin typeface="Batang" panose="02030600000101010101" pitchFamily="18" charset="-127"/>
+                <a:ea typeface="Batang" panose="02030600000101010101" pitchFamily="18" charset="-127"/>
+              </a:rPr>
+              <a:t> do </a:t>
+            </a:r>
+            <a:r>
+              <a:rPr lang="en-US" sz="1800" b="0" i="1" strike="noStrike" spc="-1" dirty="0" err="1">
+                <a:latin typeface="Batang" panose="02030600000101010101" pitchFamily="18" charset="-127"/>
+                <a:ea typeface="Batang" panose="02030600000101010101" pitchFamily="18" charset="-127"/>
+              </a:rPr>
+              <a:t>arquivo</a:t>
+            </a:r>
+            <a:r>
+              <a:rPr lang="en-US" sz="1800" b="0" i="1" strike="noStrike" spc="-1" dirty="0">
+                <a:latin typeface="Batang" panose="02030600000101010101" pitchFamily="18" charset="-127"/>
+                <a:ea typeface="Batang" panose="02030600000101010101" pitchFamily="18" charset="-127"/>
+              </a:rPr>
+              <a:t> </a:t>
+            </a:r>
+            <a:r>
+              <a:rPr lang="en-US" sz="1800" b="0" i="1" strike="noStrike" spc="-1" dirty="0" err="1">
+                <a:latin typeface="Batang" panose="02030600000101010101" pitchFamily="18" charset="-127"/>
+                <a:ea typeface="Batang" panose="02030600000101010101" pitchFamily="18" charset="-127"/>
+              </a:rPr>
+              <a:t>cep.entity</a:t>
+            </a:r>
+            <a:endParaRPr lang="en-US" sz="1800" b="0" i="1" strike="noStrike" spc="-1" dirty="0">
+              <a:latin typeface="Batang" panose="02030600000101010101" pitchFamily="18" charset="-127"/>
+              <a:ea typeface="Batang" panose="02030600000101010101" pitchFamily="18" charset="-127"/>
             </a:endParaRPr>
           </a:p>
         </p:txBody>
@@ -3022,7 +5770,7 @@
         <p:spPr>
           <a:xfrm>
             <a:off x="254880" y="4092480"/>
-            <a:ext cx="4389120" cy="602280"/>
+            <a:ext cx="4389120" cy="644877"/>
           </a:xfrm>
           <a:prstGeom prst="rect">
             <a:avLst/>
@@ -3033,19 +5781,46 @@
           </a:ln>
         </p:spPr>
         <p:txBody>
-          <a:bodyPr lIns="90000" rIns="90000" tIns="45000" bIns="45000">
+          <a:bodyPr lIns="90000" tIns="45000" rIns="90000" bIns="45000">
             <a:spAutoFit/>
           </a:bodyPr>
-          <a:p>
-            <a:r>
-              <a:rPr b="0" lang="en-US" sz="1800" spc="-1" strike="noStrike">
-                <a:latin typeface="Arial"/>
-              </a:rPr>
-              <a:t>- Define a estrutura no banco de dados</a:t>
-            </a:r>
-            <a:endParaRPr b="0" lang="en-US" sz="1800" spc="-1" strike="noStrike">
-              <a:latin typeface="Arial"/>
-            </a:endParaRPr>
+          <a:lstStyle/>
+          <a:p>
+            <a:r>
+              <a:rPr lang="en-US" sz="1800" b="0" i="1" strike="noStrike" spc="-1" dirty="0">
+                <a:latin typeface="Batang" panose="02030600000101010101" pitchFamily="18" charset="-127"/>
+                <a:ea typeface="Batang" panose="02030600000101010101" pitchFamily="18" charset="-127"/>
+              </a:rPr>
+              <a:t>- Define a </a:t>
+            </a:r>
+            <a:r>
+              <a:rPr lang="en-US" sz="1800" b="0" i="1" strike="noStrike" spc="-1" dirty="0" err="1">
+                <a:latin typeface="Batang" panose="02030600000101010101" pitchFamily="18" charset="-127"/>
+                <a:ea typeface="Batang" panose="02030600000101010101" pitchFamily="18" charset="-127"/>
+              </a:rPr>
+              <a:t>estrutura</a:t>
+            </a:r>
+            <a:r>
+              <a:rPr lang="en-US" sz="1800" b="0" i="1" strike="noStrike" spc="-1" dirty="0">
+                <a:latin typeface="Batang" panose="02030600000101010101" pitchFamily="18" charset="-127"/>
+                <a:ea typeface="Batang" panose="02030600000101010101" pitchFamily="18" charset="-127"/>
+              </a:rPr>
+              <a:t> no </a:t>
+            </a:r>
+            <a:r>
+              <a:rPr lang="en-US" sz="1800" b="0" i="1" strike="noStrike" spc="-1" dirty="0" err="1">
+                <a:latin typeface="Batang" panose="02030600000101010101" pitchFamily="18" charset="-127"/>
+                <a:ea typeface="Batang" panose="02030600000101010101" pitchFamily="18" charset="-127"/>
+              </a:rPr>
+              <a:t>banco</a:t>
+            </a:r>
+            <a:r>
+              <a:rPr lang="en-US" sz="1800" b="0" i="1" strike="noStrike" spc="-1" dirty="0">
+                <a:latin typeface="Batang" panose="02030600000101010101" pitchFamily="18" charset="-127"/>
+                <a:ea typeface="Batang" panose="02030600000101010101" pitchFamily="18" charset="-127"/>
+              </a:rPr>
+              <a:t> de dados</a:t>
+            </a:r>
           </a:p>
         </p:txBody>
       </p:sp>
@@ -3058,7 +5833,7 @@
         <p:spPr>
           <a:xfrm>
             <a:off x="4764600" y="1920240"/>
-            <a:ext cx="4689720" cy="858240"/>
+            <a:ext cx="4689720" cy="644877"/>
           </a:xfrm>
           <a:prstGeom prst="rect">
             <a:avLst/>
@@ -3069,49 +5844,146 @@
           </a:ln>
         </p:spPr>
         <p:txBody>
-          <a:bodyPr lIns="90000" rIns="90000" tIns="45000" bIns="45000">
+          <a:bodyPr lIns="90000" tIns="45000" rIns="90000" bIns="45000">
             <a:spAutoFit/>
           </a:bodyPr>
+          <a:lstStyle/>
           <a:p>
             <a:pPr algn="just"/>
             <a:r>
-              <a:rPr b="0" lang="en-US" sz="1800" spc="-1" strike="noStrike">
-                <a:latin typeface="Arial"/>
-              </a:rPr>
-              <a:t>- importa os controladores e os serviços que for usar</a:t>
-            </a:r>
-            <a:endParaRPr b="0" lang="en-US" sz="1800" spc="-1" strike="noStrike">
-              <a:latin typeface="Arial"/>
+              <a:rPr lang="en-US" sz="1800" b="0" i="1" strike="noStrike" spc="-1" dirty="0">
+                <a:latin typeface="Batang" panose="02030600000101010101" pitchFamily="18" charset="-127"/>
+                <a:ea typeface="Batang" panose="02030600000101010101" pitchFamily="18" charset="-127"/>
+              </a:rPr>
+              <a:t>- </a:t>
+            </a:r>
+            <a:r>
+              <a:rPr lang="en-US" sz="1800" b="0" i="1" strike="noStrike" spc="-1" dirty="0" err="1">
+                <a:latin typeface="Batang" panose="02030600000101010101" pitchFamily="18" charset="-127"/>
+                <a:ea typeface="Batang" panose="02030600000101010101" pitchFamily="18" charset="-127"/>
+              </a:rPr>
+              <a:t>importa</a:t>
+            </a:r>
+            <a:r>
+              <a:rPr lang="en-US" sz="1800" b="0" i="1" strike="noStrike" spc="-1" dirty="0">
+                <a:latin typeface="Batang" panose="02030600000101010101" pitchFamily="18" charset="-127"/>
+                <a:ea typeface="Batang" panose="02030600000101010101" pitchFamily="18" charset="-127"/>
+              </a:rPr>
+              <a:t> </a:t>
+            </a:r>
+            <a:r>
+              <a:rPr lang="en-US" sz="1800" b="0" i="1" strike="noStrike" spc="-1" dirty="0" err="1">
+                <a:latin typeface="Batang" panose="02030600000101010101" pitchFamily="18" charset="-127"/>
+                <a:ea typeface="Batang" panose="02030600000101010101" pitchFamily="18" charset="-127"/>
+              </a:rPr>
+              <a:t>os</a:t>
+            </a:r>
+            <a:r>
+              <a:rPr lang="en-US" sz="1800" b="0" i="1" strike="noStrike" spc="-1" dirty="0">
+                <a:latin typeface="Batang" panose="02030600000101010101" pitchFamily="18" charset="-127"/>
+                <a:ea typeface="Batang" panose="02030600000101010101" pitchFamily="18" charset="-127"/>
+              </a:rPr>
+              <a:t> </a:t>
+            </a:r>
+            <a:r>
+              <a:rPr lang="en-US" sz="1800" b="0" i="1" strike="noStrike" spc="-1" dirty="0" err="1">
+                <a:latin typeface="Batang" panose="02030600000101010101" pitchFamily="18" charset="-127"/>
+                <a:ea typeface="Batang" panose="02030600000101010101" pitchFamily="18" charset="-127"/>
+              </a:rPr>
+              <a:t>controladores</a:t>
+            </a:r>
+            <a:r>
+              <a:rPr lang="en-US" sz="1800" b="0" i="1" strike="noStrike" spc="-1" dirty="0">
+                <a:latin typeface="Batang" panose="02030600000101010101" pitchFamily="18" charset="-127"/>
+                <a:ea typeface="Batang" panose="02030600000101010101" pitchFamily="18" charset="-127"/>
+              </a:rPr>
+              <a:t> e </a:t>
+            </a:r>
+            <a:r>
+              <a:rPr lang="en-US" sz="1800" b="0" i="1" strike="noStrike" spc="-1" dirty="0" err="1">
+                <a:latin typeface="Batang" panose="02030600000101010101" pitchFamily="18" charset="-127"/>
+                <a:ea typeface="Batang" panose="02030600000101010101" pitchFamily="18" charset="-127"/>
+              </a:rPr>
+              <a:t>os</a:t>
+            </a:r>
+            <a:r>
+              <a:rPr lang="en-US" sz="1800" b="0" i="1" strike="noStrike" spc="-1" dirty="0">
+                <a:latin typeface="Batang" panose="02030600000101010101" pitchFamily="18" charset="-127"/>
+                <a:ea typeface="Batang" panose="02030600000101010101" pitchFamily="18" charset="-127"/>
+              </a:rPr>
+              <a:t> </a:t>
+            </a:r>
+            <a:r>
+              <a:rPr lang="en-US" sz="1800" b="0" i="1" strike="noStrike" spc="-1" dirty="0" err="1">
+                <a:latin typeface="Batang" panose="02030600000101010101" pitchFamily="18" charset="-127"/>
+                <a:ea typeface="Batang" panose="02030600000101010101" pitchFamily="18" charset="-127"/>
+              </a:rPr>
+              <a:t>serviços</a:t>
+            </a:r>
+            <a:r>
+              <a:rPr lang="en-US" sz="1800" b="0" i="1" strike="noStrike" spc="-1" dirty="0">
+                <a:latin typeface="Batang" panose="02030600000101010101" pitchFamily="18" charset="-127"/>
+                <a:ea typeface="Batang" panose="02030600000101010101" pitchFamily="18" charset="-127"/>
+              </a:rPr>
+              <a:t> </a:t>
+            </a:r>
+            <a:r>
+              <a:rPr lang="en-US" sz="1800" b="0" i="1" strike="noStrike" spc="-1" dirty="0" err="1">
+                <a:latin typeface="Batang" panose="02030600000101010101" pitchFamily="18" charset="-127"/>
+                <a:ea typeface="Batang" panose="02030600000101010101" pitchFamily="18" charset="-127"/>
+              </a:rPr>
+              <a:t>que</a:t>
+            </a:r>
+            <a:r>
+              <a:rPr lang="en-US" sz="1800" b="0" i="1" strike="noStrike" spc="-1" dirty="0">
+                <a:latin typeface="Batang" panose="02030600000101010101" pitchFamily="18" charset="-127"/>
+                <a:ea typeface="Batang" panose="02030600000101010101" pitchFamily="18" charset="-127"/>
+              </a:rPr>
+              <a:t> for </a:t>
+            </a:r>
+            <a:r>
+              <a:rPr lang="en-US" sz="1800" b="0" i="1" strike="noStrike" spc="-1" dirty="0" err="1">
+                <a:latin typeface="Batang" panose="02030600000101010101" pitchFamily="18" charset="-127"/>
+                <a:ea typeface="Batang" panose="02030600000101010101" pitchFamily="18" charset="-127"/>
+              </a:rPr>
+              <a:t>usar</a:t>
+            </a:r>
+            <a:endParaRPr lang="en-US" sz="1800" b="0" i="1" strike="noStrike" spc="-1" dirty="0">
+              <a:latin typeface="Batang" panose="02030600000101010101" pitchFamily="18" charset="-127"/>
+              <a:ea typeface="Batang" panose="02030600000101010101" pitchFamily="18" charset="-127"/>
             </a:endParaRPr>
           </a:p>
         </p:txBody>
       </p:sp>
     </p:spTree>
   </p:cSld>
-  <mc:AlternateContent>
+  <p:clrMapOvr>
+    <a:masterClrMapping/>
+  </p:clrMapOvr>
+  <mc:AlternateContent xmlns:mc="http://schemas.openxmlformats.org/markup-compatibility/2006" xmlns:p14="http://schemas.microsoft.com/office/powerpoint/2010/main">
     <mc:Choice Requires="p14">
       <p:transition spd="slow" p14:dur="2000"/>
     </mc:Choice>
-    <mc:Fallback>
+    <mc:Fallback xmlns:p15="http://schemas.microsoft.com/office/powerpoint/2012/main" xmlns="">
       <p:transition spd="slow"/>
     </mc:Fallback>
   </mc:AlternateContent>
   <p:timing>
     <p:tnLst>
       <p:par>
-        <p:cTn id="9" dur="indefinite" restart="never" nodeType="tmRoot">
+        <p:cTn id="1" dur="indefinite" restart="never" nodeType="tmRoot">
           <p:childTnLst>
             <p:seq>
-              <p:cTn id="10" dur="indefinite" nodeType="mainSeq"/>
+              <p:cTn id="2" dur="indefinite" nodeType="mainSeq"/>
               <p:prevCondLst>
-                <p:cond delay="0" evt="onPrev">
+                <p:cond evt="onPrev" delay="0">
                   <p:tgtEl>
                     <p:sldTgt/>
                   </p:tgtEl>
                 </p:cond>
               </p:prevCondLst>
               <p:nextCondLst>
-                <p:cond delay="0" evt="onNext">
+                <p:cond evt="onNext" delay="0">
                   <p:tgtEl>
                     <p:sldTgt/>
                   </p:tgtEl>
@@ -3127,7 +5999,7 @@
 </file>
 
 <file path=ppt/slides/slide6.xml><?xml version="1.0" encoding="utf-8"?>
-<p:sld xmlns:a="http://schemas.openxmlformats.org/drawingml/2006/main" xmlns:p="http://schemas.openxmlformats.org/presentationml/2006/main" xmlns:r="http://schemas.openxmlformats.org/officeDocument/2006/relationships" xmlns:p14="http://schemas.microsoft.com/office/powerpoint/2010/main" xmlns:p15="http://schemas.microsoft.com/office/powerpoint/2012/main" xmlns:mc="http://schemas.openxmlformats.org/markup-compatibility/2006">
+<p:sld xmlns:a="http://schemas.openxmlformats.org/drawingml/2006/main" xmlns:r="http://schemas.openxmlformats.org/officeDocument/2006/relationships" xmlns:p="http://schemas.openxmlformats.org/presentationml/2006/main">
   <p:cSld>
     <p:spTree>
       <p:nvGrpSpPr>
@@ -3145,12 +6017,12 @@
       </p:grpSpPr>
       <p:pic>
         <p:nvPicPr>
-          <p:cNvPr id="68" name="" descr=""/>
+          <p:cNvPr id="68" name="Imagem 67"/>
           <p:cNvPicPr/>
           <p:nvPr/>
         </p:nvPicPr>
         <p:blipFill>
-          <a:blip r:embed="rId1"/>
+          <a:blip r:embed="rId2"/>
           <a:srcRect l="70057" t="21919" r="9980" b="4012"/>
           <a:stretch/>
         </p:blipFill>
@@ -3187,41 +6059,42 @@
           </a:ln>
         </p:spPr>
         <p:txBody>
-          <a:bodyPr lIns="90000" rIns="90000" tIns="45000" bIns="45000">
+          <a:bodyPr lIns="90000" tIns="45000" rIns="90000" bIns="45000">
             <a:spAutoFit/>
           </a:bodyPr>
-          <a:p>
-            <a:r>
-              <a:rPr b="1" lang="en-US" sz="1600" spc="-1" strike="noStrike">
+          <a:lstStyle/>
+          <a:p>
+            <a:r>
+              <a:rPr lang="en-US" sz="1600" b="1" strike="noStrike" spc="-1">
                 <a:latin typeface="Noto Mono"/>
               </a:rPr>
               <a:t>/app.controller</a:t>
             </a:r>
             <a:r>
-              <a:rPr b="1" lang="en-US" sz="1800" spc="-1" strike="noStrike">
+              <a:rPr lang="en-US" sz="1800" b="1" strike="noStrike" spc="-1">
                 <a:latin typeface="Noto Mono"/>
               </a:rPr>
               <a:t>  </a:t>
             </a:r>
             <a:r>
-              <a:rPr b="0" lang="en-US" sz="1300" spc="-1" strike="noStrike">
+              <a:rPr lang="en-US" sz="1300" b="0" strike="noStrike" spc="-1">
                 <a:latin typeface="Droid Sans Fallback"/>
               </a:rPr>
               <a:t>estrutura repostas do servidor utilizando métodos definido no</a:t>
             </a:r>
             <a:r>
-              <a:rPr b="0" lang="en-US" sz="1100" spc="-1" strike="noStrike">
+              <a:rPr lang="en-US" sz="1100" b="0" strike="noStrike" spc="-1">
                 <a:latin typeface="Noto Mono"/>
               </a:rPr>
               <a:t>   </a:t>
             </a:r>
             <a:r>
-              <a:rPr b="1" lang="en-US" sz="1800" spc="-1" strike="noStrike">
+              <a:rPr lang="en-US" sz="1800" b="1" strike="noStrike" spc="-1">
                 <a:latin typeface="Noto Mono"/>
               </a:rPr>
               <a:t>/app.service</a:t>
             </a:r>
-            <a:endParaRPr b="0" lang="en-US" sz="1800" spc="-1" strike="noStrike">
+            <a:endParaRPr lang="en-US" sz="1800" b="0" strike="noStrike" spc="-1">
               <a:latin typeface="Arial"/>
             </a:endParaRPr>
           </a:p>
@@ -3229,12 +6102,12 @@
       </p:sp>
       <p:pic>
         <p:nvPicPr>
-          <p:cNvPr id="70" name="" descr=""/>
+          <p:cNvPr id="70" name="Imagem 69"/>
           <p:cNvPicPr/>
           <p:nvPr/>
         </p:nvPicPr>
         <p:blipFill>
-          <a:blip r:embed="rId2"/>
+          <a:blip r:embed="rId3"/>
           <a:srcRect l="70965" t="18587" r="6352" b="10823"/>
           <a:stretch/>
         </p:blipFill>
@@ -3253,30 +6126,33 @@
       </p:pic>
     </p:spTree>
   </p:cSld>
-  <mc:AlternateContent>
+  <p:clrMapOvr>
+    <a:masterClrMapping/>
+  </p:clrMapOvr>
+  <mc:AlternateContent xmlns:mc="http://schemas.openxmlformats.org/markup-compatibility/2006" xmlns:p14="http://schemas.microsoft.com/office/powerpoint/2010/main">
     <mc:Choice Requires="p14">
       <p:transition spd="slow" p14:dur="2000"/>
     </mc:Choice>
-    <mc:Fallback>
+    <mc:Fallback xmlns:p15="http://schemas.microsoft.com/office/powerpoint/2012/main" xmlns="">
       <p:transition spd="slow"/>
     </mc:Fallback>
   </mc:AlternateContent>
   <p:timing>
     <p:tnLst>
       <p:par>
-        <p:cTn id="11" dur="indefinite" restart="never" nodeType="tmRoot">
+        <p:cTn id="1" dur="indefinite" restart="never" nodeType="tmRoot">
           <p:childTnLst>
             <p:seq>
-              <p:cTn id="12" dur="indefinite" nodeType="mainSeq"/>
+              <p:cTn id="2" dur="indefinite" nodeType="mainSeq"/>
               <p:prevCondLst>
-                <p:cond delay="0" evt="onPrev">
+                <p:cond evt="onPrev" delay="0">
                   <p:tgtEl>
                     <p:sldTgt/>
                   </p:tgtEl>
                 </p:cond>
               </p:prevCondLst>
               <p:nextCondLst>
-                <p:cond delay="0" evt="onNext">
+                <p:cond evt="onNext" delay="0">
                   <p:tgtEl>
                     <p:sldTgt/>
                   </p:tgtEl>
@@ -3292,7 +6168,140 @@
 </file>
 
 <file path=ppt/slides/slide7.xml><?xml version="1.0" encoding="utf-8"?>
-<p:sld xmlns:a="http://schemas.openxmlformats.org/drawingml/2006/main" xmlns:p="http://schemas.openxmlformats.org/presentationml/2006/main" xmlns:r="http://schemas.openxmlformats.org/officeDocument/2006/relationships" xmlns:p14="http://schemas.microsoft.com/office/powerpoint/2010/main" xmlns:p15="http://schemas.microsoft.com/office/powerpoint/2012/main" xmlns:mc="http://schemas.openxmlformats.org/markup-compatibility/2006">
+<p:sld xmlns:a="http://schemas.openxmlformats.org/drawingml/2006/main" xmlns:r="http://schemas.openxmlformats.org/officeDocument/2006/relationships" xmlns:p="http://schemas.openxmlformats.org/presentationml/2006/main">
+  <p:cSld>
+    <p:spTree>
+      <p:nvGrpSpPr>
+        <p:cNvPr id="1" name=""/>
+        <p:cNvGrpSpPr/>
+        <p:nvPr/>
+      </p:nvGrpSpPr>
+      <p:grpSpPr>
+        <a:xfrm>
+          <a:off x="0" y="0"/>
+          <a:ext cx="0" cy="0"/>
+          <a:chOff x="0" y="0"/>
+          <a:chExt cx="0" cy="0"/>
+        </a:xfrm>
+      </p:grpSpPr>
+      <p:pic>
+        <p:nvPicPr>
+          <p:cNvPr id="5" name="Imagem 4"/>
+          <p:cNvPicPr>
+            <a:picLocks noChangeAspect="1"/>
+          </p:cNvPicPr>
+          <p:nvPr/>
+        </p:nvPicPr>
+        <p:blipFill>
+          <a:blip r:embed="rId2"/>
+          <a:stretch>
+            <a:fillRect/>
+          </a:stretch>
+        </p:blipFill>
+        <p:spPr>
+          <a:xfrm>
+            <a:off x="0" y="27292"/>
+            <a:ext cx="10080625" cy="1248225"/>
+          </a:xfrm>
+          <a:prstGeom prst="rect">
+            <a:avLst/>
+          </a:prstGeom>
+        </p:spPr>
+      </p:pic>
+      <p:pic>
+        <p:nvPicPr>
+          <p:cNvPr id="6" name="Imagem 5"/>
+          <p:cNvPicPr>
+            <a:picLocks noChangeAspect="1"/>
+          </p:cNvPicPr>
+          <p:nvPr/>
+        </p:nvPicPr>
+        <p:blipFill>
+          <a:blip r:embed="rId3"/>
+          <a:stretch>
+            <a:fillRect/>
+          </a:stretch>
+        </p:blipFill>
+        <p:spPr>
+          <a:xfrm>
+            <a:off x="4803091" y="1084445"/>
+            <a:ext cx="5260339" cy="2665838"/>
+          </a:xfrm>
+          <a:prstGeom prst="rect">
+            <a:avLst/>
+          </a:prstGeom>
+        </p:spPr>
+      </p:pic>
+      <p:pic>
+        <p:nvPicPr>
+          <p:cNvPr id="7" name="Imagem 6"/>
+          <p:cNvPicPr>
+            <a:picLocks noChangeAspect="1"/>
+          </p:cNvPicPr>
+          <p:nvPr/>
+        </p:nvPicPr>
+        <p:blipFill>
+          <a:blip r:embed="rId4"/>
+          <a:stretch>
+            <a:fillRect/>
+          </a:stretch>
+        </p:blipFill>
+        <p:spPr>
+          <a:xfrm>
+            <a:off x="1953809" y="4032680"/>
+            <a:ext cx="5664176" cy="1460449"/>
+          </a:xfrm>
+          <a:prstGeom prst="rect">
+            <a:avLst/>
+          </a:prstGeom>
+        </p:spPr>
+      </p:pic>
+      <p:pic>
+        <p:nvPicPr>
+          <p:cNvPr id="4" name="Imagem 3"/>
+          <p:cNvPicPr>
+            <a:picLocks noChangeAspect="1"/>
+          </p:cNvPicPr>
+          <p:nvPr/>
+        </p:nvPicPr>
+        <p:blipFill>
+          <a:blip r:embed="rId5"/>
+          <a:stretch>
+            <a:fillRect/>
+          </a:stretch>
+        </p:blipFill>
+        <p:spPr>
+          <a:xfrm>
+            <a:off x="28881" y="1125389"/>
+            <a:ext cx="4757016" cy="2701925"/>
+          </a:xfrm>
+          <a:prstGeom prst="rect">
+            <a:avLst/>
+          </a:prstGeom>
+        </p:spPr>
+      </p:pic>
+    </p:spTree>
+    <p:extLst>
+      <p:ext uri="{BB962C8B-B14F-4D97-AF65-F5344CB8AC3E}">
+        <p14:creationId xmlns:p14="http://schemas.microsoft.com/office/powerpoint/2010/main" val="1466790781"/>
+      </p:ext>
+    </p:extLst>
+  </p:cSld>
+  <p:clrMapOvr>
+    <a:masterClrMapping/>
+  </p:clrMapOvr>
+  <p:timing>
+    <p:tnLst>
+      <p:par>
+        <p:cTn id="1" dur="indefinite" restart="never" nodeType="tmRoot"/>
+      </p:par>
+    </p:tnLst>
+  </p:timing>
+</p:sld>
+</file>
+
+<file path=ppt/slides/slide8.xml><?xml version="1.0" encoding="utf-8"?>
+<p:sld xmlns:a="http://schemas.openxmlformats.org/drawingml/2006/main" xmlns:r="http://schemas.openxmlformats.org/officeDocument/2006/relationships" xmlns:p="http://schemas.openxmlformats.org/presentationml/2006/main">
   <p:cSld>
     <p:spTree>
       <p:nvGrpSpPr>
@@ -3317,7 +6326,7 @@
         <p:spPr>
           <a:xfrm>
             <a:off x="91440" y="112320"/>
-            <a:ext cx="9897120" cy="1370160"/>
+            <a:ext cx="9897120" cy="767987"/>
           </a:xfrm>
           <a:prstGeom prst="rect">
             <a:avLst/>
@@ -3328,19 +6337,206 @@
           </a:ln>
         </p:spPr>
         <p:txBody>
-          <a:bodyPr lIns="90000" rIns="90000" tIns="45000" bIns="45000">
+          <a:bodyPr lIns="90000" tIns="45000" rIns="90000" bIns="45000">
             <a:spAutoFit/>
           </a:bodyPr>
+          <a:lstStyle/>
           <a:p>
             <a:pPr algn="just"/>
             <a:r>
-              <a:rPr b="1" lang="en-US" sz="2400" spc="-1" strike="noStrike">
-                <a:latin typeface="Cantarell Extra Bold"/>
-              </a:rPr>
-              <a:t>O projeto criado pode ser usada como backend para aplicações web ou em conjunto com qualquer outra aplicação que mande requests http  </a:t>
-            </a:r>
-            <a:endParaRPr b="1" lang="en-US" sz="2400" spc="-1" strike="noStrike">
-              <a:latin typeface="Cantarell Extra Bold"/>
+              <a:rPr lang="en-US" sz="2200" b="1" strike="noStrike" spc="-1" dirty="0">
+                <a:latin typeface="Droid Sans Fallback"/>
+              </a:rPr>
+              <a:t>O </a:t>
+            </a:r>
+            <a:r>
+              <a:rPr lang="en-US" sz="2200" b="1" strike="noStrike" spc="-1" dirty="0" err="1">
+                <a:latin typeface="Droid Sans Fallback"/>
+              </a:rPr>
+              <a:t>projeto</a:t>
+            </a:r>
+            <a:r>
+              <a:rPr lang="en-US" sz="2200" b="1" strike="noStrike" spc="-1" dirty="0">
+                <a:latin typeface="Droid Sans Fallback"/>
+              </a:rPr>
+              <a:t> </a:t>
+            </a:r>
+            <a:r>
+              <a:rPr lang="en-US" sz="2200" b="1" strike="noStrike" spc="-1" dirty="0" err="1">
+                <a:latin typeface="Droid Sans Fallback"/>
+              </a:rPr>
+              <a:t>criado</a:t>
+            </a:r>
+            <a:r>
+              <a:rPr lang="en-US" sz="2200" b="1" strike="noStrike" spc="-1" dirty="0">
+                <a:latin typeface="Droid Sans Fallback"/>
+              </a:rPr>
+              <a:t> </a:t>
+            </a:r>
+            <a:r>
+              <a:rPr lang="en-US" sz="2200" b="1" strike="noStrike" spc="-1" dirty="0" err="1">
+                <a:latin typeface="Droid Sans Fallback"/>
+              </a:rPr>
+              <a:t>pode</a:t>
+            </a:r>
+            <a:r>
+              <a:rPr lang="en-US" sz="2200" b="1" strike="noStrike" spc="-1" dirty="0">
+                <a:latin typeface="Droid Sans Fallback"/>
+              </a:rPr>
+              <a:t> </a:t>
+            </a:r>
+            <a:r>
+              <a:rPr lang="en-US" sz="2200" b="1" strike="noStrike" spc="-1" dirty="0" err="1">
+                <a:latin typeface="Droid Sans Fallback"/>
+              </a:rPr>
+              <a:t>ser</a:t>
+            </a:r>
+            <a:r>
+              <a:rPr lang="en-US" sz="2200" b="1" strike="noStrike" spc="-1" dirty="0">
+                <a:latin typeface="Droid Sans Fallback"/>
+              </a:rPr>
+              <a:t> </a:t>
+            </a:r>
+            <a:r>
+              <a:rPr lang="en-US" sz="2200" b="1" strike="noStrike" spc="-1" dirty="0" err="1">
+                <a:latin typeface="Droid Sans Fallback"/>
+              </a:rPr>
+              <a:t>usada</a:t>
+            </a:r>
+            <a:r>
+              <a:rPr lang="en-US" sz="2200" b="1" strike="noStrike" spc="-1" dirty="0">
+                <a:latin typeface="Droid Sans Fallback"/>
+              </a:rPr>
+              <a:t> </a:t>
+            </a:r>
+            <a:r>
+              <a:rPr lang="en-US" sz="2200" b="1" strike="noStrike" spc="-1" dirty="0" err="1">
+                <a:latin typeface="Droid Sans Fallback"/>
+              </a:rPr>
+              <a:t>como</a:t>
+            </a:r>
+            <a:r>
+              <a:rPr lang="en-US" sz="2200" b="1" strike="noStrike" spc="-1" dirty="0">
+                <a:latin typeface="Droid Sans Fallback"/>
+              </a:rPr>
+              <a:t> backend para </a:t>
+            </a:r>
+            <a:r>
+              <a:rPr lang="en-US" sz="2200" b="1" strike="noStrike" spc="-1" dirty="0" err="1">
+                <a:latin typeface="Droid Sans Fallback"/>
+              </a:rPr>
+              <a:t>aplicações</a:t>
+            </a:r>
+            <a:r>
+              <a:rPr lang="en-US" sz="2200" b="1" strike="noStrike" spc="-1" dirty="0">
+                <a:latin typeface="Droid Sans Fallback"/>
+              </a:rPr>
+              <a:t> web </a:t>
+            </a:r>
+            <a:r>
+              <a:rPr lang="en-US" sz="2200" b="1" strike="noStrike" spc="-1" dirty="0" err="1">
+                <a:latin typeface="Droid Sans Fallback"/>
+              </a:rPr>
+              <a:t>ou</a:t>
+            </a:r>
+            <a:r>
+              <a:rPr lang="en-US" sz="2200" b="1" strike="noStrike" spc="-1" dirty="0">
+                <a:latin typeface="Droid Sans Fallback"/>
+              </a:rPr>
+              <a:t> </a:t>
+            </a:r>
+            <a:r>
+              <a:rPr lang="en-US" sz="2200" b="1" strike="noStrike" spc="-1" dirty="0" err="1">
+                <a:latin typeface="Droid Sans Fallback"/>
+              </a:rPr>
+              <a:t>em</a:t>
+            </a:r>
+            <a:r>
+              <a:rPr lang="en-US" sz="2200" b="1" strike="noStrike" spc="-1" dirty="0">
+                <a:latin typeface="Droid Sans Fallback"/>
+              </a:rPr>
+              <a:t> </a:t>
+            </a:r>
+            <a:r>
+              <a:rPr lang="en-US" sz="2200" b="1" strike="noStrike" spc="-1" dirty="0" err="1">
+                <a:latin typeface="Droid Sans Fallback"/>
+              </a:rPr>
+              <a:t>conjunto</a:t>
+            </a:r>
+            <a:r>
+              <a:rPr lang="en-US" sz="2200" b="1" strike="noStrike" spc="-1" dirty="0">
+                <a:latin typeface="Droid Sans Fallback"/>
+              </a:rPr>
+              <a:t> com </a:t>
+            </a:r>
+            <a:r>
+              <a:rPr lang="en-US" sz="2200" b="1" strike="noStrike" spc="-1" dirty="0" err="1">
+                <a:latin typeface="Droid Sans Fallback"/>
+              </a:rPr>
+              <a:t>qualquer</a:t>
+            </a:r>
+            <a:r>
+              <a:rPr lang="en-US" sz="2200" b="1" strike="noStrike" spc="-1" dirty="0">
+                <a:latin typeface="Droid Sans Fallback"/>
+              </a:rPr>
+              <a:t> </a:t>
+            </a:r>
+            <a:r>
+              <a:rPr lang="en-US" sz="2200" b="1" strike="noStrike" spc="-1" dirty="0" err="1">
+                <a:latin typeface="Droid Sans Fallback"/>
+              </a:rPr>
+              <a:t>outra</a:t>
+            </a:r>
+            <a:r>
+              <a:rPr lang="en-US" sz="2200" b="1" strike="noStrike" spc="-1" dirty="0">
+                <a:latin typeface="Droid Sans Fallback"/>
+              </a:rPr>
+              <a:t> </a:t>
+            </a:r>
+            <a:r>
+              <a:rPr lang="en-US" sz="2200" b="1" strike="noStrike" spc="-1" dirty="0" err="1">
+                <a:latin typeface="Droid Sans Fallback"/>
+              </a:rPr>
+              <a:t>aplicação</a:t>
+            </a:r>
+            <a:r>
+              <a:rPr lang="en-US" sz="2200" b="1" strike="noStrike" spc="-1" dirty="0">
+                <a:latin typeface="Droid Sans Fallback"/>
+              </a:rPr>
+              <a:t> </a:t>
+            </a:r>
+            <a:r>
+              <a:rPr lang="en-US" sz="2200" b="1" strike="noStrike" spc="-1" dirty="0" err="1">
+                <a:latin typeface="Droid Sans Fallback"/>
+              </a:rPr>
+              <a:t>que</a:t>
+            </a:r>
+            <a:r>
+              <a:rPr lang="en-US" sz="2200" b="1" strike="noStrike" spc="-1" dirty="0">
+                <a:latin typeface="Droid Sans Fallback"/>
+              </a:rPr>
+              <a:t> </a:t>
+            </a:r>
+            <a:r>
+              <a:rPr lang="en-US" sz="2200" b="1" strike="noStrike" spc="-1" dirty="0" err="1">
+                <a:latin typeface="Droid Sans Fallback"/>
+              </a:rPr>
+              <a:t>mande</a:t>
+            </a:r>
+            <a:r>
+              <a:rPr lang="en-US" sz="2200" b="1" strike="noStrike" spc="-1" dirty="0">
+                <a:latin typeface="Droid Sans Fallback"/>
+              </a:rPr>
+              <a:t> requests </a:t>
+            </a:r>
+            <a:r>
+              <a:rPr lang="en-US" sz="2200" b="1" strike="noStrike" spc="-1" dirty="0" smtClean="0">
+                <a:latin typeface="Droid Sans Fallback"/>
+              </a:rPr>
+              <a:t>HTTP</a:t>
+            </a:r>
+            <a:endParaRPr lang="en-US" sz="2200" b="1" strike="noStrike" spc="-1" dirty="0">
+              <a:latin typeface="Droid Sans Fallback"/>
             </a:endParaRPr>
           </a:p>
         </p:txBody>
@@ -3353,8 +6549,8 @@
         </p:nvSpPr>
         <p:spPr>
           <a:xfrm>
-            <a:off x="310320" y="1270440"/>
-            <a:ext cx="6675120" cy="1507320"/>
+            <a:off x="412570" y="1147858"/>
+            <a:ext cx="2903836" cy="2306870"/>
           </a:xfrm>
           <a:prstGeom prst="rect">
             <a:avLst/>
@@ -3365,99 +6561,141 @@
           </a:ln>
         </p:spPr>
         <p:txBody>
-          <a:bodyPr lIns="90000" rIns="90000" tIns="45000" bIns="45000">
+          <a:bodyPr wrap="square" lIns="90000" tIns="45000" rIns="90000" bIns="45000">
             <a:spAutoFit/>
           </a:bodyPr>
-          <a:p>
-            <a:r>
-              <a:rPr b="1" lang="en-US" sz="1600" spc="-1" strike="noStrike">
-                <a:latin typeface="Noto Mono"/>
-              </a:rPr>
-              <a:t>curl -X POST -H 'Content-Type: application/json' -d '{</a:t>
-            </a:r>
-            <a:endParaRPr b="1" lang="en-US" sz="1600" spc="-1" strike="noStrike">
-              <a:latin typeface="Noto Mono"/>
-            </a:endParaRPr>
-          </a:p>
-          <a:p>
-            <a:r>
-              <a:rPr b="1" lang="en-US" sz="1600" spc="-1" strike="noStrike">
-                <a:latin typeface="Noto Mono"/>
-              </a:rPr>
-              <a:t>  </a:t>
-            </a:r>
-            <a:r>
-              <a:rPr b="1" lang="en-US" sz="1600" spc="-1" strike="noStrike">
-                <a:latin typeface="Noto Mono"/>
-              </a:rPr>
-              <a:t>"cep": "125-789",</a:t>
-            </a:r>
-            <a:endParaRPr b="1" lang="en-US" sz="1600" spc="-1" strike="noStrike">
-              <a:latin typeface="Noto Mono"/>
-            </a:endParaRPr>
-          </a:p>
-          <a:p>
-            <a:r>
-              <a:rPr b="1" lang="en-US" sz="1600" spc="-1" strike="noStrike">
-                <a:latin typeface="Noto Mono"/>
-              </a:rPr>
-              <a:t>    </a:t>
-            </a:r>
-            <a:r>
-              <a:rPr b="1" lang="en-US" sz="1600" spc="-1" strike="noStrike">
-                <a:latin typeface="Noto Mono"/>
-              </a:rPr>
-              <a:t>"cidade":"Gothan"</a:t>
-            </a:r>
-            <a:endParaRPr b="1" lang="en-US" sz="1600" spc="-1" strike="noStrike">
-              <a:latin typeface="Noto Mono"/>
-            </a:endParaRPr>
-          </a:p>
-          <a:p>
-            <a:r>
-              <a:rPr b="1" lang="en-US" sz="1600" spc="-1" strike="noStrike">
-                <a:latin typeface="Noto Mono"/>
-              </a:rPr>
-              <a:t>  </a:t>
-            </a:r>
-            <a:r>
-              <a:rPr b="1" lang="en-US" sz="1600" spc="-1" strike="noStrike">
-                <a:latin typeface="Noto Mono"/>
-              </a:rPr>
-              <a:t>}</a:t>
-            </a:r>
-            <a:endParaRPr b="1" lang="en-US" sz="1600" spc="-1" strike="noStrike">
-              <a:latin typeface="Noto Mono"/>
-            </a:endParaRPr>
-          </a:p>
-          <a:p>
-            <a:r>
-              <a:rPr b="1" lang="en-US" sz="1600" spc="-1" strike="noStrike">
-                <a:latin typeface="Noto Mono"/>
+          <a:lstStyle/>
+          <a:p>
+            <a:r>
+              <a:rPr lang="en-US" sz="1600" strike="noStrike" spc="-1" dirty="0">
+                <a:latin typeface="Courier New" panose="02070309020205020404" pitchFamily="49" charset="0"/>
+                <a:ea typeface="Batang" panose="02030600000101010101" pitchFamily="18" charset="-127"/>
+                <a:cs typeface="Courier New" panose="02070309020205020404" pitchFamily="49" charset="0"/>
+              </a:rPr>
+              <a:t>curl -X POST -H 'Content-Type: application/</a:t>
+            </a:r>
+            <a:r>
+              <a:rPr lang="en-US" sz="1600" strike="noStrike" spc="-1" dirty="0" err="1">
+                <a:latin typeface="Courier New" panose="02070309020205020404" pitchFamily="49" charset="0"/>
+                <a:ea typeface="Batang" panose="02030600000101010101" pitchFamily="18" charset="-127"/>
+                <a:cs typeface="Courier New" panose="02070309020205020404" pitchFamily="49" charset="0"/>
+              </a:rPr>
+              <a:t>json</a:t>
+            </a:r>
+            <a:r>
+              <a:rPr lang="en-US" sz="1600" strike="noStrike" spc="-1" dirty="0">
+                <a:latin typeface="Courier New" panose="02070309020205020404" pitchFamily="49" charset="0"/>
+                <a:ea typeface="Batang" panose="02030600000101010101" pitchFamily="18" charset="-127"/>
+                <a:cs typeface="Courier New" panose="02070309020205020404" pitchFamily="49" charset="0"/>
+              </a:rPr>
+              <a:t>' -d '{</a:t>
+            </a:r>
+          </a:p>
+          <a:p>
+            <a:r>
+              <a:rPr lang="en-US" sz="1600" strike="noStrike" spc="-1" dirty="0">
+                <a:latin typeface="Courier New" panose="02070309020205020404" pitchFamily="49" charset="0"/>
+                <a:ea typeface="Batang" panose="02030600000101010101" pitchFamily="18" charset="-127"/>
+                <a:cs typeface="Courier New" panose="02070309020205020404" pitchFamily="49" charset="0"/>
+              </a:rPr>
+              <a:t>  "</a:t>
+            </a:r>
+            <a:r>
+              <a:rPr lang="en-US" sz="1600" strike="noStrike" spc="-1" dirty="0" err="1">
+                <a:latin typeface="Courier New" panose="02070309020205020404" pitchFamily="49" charset="0"/>
+                <a:ea typeface="Batang" panose="02030600000101010101" pitchFamily="18" charset="-127"/>
+                <a:cs typeface="Courier New" panose="02070309020205020404" pitchFamily="49" charset="0"/>
+              </a:rPr>
+              <a:t>cep</a:t>
+            </a:r>
+            <a:r>
+              <a:rPr lang="en-US" sz="1600" strike="noStrike" spc="-1" dirty="0">
+                <a:latin typeface="Courier New" panose="02070309020205020404" pitchFamily="49" charset="0"/>
+                <a:ea typeface="Batang" panose="02030600000101010101" pitchFamily="18" charset="-127"/>
+                <a:cs typeface="Courier New" panose="02070309020205020404" pitchFamily="49" charset="0"/>
+              </a:rPr>
+              <a:t>": "125-789",</a:t>
+            </a:r>
+          </a:p>
+          <a:p>
+            <a:r>
+              <a:rPr lang="en-US" sz="1600" strike="noStrike" spc="-1" dirty="0">
+                <a:latin typeface="Courier New" panose="02070309020205020404" pitchFamily="49" charset="0"/>
+                <a:ea typeface="Batang" panose="02030600000101010101" pitchFamily="18" charset="-127"/>
+                <a:cs typeface="Courier New" panose="02070309020205020404" pitchFamily="49" charset="0"/>
+              </a:rPr>
+              <a:t>    "</a:t>
+            </a:r>
+            <a:r>
+              <a:rPr lang="en-US" sz="1600" strike="noStrike" spc="-1" dirty="0" err="1">
+                <a:latin typeface="Courier New" panose="02070309020205020404" pitchFamily="49" charset="0"/>
+                <a:ea typeface="Batang" panose="02030600000101010101" pitchFamily="18" charset="-127"/>
+                <a:cs typeface="Courier New" panose="02070309020205020404" pitchFamily="49" charset="0"/>
+              </a:rPr>
+              <a:t>cidade</a:t>
+            </a:r>
+            <a:r>
+              <a:rPr lang="en-US" sz="1600" strike="noStrike" spc="-1" dirty="0">
+                <a:latin typeface="Courier New" panose="02070309020205020404" pitchFamily="49" charset="0"/>
+                <a:ea typeface="Batang" panose="02030600000101010101" pitchFamily="18" charset="-127"/>
+                <a:cs typeface="Courier New" panose="02070309020205020404" pitchFamily="49" charset="0"/>
+              </a:rPr>
+              <a:t>":"</a:t>
+            </a:r>
+            <a:r>
+              <a:rPr lang="en-US" sz="1600" strike="noStrike" spc="-1" dirty="0" err="1">
+                <a:latin typeface="Courier New" panose="02070309020205020404" pitchFamily="49" charset="0"/>
+                <a:ea typeface="Batang" panose="02030600000101010101" pitchFamily="18" charset="-127"/>
+                <a:cs typeface="Courier New" panose="02070309020205020404" pitchFamily="49" charset="0"/>
+              </a:rPr>
+              <a:t>Gothan</a:t>
+            </a:r>
+            <a:r>
+              <a:rPr lang="en-US" sz="1600" strike="noStrike" spc="-1" dirty="0">
+                <a:latin typeface="Courier New" panose="02070309020205020404" pitchFamily="49" charset="0"/>
+                <a:ea typeface="Batang" panose="02030600000101010101" pitchFamily="18" charset="-127"/>
+                <a:cs typeface="Courier New" panose="02070309020205020404" pitchFamily="49" charset="0"/>
+              </a:rPr>
+              <a:t>"</a:t>
+            </a:r>
+          </a:p>
+          <a:p>
+            <a:r>
+              <a:rPr lang="en-US" sz="1600" strike="noStrike" spc="-1" dirty="0">
+                <a:latin typeface="Courier New" panose="02070309020205020404" pitchFamily="49" charset="0"/>
+                <a:ea typeface="Batang" panose="02030600000101010101" pitchFamily="18" charset="-127"/>
+                <a:cs typeface="Courier New" panose="02070309020205020404" pitchFamily="49" charset="0"/>
+              </a:rPr>
+              <a:t>  }</a:t>
+            </a:r>
+          </a:p>
+          <a:p>
+            <a:r>
+              <a:rPr lang="en-US" sz="1600" strike="noStrike" spc="-1" dirty="0">
+                <a:latin typeface="Courier New" panose="02070309020205020404" pitchFamily="49" charset="0"/>
+                <a:ea typeface="Batang" panose="02030600000101010101" pitchFamily="18" charset="-127"/>
+                <a:cs typeface="Courier New" panose="02070309020205020404" pitchFamily="49" charset="0"/>
               </a:rPr>
               <a:t>}' http://localhost:3000</a:t>
             </a:r>
-            <a:endParaRPr b="1" lang="en-US" sz="1600" spc="-1" strike="noStrike">
-              <a:latin typeface="Noto Mono"/>
-            </a:endParaRPr>
           </a:p>
         </p:txBody>
       </p:sp>
       <p:pic>
         <p:nvPicPr>
-          <p:cNvPr id="73" name="" descr=""/>
+          <p:cNvPr id="73" name="Imagem 72"/>
           <p:cNvPicPr/>
           <p:nvPr/>
         </p:nvPicPr>
         <p:blipFill>
-          <a:blip r:embed="rId1"/>
+          <a:blip r:embed="rId2"/>
           <a:srcRect l="57147" t="14112" r="4749" b="23767"/>
           <a:stretch/>
         </p:blipFill>
         <p:spPr>
           <a:xfrm>
-            <a:off x="3890160" y="2377440"/>
-            <a:ext cx="6073200" cy="3180960"/>
+            <a:off x="3789994" y="1147859"/>
+            <a:ext cx="5790737" cy="2306870"/>
           </a:xfrm>
           <a:prstGeom prst="rect">
             <a:avLst/>
@@ -3467,32 +6705,692 @@
           </a:ln>
         </p:spPr>
       </p:pic>
+      <p:sp>
+        <p:nvSpPr>
+          <p:cNvPr id="5" name="TextShape 4"/>
+          <p:cNvSpPr txBox="1"/>
+          <p:nvPr/>
+        </p:nvSpPr>
+        <p:spPr>
+          <a:xfrm>
+            <a:off x="105088" y="3694194"/>
+            <a:ext cx="9668055" cy="1922149"/>
+          </a:xfrm>
+          <a:prstGeom prst="rect">
+            <a:avLst/>
+          </a:prstGeom>
+          <a:noFill/>
+          <a:ln>
+            <a:noFill/>
+          </a:ln>
+        </p:spPr>
+        <p:txBody>
+          <a:bodyPr wrap="square" lIns="90000" tIns="45000" rIns="90000" bIns="45000">
+            <a:spAutoFit/>
+          </a:bodyPr>
+          <a:lstStyle/>
+          <a:p>
+            <a:r>
+              <a:rPr lang="en-US" sz="1400" b="1" strike="noStrike" spc="-1" dirty="0" smtClean="0">
+                <a:latin typeface="Droid Sans Fallback"/>
+              </a:rPr>
+              <a:t>PERCEPÇÕES…</a:t>
+            </a:r>
+            <a:endParaRPr lang="en-US" sz="1400" b="1" strike="noStrike" spc="-1" dirty="0">
+              <a:latin typeface="Droid Sans Fallback"/>
+            </a:endParaRPr>
+          </a:p>
+          <a:p>
+            <a:pPr algn="just">
+              <a:lnSpc>
+                <a:spcPct val="150000"/>
+              </a:lnSpc>
+            </a:pPr>
+            <a:r>
+              <a:rPr lang="en-US" sz="1400" b="0" strike="noStrike" spc="-1" dirty="0" err="1">
+                <a:latin typeface="Batang" panose="02030600000101010101" pitchFamily="18" charset="-127"/>
+                <a:ea typeface="Batang" panose="02030600000101010101" pitchFamily="18" charset="-127"/>
+              </a:rPr>
+              <a:t>Foi</a:t>
+            </a:r>
+            <a:r>
+              <a:rPr lang="en-US" sz="1400" b="0" strike="noStrike" spc="-1" dirty="0">
+                <a:latin typeface="Batang" panose="02030600000101010101" pitchFamily="18" charset="-127"/>
+                <a:ea typeface="Batang" panose="02030600000101010101" pitchFamily="18" charset="-127"/>
+              </a:rPr>
+              <a:t> </a:t>
+            </a:r>
+            <a:r>
+              <a:rPr lang="en-US" sz="1400" b="0" strike="noStrike" spc="-1" dirty="0" err="1">
+                <a:latin typeface="Batang" panose="02030600000101010101" pitchFamily="18" charset="-127"/>
+                <a:ea typeface="Batang" panose="02030600000101010101" pitchFamily="18" charset="-127"/>
+              </a:rPr>
+              <a:t>meu</a:t>
+            </a:r>
+            <a:r>
+              <a:rPr lang="en-US" sz="1400" b="0" strike="noStrike" spc="-1" dirty="0">
+                <a:latin typeface="Batang" panose="02030600000101010101" pitchFamily="18" charset="-127"/>
+                <a:ea typeface="Batang" panose="02030600000101010101" pitchFamily="18" charset="-127"/>
+              </a:rPr>
+              <a:t> </a:t>
+            </a:r>
+            <a:r>
+              <a:rPr lang="en-US" sz="1400" b="0" strike="noStrike" spc="-1" dirty="0" err="1">
+                <a:latin typeface="Batang" panose="02030600000101010101" pitchFamily="18" charset="-127"/>
+                <a:ea typeface="Batang" panose="02030600000101010101" pitchFamily="18" charset="-127"/>
+              </a:rPr>
+              <a:t>primeiro</a:t>
+            </a:r>
+            <a:r>
+              <a:rPr lang="en-US" sz="1400" b="0" strike="noStrike" spc="-1" dirty="0">
+                <a:latin typeface="Batang" panose="02030600000101010101" pitchFamily="18" charset="-127"/>
+                <a:ea typeface="Batang" panose="02030600000101010101" pitchFamily="18" charset="-127"/>
+              </a:rPr>
+              <a:t> </a:t>
+            </a:r>
+            <a:r>
+              <a:rPr lang="en-US" sz="1400" b="0" strike="noStrike" spc="-1" dirty="0" err="1">
+                <a:latin typeface="Batang" panose="02030600000101010101" pitchFamily="18" charset="-127"/>
+                <a:ea typeface="Batang" panose="02030600000101010101" pitchFamily="18" charset="-127"/>
+              </a:rPr>
+              <a:t>contato</a:t>
+            </a:r>
+            <a:r>
+              <a:rPr lang="en-US" sz="1400" b="0" strike="noStrike" spc="-1" dirty="0">
+                <a:latin typeface="Batang" panose="02030600000101010101" pitchFamily="18" charset="-127"/>
+                <a:ea typeface="Batang" panose="02030600000101010101" pitchFamily="18" charset="-127"/>
+              </a:rPr>
+              <a:t> com o </a:t>
+            </a:r>
+            <a:r>
+              <a:rPr lang="en-US" sz="1400" b="0" strike="noStrike" spc="-1" dirty="0" err="1">
+                <a:latin typeface="Batang" panose="02030600000101010101" pitchFamily="18" charset="-127"/>
+                <a:ea typeface="Batang" panose="02030600000101010101" pitchFamily="18" charset="-127"/>
+              </a:rPr>
+              <a:t>TypeScript</a:t>
+            </a:r>
+            <a:r>
+              <a:rPr lang="en-US" sz="1400" b="0" strike="noStrike" spc="-1" dirty="0">
+                <a:latin typeface="Batang" panose="02030600000101010101" pitchFamily="18" charset="-127"/>
+                <a:ea typeface="Batang" panose="02030600000101010101" pitchFamily="18" charset="-127"/>
+              </a:rPr>
+              <a:t> e </a:t>
+            </a:r>
+            <a:r>
+              <a:rPr lang="en-US" sz="1400" b="0" strike="noStrike" spc="-1" dirty="0" err="1">
+                <a:latin typeface="Batang" panose="02030600000101010101" pitchFamily="18" charset="-127"/>
+                <a:ea typeface="Batang" panose="02030600000101010101" pitchFamily="18" charset="-127"/>
+              </a:rPr>
+              <a:t>achei</a:t>
+            </a:r>
+            <a:r>
+              <a:rPr lang="en-US" sz="1400" b="0" strike="noStrike" spc="-1" dirty="0">
+                <a:latin typeface="Batang" panose="02030600000101010101" pitchFamily="18" charset="-127"/>
+                <a:ea typeface="Batang" panose="02030600000101010101" pitchFamily="18" charset="-127"/>
+              </a:rPr>
+              <a:t> </a:t>
+            </a:r>
+            <a:r>
+              <a:rPr lang="en-US" sz="1400" b="0" strike="noStrike" spc="-1" dirty="0" err="1">
+                <a:latin typeface="Batang" panose="02030600000101010101" pitchFamily="18" charset="-127"/>
+                <a:ea typeface="Batang" panose="02030600000101010101" pitchFamily="18" charset="-127"/>
+              </a:rPr>
+              <a:t>uma</a:t>
+            </a:r>
+            <a:r>
+              <a:rPr lang="en-US" sz="1400" b="0" strike="noStrike" spc="-1" dirty="0">
+                <a:latin typeface="Batang" panose="02030600000101010101" pitchFamily="18" charset="-127"/>
+                <a:ea typeface="Batang" panose="02030600000101010101" pitchFamily="18" charset="-127"/>
+              </a:rPr>
+              <a:t> </a:t>
+            </a:r>
+            <a:r>
+              <a:rPr lang="en-US" sz="1400" b="0" strike="noStrike" spc="-1" dirty="0" err="1">
+                <a:latin typeface="Batang" panose="02030600000101010101" pitchFamily="18" charset="-127"/>
+                <a:ea typeface="Batang" panose="02030600000101010101" pitchFamily="18" charset="-127"/>
+              </a:rPr>
+              <a:t>linguagem</a:t>
+            </a:r>
+            <a:r>
+              <a:rPr lang="en-US" sz="1400" b="0" strike="noStrike" spc="-1" dirty="0">
+                <a:latin typeface="Batang" panose="02030600000101010101" pitchFamily="18" charset="-127"/>
+                <a:ea typeface="Batang" panose="02030600000101010101" pitchFamily="18" charset="-127"/>
+              </a:rPr>
+              <a:t> </a:t>
+            </a:r>
+            <a:r>
+              <a:rPr lang="en-US" sz="1400" b="0" strike="noStrike" spc="-1" dirty="0" err="1">
+                <a:latin typeface="Batang" panose="02030600000101010101" pitchFamily="18" charset="-127"/>
+                <a:ea typeface="Batang" panose="02030600000101010101" pitchFamily="18" charset="-127"/>
+              </a:rPr>
+              <a:t>muito</a:t>
+            </a:r>
+            <a:r>
+              <a:rPr lang="en-US" sz="1400" b="0" strike="noStrike" spc="-1" dirty="0">
+                <a:latin typeface="Batang" panose="02030600000101010101" pitchFamily="18" charset="-127"/>
+                <a:ea typeface="Batang" panose="02030600000101010101" pitchFamily="18" charset="-127"/>
+              </a:rPr>
+              <a:t> </a:t>
+            </a:r>
+            <a:r>
+              <a:rPr lang="en-US" sz="1400" b="0" strike="noStrike" spc="-1" dirty="0" err="1">
+                <a:latin typeface="Batang" panose="02030600000101010101" pitchFamily="18" charset="-127"/>
+                <a:ea typeface="Batang" panose="02030600000101010101" pitchFamily="18" charset="-127"/>
+              </a:rPr>
+              <a:t>concisa</a:t>
+            </a:r>
+            <a:r>
+              <a:rPr lang="en-US" sz="1400" b="0" strike="noStrike" spc="-1" dirty="0">
+                <a:latin typeface="Batang" panose="02030600000101010101" pitchFamily="18" charset="-127"/>
+                <a:ea typeface="Batang" panose="02030600000101010101" pitchFamily="18" charset="-127"/>
+              </a:rPr>
+              <a:t> e </a:t>
+            </a:r>
+            <a:r>
+              <a:rPr lang="en-US" sz="1400" b="0" strike="noStrike" spc="-1" dirty="0" err="1">
+                <a:latin typeface="Batang" panose="02030600000101010101" pitchFamily="18" charset="-127"/>
+                <a:ea typeface="Batang" panose="02030600000101010101" pitchFamily="18" charset="-127"/>
+              </a:rPr>
+              <a:t>gostosa</a:t>
+            </a:r>
+            <a:r>
+              <a:rPr lang="en-US" sz="1400" b="0" strike="noStrike" spc="-1" dirty="0">
+                <a:latin typeface="Batang" panose="02030600000101010101" pitchFamily="18" charset="-127"/>
+                <a:ea typeface="Batang" panose="02030600000101010101" pitchFamily="18" charset="-127"/>
+              </a:rPr>
+              <a:t> de se </a:t>
+            </a:r>
+            <a:r>
+              <a:rPr lang="en-US" sz="1400" b="0" strike="noStrike" spc="-1" dirty="0" err="1">
+                <a:latin typeface="Batang" panose="02030600000101010101" pitchFamily="18" charset="-127"/>
+                <a:ea typeface="Batang" panose="02030600000101010101" pitchFamily="18" charset="-127"/>
+              </a:rPr>
+              <a:t>escrever</a:t>
+            </a:r>
+            <a:r>
+              <a:rPr lang="en-US" sz="1400" b="0" strike="noStrike" spc="-1" dirty="0">
+                <a:latin typeface="Batang" panose="02030600000101010101" pitchFamily="18" charset="-127"/>
+                <a:ea typeface="Batang" panose="02030600000101010101" pitchFamily="18" charset="-127"/>
+              </a:rPr>
+              <a:t>. </a:t>
+            </a:r>
+          </a:p>
+          <a:p>
+            <a:pPr algn="just">
+              <a:lnSpc>
+                <a:spcPct val="150000"/>
+              </a:lnSpc>
+            </a:pPr>
+            <a:r>
+              <a:rPr lang="en-US" sz="1400" b="0" strike="noStrike" spc="-1" dirty="0" err="1">
+                <a:latin typeface="Batang" panose="02030600000101010101" pitchFamily="18" charset="-127"/>
+                <a:ea typeface="Batang" panose="02030600000101010101" pitchFamily="18" charset="-127"/>
+              </a:rPr>
+              <a:t>Percebi</a:t>
+            </a:r>
+            <a:r>
+              <a:rPr lang="en-US" sz="1400" b="0" strike="noStrike" spc="-1" dirty="0">
+                <a:latin typeface="Batang" panose="02030600000101010101" pitchFamily="18" charset="-127"/>
+                <a:ea typeface="Batang" panose="02030600000101010101" pitchFamily="18" charset="-127"/>
+              </a:rPr>
+              <a:t> </a:t>
+            </a:r>
+            <a:r>
+              <a:rPr lang="en-US" sz="1400" b="0" strike="noStrike" spc="-1" dirty="0" err="1">
+                <a:latin typeface="Batang" panose="02030600000101010101" pitchFamily="18" charset="-127"/>
+                <a:ea typeface="Batang" panose="02030600000101010101" pitchFamily="18" charset="-127"/>
+              </a:rPr>
+              <a:t>semelhança</a:t>
+            </a:r>
+            <a:r>
+              <a:rPr lang="en-US" sz="1400" b="0" strike="noStrike" spc="-1" dirty="0">
+                <a:latin typeface="Batang" panose="02030600000101010101" pitchFamily="18" charset="-127"/>
+                <a:ea typeface="Batang" panose="02030600000101010101" pitchFamily="18" charset="-127"/>
+              </a:rPr>
+              <a:t> entre </a:t>
+            </a:r>
+            <a:r>
+              <a:rPr lang="en-US" sz="1400" b="0" strike="noStrike" spc="-1" dirty="0" err="1">
+                <a:latin typeface="Batang" panose="02030600000101010101" pitchFamily="18" charset="-127"/>
+                <a:ea typeface="Batang" panose="02030600000101010101" pitchFamily="18" charset="-127"/>
+              </a:rPr>
+              <a:t>algumas</a:t>
+            </a:r>
+            <a:r>
+              <a:rPr lang="en-US" sz="1400" b="0" strike="noStrike" spc="-1" dirty="0">
+                <a:latin typeface="Batang" panose="02030600000101010101" pitchFamily="18" charset="-127"/>
+                <a:ea typeface="Batang" panose="02030600000101010101" pitchFamily="18" charset="-127"/>
+              </a:rPr>
+              <a:t> </a:t>
+            </a:r>
+            <a:r>
+              <a:rPr lang="en-US" sz="1400" b="0" strike="noStrike" spc="-1" dirty="0" err="1">
+                <a:latin typeface="Batang" panose="02030600000101010101" pitchFamily="18" charset="-127"/>
+                <a:ea typeface="Batang" panose="02030600000101010101" pitchFamily="18" charset="-127"/>
+              </a:rPr>
+              <a:t>lógicas</a:t>
+            </a:r>
+            <a:r>
+              <a:rPr lang="en-US" sz="1400" b="0" strike="noStrike" spc="-1" dirty="0">
+                <a:latin typeface="Batang" panose="02030600000101010101" pitchFamily="18" charset="-127"/>
+                <a:ea typeface="Batang" panose="02030600000101010101" pitchFamily="18" charset="-127"/>
+              </a:rPr>
+              <a:t> </a:t>
+            </a:r>
+            <a:r>
+              <a:rPr lang="en-US" sz="1400" b="0" strike="noStrike" spc="-1" dirty="0" err="1">
+                <a:latin typeface="Batang" panose="02030600000101010101" pitchFamily="18" charset="-127"/>
+                <a:ea typeface="Batang" panose="02030600000101010101" pitchFamily="18" charset="-127"/>
+              </a:rPr>
+              <a:t>estruturais</a:t>
+            </a:r>
+            <a:r>
+              <a:rPr lang="en-US" sz="1400" b="0" strike="noStrike" spc="-1" dirty="0">
+                <a:latin typeface="Batang" panose="02030600000101010101" pitchFamily="18" charset="-127"/>
+                <a:ea typeface="Batang" panose="02030600000101010101" pitchFamily="18" charset="-127"/>
+              </a:rPr>
+              <a:t> do Java e me </a:t>
+            </a:r>
+            <a:r>
+              <a:rPr lang="en-US" sz="1400" b="0" strike="noStrike" spc="-1" dirty="0" err="1">
+                <a:latin typeface="Batang" panose="02030600000101010101" pitchFamily="18" charset="-127"/>
+                <a:ea typeface="Batang" panose="02030600000101010101" pitchFamily="18" charset="-127"/>
+              </a:rPr>
+              <a:t>senti</a:t>
+            </a:r>
+            <a:r>
+              <a:rPr lang="en-US" sz="1400" b="0" strike="noStrike" spc="-1" dirty="0">
+                <a:latin typeface="Batang" panose="02030600000101010101" pitchFamily="18" charset="-127"/>
+                <a:ea typeface="Batang" panose="02030600000101010101" pitchFamily="18" charset="-127"/>
+              </a:rPr>
+              <a:t> </a:t>
+            </a:r>
+            <a:r>
+              <a:rPr lang="en-US" sz="1400" b="0" strike="noStrike" spc="-1" dirty="0" err="1">
+                <a:latin typeface="Batang" panose="02030600000101010101" pitchFamily="18" charset="-127"/>
+                <a:ea typeface="Batang" panose="02030600000101010101" pitchFamily="18" charset="-127"/>
+              </a:rPr>
+              <a:t>confortável</a:t>
+            </a:r>
+            <a:r>
+              <a:rPr lang="en-US" sz="1400" b="0" strike="noStrike" spc="-1" dirty="0">
+                <a:latin typeface="Batang" panose="02030600000101010101" pitchFamily="18" charset="-127"/>
+                <a:ea typeface="Batang" panose="02030600000101010101" pitchFamily="18" charset="-127"/>
+              </a:rPr>
+              <a:t> </a:t>
+            </a:r>
+            <a:r>
+              <a:rPr lang="en-US" sz="1400" b="0" strike="noStrike" spc="-1" dirty="0" err="1">
+                <a:latin typeface="Batang" panose="02030600000101010101" pitchFamily="18" charset="-127"/>
+                <a:ea typeface="Batang" panose="02030600000101010101" pitchFamily="18" charset="-127"/>
+              </a:rPr>
+              <a:t>na</a:t>
+            </a:r>
+            <a:r>
+              <a:rPr lang="en-US" sz="1400" b="0" strike="noStrike" spc="-1" dirty="0">
+                <a:latin typeface="Batang" panose="02030600000101010101" pitchFamily="18" charset="-127"/>
+                <a:ea typeface="Batang" panose="02030600000101010101" pitchFamily="18" charset="-127"/>
+              </a:rPr>
+              <a:t> </a:t>
+            </a:r>
+            <a:r>
+              <a:rPr lang="en-US" sz="1400" b="0" strike="noStrike" spc="-1" dirty="0" err="1">
+                <a:latin typeface="Batang" panose="02030600000101010101" pitchFamily="18" charset="-127"/>
+                <a:ea typeface="Batang" panose="02030600000101010101" pitchFamily="18" charset="-127"/>
+              </a:rPr>
+              <a:t>utilização</a:t>
+            </a:r>
+            <a:r>
+              <a:rPr lang="en-US" sz="1400" b="0" strike="noStrike" spc="-1" dirty="0">
+                <a:latin typeface="Batang" panose="02030600000101010101" pitchFamily="18" charset="-127"/>
+                <a:ea typeface="Batang" panose="02030600000101010101" pitchFamily="18" charset="-127"/>
+              </a:rPr>
+              <a:t> de Decorators para </a:t>
+            </a:r>
+            <a:r>
+              <a:rPr lang="en-US" sz="1400" b="0" strike="noStrike" spc="-1" dirty="0" err="1">
+                <a:latin typeface="Batang" panose="02030600000101010101" pitchFamily="18" charset="-127"/>
+                <a:ea typeface="Batang" panose="02030600000101010101" pitchFamily="18" charset="-127"/>
+              </a:rPr>
+              <a:t>agregar</a:t>
+            </a:r>
+            <a:r>
+              <a:rPr lang="en-US" sz="1400" b="0" strike="noStrike" spc="-1" dirty="0">
+                <a:latin typeface="Batang" panose="02030600000101010101" pitchFamily="18" charset="-127"/>
+                <a:ea typeface="Batang" panose="02030600000101010101" pitchFamily="18" charset="-127"/>
+              </a:rPr>
+              <a:t> </a:t>
+            </a:r>
+            <a:r>
+              <a:rPr lang="en-US" sz="1400" b="0" strike="noStrike" spc="-1" dirty="0" err="1">
+                <a:latin typeface="Batang" panose="02030600000101010101" pitchFamily="18" charset="-127"/>
+                <a:ea typeface="Batang" panose="02030600000101010101" pitchFamily="18" charset="-127"/>
+              </a:rPr>
+              <a:t>funcionalidades</a:t>
+            </a:r>
+            <a:r>
+              <a:rPr lang="en-US" sz="1400" b="0" strike="noStrike" spc="-1" dirty="0">
+                <a:latin typeface="Batang" panose="02030600000101010101" pitchFamily="18" charset="-127"/>
+                <a:ea typeface="Batang" panose="02030600000101010101" pitchFamily="18" charset="-127"/>
+              </a:rPr>
+              <a:t> </a:t>
+            </a:r>
+            <a:r>
+              <a:rPr lang="en-US" sz="1400" b="0" strike="noStrike" spc="-1" dirty="0" err="1">
+                <a:latin typeface="Batang" panose="02030600000101010101" pitchFamily="18" charset="-127"/>
+                <a:ea typeface="Batang" panose="02030600000101010101" pitchFamily="18" charset="-127"/>
+              </a:rPr>
+              <a:t>às</a:t>
+            </a:r>
+            <a:r>
+              <a:rPr lang="en-US" sz="1400" b="0" strike="noStrike" spc="-1" dirty="0">
+                <a:latin typeface="Batang" panose="02030600000101010101" pitchFamily="18" charset="-127"/>
+                <a:ea typeface="Batang" panose="02030600000101010101" pitchFamily="18" charset="-127"/>
+              </a:rPr>
+              <a:t> </a:t>
+            </a:r>
+            <a:r>
+              <a:rPr lang="en-US" sz="1400" b="0" strike="noStrike" spc="-1" dirty="0" err="1">
+                <a:latin typeface="Batang" panose="02030600000101010101" pitchFamily="18" charset="-127"/>
+                <a:ea typeface="Batang" panose="02030600000101010101" pitchFamily="18" charset="-127"/>
+              </a:rPr>
+              <a:t>variaveis</a:t>
+            </a:r>
+            <a:r>
+              <a:rPr lang="en-US" sz="1400" b="0" strike="noStrike" spc="-1" dirty="0">
+                <a:latin typeface="Batang" panose="02030600000101010101" pitchFamily="18" charset="-127"/>
+                <a:ea typeface="Batang" panose="02030600000101010101" pitchFamily="18" charset="-127"/>
+              </a:rPr>
+              <a:t> e com as </a:t>
+            </a:r>
+            <a:r>
+              <a:rPr lang="en-US" sz="1400" b="0" strike="noStrike" spc="-1" dirty="0" err="1">
+                <a:latin typeface="Batang" panose="02030600000101010101" pitchFamily="18" charset="-127"/>
+                <a:ea typeface="Batang" panose="02030600000101010101" pitchFamily="18" charset="-127"/>
+              </a:rPr>
+              <a:t>formas</a:t>
+            </a:r>
+            <a:r>
+              <a:rPr lang="en-US" sz="1400" b="0" strike="noStrike" spc="-1" dirty="0">
+                <a:latin typeface="Batang" panose="02030600000101010101" pitchFamily="18" charset="-127"/>
+                <a:ea typeface="Batang" panose="02030600000101010101" pitchFamily="18" charset="-127"/>
+              </a:rPr>
+              <a:t> de </a:t>
+            </a:r>
+            <a:r>
+              <a:rPr lang="en-US" sz="1400" b="0" strike="noStrike" spc="-1" dirty="0" err="1">
+                <a:latin typeface="Batang" panose="02030600000101010101" pitchFamily="18" charset="-127"/>
+                <a:ea typeface="Batang" panose="02030600000101010101" pitchFamily="18" charset="-127"/>
+              </a:rPr>
+              <a:t>lidar</a:t>
+            </a:r>
+            <a:r>
+              <a:rPr lang="en-US" sz="1400" b="0" strike="noStrike" spc="-1" dirty="0">
+                <a:latin typeface="Batang" panose="02030600000101010101" pitchFamily="18" charset="-127"/>
+                <a:ea typeface="Batang" panose="02030600000101010101" pitchFamily="18" charset="-127"/>
+              </a:rPr>
+              <a:t> com </a:t>
+            </a:r>
+            <a:r>
+              <a:rPr lang="en-US" sz="1400" b="0" strike="noStrike" spc="-1" dirty="0" err="1">
+                <a:latin typeface="Batang" panose="02030600000101010101" pitchFamily="18" charset="-127"/>
+                <a:ea typeface="Batang" panose="02030600000101010101" pitchFamily="18" charset="-127"/>
+              </a:rPr>
+              <a:t>erros</a:t>
+            </a:r>
+            <a:r>
+              <a:rPr lang="en-US" sz="1400" b="0" strike="noStrike" spc="-1" dirty="0">
+                <a:latin typeface="Batang" panose="02030600000101010101" pitchFamily="18" charset="-127"/>
+                <a:ea typeface="Batang" panose="02030600000101010101" pitchFamily="18" charset="-127"/>
+              </a:rPr>
+              <a:t>, </a:t>
+            </a:r>
+            <a:r>
+              <a:rPr lang="en-US" sz="1400" b="0" strike="noStrike" spc="-1" dirty="0" err="1">
+                <a:latin typeface="Batang" panose="02030600000101010101" pitchFamily="18" charset="-127"/>
+                <a:ea typeface="Batang" panose="02030600000101010101" pitchFamily="18" charset="-127"/>
+              </a:rPr>
+              <a:t>que</a:t>
+            </a:r>
+            <a:r>
+              <a:rPr lang="en-US" sz="1400" b="0" strike="noStrike" spc="-1" dirty="0">
+                <a:latin typeface="Batang" panose="02030600000101010101" pitchFamily="18" charset="-127"/>
+                <a:ea typeface="Batang" panose="02030600000101010101" pitchFamily="18" charset="-127"/>
+              </a:rPr>
+              <a:t> se </a:t>
+            </a:r>
+            <a:r>
+              <a:rPr lang="en-US" sz="1400" b="0" strike="noStrike" spc="-1" dirty="0" err="1">
+                <a:latin typeface="Batang" panose="02030600000101010101" pitchFamily="18" charset="-127"/>
+                <a:ea typeface="Batang" panose="02030600000101010101" pitchFamily="18" charset="-127"/>
+              </a:rPr>
+              <a:t>assemelham</a:t>
+            </a:r>
+            <a:r>
+              <a:rPr lang="en-US" sz="1400" b="0" strike="noStrike" spc="-1" dirty="0">
+                <a:latin typeface="Batang" panose="02030600000101010101" pitchFamily="18" charset="-127"/>
+                <a:ea typeface="Batang" panose="02030600000101010101" pitchFamily="18" charset="-127"/>
+              </a:rPr>
+              <a:t> </a:t>
+            </a:r>
+            <a:r>
+              <a:rPr lang="en-US" sz="1400" b="0" strike="noStrike" spc="-1" dirty="0" err="1">
+                <a:latin typeface="Batang" panose="02030600000101010101" pitchFamily="18" charset="-127"/>
+                <a:ea typeface="Batang" panose="02030600000101010101" pitchFamily="18" charset="-127"/>
+              </a:rPr>
+              <a:t>ao</a:t>
+            </a:r>
+            <a:r>
+              <a:rPr lang="en-US" sz="1400" b="0" strike="noStrike" spc="-1" dirty="0">
+                <a:latin typeface="Batang" panose="02030600000101010101" pitchFamily="18" charset="-127"/>
+                <a:ea typeface="Batang" panose="02030600000101010101" pitchFamily="18" charset="-127"/>
+              </a:rPr>
+              <a:t> </a:t>
+            </a:r>
+            <a:r>
+              <a:rPr lang="en-US" sz="1400" b="0" strike="noStrike" spc="-1" dirty="0" err="1">
+                <a:latin typeface="Batang" panose="02030600000101010101" pitchFamily="18" charset="-127"/>
+                <a:ea typeface="Batang" panose="02030600000101010101" pitchFamily="18" charset="-127"/>
+              </a:rPr>
+              <a:t>utilizado</a:t>
+            </a:r>
+            <a:r>
+              <a:rPr lang="en-US" sz="1400" b="0" strike="noStrike" spc="-1" dirty="0">
+                <a:latin typeface="Batang" panose="02030600000101010101" pitchFamily="18" charset="-127"/>
+                <a:ea typeface="Batang" panose="02030600000101010101" pitchFamily="18" charset="-127"/>
+              </a:rPr>
+              <a:t> no Python</a:t>
+            </a:r>
+            <a:r>
+              <a:rPr lang="en-US" sz="1400" b="0" strike="noStrike" spc="-1" dirty="0" smtClean="0">
+                <a:latin typeface="Batang" panose="02030600000101010101" pitchFamily="18" charset="-127"/>
+                <a:ea typeface="Batang" panose="02030600000101010101" pitchFamily="18" charset="-127"/>
+              </a:rPr>
+              <a:t>.</a:t>
+            </a:r>
+            <a:endParaRPr lang="en-US" sz="1400" b="0" strike="noStrike" spc="-1" dirty="0">
+              <a:latin typeface="Batang" panose="02030600000101010101" pitchFamily="18" charset="-127"/>
+              <a:ea typeface="Batang" panose="02030600000101010101" pitchFamily="18" charset="-127"/>
+            </a:endParaRPr>
+          </a:p>
+          <a:p>
+            <a:pPr algn="just">
+              <a:lnSpc>
+                <a:spcPct val="150000"/>
+              </a:lnSpc>
+            </a:pPr>
+            <a:r>
+              <a:rPr lang="en-US" sz="1400" b="0" strike="noStrike" spc="-1" dirty="0" err="1">
+                <a:latin typeface="Batang" panose="02030600000101010101" pitchFamily="18" charset="-127"/>
+                <a:ea typeface="Batang" panose="02030600000101010101" pitchFamily="18" charset="-127"/>
+              </a:rPr>
+              <a:t>Gosto</a:t>
+            </a:r>
+            <a:r>
+              <a:rPr lang="en-US" sz="1400" b="0" strike="noStrike" spc="-1" dirty="0">
+                <a:latin typeface="Batang" panose="02030600000101010101" pitchFamily="18" charset="-127"/>
+                <a:ea typeface="Batang" panose="02030600000101010101" pitchFamily="18" charset="-127"/>
+              </a:rPr>
+              <a:t> da </a:t>
+            </a:r>
+            <a:r>
+              <a:rPr lang="en-US" sz="1400" b="0" strike="noStrike" spc="-1" dirty="0" err="1">
+                <a:latin typeface="Batang" panose="02030600000101010101" pitchFamily="18" charset="-127"/>
+                <a:ea typeface="Batang" panose="02030600000101010101" pitchFamily="18" charset="-127"/>
+              </a:rPr>
+              <a:t>ideia</a:t>
+            </a:r>
+            <a:r>
+              <a:rPr lang="en-US" sz="1400" b="0" strike="noStrike" spc="-1" dirty="0">
+                <a:latin typeface="Batang" panose="02030600000101010101" pitchFamily="18" charset="-127"/>
+                <a:ea typeface="Batang" panose="02030600000101010101" pitchFamily="18" charset="-127"/>
+              </a:rPr>
+              <a:t> de </a:t>
+            </a:r>
+            <a:r>
+              <a:rPr lang="en-US" sz="1400" b="0" strike="noStrike" spc="-1" dirty="0" err="1">
+                <a:latin typeface="Batang" panose="02030600000101010101" pitchFamily="18" charset="-127"/>
+                <a:ea typeface="Batang" panose="02030600000101010101" pitchFamily="18" charset="-127"/>
+              </a:rPr>
+              <a:t>trabalhar</a:t>
+            </a:r>
+            <a:r>
+              <a:rPr lang="en-US" sz="1400" b="0" strike="noStrike" spc="-1" dirty="0">
+                <a:latin typeface="Batang" panose="02030600000101010101" pitchFamily="18" charset="-127"/>
+                <a:ea typeface="Batang" panose="02030600000101010101" pitchFamily="18" charset="-127"/>
+              </a:rPr>
+              <a:t> e me </a:t>
+            </a:r>
+            <a:r>
+              <a:rPr lang="en-US" sz="1400" b="0" strike="noStrike" spc="-1" dirty="0" err="1">
+                <a:latin typeface="Batang" panose="02030600000101010101" pitchFamily="18" charset="-127"/>
+                <a:ea typeface="Batang" panose="02030600000101010101" pitchFamily="18" charset="-127"/>
+              </a:rPr>
+              <a:t>aperfeiçoar</a:t>
+            </a:r>
+            <a:r>
+              <a:rPr lang="en-US" sz="1400" b="0" strike="noStrike" spc="-1" dirty="0">
+                <a:latin typeface="Batang" panose="02030600000101010101" pitchFamily="18" charset="-127"/>
+                <a:ea typeface="Batang" panose="02030600000101010101" pitchFamily="18" charset="-127"/>
+              </a:rPr>
+              <a:t> </a:t>
+            </a:r>
+            <a:r>
+              <a:rPr lang="en-US" sz="1400" b="0" strike="noStrike" spc="-1" dirty="0" err="1">
+                <a:latin typeface="Batang" panose="02030600000101010101" pitchFamily="18" charset="-127"/>
+                <a:ea typeface="Batang" panose="02030600000101010101" pitchFamily="18" charset="-127"/>
+              </a:rPr>
+              <a:t>em</a:t>
+            </a:r>
+            <a:r>
+              <a:rPr lang="en-US" sz="1400" b="0" strike="noStrike" spc="-1" dirty="0">
+                <a:latin typeface="Batang" panose="02030600000101010101" pitchFamily="18" charset="-127"/>
+                <a:ea typeface="Batang" panose="02030600000101010101" pitchFamily="18" charset="-127"/>
+              </a:rPr>
+              <a:t> JavaScript, </a:t>
+            </a:r>
+            <a:r>
+              <a:rPr lang="en-US" sz="1400" b="0" strike="noStrike" spc="-1" dirty="0" err="1">
+                <a:latin typeface="Batang" panose="02030600000101010101" pitchFamily="18" charset="-127"/>
+                <a:ea typeface="Batang" panose="02030600000101010101" pitchFamily="18" charset="-127"/>
+              </a:rPr>
+              <a:t>já</a:t>
+            </a:r>
+            <a:r>
+              <a:rPr lang="en-US" sz="1400" b="0" strike="noStrike" spc="-1" dirty="0">
+                <a:latin typeface="Batang" panose="02030600000101010101" pitchFamily="18" charset="-127"/>
+                <a:ea typeface="Batang" panose="02030600000101010101" pitchFamily="18" charset="-127"/>
+              </a:rPr>
+              <a:t> </a:t>
+            </a:r>
+            <a:r>
+              <a:rPr lang="en-US" sz="1400" b="0" strike="noStrike" spc="-1" dirty="0" err="1">
+                <a:latin typeface="Batang" panose="02030600000101010101" pitchFamily="18" charset="-127"/>
+                <a:ea typeface="Batang" panose="02030600000101010101" pitchFamily="18" charset="-127"/>
+              </a:rPr>
+              <a:t>havia</a:t>
+            </a:r>
+            <a:r>
+              <a:rPr lang="en-US" sz="1400" b="0" strike="noStrike" spc="-1" dirty="0">
+                <a:latin typeface="Batang" panose="02030600000101010101" pitchFamily="18" charset="-127"/>
+                <a:ea typeface="Batang" panose="02030600000101010101" pitchFamily="18" charset="-127"/>
+              </a:rPr>
+              <a:t> </a:t>
+            </a:r>
+            <a:r>
+              <a:rPr lang="en-US" sz="1400" b="0" strike="noStrike" spc="-1" dirty="0" err="1">
+                <a:latin typeface="Batang" panose="02030600000101010101" pitchFamily="18" charset="-127"/>
+                <a:ea typeface="Batang" panose="02030600000101010101" pitchFamily="18" charset="-127"/>
+              </a:rPr>
+              <a:t>usado</a:t>
+            </a:r>
+            <a:r>
+              <a:rPr lang="en-US" sz="1400" b="0" strike="noStrike" spc="-1" dirty="0">
+                <a:latin typeface="Batang" panose="02030600000101010101" pitchFamily="18" charset="-127"/>
+                <a:ea typeface="Batang" panose="02030600000101010101" pitchFamily="18" charset="-127"/>
+              </a:rPr>
+              <a:t> a </a:t>
+            </a:r>
+            <a:r>
+              <a:rPr lang="en-US" sz="1400" b="0" strike="noStrike" spc="-1" dirty="0" err="1">
+                <a:latin typeface="Batang" panose="02030600000101010101" pitchFamily="18" charset="-127"/>
+                <a:ea typeface="Batang" panose="02030600000101010101" pitchFamily="18" charset="-127"/>
+              </a:rPr>
+              <a:t>linguagem</a:t>
+            </a:r>
+            <a:r>
+              <a:rPr lang="en-US" sz="1400" b="0" strike="noStrike" spc="-1" dirty="0">
+                <a:latin typeface="Batang" panose="02030600000101010101" pitchFamily="18" charset="-127"/>
+                <a:ea typeface="Batang" panose="02030600000101010101" pitchFamily="18" charset="-127"/>
+              </a:rPr>
+              <a:t> </a:t>
+            </a:r>
+            <a:r>
+              <a:rPr lang="en-US" sz="1400" b="0" strike="noStrike" spc="-1" dirty="0" err="1">
+                <a:latin typeface="Batang" panose="02030600000101010101" pitchFamily="18" charset="-127"/>
+                <a:ea typeface="Batang" panose="02030600000101010101" pitchFamily="18" charset="-127"/>
+              </a:rPr>
+              <a:t>como</a:t>
+            </a:r>
+            <a:r>
+              <a:rPr lang="en-US" sz="1400" b="0" strike="noStrike" spc="-1" dirty="0">
+                <a:latin typeface="Batang" panose="02030600000101010101" pitchFamily="18" charset="-127"/>
+                <a:ea typeface="Batang" panose="02030600000101010101" pitchFamily="18" charset="-127"/>
+              </a:rPr>
+              <a:t> hobby.</a:t>
+            </a:r>
+          </a:p>
+        </p:txBody>
+      </p:sp>
     </p:spTree>
   </p:cSld>
-  <mc:AlternateContent>
+  <p:clrMapOvr>
+    <a:masterClrMapping/>
+  </p:clrMapOvr>
+  <mc:AlternateContent xmlns:mc="http://schemas.openxmlformats.org/markup-compatibility/2006" xmlns:p14="http://schemas.microsoft.com/office/powerpoint/2010/main">
     <mc:Choice Requires="p14">
       <p:transition spd="slow" p14:dur="2000"/>
     </mc:Choice>
-    <mc:Fallback>
+    <mc:Fallback xmlns:p15="http://schemas.microsoft.com/office/powerpoint/2012/main" xmlns="">
       <p:transition spd="slow"/>
     </mc:Fallback>
   </mc:AlternateContent>
   <p:timing>
     <p:tnLst>
       <p:par>
-        <p:cTn id="13" dur="indefinite" restart="never" nodeType="tmRoot">
+        <p:cTn id="1" dur="indefinite" restart="never" nodeType="tmRoot">
           <p:childTnLst>
             <p:seq>
-              <p:cTn id="14" dur="indefinite" nodeType="mainSeq"/>
+              <p:cTn id="2" dur="indefinite" nodeType="mainSeq"/>
               <p:prevCondLst>
-                <p:cond delay="0" evt="onPrev">
+                <p:cond evt="onPrev" delay="0">
                   <p:tgtEl>
                     <p:sldTgt/>
                   </p:tgtEl>
                 </p:cond>
               </p:prevCondLst>
               <p:nextCondLst>
-                <p:cond delay="0" evt="onNext">
+                <p:cond evt="onNext" delay="0">
                   <p:tgtEl>
                     <p:sldTgt/>
                   </p:tgtEl>
@@ -3507,8 +7405,8 @@
 </p:sld>
 </file>
 
-<file path=ppt/slides/slide8.xml><?xml version="1.0" encoding="utf-8"?>
-<p:sld xmlns:a="http://schemas.openxmlformats.org/drawingml/2006/main" xmlns:p="http://schemas.openxmlformats.org/presentationml/2006/main" xmlns:r="http://schemas.openxmlformats.org/officeDocument/2006/relationships" xmlns:p14="http://schemas.microsoft.com/office/powerpoint/2010/main" xmlns:p15="http://schemas.microsoft.com/office/powerpoint/2012/main" xmlns:mc="http://schemas.openxmlformats.org/markup-compatibility/2006">
+<file path=ppt/slides/slide9.xml><?xml version="1.0" encoding="utf-8"?>
+<p:sld xmlns:a="http://schemas.openxmlformats.org/drawingml/2006/main" xmlns:r="http://schemas.openxmlformats.org/officeDocument/2006/relationships" xmlns:p="http://schemas.openxmlformats.org/presentationml/2006/main">
   <p:cSld>
     <p:spTree>
       <p:nvGrpSpPr>
@@ -3532,7 +7430,7 @@
         </p:nvSpPr>
         <p:spPr>
           <a:xfrm>
-            <a:off x="914400" y="148680"/>
+            <a:off x="1879296" y="38588"/>
             <a:ext cx="7680960" cy="395280"/>
           </a:xfrm>
           <a:prstGeom prst="rect">
@@ -3544,17 +7442,66 @@
           </a:ln>
         </p:spPr>
         <p:txBody>
-          <a:bodyPr lIns="90000" rIns="90000" tIns="45000" bIns="45000">
+          <a:bodyPr lIns="90000" tIns="45000" rIns="90000" bIns="45000">
             <a:spAutoFit/>
           </a:bodyPr>
-          <a:p>
-            <a:r>
-              <a:rPr b="1" lang="en-US" sz="2000" spc="-1" strike="noStrike">
+          <a:lstStyle/>
+          <a:p>
+            <a:r>
+              <a:rPr lang="en-US" sz="2000" b="1" u="sng" strike="noStrike" spc="-1" dirty="0">
                 <a:latin typeface="Cantarell Extra Bold"/>
               </a:rPr>
-              <a:t>Tempo para desenvolver o estudo --------- ~ 8 horas</a:t>
-            </a:r>
-            <a:endParaRPr b="0" lang="en-US" sz="2000" spc="-1" strike="noStrike">
+              <a:t>Tempo para </a:t>
+            </a:r>
+            <a:r>
+              <a:rPr lang="en-US" sz="2000" b="1" u="sng" strike="noStrike" spc="-1" dirty="0" err="1">
+                <a:latin typeface="Cantarell Extra Bold"/>
+              </a:rPr>
+              <a:t>desenvolver</a:t>
+            </a:r>
+            <a:r>
+              <a:rPr lang="en-US" sz="2000" b="1" u="sng" strike="noStrike" spc="-1" dirty="0">
+                <a:latin typeface="Cantarell Extra Bold"/>
+              </a:rPr>
+              <a:t> o </a:t>
+            </a:r>
+            <a:r>
+              <a:rPr lang="en-US" sz="2000" b="1" u="sng" strike="noStrike" spc="-1" dirty="0" err="1" smtClean="0">
+                <a:latin typeface="Cantarell Extra Bold"/>
+              </a:rPr>
+              <a:t>estudo</a:t>
+            </a:r>
+            <a:r>
+              <a:rPr lang="en-US" sz="2000" b="1" u="sng" spc="-1" dirty="0">
+                <a:latin typeface="Cantarell Extra Bold"/>
+              </a:rPr>
+              <a:t> </a:t>
+            </a:r>
+            <a:r>
+              <a:rPr lang="en-US" sz="2000" b="1" u="sng" spc="-1" dirty="0" smtClean="0">
+                <a:latin typeface="Cantarell Extra Bold"/>
+              </a:rPr>
+              <a:t>   ( </a:t>
+            </a:r>
+            <a:r>
+              <a:rPr lang="en-US" sz="2000" b="1" u="sng" strike="noStrike" spc="-1" dirty="0" smtClean="0">
+                <a:latin typeface="Cantarell Extra Bold"/>
+              </a:rPr>
+              <a:t>~ ) </a:t>
+            </a:r>
+            <a:r>
+              <a:rPr lang="en-US" sz="2000" b="1" u="sng" strike="noStrike" spc="-1" dirty="0">
+                <a:latin typeface="Cantarell Extra Bold"/>
+              </a:rPr>
+              <a:t>8 </a:t>
+            </a:r>
+            <a:r>
+              <a:rPr lang="en-US" sz="2000" b="1" u="sng" strike="noStrike" spc="-1" dirty="0" err="1">
+                <a:latin typeface="Cantarell Extra Bold"/>
+              </a:rPr>
+              <a:t>horas</a:t>
+            </a:r>
+            <a:endParaRPr lang="en-US" sz="2000" b="0" u="sng" strike="noStrike" spc="-1" dirty="0">
               <a:latin typeface="Arial"/>
             </a:endParaRPr>
           </a:p>
@@ -3568,8 +7515,8 @@
         </p:nvSpPr>
         <p:spPr>
           <a:xfrm>
-            <a:off x="91440" y="762120"/>
-            <a:ext cx="4389120" cy="4602600"/>
+            <a:off x="91439" y="957471"/>
+            <a:ext cx="4846321" cy="3784198"/>
           </a:xfrm>
           <a:prstGeom prst="rect">
             <a:avLst/>
@@ -3580,32 +7527,201 @@
           </a:ln>
         </p:spPr>
         <p:txBody>
-          <a:bodyPr lIns="90000" rIns="90000" tIns="45000" bIns="45000">
+          <a:bodyPr wrap="square" lIns="90000" tIns="45000" rIns="90000" bIns="45000" numCol="1">
             <a:spAutoFit/>
           </a:bodyPr>
-          <a:p>
-            <a:pPr algn="ctr">
+          <a:lstStyle/>
+          <a:p>
+            <a:pPr>
               <a:lnSpc>
-                <a:spcPct val="100000"/>
+                <a:spcPct val="150000"/>
               </a:lnSpc>
             </a:pPr>
             <a:r>
-              <a:rPr b="0" lang="en-US" sz="1200" spc="-1" strike="noStrike">
-                <a:latin typeface="Droid Sans Fallback"/>
-              </a:rPr>
-              <a:t>CONTRA-TEMPOS</a:t>
-            </a:r>
-            <a:endParaRPr b="0" lang="en-US" sz="1200" spc="-1" strike="noStrike">
+              <a:rPr lang="en-US" sz="1400" b="1" strike="noStrike" spc="-1" dirty="0" smtClean="0">
+                <a:latin typeface="Noto Mono"/>
+              </a:rPr>
+              <a:t>→ </a:t>
+            </a:r>
+            <a:r>
+              <a:rPr lang="en-US" sz="1400" b="1" u="sng" strike="noStrike" spc="-1" dirty="0" err="1">
+                <a:uFillTx/>
+                <a:latin typeface="Noto Mono"/>
+              </a:rPr>
+              <a:t>Incompatibilidade</a:t>
+            </a:r>
+            <a:r>
+              <a:rPr lang="en-US" sz="1400" b="1" u="sng" strike="noStrike" spc="-1" dirty="0">
+                <a:uFillTx/>
+                <a:latin typeface="Noto Mono"/>
+              </a:rPr>
+              <a:t> de </a:t>
+            </a:r>
+            <a:r>
+              <a:rPr lang="en-US" sz="1400" b="1" u="sng" strike="noStrike" spc="-1" dirty="0" err="1">
+                <a:uFillTx/>
+                <a:latin typeface="Noto Mono"/>
+              </a:rPr>
+              <a:t>versão</a:t>
+            </a:r>
+            <a:r>
+              <a:rPr lang="en-US" sz="1400" b="1" strike="noStrike" spc="-1" dirty="0">
+                <a:latin typeface="Noto Mono"/>
+              </a:rPr>
+              <a:t> {</a:t>
+            </a:r>
+            <a:endParaRPr lang="en-US" sz="1400" b="0" strike="noStrike" spc="-1" dirty="0">
               <a:latin typeface="Arial"/>
             </a:endParaRPr>
           </a:p>
           <a:p>
-            <a:pPr algn="ctr">
+            <a:pPr>
               <a:lnSpc>
-                <a:spcPct val="100000"/>
+                <a:spcPct val="150000"/>
               </a:lnSpc>
             </a:pPr>
-            <a:endParaRPr b="0" lang="en-US" sz="1200" spc="-1" strike="noStrike">
+            <a:r>
+              <a:rPr lang="en-US" sz="1400" b="1" strike="noStrike" spc="-1" dirty="0">
+                <a:latin typeface="Noto Mono"/>
+              </a:rPr>
+              <a:t>	node | </a:t>
+            </a:r>
+            <a:r>
+              <a:rPr lang="en-US" sz="1400" b="1" strike="noStrike" spc="-1" dirty="0" err="1">
+                <a:latin typeface="Noto Mono"/>
+              </a:rPr>
+              <a:t>npm</a:t>
+            </a:r>
+            <a:r>
+              <a:rPr lang="en-US" sz="1400" b="1" strike="noStrike" spc="-1" dirty="0">
+                <a:latin typeface="Noto Mono"/>
+              </a:rPr>
+              <a:t>,</a:t>
+            </a:r>
+            <a:endParaRPr lang="en-US" sz="1400" b="0" strike="noStrike" spc="-1" dirty="0">
+              <a:latin typeface="Arial"/>
+            </a:endParaRPr>
+          </a:p>
+          <a:p>
+            <a:pPr>
+              <a:lnSpc>
+                <a:spcPct val="150000"/>
+              </a:lnSpc>
+            </a:pPr>
+            <a:r>
+              <a:rPr lang="en-US" sz="1400" b="1" strike="noStrike" spc="-1" dirty="0">
+                <a:latin typeface="Noto Mono"/>
+                <a:ea typeface="DejaVu Sans"/>
+              </a:rPr>
+              <a:t>	</a:t>
+            </a:r>
+            <a:r>
+              <a:rPr lang="en-US" sz="1400" b="1" strike="noStrike" spc="-1" dirty="0" err="1">
+                <a:latin typeface="Noto Mono"/>
+                <a:ea typeface="DejaVu Sans"/>
+              </a:rPr>
+              <a:t>problema</a:t>
+            </a:r>
+            <a:r>
+              <a:rPr lang="en-US" sz="1400" b="1" strike="noStrike" spc="-1" dirty="0">
+                <a:latin typeface="Noto Mono"/>
+                <a:ea typeface="DejaVu Sans"/>
+              </a:rPr>
+              <a:t> : </a:t>
+            </a:r>
+            <a:r>
+              <a:rPr lang="en-US" sz="1400" b="1" strike="noStrike" spc="-1" dirty="0">
+                <a:latin typeface="Noto Mono"/>
+              </a:rPr>
+              <a:t>node-</a:t>
+            </a:r>
+            <a:r>
+              <a:rPr lang="en-US" sz="1400" b="1" strike="noStrike" spc="-1" dirty="0" err="1">
+                <a:latin typeface="Noto Mono"/>
+              </a:rPr>
+              <a:t>api</a:t>
+            </a:r>
+            <a:r>
+              <a:rPr lang="en-US" sz="1400" b="1" strike="noStrike" spc="-1" dirty="0">
+                <a:latin typeface="Noto Mono"/>
+              </a:rPr>
+              <a:t>@ ELIFECYCLE,</a:t>
+            </a:r>
+            <a:endParaRPr lang="en-US" sz="1400" b="0" strike="noStrike" spc="-1" dirty="0">
+              <a:latin typeface="Arial"/>
+            </a:endParaRPr>
+          </a:p>
+          <a:p>
+            <a:pPr>
+              <a:lnSpc>
+                <a:spcPct val="150000"/>
+              </a:lnSpc>
+            </a:pPr>
+            <a:r>
+              <a:rPr lang="en-US" sz="1400" b="1" strike="noStrike" spc="-1" dirty="0">
+                <a:latin typeface="Noto Mono"/>
+              </a:rPr>
+              <a:t>	</a:t>
+            </a:r>
+            <a:r>
+              <a:rPr lang="en-US" sz="1400" b="1" strike="noStrike" spc="-1" dirty="0" err="1">
+                <a:latin typeface="Noto Mono"/>
+              </a:rPr>
+              <a:t>solucao</a:t>
+            </a:r>
+            <a:r>
+              <a:rPr lang="en-US" sz="1400" b="1" strike="noStrike" spc="-1" dirty="0">
+                <a:latin typeface="Noto Mono"/>
+              </a:rPr>
+              <a:t> : </a:t>
+            </a:r>
+            <a:r>
+              <a:rPr lang="en-US" sz="1400" b="1" strike="noStrike" spc="-1" dirty="0" err="1">
+                <a:latin typeface="Noto Mono"/>
+              </a:rPr>
+              <a:t>basicamente</a:t>
+            </a:r>
+            <a:r>
+              <a:rPr lang="en-US" sz="1400" b="1" strike="noStrike" spc="-1" dirty="0">
+                <a:latin typeface="Noto Mono"/>
+              </a:rPr>
+              <a:t> </a:t>
+            </a:r>
+            <a:r>
+              <a:rPr lang="en-US" sz="1400" b="1" strike="noStrike" spc="-1" dirty="0" err="1">
+                <a:latin typeface="Noto Mono"/>
+              </a:rPr>
+              <a:t>coloquei</a:t>
+            </a:r>
+            <a:r>
+              <a:rPr lang="en-US" sz="1400" b="1" strike="noStrike" spc="-1" dirty="0">
+                <a:latin typeface="Noto Mono"/>
+              </a:rPr>
+              <a:t> v10.15.2 no node e v6.13.2 no </a:t>
+            </a:r>
+            <a:r>
+              <a:rPr lang="en-US" sz="1400" b="1" strike="noStrike" spc="-1" dirty="0" err="1">
+                <a:latin typeface="Noto Mono"/>
+              </a:rPr>
+              <a:t>npm</a:t>
+            </a:r>
+            <a:endParaRPr lang="en-US" sz="1400" b="0" strike="noStrike" spc="-1" dirty="0">
+              <a:latin typeface="Arial"/>
+            </a:endParaRPr>
+          </a:p>
+          <a:p>
+            <a:pPr>
+              <a:lnSpc>
+                <a:spcPct val="150000"/>
+              </a:lnSpc>
+            </a:pPr>
+            <a:r>
+              <a:rPr lang="en-US" sz="1400" b="1" strike="noStrike" spc="-1" dirty="0">
+                <a:latin typeface="Noto Mono"/>
+              </a:rPr>
+              <a:t>}</a:t>
+            </a:r>
+            <a:endParaRPr lang="en-US" sz="1400" b="0" strike="noStrike" spc="-1" dirty="0">
               <a:latin typeface="Arial"/>
             </a:endParaRPr>
           </a:p>
@@ -3615,27 +7731,8 @@
                 <a:spcPct val="100000"/>
               </a:lnSpc>
             </a:pPr>
-            <a:r>
-              <a:rPr b="1" lang="en-US" sz="1100" spc="-1" strike="noStrike">
-                <a:latin typeface="Noto Mono"/>
-              </a:rPr>
-              <a:t>→ </a:t>
-            </a:r>
-            <a:r>
-              <a:rPr b="1" lang="en-US" sz="1100" spc="-1" strike="noStrike" u="sng">
-                <a:uFillTx/>
-                <a:latin typeface="Noto Mono"/>
-              </a:rPr>
-              <a:t>Incompatibilidade de versão</a:t>
-            </a:r>
-            <a:r>
-              <a:rPr b="1" lang="en-US" sz="1100" spc="-1" strike="noStrike">
-                <a:latin typeface="Noto Mono"/>
-              </a:rPr>
-              <a:t> {</a:t>
-            </a:r>
-            <a:endParaRPr b="0" lang="en-US" sz="1100" spc="-1" strike="noStrike">
-              <a:latin typeface="Arial"/>
+            <a:endParaRPr lang="en-US" sz="1400" b="1" strike="noStrike" spc="-1" dirty="0" smtClean="0">
+              <a:latin typeface="Noto Mono"/>
             </a:endParaRPr>
           </a:p>
           <a:p>
@@ -3645,18 +7742,48 @@
               </a:lnSpc>
             </a:pPr>
             <a:r>
-              <a:rPr b="1" lang="en-US" sz="1100" spc="-1" strike="noStrike">
-                <a:latin typeface="Noto Mono"/>
-              </a:rPr>
-              <a:t>	</a:t>
-            </a:r>
-            <a:r>
-              <a:rPr b="1" lang="en-US" sz="1100" spc="-1" strike="noStrike">
-                <a:latin typeface="Noto Mono"/>
-              </a:rPr>
-              <a:t>node | npm,</a:t>
-            </a:r>
-            <a:endParaRPr b="0" lang="en-US" sz="1100" spc="-1" strike="noStrike">
+              <a:rPr lang="en-US" sz="1400" b="1" strike="noStrike" spc="-1" dirty="0" smtClean="0">
+                <a:latin typeface="Noto Mono"/>
+              </a:rPr>
+              <a:t>@</a:t>
+            </a:r>
+            <a:r>
+              <a:rPr lang="en-US" sz="1400" b="1" strike="noStrike" spc="-1" dirty="0" err="1">
+                <a:latin typeface="Noto Mono"/>
+              </a:rPr>
+              <a:t>fonte</a:t>
+            </a:r>
+            <a:r>
+              <a:rPr lang="en-US" sz="1400" b="1" strike="noStrike" spc="-1" dirty="0">
+                <a:latin typeface="Noto Mono"/>
+              </a:rPr>
+              <a:t>(</a:t>
+            </a:r>
+            <a:r>
+              <a:rPr lang="en-US" sz="1400" b="1" strike="noStrike" spc="-1" dirty="0" err="1">
+                <a:latin typeface="Noto Mono"/>
+              </a:rPr>
+              <a:t>msm</a:t>
+            </a:r>
+            <a:r>
+              <a:rPr lang="en-US" sz="1400" b="1" strike="noStrike" spc="-1" dirty="0">
+                <a:latin typeface="Noto Mono"/>
+              </a:rPr>
+              <a:t> </a:t>
+            </a:r>
+            <a:r>
+              <a:rPr lang="en-US" sz="1400" b="1" strike="noStrike" spc="-1" dirty="0" err="1">
+                <a:latin typeface="Noto Mono"/>
+              </a:rPr>
+              <a:t>problema</a:t>
+            </a:r>
+            <a:r>
+              <a:rPr lang="en-US" sz="1400" b="1" strike="noStrike" spc="-1" dirty="0">
+                <a:latin typeface="Noto Mono"/>
+              </a:rPr>
+              <a:t>)</a:t>
+            </a:r>
+            <a:endParaRPr lang="en-US" sz="1400" b="0" strike="noStrike" spc="-1" dirty="0">
               <a:latin typeface="Arial"/>
             </a:endParaRPr>
           </a:p>
@@ -3667,26 +7794,14 @@
               </a:lnSpc>
             </a:pPr>
             <a:r>
-              <a:rPr b="1" lang="en-US" sz="1100" spc="-1" strike="noStrike">
-                <a:latin typeface="Noto Mono"/>
-                <a:ea typeface="DejaVu Sans"/>
-              </a:rPr>
-              <a:t>	</a:t>
-            </a:r>
-            <a:r>
-              <a:rPr b="1" lang="en-US" sz="1100" spc="-1" strike="noStrike">
-                <a:latin typeface="Noto Mono"/>
-                <a:ea typeface="DejaVu Sans"/>
-              </a:rPr>
-              <a:t>problema : </a:t>
-            </a:r>
-            <a:r>
-              <a:rPr b="1" lang="en-US" sz="1100" spc="-1" strike="noStrike">
-                <a:latin typeface="Noto Mono"/>
-              </a:rPr>
-              <a:t>node-api@ ELIFECYCLE,</a:t>
-            </a:r>
-            <a:endParaRPr b="0" lang="en-US" sz="1100" spc="-1" strike="noStrike">
+              <a:rPr lang="en-US" sz="1200" b="0" u="sng" strike="noStrike" spc="-1" dirty="0">
+                <a:uFillTx/>
+                <a:latin typeface="Arial"/>
+                <a:hlinkClick r:id="rId2"/>
+              </a:rPr>
+              <a:t>https://stackoverflow.com/questions/30239752/npm-start-fails-because-of-node-api-elifecycle/30240160</a:t>
+            </a:r>
+            <a:endParaRPr lang="en-US" sz="1200" b="0" strike="noStrike" spc="-1" dirty="0">
               <a:latin typeface="Arial"/>
             </a:endParaRPr>
           </a:p>
@@ -3696,19 +7811,7 @@
                 <a:spcPct val="100000"/>
               </a:lnSpc>
             </a:pPr>
-            <a:r>
-              <a:rPr b="1" lang="en-US" sz="1100" spc="-1" strike="noStrike">
-                <a:latin typeface="Noto Mono"/>
-              </a:rPr>
-              <a:t>	</a:t>
-            </a:r>
-            <a:r>
-              <a:rPr b="1" lang="en-US" sz="1100" spc="-1" strike="noStrike">
-                <a:latin typeface="Noto Mono"/>
-              </a:rPr>
-              <a:t>solucao : basicamente coloquei v10.15.2 no node e v6.13.2 no npm</a:t>
-            </a:r>
-            <a:endParaRPr b="0" lang="en-US" sz="1100" spc="-1" strike="noStrike">
+            <a:endParaRPr lang="en-US" sz="1200" b="0" strike="noStrike" spc="-1" dirty="0">
               <a:latin typeface="Arial"/>
             </a:endParaRPr>
           </a:p>
@@ -3719,12 +7822,41 @@
               </a:lnSpc>
             </a:pPr>
             <a:r>
-              <a:rPr b="1" lang="en-US" sz="1100" spc="-1" strike="noStrike">
-                <a:latin typeface="Noto Mono"/>
-              </a:rPr>
-              <a:t>}</a:t>
-            </a:r>
-            <a:endParaRPr b="0" lang="en-US" sz="1100" spc="-1" strike="noStrike">
+              <a:rPr lang="en-US" sz="1400" b="1" u="sng" strike="noStrike" spc="-1" dirty="0">
+                <a:uFillTx/>
+                <a:latin typeface="Noto Mono"/>
+              </a:rPr>
+              <a:t>@</a:t>
+            </a:r>
+            <a:r>
+              <a:rPr lang="en-US" sz="1400" b="1" u="sng" strike="noStrike" spc="-1" dirty="0" err="1">
+                <a:uFillTx/>
+                <a:latin typeface="Noto Mono"/>
+              </a:rPr>
+              <a:t>fonte</a:t>
+            </a:r>
+            <a:r>
+              <a:rPr lang="en-US" sz="1400" b="1" u="sng" strike="noStrike" spc="-1" dirty="0">
+                <a:uFillTx/>
+                <a:latin typeface="Noto Mono"/>
+              </a:rPr>
+              <a:t>(</a:t>
+            </a:r>
+            <a:r>
+              <a:rPr lang="en-US" sz="1400" b="1" u="sng" strike="noStrike" spc="-1" dirty="0" err="1">
+                <a:uFillTx/>
+                <a:latin typeface="Noto Mono"/>
+              </a:rPr>
+              <a:t>suporte</a:t>
+            </a:r>
+            <a:r>
+              <a:rPr lang="en-US" sz="1400" b="1" u="sng" strike="noStrike" spc="-1" dirty="0">
+                <a:uFillTx/>
+                <a:latin typeface="Noto Mono"/>
+              </a:rPr>
+              <a:t>)</a:t>
+            </a:r>
+            <a:endParaRPr lang="en-US" sz="1400" b="0" strike="noStrike" spc="-1" dirty="0">
               <a:latin typeface="Arial"/>
             </a:endParaRPr>
           </a:p>
@@ -3734,219 +7866,20 @@
                 <a:spcPct val="100000"/>
               </a:lnSpc>
             </a:pPr>
-            <a:endParaRPr b="0" lang="en-US" sz="1100" spc="-1" strike="noStrike">
-              <a:latin typeface="Arial"/>
-            </a:endParaRPr>
-          </a:p>
-          <a:p>
-            <a:pPr>
-              <a:lnSpc>
-                <a:spcPct val="100000"/>
-              </a:lnSpc>
-            </a:pPr>
-            <a:r>
-              <a:rPr b="1" lang="en-US" sz="1100" spc="-1" strike="noStrike">
-                <a:latin typeface="Noto Mono"/>
-              </a:rPr>
-              <a:t>@fonte(msm problema)</a:t>
-            </a:r>
-            <a:endParaRPr b="0" lang="en-US" sz="1100" spc="-1" strike="noStrike">
-              <a:latin typeface="Arial"/>
-            </a:endParaRPr>
-          </a:p>
-          <a:p>
-            <a:pPr>
-              <a:lnSpc>
-                <a:spcPct val="100000"/>
-              </a:lnSpc>
-            </a:pPr>
-            <a:r>
-              <a:rPr b="0" lang="en-US" sz="1050" spc="-1" strike="noStrike" u="sng">
-                <a:uFillTx/>
-                <a:latin typeface="Arial"/>
-                <a:hlinkClick r:id="rId1"/>
-              </a:rPr>
-              <a:t>https://stackoverflow.com/questions/30239752/npm-start-fails-because-of-node-api-elifecycle/30240160</a:t>
-            </a:r>
-            <a:endParaRPr b="0" lang="en-US" sz="1050" spc="-1" strike="noStrike">
-              <a:latin typeface="Arial"/>
-            </a:endParaRPr>
-          </a:p>
-          <a:p>
-            <a:pPr>
-              <a:lnSpc>
-                <a:spcPct val="100000"/>
-              </a:lnSpc>
-            </a:pPr>
-            <a:endParaRPr b="0" lang="en-US" sz="1050" spc="-1" strike="noStrike">
-              <a:latin typeface="Arial"/>
-            </a:endParaRPr>
-          </a:p>
-          <a:p>
-            <a:pPr>
-              <a:lnSpc>
-                <a:spcPct val="100000"/>
-              </a:lnSpc>
-            </a:pPr>
-            <a:r>
-              <a:rPr b="1" lang="en-US" sz="1100" spc="-1" strike="noStrike" u="sng">
-                <a:uFillTx/>
-                <a:latin typeface="Noto Mono"/>
-              </a:rPr>
-              <a:t>@fonte(suporte)</a:t>
-            </a:r>
-            <a:endParaRPr b="0" lang="en-US" sz="1100" spc="-1" strike="noStrike">
-              <a:latin typeface="Arial"/>
-            </a:endParaRPr>
-          </a:p>
-          <a:p>
-            <a:pPr>
-              <a:lnSpc>
-                <a:spcPct val="100000"/>
-              </a:lnSpc>
-            </a:pPr>
-            <a:r>
-              <a:rPr b="0" lang="en-US" sz="1050" spc="-1" strike="noStrike" u="sng">
-                <a:uFillTx/>
-                <a:latin typeface="Arial"/>
-                <a:hlinkClick r:id="rId2"/>
-              </a:rPr>
-              <a:t>https://scotch.io/@vishalbiradar/how-to-install-specific-version-of-nodejs</a:t>
-            </a:r>
-            <a:endParaRPr b="0" lang="en-US" sz="1050" spc="-1" strike="noStrike">
-              <a:latin typeface="Arial"/>
-            </a:endParaRPr>
-          </a:p>
-          <a:p>
-            <a:endParaRPr b="0" lang="en-US" sz="1050" spc="-1" strike="noStrike">
-              <a:latin typeface="Arial"/>
-            </a:endParaRPr>
-          </a:p>
-          <a:p>
-            <a:r>
-              <a:rPr b="1" lang="en-US" sz="1100" spc="-1" strike="noStrike">
-                <a:latin typeface="Noto Mono"/>
-              </a:rPr>
-              <a:t>→ </a:t>
-            </a:r>
-            <a:r>
-              <a:rPr b="1" lang="en-US" sz="1100" spc="-1" strike="noStrike" u="sng">
-                <a:uFillTx/>
-                <a:latin typeface="Noto Mono"/>
-              </a:rPr>
-              <a:t>Error 404 em toda chamada do app</a:t>
-            </a:r>
-            <a:r>
-              <a:rPr b="1" lang="en-US" sz="1100" spc="-1" strike="noStrike">
-                <a:latin typeface="Noto Mono"/>
-              </a:rPr>
-              <a:t> {</a:t>
-            </a:r>
-            <a:endParaRPr b="0" lang="en-US" sz="1100" spc="-1" strike="noStrike">
-              <a:latin typeface="Arial"/>
-            </a:endParaRPr>
-          </a:p>
-          <a:p>
-            <a:r>
-              <a:rPr b="1" lang="en-US" sz="1100" spc="-1" strike="noStrike">
-                <a:latin typeface="Noto Mono"/>
-              </a:rPr>
-              <a:t>	</a:t>
-            </a:r>
-            <a:r>
-              <a:rPr b="1" lang="en-US" sz="1100" spc="-1" strike="noStrike">
-                <a:latin typeface="Noto Mono"/>
-              </a:rPr>
-              <a:t>GET | POST,</a:t>
-            </a:r>
-            <a:endParaRPr b="0" lang="en-US" sz="1100" spc="-1" strike="noStrike">
-              <a:latin typeface="Arial"/>
-            </a:endParaRPr>
-          </a:p>
-          <a:p>
-            <a:r>
-              <a:rPr b="1" lang="en-US" sz="1100" spc="-1" strike="noStrike">
-                <a:latin typeface="Noto Mono"/>
-                <a:ea typeface="DejaVu Sans"/>
-              </a:rPr>
-              <a:t>	</a:t>
-            </a:r>
-            <a:r>
-              <a:rPr b="1" lang="en-US" sz="1100" spc="-1" strike="noStrike">
-                <a:latin typeface="Noto Mono"/>
-                <a:ea typeface="DejaVu Sans"/>
-              </a:rPr>
-              <a:t>problema : {"statusCode":404,"error":"Not Found","message":"Cannot OPTIONS /authenticate"}</a:t>
-            </a:r>
-            <a:r>
-              <a:rPr b="1" lang="en-US" sz="1100" spc="-1" strike="noStrike">
-                <a:latin typeface="Noto Mono"/>
-              </a:rPr>
-              <a:t>,</a:t>
-            </a:r>
-            <a:endParaRPr b="0" lang="en-US" sz="1100" spc="-1" strike="noStrike">
-              <a:latin typeface="Arial"/>
-            </a:endParaRPr>
-          </a:p>
-          <a:p>
-            <a:r>
-              <a:rPr b="1" lang="en-US" sz="1100" spc="-1" strike="noStrike">
-                <a:latin typeface="Noto Mono"/>
-              </a:rPr>
-              <a:t>	</a:t>
-            </a:r>
-            <a:r>
-              <a:rPr b="1" lang="en-US" sz="1100" spc="-1" strike="noStrike">
-                <a:latin typeface="Noto Mono"/>
-              </a:rPr>
-              <a:t>solucao : passei o parametro {cors:{origin: true, preflightContinue: false} para o app e coloquei a mesma rota no controller() e no get()</a:t>
-            </a:r>
-            <a:endParaRPr b="0" lang="en-US" sz="1100" spc="-1" strike="noStrike">
-              <a:latin typeface="Arial"/>
-            </a:endParaRPr>
-          </a:p>
-          <a:p>
-            <a:r>
-              <a:rPr b="1" lang="en-US" sz="1100" spc="-1" strike="noStrike">
-                <a:latin typeface="Noto Mono"/>
-              </a:rPr>
-              <a:t>} </a:t>
-            </a:r>
-            <a:endParaRPr b="0" lang="en-US" sz="1100" spc="-1" strike="noStrike">
-              <a:latin typeface="Arial"/>
-            </a:endParaRPr>
-          </a:p>
-          <a:p>
-            <a:endParaRPr b="0" lang="en-US" sz="1100" spc="-1" strike="noStrike">
-              <a:latin typeface="Arial"/>
-            </a:endParaRPr>
-          </a:p>
-          <a:p>
-            <a:r>
-              <a:rPr b="1" lang="en-US" sz="1100" spc="-1" strike="noStrike">
-                <a:latin typeface="Noto Mono"/>
-              </a:rPr>
-              <a:t>@fonte(msm problema)</a:t>
-            </a:r>
-            <a:endParaRPr b="0" lang="en-US" sz="1100" spc="-1" strike="noStrike">
-              <a:latin typeface="Arial"/>
-            </a:endParaRPr>
-          </a:p>
-          <a:p>
-            <a:r>
-              <a:rPr b="0" lang="en-US" sz="1050" spc="-1" strike="noStrike" u="sng">
+            <a:r>
+              <a:rPr lang="en-US" sz="1200" b="0" u="sng" strike="noStrike" spc="-1" dirty="0">
                 <a:uFillTx/>
                 <a:latin typeface="Arial"/>
                 <a:hlinkClick r:id="rId3"/>
               </a:rPr>
-              <a:t>https://stackoverflow.com/questions/50354176/getting-404-not-found-on-options-with-nestjs</a:t>
-            </a:r>
-            <a:endParaRPr b="0" lang="en-US" sz="1050" spc="-1" strike="noStrike">
+              <a:t>https://scotch.io/@vishalbiradar/how-to-install-specific-version-of-nodejs</a:t>
+            </a:r>
+            <a:endParaRPr lang="en-US" sz="1200" b="0" strike="noStrike" spc="-1" dirty="0">
               <a:latin typeface="Arial"/>
             </a:endParaRPr>
           </a:p>
           <a:p>
-            <a:endParaRPr b="0" lang="en-US" sz="1050" spc="-1" strike="noStrike">
+            <a:endParaRPr lang="en-US" sz="1200" b="0" strike="noStrike" spc="-1" dirty="0">
               <a:latin typeface="Arial"/>
             </a:endParaRPr>
           </a:p>
@@ -3960,8 +7893,8 @@
         </p:nvSpPr>
         <p:spPr>
           <a:xfrm>
-            <a:off x="4937760" y="4311360"/>
-            <a:ext cx="5083200" cy="1587960"/>
+            <a:off x="245663" y="4508290"/>
+            <a:ext cx="8847253" cy="1168097"/>
           </a:xfrm>
           <a:prstGeom prst="rect">
             <a:avLst/>
@@ -3972,112 +7905,137 @@
           </a:ln>
         </p:spPr>
         <p:txBody>
-          <a:bodyPr lIns="90000" rIns="90000" tIns="45000" bIns="45000">
+          <a:bodyPr wrap="square" lIns="90000" tIns="45000" rIns="90000" bIns="45000">
             <a:spAutoFit/>
           </a:bodyPr>
-          <a:p>
-            <a:pPr algn="r">
+          <a:lstStyle/>
+          <a:p>
+            <a:pPr algn="ctr">
               <a:lnSpc>
                 <a:spcPct val="100000"/>
               </a:lnSpc>
             </a:pPr>
             <a:r>
-              <a:rPr b="1" i="1" lang="en-US" sz="1100" spc="-1" strike="noStrike">
+              <a:rPr lang="en-US" sz="1100" b="1" i="1" strike="noStrike" spc="-1" dirty="0" err="1" smtClean="0">
                 <a:latin typeface="Arial"/>
               </a:rPr>
-              <a:t>Referencias de estudo</a:t>
-            </a:r>
-            <a:endParaRPr b="0" lang="en-US" sz="1100" spc="-1" strike="noStrike">
+              <a:t>Outras</a:t>
+            </a:r>
+            <a:r>
+              <a:rPr lang="en-US" sz="1100" b="1" i="1" strike="noStrike" spc="-1" dirty="0" smtClean="0">
+                <a:latin typeface="Arial"/>
+              </a:rPr>
+              <a:t> </a:t>
+            </a:r>
+            <a:r>
+              <a:rPr lang="en-US" sz="1100" b="1" i="1" strike="noStrike" spc="-1" dirty="0" err="1" smtClean="0">
+                <a:latin typeface="Arial"/>
+              </a:rPr>
+              <a:t>referências</a:t>
+            </a:r>
+            <a:r>
+              <a:rPr lang="en-US" sz="1100" b="1" i="1" strike="noStrike" spc="-1" dirty="0" smtClean="0">
+                <a:latin typeface="Arial"/>
+              </a:rPr>
+              <a:t> de </a:t>
+            </a:r>
+            <a:r>
+              <a:rPr lang="en-US" sz="1100" b="1" i="1" strike="noStrike" spc="-1" dirty="0" err="1">
+                <a:latin typeface="Arial"/>
+              </a:rPr>
+              <a:t>estudo</a:t>
+            </a:r>
+            <a:endParaRPr lang="en-US" sz="1100" b="0" strike="noStrike" spc="-1" dirty="0">
               <a:latin typeface="Arial"/>
             </a:endParaRPr>
           </a:p>
           <a:p>
-            <a:pPr algn="r">
+            <a:pPr algn="ctr">
               <a:lnSpc>
                 <a:spcPct val="100000"/>
               </a:lnSpc>
             </a:pPr>
             <a:r>
-              <a:rPr b="0" lang="en-US" sz="1100" spc="-1" strike="noStrike">
+              <a:rPr lang="en-US" sz="1100" b="0" strike="noStrike" spc="-1" dirty="0">
                 <a:latin typeface="Arial"/>
                 <a:hlinkClick r:id="rId4"/>
               </a:rPr>
               <a:t>https://docs.nestjs.com/</a:t>
             </a:r>
-            <a:endParaRPr b="0" lang="en-US" sz="1100" spc="-1" strike="noStrike">
+            <a:endParaRPr lang="en-US" sz="1100" b="0" strike="noStrike" spc="-1" dirty="0">
               <a:latin typeface="Arial"/>
             </a:endParaRPr>
           </a:p>
           <a:p>
-            <a:pPr algn="r"/>
-            <a:r>
-              <a:rPr b="0" lang="en-US" sz="1100" spc="-1" strike="noStrike">
+            <a:pPr algn="ctr"/>
+            <a:r>
+              <a:rPr lang="en-US" sz="1100" b="0" strike="noStrike" spc="-1" dirty="0">
                 <a:latin typeface="Arial"/>
                 <a:hlinkClick r:id="rId5"/>
               </a:rPr>
               <a:t>https://medium.com/javascript-in-plain-english/a-crash-course-in-nestjs-cccfc0090a16</a:t>
             </a:r>
-            <a:endParaRPr b="0" lang="en-US" sz="1100" spc="-1" strike="noStrike">
+            <a:endParaRPr lang="en-US" sz="1100" b="0" strike="noStrike" spc="-1" dirty="0">
               <a:latin typeface="Arial"/>
             </a:endParaRPr>
           </a:p>
           <a:p>
-            <a:pPr algn="r"/>
-            <a:r>
-              <a:rPr b="0" lang="en-US" sz="1000" spc="-1" strike="noStrike">
+            <a:pPr algn="ctr"/>
+            <a:r>
+              <a:rPr lang="en-US" sz="1000" b="0" strike="noStrike" spc="-1" dirty="0">
                 <a:latin typeface="Arial"/>
                 <a:hlinkClick r:id="rId6"/>
               </a:rPr>
               <a:t>https://www.thewebdevcoach.com/stand-up-a-node-js-server-with-nestjs-including-typescript-and-graphql</a:t>
             </a:r>
-            <a:endParaRPr b="0" lang="en-US" sz="1000" spc="-1" strike="noStrike">
+            <a:endParaRPr lang="en-US" sz="1000" b="0" strike="noStrike" spc="-1" dirty="0">
               <a:latin typeface="Arial"/>
             </a:endParaRPr>
           </a:p>
           <a:p>
-            <a:pPr algn="r">
+            <a:pPr algn="ctr">
               <a:lnSpc>
                 <a:spcPct val="100000"/>
               </a:lnSpc>
             </a:pPr>
             <a:r>
-              <a:rPr b="0" lang="en-US" sz="900" spc="-1" strike="noStrike">
+              <a:rPr lang="en-US" sz="900" b="0" strike="noStrike" spc="-1" dirty="0">
                 <a:latin typeface="Arial"/>
                 <a:hlinkClick r:id="rId7"/>
               </a:rPr>
               <a:t>https://auth0.com/blog/developing-a-secure-api-with-nestjs-creating-endpoints/</a:t>
             </a:r>
-            <a:endParaRPr b="0" lang="en-US" sz="900" spc="-1" strike="noStrike">
+            <a:endParaRPr lang="en-US" sz="900" b="0" strike="noStrike" spc="-1" dirty="0">
               <a:latin typeface="Arial"/>
             </a:endParaRPr>
           </a:p>
           <a:p>
-            <a:pPr algn="r">
+            <a:pPr algn="ctr">
               <a:lnSpc>
                 <a:spcPct val="100000"/>
               </a:lnSpc>
             </a:pPr>
             <a:r>
-              <a:rPr b="0" lang="en-US" sz="900" spc="-1" strike="noStrike">
+              <a:rPr lang="en-US" sz="900" b="0" strike="noStrike" spc="-1" dirty="0">
                 <a:latin typeface="Arial"/>
                 <a:hlinkClick r:id="rId8"/>
               </a:rPr>
               <a:t>https://blog.theodo.com/2019/06/test-nestjs-with-jest-typescript/</a:t>
             </a:r>
-            <a:endParaRPr b="0" lang="en-US" sz="900" spc="-1" strike="noStrike">
+            <a:endParaRPr lang="en-US" sz="900" b="0" strike="noStrike" spc="-1" dirty="0">
               <a:latin typeface="Arial"/>
             </a:endParaRPr>
           </a:p>
           <a:p>
-            <a:pPr algn="r"/>
-            <a:r>
-              <a:rPr b="0" lang="en-US" sz="900" spc="-1" strike="noStrike">
+            <a:pPr algn="ctr"/>
+            <a:r>
+              <a:rPr lang="en-US" sz="900" b="0" strike="noStrike" spc="-1" dirty="0">
                 <a:latin typeface="Arial"/>
                 <a:hlinkClick r:id="rId9"/>
               </a:rPr>
               <a:t>https://typeorm.io/#/</a:t>
             </a:r>
-            <a:endParaRPr b="0" lang="en-US" sz="900" spc="-1" strike="noStrike">
+            <a:endParaRPr lang="en-US" sz="900" b="0" strike="noStrike" spc="-1" dirty="0">
               <a:latin typeface="Arial"/>
             </a:endParaRPr>
           </a:p>
@@ -4085,119 +8043,519 @@
       </p:sp>
       <p:sp>
         <p:nvSpPr>
-          <p:cNvPr id="77" name="TextShape 4"/>
-          <p:cNvSpPr txBox="1"/>
+          <p:cNvPr id="2" name="Retângulo 1"/>
+          <p:cNvSpPr/>
           <p:nvPr/>
         </p:nvSpPr>
         <p:spPr>
           <a:xfrm>
-            <a:off x="4937760" y="825840"/>
-            <a:ext cx="5029200" cy="3322440"/>
+            <a:off x="5000928" y="1021721"/>
+            <a:ext cx="5083200" cy="3554819"/>
           </a:xfrm>
           <a:prstGeom prst="rect">
             <a:avLst/>
           </a:prstGeom>
-          <a:noFill/>
-          <a:ln>
-            <a:noFill/>
+        </p:spPr>
+        <p:txBody>
+          <a:bodyPr wrap="square">
+            <a:spAutoFit/>
+          </a:bodyPr>
+          <a:lstStyle/>
+          <a:p>
+            <a:r>
+              <a:rPr lang="en-US" sz="1400" b="1" strike="noStrike" spc="-1" dirty="0" smtClean="0">
+                <a:latin typeface="Noto Mono"/>
+              </a:rPr>
+              <a:t>→ </a:t>
+            </a:r>
+            <a:r>
+              <a:rPr lang="en-US" sz="1400" b="1" u="sng" strike="noStrike" spc="-1" dirty="0" smtClean="0">
+                <a:uFillTx/>
+                <a:latin typeface="Noto Mono"/>
+              </a:rPr>
+              <a:t>Error 404 </a:t>
+            </a:r>
+            <a:r>
+              <a:rPr lang="en-US" sz="1400" b="1" u="sng" strike="noStrike" spc="-1" dirty="0" err="1" smtClean="0">
+                <a:uFillTx/>
+                <a:latin typeface="Noto Mono"/>
+              </a:rPr>
+              <a:t>em</a:t>
+            </a:r>
+            <a:r>
+              <a:rPr lang="en-US" sz="1400" b="1" u="sng" strike="noStrike" spc="-1" dirty="0" smtClean="0">
+                <a:uFillTx/>
+                <a:latin typeface="Noto Mono"/>
+              </a:rPr>
+              <a:t> </a:t>
+            </a:r>
+            <a:r>
+              <a:rPr lang="en-US" sz="1400" b="1" u="sng" strike="noStrike" spc="-1" dirty="0" err="1" smtClean="0">
+                <a:uFillTx/>
+                <a:latin typeface="Noto Mono"/>
+              </a:rPr>
+              <a:t>toda</a:t>
+            </a:r>
+            <a:r>
+              <a:rPr lang="en-US" sz="1400" b="1" u="sng" strike="noStrike" spc="-1" dirty="0" smtClean="0">
+                <a:uFillTx/>
+                <a:latin typeface="Noto Mono"/>
+              </a:rPr>
+              <a:t> </a:t>
+            </a:r>
+            <a:r>
+              <a:rPr lang="en-US" sz="1400" b="1" u="sng" strike="noStrike" spc="-1" dirty="0" err="1" smtClean="0">
+                <a:uFillTx/>
+                <a:latin typeface="Noto Mono"/>
+              </a:rPr>
+              <a:t>chamada</a:t>
+            </a:r>
+            <a:r>
+              <a:rPr lang="en-US" sz="1400" b="1" u="sng" strike="noStrike" spc="-1" dirty="0" smtClean="0">
+                <a:uFillTx/>
+                <a:latin typeface="Noto Mono"/>
+              </a:rPr>
+              <a:t> do app</a:t>
+            </a:r>
+            <a:r>
+              <a:rPr lang="en-US" sz="1400" b="1" strike="noStrike" spc="-1" dirty="0" smtClean="0">
+                <a:latin typeface="Noto Mono"/>
+              </a:rPr>
+              <a:t> {</a:t>
+            </a:r>
+            <a:endParaRPr lang="en-US" sz="1400" spc="-1" dirty="0"/>
+          </a:p>
+          <a:p>
+            <a:pPr>
+              <a:lnSpc>
+                <a:spcPct val="150000"/>
+              </a:lnSpc>
+            </a:pPr>
+            <a:r>
+              <a:rPr lang="en-US" sz="1400" b="1" strike="noStrike" spc="-1" dirty="0" smtClean="0">
+                <a:latin typeface="Noto Mono"/>
+              </a:rPr>
+              <a:t>	GET | POST,</a:t>
+            </a:r>
+            <a:endParaRPr lang="en-US" sz="1400" spc="-1" dirty="0"/>
+          </a:p>
+          <a:p>
+            <a:pPr>
+              <a:lnSpc>
+                <a:spcPct val="150000"/>
+              </a:lnSpc>
+            </a:pPr>
+            <a:r>
+              <a:rPr lang="en-US" sz="1400" b="1" spc="-1" dirty="0">
+                <a:latin typeface="Noto Mono"/>
+              </a:rPr>
+              <a:t>	</a:t>
+            </a:r>
+            <a:r>
+              <a:rPr lang="en-US" sz="1400" b="1" spc="-1" dirty="0" err="1">
+                <a:latin typeface="Noto Mono"/>
+              </a:rPr>
+              <a:t>problema</a:t>
+            </a:r>
+            <a:r>
+              <a:rPr lang="en-US" sz="1400" b="1" spc="-1" dirty="0">
+                <a:latin typeface="Noto Mono"/>
+              </a:rPr>
+              <a:t> : {"statusCode":404,"error":"Not </a:t>
+            </a:r>
+            <a:r>
+              <a:rPr lang="en-US" sz="1400" b="1" spc="-1" dirty="0" err="1">
+                <a:latin typeface="Noto Mono"/>
+              </a:rPr>
+              <a:t>Found","message":"Cannot</a:t>
+            </a:r>
+            <a:r>
+              <a:rPr lang="en-US" sz="1400" b="1" spc="-1" dirty="0">
+                <a:latin typeface="Noto Mono"/>
+              </a:rPr>
+              <a:t> OPTIONS /authenticate"}</a:t>
+            </a:r>
+            <a:r>
+              <a:rPr lang="en-US" sz="1400" b="1" strike="noStrike" spc="-1" dirty="0" smtClean="0">
+                <a:latin typeface="Noto Mono"/>
+              </a:rPr>
+              <a:t>,</a:t>
+            </a:r>
+            <a:endParaRPr lang="en-US" sz="1400" spc="-1" dirty="0"/>
+          </a:p>
+          <a:p>
+            <a:pPr>
+              <a:lnSpc>
+                <a:spcPct val="150000"/>
+              </a:lnSpc>
+            </a:pPr>
+            <a:r>
+              <a:rPr lang="en-US" sz="1400" b="1" strike="noStrike" spc="-1" dirty="0" smtClean="0">
+                <a:latin typeface="Noto Mono"/>
+              </a:rPr>
+              <a:t>	</a:t>
+            </a:r>
+            <a:r>
+              <a:rPr lang="en-US" sz="1400" b="1" strike="noStrike" spc="-1" dirty="0" err="1" smtClean="0">
+                <a:latin typeface="Noto Mono"/>
+              </a:rPr>
+              <a:t>solucao</a:t>
+            </a:r>
+            <a:r>
+              <a:rPr lang="en-US" sz="1400" b="1" strike="noStrike" spc="-1" dirty="0" smtClean="0">
+                <a:latin typeface="Noto Mono"/>
+              </a:rPr>
+              <a:t> : </a:t>
+            </a:r>
+            <a:r>
+              <a:rPr lang="en-US" sz="1400" b="1" strike="noStrike" spc="-1" dirty="0" err="1" smtClean="0">
+                <a:latin typeface="Noto Mono"/>
+              </a:rPr>
+              <a:t>passei</a:t>
+            </a:r>
+            <a:r>
+              <a:rPr lang="en-US" sz="1400" b="1" strike="noStrike" spc="-1" dirty="0" smtClean="0">
+                <a:latin typeface="Noto Mono"/>
+              </a:rPr>
+              <a:t> o </a:t>
+            </a:r>
+            <a:r>
+              <a:rPr lang="en-US" sz="1400" b="1" strike="noStrike" spc="-1" dirty="0" err="1" smtClean="0">
+                <a:latin typeface="Noto Mono"/>
+              </a:rPr>
+              <a:t>parametro</a:t>
+            </a:r>
+            <a:r>
+              <a:rPr lang="en-US" sz="1400" b="1" strike="noStrike" spc="-1" dirty="0" smtClean="0">
+                <a:latin typeface="Noto Mono"/>
+              </a:rPr>
+              <a:t> {</a:t>
+            </a:r>
+            <a:r>
+              <a:rPr lang="en-US" sz="1400" b="1" strike="noStrike" spc="-1" dirty="0" err="1" smtClean="0">
+                <a:latin typeface="Noto Mono"/>
+              </a:rPr>
+              <a:t>cors</a:t>
+            </a:r>
+            <a:r>
+              <a:rPr lang="en-US" sz="1400" b="1" strike="noStrike" spc="-1" dirty="0" smtClean="0">
+                <a:latin typeface="Noto Mono"/>
+              </a:rPr>
+              <a:t>:{origin: true, </a:t>
+            </a:r>
+            <a:r>
+              <a:rPr lang="en-US" sz="1400" b="1" strike="noStrike" spc="-1" dirty="0" err="1" smtClean="0">
+                <a:latin typeface="Noto Mono"/>
+              </a:rPr>
+              <a:t>preflightContinue</a:t>
+            </a:r>
+            <a:r>
+              <a:rPr lang="en-US" sz="1400" b="1" strike="noStrike" spc="-1" dirty="0" smtClean="0">
+                <a:latin typeface="Noto Mono"/>
+              </a:rPr>
+              <a:t>: false} para o app e </a:t>
+            </a:r>
+            <a:r>
+              <a:rPr lang="en-US" sz="1400" b="1" strike="noStrike" spc="-1" dirty="0" err="1" smtClean="0">
+                <a:latin typeface="Noto Mono"/>
+              </a:rPr>
+              <a:t>coloquei</a:t>
+            </a:r>
+            <a:r>
+              <a:rPr lang="en-US" sz="1400" b="1" strike="noStrike" spc="-1" dirty="0" smtClean="0">
+                <a:latin typeface="Noto Mono"/>
+              </a:rPr>
+              <a:t> a </a:t>
+            </a:r>
+            <a:r>
+              <a:rPr lang="en-US" sz="1400" b="1" strike="noStrike" spc="-1" dirty="0" err="1" smtClean="0">
+                <a:latin typeface="Noto Mono"/>
+              </a:rPr>
+              <a:t>mesma</a:t>
+            </a:r>
+            <a:r>
+              <a:rPr lang="en-US" sz="1400" b="1" strike="noStrike" spc="-1" dirty="0" smtClean="0">
+                <a:latin typeface="Noto Mono"/>
+              </a:rPr>
+              <a:t> </a:t>
+            </a:r>
+            <a:r>
+              <a:rPr lang="en-US" sz="1400" b="1" strike="noStrike" spc="-1" dirty="0" err="1" smtClean="0">
+                <a:latin typeface="Noto Mono"/>
+              </a:rPr>
+              <a:t>rota</a:t>
+            </a:r>
+            <a:r>
+              <a:rPr lang="en-US" sz="1400" b="1" strike="noStrike" spc="-1" dirty="0" smtClean="0">
+                <a:latin typeface="Noto Mono"/>
+              </a:rPr>
+              <a:t> no controller() e no get()</a:t>
+            </a:r>
+            <a:endParaRPr lang="en-US" sz="1400" spc="-1" dirty="0"/>
+          </a:p>
+          <a:p>
+            <a:pPr>
+              <a:lnSpc>
+                <a:spcPct val="150000"/>
+              </a:lnSpc>
+            </a:pPr>
+            <a:r>
+              <a:rPr lang="en-US" sz="1400" b="1" strike="noStrike" spc="-1" dirty="0" smtClean="0">
+                <a:latin typeface="Noto Mono"/>
+              </a:rPr>
+              <a:t>} </a:t>
+            </a:r>
+            <a:endParaRPr lang="en-US" sz="1400" spc="-1" dirty="0"/>
+          </a:p>
+          <a:p>
+            <a:endParaRPr lang="en-US" sz="1400" spc="-1" dirty="0"/>
+          </a:p>
+          <a:p>
+            <a:r>
+              <a:rPr lang="en-US" sz="1400" b="1" strike="noStrike" spc="-1" dirty="0" smtClean="0">
+                <a:latin typeface="Noto Mono"/>
+              </a:rPr>
+              <a:t>@</a:t>
+            </a:r>
+            <a:r>
+              <a:rPr lang="en-US" sz="1400" b="1" strike="noStrike" spc="-1" dirty="0" err="1" smtClean="0">
+                <a:latin typeface="Noto Mono"/>
+              </a:rPr>
+              <a:t>fonte</a:t>
+            </a:r>
+            <a:r>
+              <a:rPr lang="en-US" sz="1400" b="1" strike="noStrike" spc="-1" dirty="0" smtClean="0">
+                <a:latin typeface="Noto Mono"/>
+              </a:rPr>
+              <a:t>(</a:t>
+            </a:r>
+            <a:r>
+              <a:rPr lang="en-US" sz="1400" b="1" strike="noStrike" spc="-1" dirty="0" err="1" smtClean="0">
+                <a:latin typeface="Noto Mono"/>
+              </a:rPr>
+              <a:t>msm</a:t>
+            </a:r>
+            <a:r>
+              <a:rPr lang="en-US" sz="1400" b="1" strike="noStrike" spc="-1" dirty="0" smtClean="0">
+                <a:latin typeface="Noto Mono"/>
+              </a:rPr>
+              <a:t> </a:t>
+            </a:r>
+            <a:r>
+              <a:rPr lang="en-US" sz="1400" b="1" strike="noStrike" spc="-1" dirty="0" err="1" smtClean="0">
+                <a:latin typeface="Noto Mono"/>
+              </a:rPr>
+              <a:t>problema</a:t>
+            </a:r>
+            <a:r>
+              <a:rPr lang="en-US" sz="1400" b="1" strike="noStrike" spc="-1" dirty="0" smtClean="0">
+                <a:latin typeface="Noto Mono"/>
+              </a:rPr>
+              <a:t>)</a:t>
+            </a:r>
+            <a:endParaRPr lang="en-US" sz="1400" spc="-1" dirty="0"/>
+          </a:p>
+          <a:p>
+            <a:r>
+              <a:rPr lang="en-US" sz="1200" u="sng" spc="-1" dirty="0">
+                <a:hlinkClick r:id="rId10"/>
+              </a:rPr>
+              <a:t>https://stackoverflow.com/questions/50354176/getting-404-not-found-on-options-with-nestjs</a:t>
+            </a:r>
+            <a:endParaRPr lang="en-US" sz="1600" spc="-1" dirty="0"/>
+          </a:p>
+          <a:p>
+            <a:endParaRPr lang="en-US" sz="1200" spc="-1" dirty="0"/>
+          </a:p>
+        </p:txBody>
+      </p:sp>
+      <p:sp>
+        <p:nvSpPr>
+          <p:cNvPr id="3" name="Retângulo 2"/>
+          <p:cNvSpPr/>
+          <p:nvPr/>
+        </p:nvSpPr>
+        <p:spPr>
+          <a:xfrm>
+            <a:off x="105087" y="545543"/>
+            <a:ext cx="2209195" cy="369332"/>
+          </a:xfrm>
+          <a:prstGeom prst="rect">
+            <a:avLst/>
+          </a:prstGeom>
+        </p:spPr>
+        <p:txBody>
+          <a:bodyPr wrap="none">
+            <a:spAutoFit/>
+          </a:bodyPr>
+          <a:lstStyle/>
+          <a:p>
+            <a:pPr algn="ctr">
+              <a:lnSpc>
+                <a:spcPct val="100000"/>
+              </a:lnSpc>
+            </a:pPr>
+            <a:r>
+              <a:rPr lang="en-US" b="1" strike="noStrike" spc="-1" dirty="0" smtClean="0">
+                <a:latin typeface="Noto Mono"/>
+              </a:rPr>
+              <a:t>CONTRA-TEMPOS</a:t>
+            </a:r>
+            <a:endParaRPr lang="en-US" b="1" spc="-1" dirty="0">
+              <a:latin typeface="Noto Mono"/>
+            </a:endParaRPr>
+          </a:p>
+        </p:txBody>
+      </p:sp>
+      <p:cxnSp>
+        <p:nvCxnSpPr>
+          <p:cNvPr id="9" name="Conector reto 8"/>
+          <p:cNvCxnSpPr/>
+          <p:nvPr/>
+        </p:nvCxnSpPr>
+        <p:spPr>
+          <a:xfrm>
+            <a:off x="91439" y="930175"/>
+            <a:ext cx="9352812" cy="0"/>
+          </a:xfrm>
+          <a:prstGeom prst="line">
+            <a:avLst/>
+          </a:prstGeom>
+          <a:ln w="19050">
+            <a:solidFill>
+              <a:schemeClr val="tx1"/>
+            </a:solidFill>
+            <a:prstDash val="lgDashDot"/>
           </a:ln>
         </p:spPr>
+        <p:style>
+          <a:lnRef idx="1">
+            <a:schemeClr val="accent1"/>
+          </a:lnRef>
+          <a:fillRef idx="0">
+            <a:schemeClr val="accent1"/>
+          </a:fillRef>
+          <a:effectRef idx="0">
+            <a:schemeClr val="accent1"/>
+          </a:effectRef>
+          <a:fontRef idx="minor">
+            <a:schemeClr val="tx1"/>
+          </a:fontRef>
+        </p:style>
+      </p:cxnSp>
+      <p:cxnSp>
+        <p:nvCxnSpPr>
+          <p:cNvPr id="14" name="Conector reto 13"/>
+          <p:cNvCxnSpPr/>
+          <p:nvPr/>
+        </p:nvCxnSpPr>
+        <p:spPr>
+          <a:xfrm>
+            <a:off x="247706" y="4526340"/>
+            <a:ext cx="9352812" cy="0"/>
+          </a:xfrm>
+          <a:prstGeom prst="line">
+            <a:avLst/>
+          </a:prstGeom>
+          <a:ln w="19050">
+            <a:solidFill>
+              <a:schemeClr val="tx1"/>
+            </a:solidFill>
+            <a:prstDash val="lgDashDot"/>
+          </a:ln>
+        </p:spPr>
+        <p:style>
+          <a:lnRef idx="1">
+            <a:schemeClr val="accent1"/>
+          </a:lnRef>
+          <a:fillRef idx="0">
+            <a:schemeClr val="accent1"/>
+          </a:fillRef>
+          <a:effectRef idx="0">
+            <a:schemeClr val="accent1"/>
+          </a:effectRef>
+          <a:fontRef idx="minor">
+            <a:schemeClr val="tx1"/>
+          </a:fontRef>
+        </p:style>
+      </p:cxnSp>
+      <p:sp>
+        <p:nvSpPr>
+          <p:cNvPr id="10" name="Seta para a direita 9"/>
+          <p:cNvSpPr/>
+          <p:nvPr/>
+        </p:nvSpPr>
+        <p:spPr>
+          <a:xfrm>
+            <a:off x="622830" y="183814"/>
+            <a:ext cx="1173707" cy="197640"/>
+          </a:xfrm>
+          <a:prstGeom prst="rightArrow">
+            <a:avLst/>
+          </a:prstGeom>
+          <a:solidFill>
+            <a:schemeClr val="tx1"/>
+          </a:solidFill>
+          <a:ln>
+            <a:solidFill>
+              <a:schemeClr val="tx1"/>
+            </a:solidFill>
+          </a:ln>
+        </p:spPr>
+        <p:style>
+          <a:lnRef idx="2">
+            <a:schemeClr val="accent1">
+              <a:shade val="50000"/>
+            </a:schemeClr>
+          </a:lnRef>
+          <a:fillRef idx="1">
+            <a:schemeClr val="accent1"/>
+          </a:fillRef>
+          <a:effectRef idx="0">
+            <a:schemeClr val="accent1"/>
+          </a:effectRef>
+          <a:fontRef idx="minor">
+            <a:schemeClr val="lt1"/>
+          </a:fontRef>
+        </p:style>
         <p:txBody>
-          <a:bodyPr lIns="90000" rIns="90000" tIns="45000" bIns="45000">
-            <a:spAutoFit/>
-          </a:bodyPr>
+          <a:bodyPr rtlCol="0" anchor="ctr"/>
+          <a:lstStyle/>
           <a:p>
             <a:pPr algn="ctr"/>
-            <a:r>
-              <a:rPr b="0" lang="en-US" sz="1200" spc="-1" strike="noStrike">
-                <a:latin typeface="Droid Sans Fallback"/>
-              </a:rPr>
-              <a:t>PERCEPÇÕES</a:t>
-            </a:r>
-            <a:endParaRPr b="0" lang="en-US" sz="1200" spc="-1" strike="noStrike">
-              <a:latin typeface="Arial"/>
-            </a:endParaRPr>
-          </a:p>
-          <a:p>
-            <a:endParaRPr b="0" lang="en-US" sz="1200" spc="-1" strike="noStrike">
-              <a:latin typeface="Arial"/>
-            </a:endParaRPr>
-          </a:p>
-          <a:p>
-            <a:pPr algn="just"/>
-            <a:r>
-              <a:rPr b="0" lang="en-US" sz="1400" spc="-1" strike="noStrike">
-                <a:latin typeface="Droid Sans Fallback"/>
-              </a:rPr>
-              <a:t>Foi meu primeiro contato com o TypeScript e achei uma linguagem muito concisa e gostosa de se escrever. </a:t>
-            </a:r>
-            <a:endParaRPr b="0" lang="en-US" sz="1400" spc="-1" strike="noStrike">
-              <a:latin typeface="Arial"/>
-            </a:endParaRPr>
-          </a:p>
-          <a:p>
-            <a:endParaRPr b="0" lang="en-US" sz="1400" spc="-1" strike="noStrike">
-              <a:latin typeface="Arial"/>
-            </a:endParaRPr>
-          </a:p>
-          <a:p>
-            <a:pPr algn="just"/>
-            <a:r>
-              <a:rPr b="0" lang="en-US" sz="1400" spc="-1" strike="noStrike">
-                <a:latin typeface="Droid Sans Fallback"/>
-              </a:rPr>
-              <a:t>Percebi semelhança entre algumas lógicas estruturais do Java e me senti confortável na utilização de Decorators para agregar funcionalidades às variaveis e com as formas de lidar com erros, que se assemelham ao utilizado no Python.</a:t>
-            </a:r>
-            <a:endParaRPr b="0" lang="en-US" sz="1400" spc="-1" strike="noStrike">
-              <a:latin typeface="Arial"/>
-            </a:endParaRPr>
-          </a:p>
-          <a:p>
-            <a:pPr algn="just"/>
-            <a:endParaRPr b="0" lang="en-US" sz="1400" spc="-1" strike="noStrike">
-              <a:latin typeface="Arial"/>
-            </a:endParaRPr>
-          </a:p>
-          <a:p>
-            <a:pPr algn="just"/>
-            <a:r>
-              <a:rPr b="0" lang="en-US" sz="1400" spc="-1" strike="noStrike">
-                <a:latin typeface="Droid Sans Fallback"/>
-              </a:rPr>
-              <a:t>Gosto da ideia de trabalhar e me aperfeiçoar em JavaScript, já havia usado a linguagem como hobby.</a:t>
-            </a:r>
-            <a:endParaRPr b="0" lang="en-US" sz="1400" spc="-1" strike="noStrike">
-              <a:latin typeface="Arial"/>
-            </a:endParaRPr>
+            <a:endParaRPr lang="pt-BR"/>
           </a:p>
         </p:txBody>
       </p:sp>
     </p:spTree>
   </p:cSld>
-  <mc:AlternateContent>
+  <p:clrMapOvr>
+    <a:masterClrMapping/>
+  </p:clrMapOvr>
+  <mc:AlternateContent xmlns:mc="http://schemas.openxmlformats.org/markup-compatibility/2006" xmlns:p14="http://schemas.microsoft.com/office/powerpoint/2010/main">
     <mc:Choice Requires="p14">
       <p:transition spd="slow" p14:dur="2000"/>
     </mc:Choice>
-    <mc:Fallback>
+    <mc:Fallback xmlns:p15="http://schemas.microsoft.com/office/powerpoint/2012/main" xmlns="">
       <p:transition spd="slow"/>
     </mc:Fallback>
   </mc:AlternateContent>
   <p:timing>
     <p:tnLst>
       <p:par>
-        <p:cTn id="15" dur="indefinite" restart="never" nodeType="tmRoot">
+        <p:cTn id="1" dur="indefinite" restart="never" nodeType="tmRoot">
           <p:childTnLst>
             <p:seq>
-              <p:cTn id="16" dur="indefinite" nodeType="mainSeq"/>
+              <p:cTn id="2" dur="indefinite" nodeType="mainSeq"/>
               <p:prevCondLst>
-                <p:cond delay="0" evt="onPrev">
+                <p:cond evt="onPrev" delay="0">
                   <p:tgtEl>
                     <p:sldTgt/>
                   </p:tgtEl>
                 </p:cond>
               </p:prevCondLst>
               <p:nextCondLst>
-                <p:cond delay="0" evt="onNext">
+                <p:cond evt="onNext" delay="0">
                   <p:tgtEl>
                     <p:sldTgt/>
                   </p:tgtEl>
@@ -4223,31 +8581,31 @@
         <a:sysClr val="window" lastClr="FFFFFF"/>
       </a:lt1>
       <a:dk2>
-        <a:srgbClr val="1f497d"/>
+        <a:srgbClr val="1F497D"/>
       </a:dk2>
       <a:lt2>
-        <a:srgbClr val="eeece1"/>
+        <a:srgbClr val="EEECE1"/>
       </a:lt2>
       <a:accent1>
-        <a:srgbClr val="4f81bd"/>
+        <a:srgbClr val="4F81BD"/>
       </a:accent1>
       <a:accent2>
-        <a:srgbClr val="c0504d"/>
+        <a:srgbClr val="C0504D"/>
       </a:accent2>
       <a:accent3>
-        <a:srgbClr val="9bbb59"/>
+        <a:srgbClr val="9BBB59"/>
       </a:accent3>
       <a:accent4>
-        <a:srgbClr val="8064a2"/>
+        <a:srgbClr val="8064A2"/>
       </a:accent4>
       <a:accent5>
-        <a:srgbClr val="4bacc6"/>
+        <a:srgbClr val="4BACC6"/>
       </a:accent5>
       <a:accent6>
-        <a:srgbClr val="f79646"/>
+        <a:srgbClr val="F79646"/>
       </a:accent6>
       <a:hlink>
-        <a:srgbClr val="0000ff"/>
+        <a:srgbClr val="0000FF"/>
       </a:hlink>
       <a:folHlink>
         <a:srgbClr val="800080"/>
@@ -4432,5 +8790,7 @@
       </a:bgFillStyleLst>
     </a:fmtScheme>
   </a:themeElements>
+  <a:objectDefaults/>
+  <a:extraClrSchemeLst/>
 </a:theme>
 </file>